--- a/course/Spring-Day3.pptx
+++ b/course/Spring-Day3.pptx
@@ -2,7 +2,7 @@
 <file path=ppt/presentation.xml><?xml version="1.0" encoding="utf-8"?>
 <p:presentation xmlns:a="http://schemas.openxmlformats.org/drawingml/2006/main" xmlns:r="http://schemas.openxmlformats.org/officeDocument/2006/relationships" xmlns:p="http://schemas.openxmlformats.org/presentationml/2006/main" saveSubsetFonts="1">
   <p:sldMasterIdLst>
-    <p:sldMasterId id="2147483660" r:id="rId1"/>
+    <p:sldMasterId id="2147483672" r:id="rId1"/>
   </p:sldMasterIdLst>
   <p:sldIdLst>
     <p:sldId id="256" r:id="rId2"/>
@@ -178,7 +178,7 @@
 </file>
 
 <file path=ppt/slideLayouts/slideLayout1.xml><?xml version="1.0" encoding="utf-8"?>
-<p:sldLayout xmlns:a="http://schemas.openxmlformats.org/drawingml/2006/main" xmlns:r="http://schemas.openxmlformats.org/officeDocument/2006/relationships" xmlns:p="http://schemas.openxmlformats.org/presentationml/2006/main" showMasterSp="0" type="title" preserve="1">
+<p:sldLayout xmlns:a="http://schemas.openxmlformats.org/drawingml/2006/main" xmlns:r="http://schemas.openxmlformats.org/officeDocument/2006/relationships" xmlns:p="http://schemas.openxmlformats.org/presentationml/2006/main" type="title" preserve="1">
   <p:cSld name="Title Slide">
     <p:spTree>
       <p:nvGrpSpPr>
@@ -197,22 +197,26 @@
       <p:sp>
         <p:nvSpPr>
           <p:cNvPr id="7" name="Rectangle 6"/>
-          <p:cNvSpPr/>
+          <p:cNvSpPr>
+            <a:spLocks noChangeAspect="1"/>
+          </p:cNvSpPr>
           <p:nvPr/>
         </p:nvSpPr>
         <p:spPr>
           <a:xfrm>
-            <a:off x="3175" y="6400800"/>
-            <a:ext cx="12188825" cy="457200"/>
+            <a:off x="231140" y="243840"/>
+            <a:ext cx="11724640" cy="6377939"/>
           </a:xfrm>
           <a:prstGeom prst="rect">
             <a:avLst/>
           </a:prstGeom>
           <a:solidFill>
-            <a:schemeClr val="accent2"/>
+            <a:schemeClr val="accent1"/>
           </a:solidFill>
-          <a:ln>
-            <a:noFill/>
+          <a:ln w="12700">
+            <a:solidFill>
+              <a:srgbClr val="FFFFFF"/>
+            </a:solidFill>
           </a:ln>
         </p:spPr>
         <p:style>
@@ -234,56 +238,18 @@
       </p:sp>
       <p:sp>
         <p:nvSpPr>
-          <p:cNvPr id="8" name="Rectangle 7"/>
-          <p:cNvSpPr/>
-          <p:nvPr/>
+          <p:cNvPr id="2" name="Title 1"/>
+          <p:cNvSpPr>
+            <a:spLocks noGrp="1"/>
+          </p:cNvSpPr>
+          <p:nvPr>
+            <p:ph type="ctrTitle"/>
+          </p:nvPr>
         </p:nvSpPr>
         <p:spPr>
           <a:xfrm>
-            <a:off x="15" y="6334316"/>
-            <a:ext cx="12188825" cy="64008"/>
-          </a:xfrm>
-          <a:prstGeom prst="rect">
-            <a:avLst/>
-          </a:prstGeom>
-          <a:solidFill>
-            <a:schemeClr val="accent1"/>
-          </a:solidFill>
-          <a:ln>
-            <a:noFill/>
-          </a:ln>
-        </p:spPr>
-        <p:style>
-          <a:lnRef idx="2">
-            <a:schemeClr val="accent1">
-              <a:shade val="50000"/>
-            </a:schemeClr>
-          </a:lnRef>
-          <a:fillRef idx="1">
-            <a:schemeClr val="accent1"/>
-          </a:fillRef>
-          <a:effectRef idx="0">
-            <a:schemeClr val="accent1"/>
-          </a:effectRef>
-          <a:fontRef idx="minor">
-            <a:schemeClr val="lt1"/>
-          </a:fontRef>
-        </p:style>
-      </p:sp>
-      <p:sp>
-        <p:nvSpPr>
-          <p:cNvPr id="2" name="Title 1"/>
-          <p:cNvSpPr>
-            <a:spLocks noGrp="1"/>
-          </p:cNvSpPr>
-          <p:nvPr>
-            <p:ph type="ctrTitle"/>
-          </p:nvPr>
-        </p:nvSpPr>
-        <p:spPr>
-          <a:xfrm>
-            <a:off x="1097280" y="758952"/>
-            <a:ext cx="10058400" cy="3566160"/>
+            <a:off x="1109980" y="882376"/>
+            <a:ext cx="9966960" cy="2926080"/>
           </a:xfrm>
         </p:spPr>
         <p:txBody>
@@ -291,16 +257,13 @@
             <a:normAutofit/>
           </a:bodyPr>
           <a:lstStyle>
-            <a:lvl1pPr algn="l">
+            <a:lvl1pPr algn="ctr">
               <a:lnSpc>
                 <a:spcPct val="85000"/>
               </a:lnSpc>
-              <a:defRPr sz="8000" spc="-50" baseline="0">
+              <a:defRPr sz="7200" b="1" cap="all" baseline="0">
                 <a:solidFill>
-                  <a:schemeClr val="tx1">
-                    <a:lumMod val="85000"/>
-                    <a:lumOff val="15000"/>
-                  </a:schemeClr>
+                  <a:srgbClr val="FFFFFF"/>
                 </a:solidFill>
               </a:defRPr>
             </a:lvl1pPr>
@@ -326,31 +289,30 @@
         </p:nvSpPr>
         <p:spPr>
           <a:xfrm>
-            <a:off x="1100051" y="4455620"/>
-            <a:ext cx="10058400" cy="1143000"/>
+            <a:off x="1709530" y="3869634"/>
+            <a:ext cx="8767860" cy="1388165"/>
           </a:xfrm>
         </p:spPr>
         <p:txBody>
-          <a:bodyPr lIns="91440" rIns="91440">
+          <a:bodyPr>
             <a:normAutofit/>
           </a:bodyPr>
           <a:lstStyle>
-            <a:lvl1pPr marL="0" indent="0" algn="l">
+            <a:lvl1pPr marL="0" indent="0" algn="ctr">
               <a:buNone/>
-              <a:defRPr sz="2400" cap="all" spc="200" baseline="0">
+              <a:defRPr sz="2200">
                 <a:solidFill>
-                  <a:schemeClr val="tx2"/>
+                  <a:srgbClr val="FFFFFF"/>
                 </a:solidFill>
-                <a:latin typeface="+mj-lt"/>
               </a:defRPr>
             </a:lvl1pPr>
             <a:lvl2pPr marL="457200" indent="0" algn="ctr">
               <a:buNone/>
-              <a:defRPr sz="2400"/>
+              <a:defRPr sz="2200"/>
             </a:lvl2pPr>
             <a:lvl3pPr marL="914400" indent="0" algn="ctr">
               <a:buNone/>
-              <a:defRPr sz="2400"/>
+              <a:defRPr sz="2200"/>
             </a:lvl3pPr>
             <a:lvl4pPr marL="1371600" indent="0" algn="ctr">
               <a:buNone/>
@@ -399,11 +361,19 @@
         <p:spPr/>
         <p:txBody>
           <a:bodyPr/>
-          <a:lstStyle/>
+          <a:lstStyle>
+            <a:lvl1pPr>
+              <a:defRPr>
+                <a:solidFill>
+                  <a:srgbClr val="FFFFFF"/>
+                </a:solidFill>
+              </a:defRPr>
+            </a:lvl1pPr>
+          </a:lstStyle>
           <a:p>
             <a:fld id="{55819C6C-1328-47A7-9531-77311B1A3D98}" type="datetimeFigureOut">
               <a:rPr lang="en-GB" smtClean="0"/>
-              <a:t>27/07/2016</a:t>
+              <a:t>04/08/2016</a:t>
             </a:fld>
             <a:endParaRPr lang="en-GB"/>
           </a:p>
@@ -422,7 +392,15 @@
         <p:spPr/>
         <p:txBody>
           <a:bodyPr/>
-          <a:lstStyle/>
+          <a:lstStyle>
+            <a:lvl1pPr>
+              <a:defRPr>
+                <a:solidFill>
+                  <a:srgbClr val="FFFFFF"/>
+                </a:solidFill>
+              </a:defRPr>
+            </a:lvl1pPr>
+          </a:lstStyle>
           <a:p>
             <a:endParaRPr lang="en-GB"/>
           </a:p>
@@ -441,7 +419,15 @@
         <p:spPr/>
         <p:txBody>
           <a:bodyPr/>
-          <a:lstStyle/>
+          <a:lstStyle>
+            <a:lvl1pPr>
+              <a:defRPr>
+                <a:solidFill>
+                  <a:srgbClr val="FFFFFF"/>
+                </a:solidFill>
+              </a:defRPr>
+            </a:lvl1pPr>
+          </a:lstStyle>
           <a:p>
             <a:fld id="{E9BF1494-1497-494E-A8D5-A49C36B4011A}" type="slidenum">
               <a:rPr lang="en-GB" smtClean="0"/>
@@ -453,24 +439,21 @@
       </p:sp>
       <p:cxnSp>
         <p:nvCxnSpPr>
-          <p:cNvPr id="9" name="Straight Connector 8"/>
+          <p:cNvPr id="8" name="Straight Connector 7"/>
           <p:cNvCxnSpPr/>
           <p:nvPr/>
         </p:nvCxnSpPr>
         <p:spPr>
           <a:xfrm>
-            <a:off x="1207658" y="4343400"/>
-            <a:ext cx="9875520" cy="0"/>
+            <a:off x="1978660" y="3733800"/>
+            <a:ext cx="8229601" cy="0"/>
           </a:xfrm>
           <a:prstGeom prst="line">
             <a:avLst/>
           </a:prstGeom>
-          <a:ln w="6350">
+          <a:ln>
             <a:solidFill>
-              <a:schemeClr val="tx1">
-                <a:lumMod val="50000"/>
-                <a:lumOff val="50000"/>
-              </a:schemeClr>
+              <a:srgbClr val="FFFFFF"/>
             </a:solidFill>
           </a:ln>
         </p:spPr>
@@ -492,7 +475,7 @@
     </p:spTree>
     <p:extLst>
       <p:ext uri="{BB962C8B-B14F-4D97-AF65-F5344CB8AC3E}">
-        <p14:creationId xmlns:p14="http://schemas.microsoft.com/office/powerpoint/2010/main" val="388498729"/>
+        <p14:creationId xmlns:p14="http://schemas.microsoft.com/office/powerpoint/2010/main" val="3422629809"/>
       </p:ext>
     </p:extLst>
   </p:cSld>
@@ -554,7 +537,7 @@
         </p:nvSpPr>
         <p:spPr/>
         <p:txBody>
-          <a:bodyPr vert="eaVert" lIns="45720" tIns="0" rIns="45720" bIns="0"/>
+          <a:bodyPr vert="eaVert"/>
           <a:lstStyle/>
           <a:p>
             <a:pPr lvl="0"/>
@@ -611,7 +594,7 @@
           <a:p>
             <a:fld id="{55819C6C-1328-47A7-9531-77311B1A3D98}" type="datetimeFigureOut">
               <a:rPr lang="en-GB" smtClean="0"/>
-              <a:t>27/07/2016</a:t>
+              <a:t>04/08/2016</a:t>
             </a:fld>
             <a:endParaRPr lang="en-GB"/>
           </a:p>
@@ -662,7 +645,7 @@
     </p:spTree>
     <p:extLst>
       <p:ext uri="{BB962C8B-B14F-4D97-AF65-F5344CB8AC3E}">
-        <p14:creationId xmlns:p14="http://schemas.microsoft.com/office/powerpoint/2010/main" val="3036209966"/>
+        <p14:creationId xmlns:p14="http://schemas.microsoft.com/office/powerpoint/2010/main" val="3986798239"/>
       </p:ext>
     </p:extLst>
   </p:cSld>
@@ -673,7 +656,7 @@
 </file>
 
 <file path=ppt/slideLayouts/slideLayout11.xml><?xml version="1.0" encoding="utf-8"?>
-<p:sldLayout xmlns:a="http://schemas.openxmlformats.org/drawingml/2006/main" xmlns:r="http://schemas.openxmlformats.org/officeDocument/2006/relationships" xmlns:p="http://schemas.openxmlformats.org/presentationml/2006/main" showMasterSp="0" type="vertTitleAndTx" preserve="1">
+<p:sldLayout xmlns:a="http://schemas.openxmlformats.org/drawingml/2006/main" xmlns:r="http://schemas.openxmlformats.org/officeDocument/2006/relationships" xmlns:p="http://schemas.openxmlformats.org/presentationml/2006/main" type="vertTitleAndTx" preserve="1">
   <p:cSld name="Vertical Title and Text">
     <p:spTree>
       <p:nvGrpSpPr>
@@ -691,128 +674,52 @@
       </p:grpSpPr>
       <p:sp>
         <p:nvSpPr>
-          <p:cNvPr id="7" name="Rectangle 6"/>
-          <p:cNvSpPr/>
-          <p:nvPr/>
+          <p:cNvPr id="2" name="Vertical Title 1"/>
+          <p:cNvSpPr>
+            <a:spLocks noGrp="1"/>
+          </p:cNvSpPr>
+          <p:nvPr>
+            <p:ph type="title" orient="vert"/>
+          </p:nvPr>
         </p:nvSpPr>
         <p:spPr>
           <a:xfrm>
-            <a:off x="3175" y="6400800"/>
-            <a:ext cx="12188825" cy="457200"/>
+            <a:off x="8724900" y="762000"/>
+            <a:ext cx="2324100" cy="5410200"/>
           </a:xfrm>
-          <a:prstGeom prst="rect">
-            <a:avLst/>
-          </a:prstGeom>
-          <a:solidFill>
-            <a:schemeClr val="accent2"/>
-          </a:solidFill>
-          <a:ln>
-            <a:noFill/>
-          </a:ln>
         </p:spPr>
-        <p:style>
-          <a:lnRef idx="2">
-            <a:schemeClr val="accent1">
-              <a:shade val="50000"/>
-            </a:schemeClr>
-          </a:lnRef>
-          <a:fillRef idx="1">
-            <a:schemeClr val="accent1"/>
-          </a:fillRef>
-          <a:effectRef idx="0">
-            <a:schemeClr val="accent1"/>
-          </a:effectRef>
-          <a:fontRef idx="minor">
-            <a:schemeClr val="lt1"/>
-          </a:fontRef>
-        </p:style>
-      </p:sp>
-      <p:sp>
-        <p:nvSpPr>
-          <p:cNvPr id="8" name="Rectangle 7"/>
-          <p:cNvSpPr/>
-          <p:nvPr/>
+        <p:txBody>
+          <a:bodyPr vert="eaVert"/>
+          <a:lstStyle/>
+          <a:p>
+            <a:r>
+              <a:rPr lang="en-US" smtClean="0"/>
+              <a:t>Click to edit Master title style</a:t>
+            </a:r>
+            <a:endParaRPr lang="en-US" dirty="0"/>
+          </a:p>
+        </p:txBody>
+      </p:sp>
+      <p:sp>
+        <p:nvSpPr>
+          <p:cNvPr id="3" name="Vertical Text Placeholder 2"/>
+          <p:cNvSpPr>
+            <a:spLocks noGrp="1"/>
+          </p:cNvSpPr>
+          <p:nvPr>
+            <p:ph type="body" orient="vert" idx="1"/>
+          </p:nvPr>
         </p:nvSpPr>
         <p:spPr>
           <a:xfrm>
-            <a:off x="15" y="6334316"/>
-            <a:ext cx="12188825" cy="64008"/>
-          </a:xfrm>
-          <a:prstGeom prst="rect">
-            <a:avLst/>
-          </a:prstGeom>
-          <a:solidFill>
-            <a:schemeClr val="accent1"/>
-          </a:solidFill>
-          <a:ln>
-            <a:noFill/>
-          </a:ln>
-        </p:spPr>
-        <p:style>
-          <a:lnRef idx="2">
-            <a:schemeClr val="accent1">
-              <a:shade val="50000"/>
-            </a:schemeClr>
-          </a:lnRef>
-          <a:fillRef idx="1">
-            <a:schemeClr val="accent1"/>
-          </a:fillRef>
-          <a:effectRef idx="0">
-            <a:schemeClr val="accent1"/>
-          </a:effectRef>
-          <a:fontRef idx="minor">
-            <a:schemeClr val="lt1"/>
-          </a:fontRef>
-        </p:style>
-      </p:sp>
-      <p:sp>
-        <p:nvSpPr>
-          <p:cNvPr id="2" name="Vertical Title 1"/>
-          <p:cNvSpPr>
-            <a:spLocks noGrp="1"/>
-          </p:cNvSpPr>
-          <p:nvPr>
-            <p:ph type="title" orient="vert"/>
-          </p:nvPr>
-        </p:nvSpPr>
-        <p:spPr>
-          <a:xfrm>
-            <a:off x="8724900" y="414778"/>
-            <a:ext cx="2628900" cy="5757421"/>
+            <a:off x="1143000" y="762000"/>
+            <a:ext cx="7429500" cy="5410200"/>
           </a:xfrm>
         </p:spPr>
         <p:txBody>
           <a:bodyPr vert="eaVert"/>
           <a:lstStyle/>
           <a:p>
-            <a:r>
-              <a:rPr lang="en-US" smtClean="0"/>
-              <a:t>Click to edit Master title style</a:t>
-            </a:r>
-            <a:endParaRPr lang="en-US" dirty="0"/>
-          </a:p>
-        </p:txBody>
-      </p:sp>
-      <p:sp>
-        <p:nvSpPr>
-          <p:cNvPr id="3" name="Vertical Text Placeholder 2"/>
-          <p:cNvSpPr>
-            <a:spLocks noGrp="1"/>
-          </p:cNvSpPr>
-          <p:nvPr>
-            <p:ph type="body" orient="vert" idx="1"/>
-          </p:nvPr>
-        </p:nvSpPr>
-        <p:spPr>
-          <a:xfrm>
-            <a:off x="838200" y="414778"/>
-            <a:ext cx="7734300" cy="5757422"/>
-          </a:xfrm>
-        </p:spPr>
-        <p:txBody>
-          <a:bodyPr vert="eaVert" lIns="45720" tIns="0" rIns="45720" bIns="0"/>
-          <a:lstStyle/>
-          <a:p>
             <a:pPr lvl="0"/>
             <a:r>
               <a:rPr lang="en-US" smtClean="0"/>
@@ -867,7 +774,7 @@
           <a:p>
             <a:fld id="{55819C6C-1328-47A7-9531-77311B1A3D98}" type="datetimeFigureOut">
               <a:rPr lang="en-GB" smtClean="0"/>
-              <a:t>27/07/2016</a:t>
+              <a:t>04/08/2016</a:t>
             </a:fld>
             <a:endParaRPr lang="en-GB"/>
           </a:p>
@@ -918,7 +825,7 @@
     </p:spTree>
     <p:extLst>
       <p:ext uri="{BB962C8B-B14F-4D97-AF65-F5344CB8AC3E}">
-        <p14:creationId xmlns:p14="http://schemas.microsoft.com/office/powerpoint/2010/main" val="3886968590"/>
+        <p14:creationId xmlns:p14="http://schemas.microsoft.com/office/powerpoint/2010/main" val="1593436016"/>
       </p:ext>
     </p:extLst>
   </p:cSld>
@@ -958,11 +865,7 @@
         <p:spPr/>
         <p:txBody>
           <a:bodyPr/>
-          <a:lstStyle>
-            <a:lvl1pPr marL="0">
-              <a:defRPr/>
-            </a:lvl1pPr>
-          </a:lstStyle>
+          <a:lstStyle/>
           <a:p>
             <a:r>
               <a:rPr lang="en-US" smtClean="0"/>
@@ -1041,7 +944,7 @@
           <a:p>
             <a:fld id="{55819C6C-1328-47A7-9531-77311B1A3D98}" type="datetimeFigureOut">
               <a:rPr lang="en-GB" smtClean="0"/>
-              <a:t>27/07/2016</a:t>
+              <a:t>04/08/2016</a:t>
             </a:fld>
             <a:endParaRPr lang="en-GB"/>
           </a:p>
@@ -1092,7 +995,7 @@
     </p:spTree>
     <p:extLst>
       <p:ext uri="{BB962C8B-B14F-4D97-AF65-F5344CB8AC3E}">
-        <p14:creationId xmlns:p14="http://schemas.microsoft.com/office/powerpoint/2010/main" val="3931496549"/>
+        <p14:creationId xmlns:p14="http://schemas.microsoft.com/office/powerpoint/2010/main" val="429593746"/>
       </p:ext>
     </p:extLst>
   </p:cSld>
@@ -1103,16 +1006,8 @@
 </file>
 
 <file path=ppt/slideLayouts/slideLayout3.xml><?xml version="1.0" encoding="utf-8"?>
-<p:sldLayout xmlns:a="http://schemas.openxmlformats.org/drawingml/2006/main" xmlns:r="http://schemas.openxmlformats.org/officeDocument/2006/relationships" xmlns:p="http://schemas.openxmlformats.org/presentationml/2006/main" showMasterSp="0" type="secHead" preserve="1">
+<p:sldLayout xmlns:a="http://schemas.openxmlformats.org/drawingml/2006/main" xmlns:r="http://schemas.openxmlformats.org/officeDocument/2006/relationships" xmlns:p="http://schemas.openxmlformats.org/presentationml/2006/main" type="secHead" preserve="1">
   <p:cSld name="Section Header">
-    <p:bg>
-      <p:bgPr>
-        <a:solidFill>
-          <a:schemeClr val="bg1"/>
-        </a:solidFill>
-        <a:effectLst/>
-      </p:bgPr>
-    </p:bg>
     <p:spTree>
       <p:nvGrpSpPr>
         <p:cNvPr id="1" name=""/>
@@ -1129,152 +1024,68 @@
       </p:grpSpPr>
       <p:sp>
         <p:nvSpPr>
-          <p:cNvPr id="7" name="Rectangle 6"/>
-          <p:cNvSpPr/>
-          <p:nvPr/>
+          <p:cNvPr id="2" name="Title 1"/>
+          <p:cNvSpPr>
+            <a:spLocks noGrp="1"/>
+          </p:cNvSpPr>
+          <p:nvPr>
+            <p:ph type="title"/>
+          </p:nvPr>
         </p:nvSpPr>
         <p:spPr>
           <a:xfrm>
-            <a:off x="3175" y="6400800"/>
-            <a:ext cx="12188825" cy="457200"/>
+            <a:off x="1106424" y="1173575"/>
+            <a:ext cx="9966960" cy="2926080"/>
           </a:xfrm>
-          <a:prstGeom prst="rect">
-            <a:avLst/>
-          </a:prstGeom>
-          <a:solidFill>
-            <a:schemeClr val="accent2"/>
-          </a:solidFill>
-          <a:ln>
-            <a:noFill/>
-          </a:ln>
         </p:spPr>
-        <p:style>
-          <a:lnRef idx="2">
-            <a:schemeClr val="accent1">
-              <a:shade val="50000"/>
-            </a:schemeClr>
-          </a:lnRef>
-          <a:fillRef idx="1">
-            <a:schemeClr val="accent1"/>
-          </a:fillRef>
-          <a:effectRef idx="0">
-            <a:schemeClr val="accent1"/>
-          </a:effectRef>
-          <a:fontRef idx="minor">
-            <a:schemeClr val="lt1"/>
-          </a:fontRef>
-        </p:style>
-      </p:sp>
-      <p:sp>
-        <p:nvSpPr>
-          <p:cNvPr id="8" name="Rectangle 7"/>
-          <p:cNvSpPr/>
-          <p:nvPr/>
+        <p:txBody>
+          <a:bodyPr anchor="b">
+            <a:noAutofit/>
+          </a:bodyPr>
+          <a:lstStyle>
+            <a:lvl1pPr algn="ctr">
+              <a:lnSpc>
+                <a:spcPct val="85000"/>
+              </a:lnSpc>
+              <a:defRPr sz="7200" b="0" cap="all" baseline="0"/>
+            </a:lvl1pPr>
+          </a:lstStyle>
+          <a:p>
+            <a:r>
+              <a:rPr lang="en-US" smtClean="0"/>
+              <a:t>Click to edit Master title style</a:t>
+            </a:r>
+            <a:endParaRPr lang="en-US" dirty="0"/>
+          </a:p>
+        </p:txBody>
+      </p:sp>
+      <p:sp>
+        <p:nvSpPr>
+          <p:cNvPr id="3" name="Text Placeholder 2"/>
+          <p:cNvSpPr>
+            <a:spLocks noGrp="1"/>
+          </p:cNvSpPr>
+          <p:nvPr>
+            <p:ph type="body" idx="1"/>
+          </p:nvPr>
         </p:nvSpPr>
         <p:spPr>
           <a:xfrm>
-            <a:off x="15" y="6334316"/>
-            <a:ext cx="12188825" cy="64008"/>
-          </a:xfrm>
-          <a:prstGeom prst="rect">
-            <a:avLst/>
-          </a:prstGeom>
-          <a:solidFill>
-            <a:schemeClr val="accent1"/>
-          </a:solidFill>
-          <a:ln>
-            <a:noFill/>
-          </a:ln>
-        </p:spPr>
-        <p:style>
-          <a:lnRef idx="2">
-            <a:schemeClr val="accent1">
-              <a:shade val="50000"/>
-            </a:schemeClr>
-          </a:lnRef>
-          <a:fillRef idx="1">
-            <a:schemeClr val="accent1"/>
-          </a:fillRef>
-          <a:effectRef idx="0">
-            <a:schemeClr val="accent1"/>
-          </a:effectRef>
-          <a:fontRef idx="minor">
-            <a:schemeClr val="lt1"/>
-          </a:fontRef>
-        </p:style>
-      </p:sp>
-      <p:sp>
-        <p:nvSpPr>
-          <p:cNvPr id="2" name="Title 1"/>
-          <p:cNvSpPr>
-            <a:spLocks noGrp="1"/>
-          </p:cNvSpPr>
-          <p:nvPr>
-            <p:ph type="title"/>
-          </p:nvPr>
-        </p:nvSpPr>
-        <p:spPr>
-          <a:xfrm>
-            <a:off x="1097280" y="758952"/>
-            <a:ext cx="10058400" cy="3566160"/>
+            <a:off x="1709928" y="4154520"/>
+            <a:ext cx="8769096" cy="1363806"/>
           </a:xfrm>
         </p:spPr>
         <p:txBody>
-          <a:bodyPr anchor="b" anchorCtr="0">
+          <a:bodyPr anchor="t">
             <a:normAutofit/>
           </a:bodyPr>
           <a:lstStyle>
-            <a:lvl1pPr>
-              <a:lnSpc>
-                <a:spcPct val="85000"/>
-              </a:lnSpc>
-              <a:defRPr sz="8000" b="0">
+            <a:lvl1pPr marL="0" indent="0" algn="ctr">
+              <a:buNone/>
+              <a:defRPr sz="2200">
                 <a:solidFill>
-                  <a:schemeClr val="tx1">
-                    <a:lumMod val="85000"/>
-                    <a:lumOff val="15000"/>
-                  </a:schemeClr>
+                  <a:schemeClr val="accent1"/>
                 </a:solidFill>
-              </a:defRPr>
-            </a:lvl1pPr>
-          </a:lstStyle>
-          <a:p>
-            <a:r>
-              <a:rPr lang="en-US" smtClean="0"/>
-              <a:t>Click to edit Master title style</a:t>
-            </a:r>
-            <a:endParaRPr lang="en-US" dirty="0"/>
-          </a:p>
-        </p:txBody>
-      </p:sp>
-      <p:sp>
-        <p:nvSpPr>
-          <p:cNvPr id="3" name="Text Placeholder 2"/>
-          <p:cNvSpPr>
-            <a:spLocks noGrp="1"/>
-          </p:cNvSpPr>
-          <p:nvPr>
-            <p:ph type="body" idx="1"/>
-          </p:nvPr>
-        </p:nvSpPr>
-        <p:spPr>
-          <a:xfrm>
-            <a:off x="1097280" y="4453128"/>
-            <a:ext cx="10058400" cy="1143000"/>
-          </a:xfrm>
-        </p:spPr>
-        <p:txBody>
-          <a:bodyPr lIns="91440" rIns="91440" anchor="t" anchorCtr="0">
-            <a:normAutofit/>
-          </a:bodyPr>
-          <a:lstStyle>
-            <a:lvl1pPr marL="0" indent="0">
-              <a:buNone/>
-              <a:defRPr sz="2400" cap="all" spc="200" baseline="0">
-                <a:solidFill>
-                  <a:schemeClr val="tx2"/>
-                </a:solidFill>
-                <a:latin typeface="+mj-lt"/>
               </a:defRPr>
             </a:lvl1pPr>
             <a:lvl2pPr marL="457200" indent="0">
@@ -1384,7 +1195,7 @@
           <a:p>
             <a:fld id="{55819C6C-1328-47A7-9531-77311B1A3D98}" type="datetimeFigureOut">
               <a:rPr lang="en-GB" smtClean="0"/>
-              <a:t>27/07/2016</a:t>
+              <a:t>04/08/2016</a:t>
             </a:fld>
             <a:endParaRPr lang="en-GB"/>
           </a:p>
@@ -1434,24 +1245,21 @@
       </p:sp>
       <p:cxnSp>
         <p:nvCxnSpPr>
-          <p:cNvPr id="9" name="Straight Connector 8"/>
+          <p:cNvPr id="7" name="Straight Connector 6"/>
           <p:cNvCxnSpPr/>
           <p:nvPr/>
         </p:nvCxnSpPr>
         <p:spPr>
           <a:xfrm>
-            <a:off x="1207658" y="4343400"/>
-            <a:ext cx="9875520" cy="0"/>
+            <a:off x="1981200" y="4020408"/>
+            <a:ext cx="8229601" cy="0"/>
           </a:xfrm>
           <a:prstGeom prst="line">
             <a:avLst/>
           </a:prstGeom>
-          <a:ln w="6350">
+          <a:ln>
             <a:solidFill>
-              <a:schemeClr val="tx1">
-                <a:lumMod val="50000"/>
-                <a:lumOff val="50000"/>
-              </a:schemeClr>
+              <a:schemeClr val="accent1"/>
             </a:solidFill>
           </a:ln>
         </p:spPr>
@@ -1473,7 +1281,7 @@
     </p:spTree>
     <p:extLst>
       <p:ext uri="{BB962C8B-B14F-4D97-AF65-F5344CB8AC3E}">
-        <p14:creationId xmlns:p14="http://schemas.microsoft.com/office/powerpoint/2010/main" val="3321645139"/>
+        <p14:creationId xmlns:p14="http://schemas.microsoft.com/office/powerpoint/2010/main" val="3143194382"/>
       </p:ext>
     </p:extLst>
   </p:cSld>
@@ -1510,19 +1318,99 @@
             <p:ph type="title"/>
           </p:nvPr>
         </p:nvSpPr>
+        <p:spPr/>
+        <p:txBody>
+          <a:bodyPr/>
+          <a:lstStyle/>
+          <a:p>
+            <a:r>
+              <a:rPr lang="en-US" smtClean="0"/>
+              <a:t>Click to edit Master title style</a:t>
+            </a:r>
+            <a:endParaRPr lang="en-US" dirty="0"/>
+          </a:p>
+        </p:txBody>
+      </p:sp>
+      <p:sp>
+        <p:nvSpPr>
+          <p:cNvPr id="3" name="Content Placeholder 2"/>
+          <p:cNvSpPr>
+            <a:spLocks noGrp="1"/>
+          </p:cNvSpPr>
+          <p:nvPr>
+            <p:ph sz="half" idx="1"/>
+          </p:nvPr>
+        </p:nvSpPr>
         <p:spPr>
           <a:xfrm>
-            <a:off x="1097280" y="286603"/>
-            <a:ext cx="10058400" cy="1450757"/>
+            <a:off x="1143000" y="2057399"/>
+            <a:ext cx="4754880" cy="4023360"/>
           </a:xfrm>
         </p:spPr>
         <p:txBody>
           <a:bodyPr/>
-          <a:lstStyle/>
-          <a:p>
+          <a:lstStyle>
+            <a:lvl1pPr>
+              <a:defRPr sz="2200"/>
+            </a:lvl1pPr>
+            <a:lvl2pPr>
+              <a:defRPr sz="2000"/>
+            </a:lvl2pPr>
+            <a:lvl3pPr>
+              <a:defRPr sz="1800"/>
+            </a:lvl3pPr>
+            <a:lvl4pPr>
+              <a:defRPr sz="1600"/>
+            </a:lvl4pPr>
+            <a:lvl5pPr>
+              <a:defRPr sz="1600"/>
+            </a:lvl5pPr>
+            <a:lvl6pPr>
+              <a:defRPr sz="1600"/>
+            </a:lvl6pPr>
+            <a:lvl7pPr>
+              <a:defRPr sz="1600"/>
+            </a:lvl7pPr>
+            <a:lvl8pPr>
+              <a:defRPr sz="1600"/>
+            </a:lvl8pPr>
+            <a:lvl9pPr>
+              <a:defRPr sz="1600"/>
+            </a:lvl9pPr>
+          </a:lstStyle>
+          <a:p>
+            <a:pPr lvl="0"/>
             <a:r>
               <a:rPr lang="en-US" smtClean="0"/>
-              <a:t>Click to edit Master title style</a:t>
+              <a:t>Click to edit Master text styles</a:t>
+            </a:r>
+          </a:p>
+          <a:p>
+            <a:pPr lvl="1"/>
+            <a:r>
+              <a:rPr lang="en-US" smtClean="0"/>
+              <a:t>Second level</a:t>
+            </a:r>
+          </a:p>
+          <a:p>
+            <a:pPr lvl="2"/>
+            <a:r>
+              <a:rPr lang="en-US" smtClean="0"/>
+              <a:t>Third level</a:t>
+            </a:r>
+          </a:p>
+          <a:p>
+            <a:pPr lvl="3"/>
+            <a:r>
+              <a:rPr lang="en-US" smtClean="0"/>
+              <a:t>Fourth level</a:t>
+            </a:r>
+          </a:p>
+          <a:p>
+            <a:pPr lvl="4"/>
+            <a:r>
+              <a:rPr lang="en-US" smtClean="0"/>
+              <a:t>Fifth level</a:t>
             </a:r>
             <a:endParaRPr lang="en-US" dirty="0"/>
           </a:p>
@@ -1530,23 +1418,51 @@
       </p:sp>
       <p:sp>
         <p:nvSpPr>
-          <p:cNvPr id="3" name="Content Placeholder 2"/>
-          <p:cNvSpPr>
-            <a:spLocks noGrp="1"/>
-          </p:cNvSpPr>
-          <p:nvPr>
-            <p:ph sz="half" idx="1"/>
+          <p:cNvPr id="4" name="Content Placeholder 3"/>
+          <p:cNvSpPr>
+            <a:spLocks noGrp="1"/>
+          </p:cNvSpPr>
+          <p:nvPr>
+            <p:ph sz="half" idx="2"/>
           </p:nvPr>
         </p:nvSpPr>
         <p:spPr>
           <a:xfrm>
-            <a:off x="1097279" y="1845734"/>
-            <a:ext cx="4937760" cy="4023360"/>
+            <a:off x="6267612" y="2057400"/>
+            <a:ext cx="4754880" cy="4023360"/>
           </a:xfrm>
         </p:spPr>
         <p:txBody>
           <a:bodyPr/>
-          <a:lstStyle/>
+          <a:lstStyle>
+            <a:lvl1pPr>
+              <a:defRPr sz="2200"/>
+            </a:lvl1pPr>
+            <a:lvl2pPr>
+              <a:defRPr sz="2000"/>
+            </a:lvl2pPr>
+            <a:lvl3pPr>
+              <a:defRPr sz="1800"/>
+            </a:lvl3pPr>
+            <a:lvl4pPr>
+              <a:defRPr sz="1600"/>
+            </a:lvl4pPr>
+            <a:lvl5pPr>
+              <a:defRPr sz="1600"/>
+            </a:lvl5pPr>
+            <a:lvl6pPr>
+              <a:defRPr sz="1600"/>
+            </a:lvl6pPr>
+            <a:lvl7pPr>
+              <a:defRPr sz="1600"/>
+            </a:lvl7pPr>
+            <a:lvl8pPr>
+              <a:defRPr sz="1600"/>
+            </a:lvl8pPr>
+            <a:lvl9pPr>
+              <a:defRPr sz="1600"/>
+            </a:lvl9pPr>
+          </a:lstStyle>
           <a:p>
             <a:pPr lvl="0"/>
             <a:r>
@@ -1587,63 +1503,6 @@
       </p:sp>
       <p:sp>
         <p:nvSpPr>
-          <p:cNvPr id="4" name="Content Placeholder 3"/>
-          <p:cNvSpPr>
-            <a:spLocks noGrp="1"/>
-          </p:cNvSpPr>
-          <p:nvPr>
-            <p:ph sz="half" idx="2"/>
-          </p:nvPr>
-        </p:nvSpPr>
-        <p:spPr>
-          <a:xfrm>
-            <a:off x="6217920" y="1845735"/>
-            <a:ext cx="4937760" cy="4023360"/>
-          </a:xfrm>
-        </p:spPr>
-        <p:txBody>
-          <a:bodyPr/>
-          <a:lstStyle/>
-          <a:p>
-            <a:pPr lvl="0"/>
-            <a:r>
-              <a:rPr lang="en-US" smtClean="0"/>
-              <a:t>Click to edit Master text styles</a:t>
-            </a:r>
-          </a:p>
-          <a:p>
-            <a:pPr lvl="1"/>
-            <a:r>
-              <a:rPr lang="en-US" smtClean="0"/>
-              <a:t>Second level</a:t>
-            </a:r>
-          </a:p>
-          <a:p>
-            <a:pPr lvl="2"/>
-            <a:r>
-              <a:rPr lang="en-US" smtClean="0"/>
-              <a:t>Third level</a:t>
-            </a:r>
-          </a:p>
-          <a:p>
-            <a:pPr lvl="3"/>
-            <a:r>
-              <a:rPr lang="en-US" smtClean="0"/>
-              <a:t>Fourth level</a:t>
-            </a:r>
-          </a:p>
-          <a:p>
-            <a:pPr lvl="4"/>
-            <a:r>
-              <a:rPr lang="en-US" smtClean="0"/>
-              <a:t>Fifth level</a:t>
-            </a:r>
-            <a:endParaRPr lang="en-US" dirty="0"/>
-          </a:p>
-        </p:txBody>
-      </p:sp>
-      <p:sp>
-        <p:nvSpPr>
           <p:cNvPr id="5" name="Date Placeholder 4"/>
           <p:cNvSpPr>
             <a:spLocks noGrp="1"/>
@@ -1659,7 +1518,7 @@
           <a:p>
             <a:fld id="{55819C6C-1328-47A7-9531-77311B1A3D98}" type="datetimeFigureOut">
               <a:rPr lang="en-GB" smtClean="0"/>
-              <a:t>27/07/2016</a:t>
+              <a:t>04/08/2016</a:t>
             </a:fld>
             <a:endParaRPr lang="en-GB"/>
           </a:p>
@@ -1710,7 +1569,7 @@
     </p:spTree>
     <p:extLst>
       <p:ext uri="{BB962C8B-B14F-4D97-AF65-F5344CB8AC3E}">
-        <p14:creationId xmlns:p14="http://schemas.microsoft.com/office/powerpoint/2010/main" val="319581762"/>
+        <p14:creationId xmlns:p14="http://schemas.microsoft.com/office/powerpoint/2010/main" val="240413256"/>
       </p:ext>
     </p:extLst>
   </p:cSld>
@@ -1747,52 +1606,44 @@
             <p:ph type="title"/>
           </p:nvPr>
         </p:nvSpPr>
+        <p:spPr/>
+        <p:txBody>
+          <a:bodyPr/>
+          <a:lstStyle/>
+          <a:p>
+            <a:r>
+              <a:rPr lang="en-US" smtClean="0"/>
+              <a:t>Click to edit Master title style</a:t>
+            </a:r>
+            <a:endParaRPr lang="en-US" dirty="0"/>
+          </a:p>
+        </p:txBody>
+      </p:sp>
+      <p:sp>
+        <p:nvSpPr>
+          <p:cNvPr id="3" name="Text Placeholder 2"/>
+          <p:cNvSpPr>
+            <a:spLocks noGrp="1"/>
+          </p:cNvSpPr>
+          <p:nvPr>
+            <p:ph type="body" idx="1"/>
+          </p:nvPr>
+        </p:nvSpPr>
         <p:spPr>
           <a:xfrm>
-            <a:off x="1097280" y="286603"/>
-            <a:ext cx="10058400" cy="1450757"/>
+            <a:off x="1143000" y="2001511"/>
+            <a:ext cx="4754880" cy="777240"/>
           </a:xfrm>
         </p:spPr>
         <p:txBody>
-          <a:bodyPr/>
-          <a:lstStyle/>
-          <a:p>
-            <a:r>
-              <a:rPr lang="en-US" smtClean="0"/>
-              <a:t>Click to edit Master title style</a:t>
-            </a:r>
-            <a:endParaRPr lang="en-US" dirty="0"/>
-          </a:p>
-        </p:txBody>
-      </p:sp>
-      <p:sp>
-        <p:nvSpPr>
-          <p:cNvPr id="3" name="Text Placeholder 2"/>
-          <p:cNvSpPr>
-            <a:spLocks noGrp="1"/>
-          </p:cNvSpPr>
-          <p:nvPr>
-            <p:ph type="body" idx="1"/>
-          </p:nvPr>
-        </p:nvSpPr>
-        <p:spPr>
-          <a:xfrm>
-            <a:off x="1097280" y="1846052"/>
-            <a:ext cx="4937760" cy="736282"/>
-          </a:xfrm>
-        </p:spPr>
-        <p:txBody>
-          <a:bodyPr lIns="91440" rIns="91440" anchor="ctr">
-            <a:normAutofit/>
-          </a:bodyPr>
+          <a:bodyPr anchor="ctr"/>
           <a:lstStyle>
             <a:lvl1pPr marL="0" indent="0">
+              <a:spcBef>
+                <a:spcPts val="0"/>
+              </a:spcBef>
               <a:buNone/>
-              <a:defRPr sz="2000" b="0" cap="all" baseline="0">
-                <a:solidFill>
-                  <a:schemeClr val="tx2"/>
-                </a:solidFill>
-              </a:defRPr>
+              <a:defRPr sz="2400" b="1"/>
             </a:lvl1pPr>
             <a:lvl2pPr marL="457200" indent="0">
               <a:buNone/>
@@ -1848,13 +1699,41 @@
         </p:nvSpPr>
         <p:spPr>
           <a:xfrm>
-            <a:off x="1097280" y="2582334"/>
-            <a:ext cx="4937760" cy="3378200"/>
+            <a:off x="1143000" y="2721483"/>
+            <a:ext cx="4754880" cy="3383280"/>
           </a:xfrm>
         </p:spPr>
         <p:txBody>
           <a:bodyPr/>
-          <a:lstStyle/>
+          <a:lstStyle>
+            <a:lvl1pPr>
+              <a:defRPr sz="2200"/>
+            </a:lvl1pPr>
+            <a:lvl2pPr>
+              <a:defRPr sz="2000"/>
+            </a:lvl2pPr>
+            <a:lvl3pPr>
+              <a:defRPr sz="1800"/>
+            </a:lvl3pPr>
+            <a:lvl4pPr>
+              <a:defRPr sz="1600"/>
+            </a:lvl4pPr>
+            <a:lvl5pPr>
+              <a:defRPr sz="1600"/>
+            </a:lvl5pPr>
+            <a:lvl6pPr>
+              <a:defRPr sz="1600"/>
+            </a:lvl6pPr>
+            <a:lvl7pPr>
+              <a:defRPr sz="1600"/>
+            </a:lvl7pPr>
+            <a:lvl8pPr>
+              <a:defRPr sz="1600"/>
+            </a:lvl8pPr>
+            <a:lvl9pPr>
+              <a:defRPr sz="1600"/>
+            </a:lvl9pPr>
+          </a:lstStyle>
           <a:p>
             <a:pPr lvl="0"/>
             <a:r>
@@ -1905,22 +1784,19 @@
         </p:nvSpPr>
         <p:spPr>
           <a:xfrm>
-            <a:off x="6217920" y="1846052"/>
-            <a:ext cx="4937760" cy="736282"/>
+            <a:off x="6269173" y="1999032"/>
+            <a:ext cx="4754880" cy="777240"/>
           </a:xfrm>
         </p:spPr>
         <p:txBody>
-          <a:bodyPr lIns="91440" rIns="91440" anchor="ctr">
-            <a:normAutofit/>
-          </a:bodyPr>
+          <a:bodyPr anchor="ctr"/>
           <a:lstStyle>
             <a:lvl1pPr marL="0" indent="0">
+              <a:spcBef>
+                <a:spcPts val="0"/>
+              </a:spcBef>
               <a:buNone/>
-              <a:defRPr sz="2000" b="0" cap="all" baseline="0">
-                <a:solidFill>
-                  <a:schemeClr val="tx2"/>
-                </a:solidFill>
-              </a:defRPr>
+              <a:defRPr sz="2400" b="1"/>
             </a:lvl1pPr>
             <a:lvl2pPr marL="457200" indent="0">
               <a:buNone/>
@@ -1976,13 +1852,41 @@
         </p:nvSpPr>
         <p:spPr>
           <a:xfrm>
-            <a:off x="6217920" y="2582334"/>
-            <a:ext cx="4937760" cy="3378200"/>
+            <a:off x="6269173" y="2719322"/>
+            <a:ext cx="4754880" cy="3383280"/>
           </a:xfrm>
         </p:spPr>
         <p:txBody>
           <a:bodyPr/>
-          <a:lstStyle/>
+          <a:lstStyle>
+            <a:lvl1pPr>
+              <a:defRPr sz="2200"/>
+            </a:lvl1pPr>
+            <a:lvl2pPr>
+              <a:defRPr sz="2000"/>
+            </a:lvl2pPr>
+            <a:lvl3pPr>
+              <a:defRPr sz="1800"/>
+            </a:lvl3pPr>
+            <a:lvl4pPr>
+              <a:defRPr sz="1600"/>
+            </a:lvl4pPr>
+            <a:lvl5pPr>
+              <a:defRPr sz="1600"/>
+            </a:lvl5pPr>
+            <a:lvl6pPr>
+              <a:defRPr sz="1600"/>
+            </a:lvl6pPr>
+            <a:lvl7pPr>
+              <a:defRPr sz="1600"/>
+            </a:lvl7pPr>
+            <a:lvl8pPr>
+              <a:defRPr sz="1600"/>
+            </a:lvl8pPr>
+            <a:lvl9pPr>
+              <a:defRPr sz="1600"/>
+            </a:lvl9pPr>
+          </a:lstStyle>
           <a:p>
             <a:pPr lvl="0"/>
             <a:r>
@@ -2038,7 +1942,7 @@
           <a:p>
             <a:fld id="{55819C6C-1328-47A7-9531-77311B1A3D98}" type="datetimeFigureOut">
               <a:rPr lang="en-GB" smtClean="0"/>
-              <a:t>27/07/2016</a:t>
+              <a:t>04/08/2016</a:t>
             </a:fld>
             <a:endParaRPr lang="en-GB"/>
           </a:p>
@@ -2089,7 +1993,7 @@
     </p:spTree>
     <p:extLst>
       <p:ext uri="{BB962C8B-B14F-4D97-AF65-F5344CB8AC3E}">
-        <p14:creationId xmlns:p14="http://schemas.microsoft.com/office/powerpoint/2010/main" val="946506360"/>
+        <p14:creationId xmlns:p14="http://schemas.microsoft.com/office/powerpoint/2010/main" val="60464271"/>
       </p:ext>
     </p:extLst>
   </p:cSld>
@@ -2156,7 +2060,7 @@
           <a:p>
             <a:fld id="{55819C6C-1328-47A7-9531-77311B1A3D98}" type="datetimeFigureOut">
               <a:rPr lang="en-GB" smtClean="0"/>
-              <a:t>27/07/2016</a:t>
+              <a:t>04/08/2016</a:t>
             </a:fld>
             <a:endParaRPr lang="en-GB"/>
           </a:p>
@@ -2207,7 +2111,7 @@
     </p:spTree>
     <p:extLst>
       <p:ext uri="{BB962C8B-B14F-4D97-AF65-F5344CB8AC3E}">
-        <p14:creationId xmlns:p14="http://schemas.microsoft.com/office/powerpoint/2010/main" val="3326907255"/>
+        <p14:creationId xmlns:p14="http://schemas.microsoft.com/office/powerpoint/2010/main" val="945052625"/>
       </p:ext>
     </p:extLst>
   </p:cSld>
@@ -2218,7 +2122,7 @@
 </file>
 
 <file path=ppt/slideLayouts/slideLayout7.xml><?xml version="1.0" encoding="utf-8"?>
-<p:sldLayout xmlns:a="http://schemas.openxmlformats.org/drawingml/2006/main" xmlns:r="http://schemas.openxmlformats.org/officeDocument/2006/relationships" xmlns:p="http://schemas.openxmlformats.org/presentationml/2006/main" showMasterSp="0" type="blank" preserve="1">
+<p:sldLayout xmlns:a="http://schemas.openxmlformats.org/drawingml/2006/main" xmlns:r="http://schemas.openxmlformats.org/officeDocument/2006/relationships" xmlns:p="http://schemas.openxmlformats.org/presentationml/2006/main" type="blank" preserve="1">
   <p:cSld name="Blank">
     <p:spTree>
       <p:nvGrpSpPr>
@@ -2236,83 +2140,7 @@
       </p:grpSpPr>
       <p:sp>
         <p:nvSpPr>
-          <p:cNvPr id="5" name="Rectangle 4"/>
-          <p:cNvSpPr/>
-          <p:nvPr/>
-        </p:nvSpPr>
-        <p:spPr>
-          <a:xfrm>
-            <a:off x="3175" y="6400800"/>
-            <a:ext cx="12188825" cy="457200"/>
-          </a:xfrm>
-          <a:prstGeom prst="rect">
-            <a:avLst/>
-          </a:prstGeom>
-          <a:solidFill>
-            <a:schemeClr val="accent2"/>
-          </a:solidFill>
-          <a:ln>
-            <a:noFill/>
-          </a:ln>
-        </p:spPr>
-        <p:style>
-          <a:lnRef idx="2">
-            <a:schemeClr val="accent1">
-              <a:shade val="50000"/>
-            </a:schemeClr>
-          </a:lnRef>
-          <a:fillRef idx="1">
-            <a:schemeClr val="accent1"/>
-          </a:fillRef>
-          <a:effectRef idx="0">
-            <a:schemeClr val="accent1"/>
-          </a:effectRef>
-          <a:fontRef idx="minor">
-            <a:schemeClr val="lt1"/>
-          </a:fontRef>
-        </p:style>
-      </p:sp>
-      <p:sp>
-        <p:nvSpPr>
-          <p:cNvPr id="6" name="Rectangle 5"/>
-          <p:cNvSpPr/>
-          <p:nvPr/>
-        </p:nvSpPr>
-        <p:spPr>
-          <a:xfrm>
-            <a:off x="15" y="6334316"/>
-            <a:ext cx="12188825" cy="64008"/>
-          </a:xfrm>
-          <a:prstGeom prst="rect">
-            <a:avLst/>
-          </a:prstGeom>
-          <a:solidFill>
-            <a:schemeClr val="accent1"/>
-          </a:solidFill>
-          <a:ln>
-            <a:noFill/>
-          </a:ln>
-        </p:spPr>
-        <p:style>
-          <a:lnRef idx="2">
-            <a:schemeClr val="accent1">
-              <a:shade val="50000"/>
-            </a:schemeClr>
-          </a:lnRef>
-          <a:fillRef idx="1">
-            <a:schemeClr val="accent1"/>
-          </a:fillRef>
-          <a:effectRef idx="0">
-            <a:schemeClr val="accent1"/>
-          </a:effectRef>
-          <a:fontRef idx="minor">
-            <a:schemeClr val="lt1"/>
-          </a:fontRef>
-        </p:style>
-      </p:sp>
-      <p:sp>
-        <p:nvSpPr>
-          <p:cNvPr id="7" name="Date Placeholder 6"/>
+          <p:cNvPr id="2" name="Date Placeholder 1"/>
           <p:cNvSpPr>
             <a:spLocks noGrp="1"/>
           </p:cNvSpPr>
@@ -2327,7 +2155,7 @@
           <a:p>
             <a:fld id="{55819C6C-1328-47A7-9531-77311B1A3D98}" type="datetimeFigureOut">
               <a:rPr lang="en-GB" smtClean="0"/>
-              <a:t>27/07/2016</a:t>
+              <a:t>04/08/2016</a:t>
             </a:fld>
             <a:endParaRPr lang="en-GB"/>
           </a:p>
@@ -2335,7 +2163,7 @@
       </p:sp>
       <p:sp>
         <p:nvSpPr>
-          <p:cNvPr id="8" name="Footer Placeholder 7"/>
+          <p:cNvPr id="3" name="Footer Placeholder 2"/>
           <p:cNvSpPr>
             <a:spLocks noGrp="1"/>
           </p:cNvSpPr>
@@ -2346,15 +2174,7 @@
         <p:spPr/>
         <p:txBody>
           <a:bodyPr/>
-          <a:lstStyle>
-            <a:lvl1pPr>
-              <a:defRPr>
-                <a:solidFill>
-                  <a:srgbClr val="FFFFFF"/>
-                </a:solidFill>
-              </a:defRPr>
-            </a:lvl1pPr>
-          </a:lstStyle>
+          <a:lstStyle/>
           <a:p>
             <a:endParaRPr lang="en-GB"/>
           </a:p>
@@ -2362,7 +2182,7 @@
       </p:sp>
       <p:sp>
         <p:nvSpPr>
-          <p:cNvPr id="9" name="Slide Number Placeholder 8"/>
+          <p:cNvPr id="4" name="Slide Number Placeholder 3"/>
           <p:cNvSpPr>
             <a:spLocks noGrp="1"/>
           </p:cNvSpPr>
@@ -2386,7 +2206,7 @@
     </p:spTree>
     <p:extLst>
       <p:ext uri="{BB962C8B-B14F-4D97-AF65-F5344CB8AC3E}">
-        <p14:creationId xmlns:p14="http://schemas.microsoft.com/office/powerpoint/2010/main" val="951065232"/>
+        <p14:creationId xmlns:p14="http://schemas.microsoft.com/office/powerpoint/2010/main" val="2545862162"/>
       </p:ext>
     </p:extLst>
   </p:cSld>
@@ -2397,7 +2217,7 @@
 </file>
 
 <file path=ppt/slideLayouts/slideLayout8.xml><?xml version="1.0" encoding="utf-8"?>
-<p:sldLayout xmlns:a="http://schemas.openxmlformats.org/drawingml/2006/main" xmlns:r="http://schemas.openxmlformats.org/officeDocument/2006/relationships" xmlns:p="http://schemas.openxmlformats.org/presentationml/2006/main" showMasterSp="0" type="objTx" preserve="1">
+<p:sldLayout xmlns:a="http://schemas.openxmlformats.org/drawingml/2006/main" xmlns:r="http://schemas.openxmlformats.org/officeDocument/2006/relationships" xmlns:p="http://schemas.openxmlformats.org/presentationml/2006/main" type="objTx" preserve="1">
   <p:cSld name="Content with Caption">
     <p:spTree>
       <p:nvGrpSpPr>
@@ -2415,107 +2235,30 @@
       </p:grpSpPr>
       <p:sp>
         <p:nvSpPr>
-          <p:cNvPr id="8" name="Rectangle 7"/>
-          <p:cNvSpPr/>
-          <p:nvPr/>
+          <p:cNvPr id="2" name="Title 1"/>
+          <p:cNvSpPr>
+            <a:spLocks noGrp="1"/>
+          </p:cNvSpPr>
+          <p:nvPr>
+            <p:ph type="title"/>
+          </p:nvPr>
         </p:nvSpPr>
         <p:spPr>
           <a:xfrm>
-            <a:off x="16" y="0"/>
-            <a:ext cx="4050791" cy="6858000"/>
-          </a:xfrm>
-          <a:prstGeom prst="rect">
-            <a:avLst/>
-          </a:prstGeom>
-          <a:solidFill>
-            <a:schemeClr val="accent2"/>
-          </a:solidFill>
-          <a:ln>
-            <a:noFill/>
-          </a:ln>
-        </p:spPr>
-        <p:style>
-          <a:lnRef idx="2">
-            <a:schemeClr val="accent1">
-              <a:shade val="50000"/>
-            </a:schemeClr>
-          </a:lnRef>
-          <a:fillRef idx="1">
-            <a:schemeClr val="accent1"/>
-          </a:fillRef>
-          <a:effectRef idx="0">
-            <a:schemeClr val="accent1"/>
-          </a:effectRef>
-          <a:fontRef idx="minor">
-            <a:schemeClr val="lt1"/>
-          </a:fontRef>
-        </p:style>
-      </p:sp>
-      <p:sp>
-        <p:nvSpPr>
-          <p:cNvPr id="9" name="Rectangle 8"/>
-          <p:cNvSpPr/>
-          <p:nvPr/>
-        </p:nvSpPr>
-        <p:spPr>
-          <a:xfrm>
-            <a:off x="4040071" y="0"/>
-            <a:ext cx="64008" cy="6858000"/>
-          </a:xfrm>
-          <a:prstGeom prst="rect">
-            <a:avLst/>
-          </a:prstGeom>
-          <a:solidFill>
-            <a:schemeClr val="accent1"/>
-          </a:solidFill>
-          <a:ln>
-            <a:noFill/>
-          </a:ln>
-        </p:spPr>
-        <p:style>
-          <a:lnRef idx="2">
-            <a:schemeClr val="accent1">
-              <a:shade val="50000"/>
-            </a:schemeClr>
-          </a:lnRef>
-          <a:fillRef idx="1">
-            <a:schemeClr val="accent1"/>
-          </a:fillRef>
-          <a:effectRef idx="0">
-            <a:schemeClr val="accent1"/>
-          </a:effectRef>
-          <a:fontRef idx="minor">
-            <a:schemeClr val="lt1"/>
-          </a:fontRef>
-        </p:style>
-      </p:sp>
-      <p:sp>
-        <p:nvSpPr>
-          <p:cNvPr id="2" name="Title 1"/>
-          <p:cNvSpPr>
-            <a:spLocks noGrp="1"/>
-          </p:cNvSpPr>
-          <p:nvPr>
-            <p:ph type="title"/>
-          </p:nvPr>
-        </p:nvSpPr>
-        <p:spPr>
-          <a:xfrm>
-            <a:off x="457200" y="594359"/>
-            <a:ext cx="3200400" cy="2286000"/>
+            <a:off x="1143000" y="1097280"/>
+            <a:ext cx="3931920" cy="1737360"/>
           </a:xfrm>
         </p:spPr>
         <p:txBody>
           <a:bodyPr anchor="b">
-            <a:normAutofit/>
+            <a:noAutofit/>
           </a:bodyPr>
           <a:lstStyle>
             <a:lvl1pPr>
-              <a:defRPr sz="3600" b="0">
-                <a:solidFill>
-                  <a:srgbClr val="FFFFFF"/>
-                </a:solidFill>
-              </a:defRPr>
+              <a:lnSpc>
+                <a:spcPct val="90000"/>
+              </a:lnSpc>
+              <a:defRPr sz="4000" b="0"/>
             </a:lvl1pPr>
           </a:lstStyle>
           <a:p>
@@ -2539,13 +2282,41 @@
         </p:nvSpPr>
         <p:spPr>
           <a:xfrm>
-            <a:off x="4800600" y="731520"/>
-            <a:ext cx="6492240" cy="5257800"/>
+            <a:off x="5852159" y="1097280"/>
+            <a:ext cx="5212080" cy="4663440"/>
           </a:xfrm>
         </p:spPr>
         <p:txBody>
           <a:bodyPr/>
-          <a:lstStyle/>
+          <a:lstStyle>
+            <a:lvl1pPr>
+              <a:defRPr sz="3200"/>
+            </a:lvl1pPr>
+            <a:lvl2pPr>
+              <a:defRPr sz="2800"/>
+            </a:lvl2pPr>
+            <a:lvl3pPr>
+              <a:defRPr sz="2400"/>
+            </a:lvl3pPr>
+            <a:lvl4pPr>
+              <a:defRPr sz="2000"/>
+            </a:lvl4pPr>
+            <a:lvl5pPr>
+              <a:defRPr sz="2000"/>
+            </a:lvl5pPr>
+            <a:lvl6pPr>
+              <a:defRPr sz="2000"/>
+            </a:lvl6pPr>
+            <a:lvl7pPr>
+              <a:defRPr sz="2000"/>
+            </a:lvl7pPr>
+            <a:lvl8pPr>
+              <a:defRPr sz="2000"/>
+            </a:lvl8pPr>
+            <a:lvl9pPr>
+              <a:defRPr sz="2000"/>
+            </a:lvl9pPr>
+          </a:lstStyle>
           <a:p>
             <a:pPr lvl="0"/>
             <a:r>
@@ -2596,22 +2367,24 @@
         </p:nvSpPr>
         <p:spPr>
           <a:xfrm>
-            <a:off x="457200" y="2926080"/>
-            <a:ext cx="3200400" cy="3379124"/>
+            <a:off x="1143000" y="2834640"/>
+            <a:ext cx="3931920" cy="3017520"/>
           </a:xfrm>
         </p:spPr>
         <p:txBody>
-          <a:bodyPr lIns="91440" rIns="91440">
+          <a:bodyPr>
             <a:normAutofit/>
           </a:bodyPr>
           <a:lstStyle>
             <a:lvl1pPr marL="0" indent="0">
+              <a:lnSpc>
+                <a:spcPct val="100000"/>
+              </a:lnSpc>
+              <a:spcBef>
+                <a:spcPts val="1000"/>
+              </a:spcBef>
               <a:buNone/>
-              <a:defRPr sz="1500">
-                <a:solidFill>
-                  <a:srgbClr val="FFFFFF"/>
-                </a:solidFill>
-              </a:defRPr>
+              <a:defRPr sz="1700"/>
             </a:lvl1pPr>
             <a:lvl2pPr marL="457200" indent="0">
               <a:buNone/>
@@ -2665,23 +2438,14 @@
             <p:ph type="dt" sz="half" idx="10"/>
           </p:nvPr>
         </p:nvSpPr>
-        <p:spPr>
-          <a:xfrm>
-            <a:off x="465512" y="6459785"/>
-            <a:ext cx="2618510" cy="365125"/>
-          </a:xfrm>
-        </p:spPr>
-        <p:txBody>
-          <a:bodyPr/>
-          <a:lstStyle>
-            <a:lvl1pPr algn="l">
-              <a:defRPr/>
-            </a:lvl1pPr>
-          </a:lstStyle>
+        <p:spPr/>
+        <p:txBody>
+          <a:bodyPr/>
+          <a:lstStyle/>
           <a:p>
             <a:fld id="{55819C6C-1328-47A7-9531-77311B1A3D98}" type="datetimeFigureOut">
               <a:rPr lang="en-GB" smtClean="0"/>
-              <a:t>27/07/2016</a:t>
+              <a:t>04/08/2016</a:t>
             </a:fld>
             <a:endParaRPr lang="en-GB"/>
           </a:p>
@@ -2697,23 +2461,10 @@
             <p:ph type="ftr" sz="quarter" idx="11"/>
           </p:nvPr>
         </p:nvSpPr>
-        <p:spPr>
-          <a:xfrm>
-            <a:off x="4800600" y="6459785"/>
-            <a:ext cx="4648200" cy="365125"/>
-          </a:xfrm>
-        </p:spPr>
-        <p:txBody>
-          <a:bodyPr/>
-          <a:lstStyle>
-            <a:lvl1pPr algn="l">
-              <a:defRPr>
-                <a:solidFill>
-                  <a:schemeClr val="tx2"/>
-                </a:solidFill>
-              </a:defRPr>
-            </a:lvl1pPr>
-          </a:lstStyle>
+        <p:spPr/>
+        <p:txBody>
+          <a:bodyPr/>
+          <a:lstStyle/>
           <a:p>
             <a:endParaRPr lang="en-GB"/>
           </a:p>
@@ -2732,15 +2483,7 @@
         <p:spPr/>
         <p:txBody>
           <a:bodyPr/>
-          <a:lstStyle>
-            <a:lvl1pPr>
-              <a:defRPr>
-                <a:solidFill>
-                  <a:schemeClr val="tx2"/>
-                </a:solidFill>
-              </a:defRPr>
-            </a:lvl1pPr>
-          </a:lstStyle>
+          <a:lstStyle/>
           <a:p>
             <a:fld id="{E9BF1494-1497-494E-A8D5-A49C36B4011A}" type="slidenum">
               <a:rPr lang="en-GB" smtClean="0"/>
@@ -2753,7 +2496,7 @@
     </p:spTree>
     <p:extLst>
       <p:ext uri="{BB962C8B-B14F-4D97-AF65-F5344CB8AC3E}">
-        <p14:creationId xmlns:p14="http://schemas.microsoft.com/office/powerpoint/2010/main" val="3126960826"/>
+        <p14:creationId xmlns:p14="http://schemas.microsoft.com/office/powerpoint/2010/main" val="2613690966"/>
       </p:ext>
     </p:extLst>
   </p:cSld>
@@ -2764,7 +2507,7 @@
 </file>
 
 <file path=ppt/slideLayouts/slideLayout9.xml><?xml version="1.0" encoding="utf-8"?>
-<p:sldLayout xmlns:a="http://schemas.openxmlformats.org/drawingml/2006/main" xmlns:r="http://schemas.openxmlformats.org/officeDocument/2006/relationships" xmlns:p="http://schemas.openxmlformats.org/presentationml/2006/main" showMasterSp="0" type="picTx" preserve="1">
+<p:sldLayout xmlns:a="http://schemas.openxmlformats.org/drawingml/2006/main" xmlns:r="http://schemas.openxmlformats.org/officeDocument/2006/relationships" xmlns:p="http://schemas.openxmlformats.org/presentationml/2006/main" type="picTx" preserve="1">
   <p:cSld name="Picture with Caption">
     <p:spTree>
       <p:nvGrpSpPr>
@@ -2782,107 +2525,30 @@
       </p:grpSpPr>
       <p:sp>
         <p:nvSpPr>
-          <p:cNvPr id="8" name="Rectangle 7"/>
-          <p:cNvSpPr/>
-          <p:nvPr/>
+          <p:cNvPr id="2" name="Title 1"/>
+          <p:cNvSpPr>
+            <a:spLocks noGrp="1"/>
+          </p:cNvSpPr>
+          <p:nvPr>
+            <p:ph type="title"/>
+          </p:nvPr>
         </p:nvSpPr>
         <p:spPr>
           <a:xfrm>
-            <a:off x="0" y="4953000"/>
-            <a:ext cx="12188825" cy="1905000"/>
-          </a:xfrm>
-          <a:prstGeom prst="rect">
-            <a:avLst/>
-          </a:prstGeom>
-          <a:solidFill>
-            <a:schemeClr val="accent2"/>
-          </a:solidFill>
-          <a:ln>
-            <a:noFill/>
-          </a:ln>
-        </p:spPr>
-        <p:style>
-          <a:lnRef idx="2">
-            <a:schemeClr val="accent1">
-              <a:shade val="50000"/>
-            </a:schemeClr>
-          </a:lnRef>
-          <a:fillRef idx="1">
-            <a:schemeClr val="accent1"/>
-          </a:fillRef>
-          <a:effectRef idx="0">
-            <a:schemeClr val="accent1"/>
-          </a:effectRef>
-          <a:fontRef idx="minor">
-            <a:schemeClr val="lt1"/>
-          </a:fontRef>
-        </p:style>
-      </p:sp>
-      <p:sp>
-        <p:nvSpPr>
-          <p:cNvPr id="9" name="Rectangle 8"/>
-          <p:cNvSpPr/>
-          <p:nvPr/>
-        </p:nvSpPr>
-        <p:spPr>
-          <a:xfrm>
-            <a:off x="15" y="4915076"/>
-            <a:ext cx="12188825" cy="64008"/>
-          </a:xfrm>
-          <a:prstGeom prst="rect">
-            <a:avLst/>
-          </a:prstGeom>
-          <a:solidFill>
-            <a:schemeClr val="accent1"/>
-          </a:solidFill>
-          <a:ln>
-            <a:noFill/>
-          </a:ln>
-        </p:spPr>
-        <p:style>
-          <a:lnRef idx="2">
-            <a:schemeClr val="accent1">
-              <a:shade val="50000"/>
-            </a:schemeClr>
-          </a:lnRef>
-          <a:fillRef idx="1">
-            <a:schemeClr val="accent1"/>
-          </a:fillRef>
-          <a:effectRef idx="0">
-            <a:schemeClr val="accent1"/>
-          </a:effectRef>
-          <a:fontRef idx="minor">
-            <a:schemeClr val="lt1"/>
-          </a:fontRef>
-        </p:style>
-      </p:sp>
-      <p:sp>
-        <p:nvSpPr>
-          <p:cNvPr id="2" name="Title 1"/>
-          <p:cNvSpPr>
-            <a:spLocks noGrp="1"/>
-          </p:cNvSpPr>
-          <p:nvPr>
-            <p:ph type="title"/>
-          </p:nvPr>
-        </p:nvSpPr>
-        <p:spPr>
-          <a:xfrm>
-            <a:off x="1097280" y="5074920"/>
-            <a:ext cx="10113264" cy="822960"/>
+            <a:off x="1143000" y="1097280"/>
+            <a:ext cx="3931920" cy="1737360"/>
           </a:xfrm>
         </p:spPr>
         <p:txBody>
-          <a:bodyPr lIns="91440" tIns="0" rIns="91440" bIns="0" anchor="b">
+          <a:bodyPr anchor="b">
             <a:noAutofit/>
           </a:bodyPr>
           <a:lstStyle>
             <a:lvl1pPr>
-              <a:defRPr sz="3600" b="0">
-                <a:solidFill>
-                  <a:srgbClr val="FFFFFF"/>
-                </a:solidFill>
-              </a:defRPr>
+              <a:lnSpc>
+                <a:spcPct val="90000"/>
+              </a:lnSpc>
+              <a:defRPr sz="4000" b="0"/>
             </a:lvl1pPr>
           </a:lstStyle>
           <a:p>
@@ -2906,26 +2572,18 @@
         </p:nvSpPr>
         <p:spPr>
           <a:xfrm>
-            <a:off x="15" y="0"/>
-            <a:ext cx="12191985" cy="4915076"/>
+            <a:off x="5413248" y="1069847"/>
+            <a:ext cx="6099048" cy="4800600"/>
           </a:xfrm>
-          <a:blipFill>
-            <a:blip r:embed="rId2"/>
-            <a:stretch>
-              <a:fillRect/>
-            </a:stretch>
-          </a:blipFill>
         </p:spPr>
         <p:txBody>
-          <a:bodyPr lIns="457200" tIns="457200" anchor="t"/>
+          <a:bodyPr lIns="274320" tIns="182880" anchor="t">
+            <a:normAutofit/>
+          </a:bodyPr>
           <a:lstStyle>
             <a:lvl1pPr marL="0" indent="0">
               <a:buNone/>
-              <a:defRPr sz="3200">
-                <a:solidFill>
-                  <a:schemeClr val="bg1"/>
-                </a:solidFill>
-              </a:defRPr>
+              <a:defRPr sz="2800"/>
             </a:lvl1pPr>
             <a:lvl2pPr marL="457200" indent="0">
               <a:buNone/>
@@ -2981,28 +2639,24 @@
         </p:nvSpPr>
         <p:spPr>
           <a:xfrm>
-            <a:off x="1097280" y="5907023"/>
-            <a:ext cx="10113264" cy="594360"/>
+            <a:off x="1143000" y="2834640"/>
+            <a:ext cx="3931920" cy="2880360"/>
           </a:xfrm>
         </p:spPr>
         <p:txBody>
-          <a:bodyPr lIns="91440" tIns="0" rIns="91440" bIns="0">
+          <a:bodyPr>
             <a:normAutofit/>
           </a:bodyPr>
           <a:lstStyle>
             <a:lvl1pPr marL="0" indent="0">
+              <a:lnSpc>
+                <a:spcPct val="100000"/>
+              </a:lnSpc>
               <a:spcBef>
-                <a:spcPts val="0"/>
+                <a:spcPts val="1000"/>
               </a:spcBef>
-              <a:spcAft>
-                <a:spcPts val="600"/>
-              </a:spcAft>
               <a:buNone/>
-              <a:defRPr sz="1500">
-                <a:solidFill>
-                  <a:srgbClr val="FFFFFF"/>
-                </a:solidFill>
-              </a:defRPr>
+              <a:defRPr sz="1700"/>
             </a:lvl1pPr>
             <a:lvl2pPr marL="457200" indent="0">
               <a:buNone/>
@@ -3063,7 +2717,7 @@
           <a:p>
             <a:fld id="{55819C6C-1328-47A7-9531-77311B1A3D98}" type="datetimeFigureOut">
               <a:rPr lang="en-GB" smtClean="0"/>
-              <a:t>27/07/2016</a:t>
+              <a:t>04/08/2016</a:t>
             </a:fld>
             <a:endParaRPr lang="en-GB"/>
           </a:p>
@@ -3114,7 +2768,7 @@
     </p:spTree>
     <p:extLst>
       <p:ext uri="{BB962C8B-B14F-4D97-AF65-F5344CB8AC3E}">
-        <p14:creationId xmlns:p14="http://schemas.microsoft.com/office/powerpoint/2010/main" val="2599729224"/>
+        <p14:creationId xmlns:p14="http://schemas.microsoft.com/office/powerpoint/2010/main" val="3664339099"/>
       </p:ext>
     </p:extLst>
   </p:cSld>
@@ -3128,9 +2782,12 @@
 <p:sldMaster xmlns:a="http://schemas.openxmlformats.org/drawingml/2006/main" xmlns:r="http://schemas.openxmlformats.org/officeDocument/2006/relationships" xmlns:p="http://schemas.openxmlformats.org/presentationml/2006/main">
   <p:cSld>
     <p:bg>
-      <p:bgRef idx="1001">
-        <a:schemeClr val="bg1"/>
-      </p:bgRef>
+      <p:bgPr>
+        <a:solidFill>
+          <a:schemeClr val="accent1"/>
+        </a:solidFill>
+        <a:effectLst/>
+      </p:bgPr>
     </p:bg>
     <p:spTree>
       <p:nvGrpSpPr>
@@ -3149,21 +2806,23 @@
       <p:sp>
         <p:nvSpPr>
           <p:cNvPr id="7" name="Rectangle 6"/>
-          <p:cNvSpPr/>
+          <p:cNvSpPr>
+            <a:spLocks noChangeAspect="1"/>
+          </p:cNvSpPr>
           <p:nvPr/>
         </p:nvSpPr>
         <p:spPr>
           <a:xfrm>
-            <a:off x="1" y="6400800"/>
-            <a:ext cx="12192000" cy="457200"/>
+            <a:off x="231140" y="243840"/>
+            <a:ext cx="11724640" cy="6377939"/>
           </a:xfrm>
           <a:prstGeom prst="rect">
             <a:avLst/>
           </a:prstGeom>
           <a:solidFill>
-            <a:schemeClr val="accent2"/>
+            <a:schemeClr val="bg1"/>
           </a:solidFill>
-          <a:ln>
+          <a:ln w="12700">
             <a:noFill/>
           </a:ln>
         </p:spPr>
@@ -3186,63 +2845,25 @@
       </p:sp>
       <p:sp>
         <p:nvSpPr>
-          <p:cNvPr id="9" name="Rectangle 8"/>
-          <p:cNvSpPr/>
-          <p:nvPr/>
+          <p:cNvPr id="2" name="Title Placeholder 1"/>
+          <p:cNvSpPr>
+            <a:spLocks noGrp="1"/>
+          </p:cNvSpPr>
+          <p:nvPr>
+            <p:ph type="title"/>
+          </p:nvPr>
         </p:nvSpPr>
         <p:spPr>
           <a:xfrm>
-            <a:off x="0" y="6334316"/>
-            <a:ext cx="12192001" cy="65998"/>
-          </a:xfrm>
-          <a:prstGeom prst="rect">
-            <a:avLst/>
-          </a:prstGeom>
-          <a:solidFill>
-            <a:schemeClr val="accent1"/>
-          </a:solidFill>
-          <a:ln>
-            <a:noFill/>
-          </a:ln>
-        </p:spPr>
-        <p:style>
-          <a:lnRef idx="2">
-            <a:schemeClr val="accent1">
-              <a:shade val="50000"/>
-            </a:schemeClr>
-          </a:lnRef>
-          <a:fillRef idx="1">
-            <a:schemeClr val="accent1"/>
-          </a:fillRef>
-          <a:effectRef idx="0">
-            <a:schemeClr val="accent1"/>
-          </a:effectRef>
-          <a:fontRef idx="minor">
-            <a:schemeClr val="lt1"/>
-          </a:fontRef>
-        </p:style>
-      </p:sp>
-      <p:sp>
-        <p:nvSpPr>
-          <p:cNvPr id="2" name="Title Placeholder 1"/>
-          <p:cNvSpPr>
-            <a:spLocks noGrp="1"/>
-          </p:cNvSpPr>
-          <p:nvPr>
-            <p:ph type="title"/>
-          </p:nvPr>
-        </p:nvSpPr>
-        <p:spPr>
-          <a:xfrm>
-            <a:off x="1097280" y="286603"/>
-            <a:ext cx="10058400" cy="1450757"/>
+            <a:off x="1143000" y="609600"/>
+            <a:ext cx="9875520" cy="1356360"/>
           </a:xfrm>
           <a:prstGeom prst="rect">
             <a:avLst/>
           </a:prstGeom>
         </p:spPr>
         <p:txBody>
-          <a:bodyPr vert="horz" lIns="91440" tIns="45720" rIns="91440" bIns="45720" rtlCol="0" anchor="b">
+          <a:bodyPr vert="horz" lIns="91440" tIns="45720" rIns="91440" bIns="45720" rtlCol="0" anchor="ctr">
             <a:normAutofit/>
           </a:bodyPr>
           <a:lstStyle/>
@@ -3267,15 +2888,15 @@
         </p:nvSpPr>
         <p:spPr>
           <a:xfrm>
-            <a:off x="1097280" y="1845734"/>
-            <a:ext cx="10058400" cy="4023360"/>
+            <a:off x="1143000" y="2057400"/>
+            <a:ext cx="9872871" cy="4038600"/>
           </a:xfrm>
           <a:prstGeom prst="rect">
             <a:avLst/>
           </a:prstGeom>
         </p:spPr>
         <p:txBody>
-          <a:bodyPr vert="horz" lIns="0" tIns="45720" rIns="0" bIns="45720" rtlCol="0">
+          <a:bodyPr vert="horz" lIns="91440" tIns="45720" rIns="91440" bIns="45720" rtlCol="0">
             <a:normAutofit/>
           </a:bodyPr>
           <a:lstStyle/>
@@ -3329,8 +2950,8 @@
         </p:nvSpPr>
         <p:spPr>
           <a:xfrm>
-            <a:off x="1097280" y="6459785"/>
-            <a:ext cx="2472271" cy="365125"/>
+            <a:off x="1142996" y="6223828"/>
+            <a:ext cx="2329074" cy="365125"/>
           </a:xfrm>
           <a:prstGeom prst="rect">
             <a:avLst/>
@@ -3340,9 +2961,9 @@
           <a:bodyPr vert="horz" lIns="91440" tIns="45720" rIns="91440" bIns="45720" rtlCol="0" anchor="ctr"/>
           <a:lstStyle>
             <a:lvl1pPr algn="l">
-              <a:defRPr sz="900">
+              <a:defRPr sz="1200">
                 <a:solidFill>
-                  <a:srgbClr val="FFFFFF"/>
+                  <a:schemeClr val="accent1"/>
                 </a:solidFill>
               </a:defRPr>
             </a:lvl1pPr>
@@ -3350,7 +2971,7 @@
           <a:p>
             <a:fld id="{55819C6C-1328-47A7-9531-77311B1A3D98}" type="datetimeFigureOut">
               <a:rPr lang="en-GB" smtClean="0"/>
-              <a:t>27/07/2016</a:t>
+              <a:t>04/08/2016</a:t>
             </a:fld>
             <a:endParaRPr lang="en-GB"/>
           </a:p>
@@ -3368,8 +2989,8 @@
         </p:nvSpPr>
         <p:spPr>
           <a:xfrm>
-            <a:off x="3686185" y="6459785"/>
-            <a:ext cx="4822804" cy="365125"/>
+            <a:off x="3949148" y="6223828"/>
+            <a:ext cx="4717774" cy="365125"/>
           </a:xfrm>
           <a:prstGeom prst="rect">
             <a:avLst/>
@@ -3379,9 +3000,9 @@
           <a:bodyPr vert="horz" lIns="91440" tIns="45720" rIns="91440" bIns="45720" rtlCol="0" anchor="ctr"/>
           <a:lstStyle>
             <a:lvl1pPr algn="ctr">
-              <a:defRPr sz="900" cap="all" baseline="0">
+              <a:defRPr sz="1200">
                 <a:solidFill>
-                  <a:srgbClr val="FFFFFF"/>
+                  <a:schemeClr val="accent1"/>
                 </a:solidFill>
               </a:defRPr>
             </a:lvl1pPr>
@@ -3403,8 +3024,8 @@
         </p:nvSpPr>
         <p:spPr>
           <a:xfrm>
-            <a:off x="9900458" y="6459785"/>
-            <a:ext cx="1312025" cy="365125"/>
+            <a:off x="9329530" y="6223828"/>
+            <a:ext cx="1706217" cy="365125"/>
           </a:xfrm>
           <a:prstGeom prst="rect">
             <a:avLst/>
@@ -3414,9 +3035,9 @@
           <a:bodyPr vert="horz" lIns="91440" tIns="45720" rIns="91440" bIns="45720" rtlCol="0" anchor="ctr"/>
           <a:lstStyle>
             <a:lvl1pPr algn="r">
-              <a:defRPr sz="1050">
+              <a:defRPr sz="1200">
                 <a:solidFill>
-                  <a:srgbClr val="FFFFFF"/>
+                  <a:schemeClr val="accent1"/>
                 </a:solidFill>
               </a:defRPr>
             </a:lvl1pPr>
@@ -3430,81 +3051,40 @@
           </a:p>
         </p:txBody>
       </p:sp>
-      <p:cxnSp>
-        <p:nvCxnSpPr>
-          <p:cNvPr id="10" name="Straight Connector 9"/>
-          <p:cNvCxnSpPr/>
-          <p:nvPr/>
-        </p:nvCxnSpPr>
-        <p:spPr>
-          <a:xfrm>
-            <a:off x="1193532" y="1737845"/>
-            <a:ext cx="9966960" cy="0"/>
-          </a:xfrm>
-          <a:prstGeom prst="line">
-            <a:avLst/>
-          </a:prstGeom>
-          <a:ln w="6350">
-            <a:solidFill>
-              <a:schemeClr val="tx1">
-                <a:lumMod val="50000"/>
-                <a:lumOff val="50000"/>
-              </a:schemeClr>
-            </a:solidFill>
-          </a:ln>
-        </p:spPr>
-        <p:style>
-          <a:lnRef idx="1">
-            <a:schemeClr val="accent1"/>
-          </a:lnRef>
-          <a:fillRef idx="0">
-            <a:schemeClr val="accent1"/>
-          </a:fillRef>
-          <a:effectRef idx="0">
-            <a:schemeClr val="accent1"/>
-          </a:effectRef>
-          <a:fontRef idx="minor">
-            <a:schemeClr val="tx1"/>
-          </a:fontRef>
-        </p:style>
-      </p:cxnSp>
     </p:spTree>
     <p:extLst>
       <p:ext uri="{BB962C8B-B14F-4D97-AF65-F5344CB8AC3E}">
-        <p14:creationId xmlns:p14="http://schemas.microsoft.com/office/powerpoint/2010/main" val="2276072878"/>
+        <p14:creationId xmlns:p14="http://schemas.microsoft.com/office/powerpoint/2010/main" val="2232912861"/>
       </p:ext>
     </p:extLst>
   </p:cSld>
   <p:clrMap bg1="lt1" tx1="dk1" bg2="lt2" tx2="dk2" accent1="accent1" accent2="accent2" accent3="accent3" accent4="accent4" accent5="accent5" accent6="accent6" hlink="hlink" folHlink="folHlink"/>
   <p:sldLayoutIdLst>
-    <p:sldLayoutId id="2147483661" r:id="rId1"/>
-    <p:sldLayoutId id="2147483662" r:id="rId2"/>
-    <p:sldLayoutId id="2147483663" r:id="rId3"/>
-    <p:sldLayoutId id="2147483664" r:id="rId4"/>
-    <p:sldLayoutId id="2147483665" r:id="rId5"/>
-    <p:sldLayoutId id="2147483666" r:id="rId6"/>
-    <p:sldLayoutId id="2147483667" r:id="rId7"/>
-    <p:sldLayoutId id="2147483668" r:id="rId8"/>
-    <p:sldLayoutId id="2147483669" r:id="rId9"/>
-    <p:sldLayoutId id="2147483670" r:id="rId10"/>
-    <p:sldLayoutId id="2147483671" r:id="rId11"/>
+    <p:sldLayoutId id="2147483673" r:id="rId1"/>
+    <p:sldLayoutId id="2147483674" r:id="rId2"/>
+    <p:sldLayoutId id="2147483675" r:id="rId3"/>
+    <p:sldLayoutId id="2147483676" r:id="rId4"/>
+    <p:sldLayoutId id="2147483677" r:id="rId5"/>
+    <p:sldLayoutId id="2147483678" r:id="rId6"/>
+    <p:sldLayoutId id="2147483679" r:id="rId7"/>
+    <p:sldLayoutId id="2147483680" r:id="rId8"/>
+    <p:sldLayoutId id="2147483681" r:id="rId9"/>
+    <p:sldLayoutId id="2147483682" r:id="rId10"/>
+    <p:sldLayoutId id="2147483683" r:id="rId11"/>
   </p:sldLayoutIdLst>
   <p:txStyles>
     <p:titleStyle>
       <a:lvl1pPr algn="l" defTabSz="914400" rtl="0" eaLnBrk="1" latinLnBrk="0" hangingPunct="1">
         <a:lnSpc>
-          <a:spcPct val="85000"/>
+          <a:spcPct val="90000"/>
         </a:lnSpc>
         <a:spcBef>
           <a:spcPct val="0"/>
         </a:spcBef>
         <a:buNone/>
-        <a:defRPr sz="4800" kern="1200" spc="-50" baseline="0">
+        <a:defRPr sz="4400" kern="1200">
           <a:solidFill>
-            <a:schemeClr val="tx1">
-              <a:lumMod val="75000"/>
-              <a:lumOff val="25000"/>
-            </a:schemeClr>
+            <a:schemeClr val="accent1"/>
           </a:solidFill>
           <a:latin typeface="+mj-lt"/>
           <a:ea typeface="+mj-ea"/>
@@ -3513,35 +3093,29 @@
       </a:lvl1pPr>
     </p:titleStyle>
     <p:bodyStyle>
-      <a:lvl1pPr marL="91440" indent="-91440" algn="l" defTabSz="914400" rtl="0" eaLnBrk="1" latinLnBrk="0" hangingPunct="1">
+      <a:lvl1pPr marL="228600" indent="-182880" algn="l" defTabSz="914400" rtl="0" eaLnBrk="1" latinLnBrk="0" hangingPunct="1">
         <a:lnSpc>
           <a:spcPct val="90000"/>
         </a:lnSpc>
         <a:spcBef>
-          <a:spcPts val="1200"/>
+          <a:spcPts val="1400"/>
         </a:spcBef>
-        <a:spcAft>
-          <a:spcPts val="200"/>
-        </a:spcAft>
         <a:buClr>
           <a:schemeClr val="accent1"/>
         </a:buClr>
-        <a:buSzPct val="100000"/>
-        <a:buFont typeface="Calibri" panose="020F0502020204030204" pitchFamily="34" charset="0"/>
-        <a:buChar char=" "/>
-        <a:defRPr sz="2000" kern="1200">
+        <a:buSzPct val="80000"/>
+        <a:buFont typeface="Corbel" pitchFamily="34" charset="0"/>
+        <a:buChar char="•"/>
+        <a:defRPr sz="2200" kern="1200">
           <a:solidFill>
-            <a:schemeClr val="tx1">
-              <a:lumMod val="75000"/>
-              <a:lumOff val="25000"/>
-            </a:schemeClr>
+            <a:schemeClr val="accent1"/>
           </a:solidFill>
           <a:latin typeface="+mn-lt"/>
           <a:ea typeface="+mn-ea"/>
           <a:cs typeface="+mn-cs"/>
         </a:defRPr>
       </a:lvl1pPr>
-      <a:lvl2pPr marL="384048" indent="-182880" algn="l" defTabSz="914400" rtl="0" eaLnBrk="1" latinLnBrk="0" hangingPunct="1">
+      <a:lvl2pPr marL="457200" indent="-182880" algn="l" defTabSz="914400" rtl="0" eaLnBrk="1" latinLnBrk="0" hangingPunct="1">
         <a:lnSpc>
           <a:spcPct val="90000"/>
         </a:lnSpc>
@@ -3554,21 +3128,19 @@
         <a:buClr>
           <a:schemeClr val="accent1"/>
         </a:buClr>
-        <a:buFont typeface="Calibri" pitchFamily="34" charset="0"/>
-        <a:buChar char="◦"/>
-        <a:defRPr sz="1800" kern="1200">
+        <a:buSzPct val="80000"/>
+        <a:buFont typeface="Corbel" pitchFamily="34" charset="0"/>
+        <a:buChar char="•"/>
+        <a:defRPr sz="2000" kern="1200">
           <a:solidFill>
-            <a:schemeClr val="tx1">
-              <a:lumMod val="75000"/>
-              <a:lumOff val="25000"/>
-            </a:schemeClr>
+            <a:schemeClr val="accent1"/>
           </a:solidFill>
           <a:latin typeface="+mn-lt"/>
           <a:ea typeface="+mn-ea"/>
           <a:cs typeface="+mn-cs"/>
         </a:defRPr>
       </a:lvl2pPr>
-      <a:lvl3pPr marL="566928" indent="-182880" algn="l" defTabSz="914400" rtl="0" eaLnBrk="1" latinLnBrk="0" hangingPunct="1">
+      <a:lvl3pPr marL="731520" indent="-182880" algn="l" defTabSz="914400" rtl="0" eaLnBrk="1" latinLnBrk="0" hangingPunct="1">
         <a:lnSpc>
           <a:spcPct val="90000"/>
         </a:lnSpc>
@@ -3581,21 +3153,19 @@
         <a:buClr>
           <a:schemeClr val="accent1"/>
         </a:buClr>
-        <a:buFont typeface="Calibri" pitchFamily="34" charset="0"/>
-        <a:buChar char="◦"/>
-        <a:defRPr sz="1400" kern="1200">
+        <a:buSzPct val="80000"/>
+        <a:buFont typeface="Corbel" pitchFamily="34" charset="0"/>
+        <a:buChar char="•"/>
+        <a:defRPr sz="1800" kern="1200">
           <a:solidFill>
-            <a:schemeClr val="tx1">
-              <a:lumMod val="75000"/>
-              <a:lumOff val="25000"/>
-            </a:schemeClr>
+            <a:schemeClr val="accent1"/>
           </a:solidFill>
           <a:latin typeface="+mn-lt"/>
           <a:ea typeface="+mn-ea"/>
           <a:cs typeface="+mn-cs"/>
         </a:defRPr>
       </a:lvl3pPr>
-      <a:lvl4pPr marL="749808" indent="-182880" algn="l" defTabSz="914400" rtl="0" eaLnBrk="1" latinLnBrk="0" hangingPunct="1">
+      <a:lvl4pPr marL="1005840" indent="-182880" algn="l" defTabSz="914400" rtl="0" eaLnBrk="1" latinLnBrk="0" hangingPunct="1">
         <a:lnSpc>
           <a:spcPct val="90000"/>
         </a:lnSpc>
@@ -3608,21 +3178,19 @@
         <a:buClr>
           <a:schemeClr val="accent1"/>
         </a:buClr>
-        <a:buFont typeface="Calibri" pitchFamily="34" charset="0"/>
-        <a:buChar char="◦"/>
-        <a:defRPr sz="1400" kern="1200">
+        <a:buSzPct val="80000"/>
+        <a:buFont typeface="Corbel" pitchFamily="34" charset="0"/>
+        <a:buChar char="•"/>
+        <a:defRPr sz="1600" kern="1200">
           <a:solidFill>
-            <a:schemeClr val="tx1">
-              <a:lumMod val="75000"/>
-              <a:lumOff val="25000"/>
-            </a:schemeClr>
+            <a:schemeClr val="accent1"/>
           </a:solidFill>
           <a:latin typeface="+mn-lt"/>
           <a:ea typeface="+mn-ea"/>
           <a:cs typeface="+mn-cs"/>
         </a:defRPr>
       </a:lvl4pPr>
-      <a:lvl5pPr marL="932688" indent="-182880" algn="l" defTabSz="914400" rtl="0" eaLnBrk="1" latinLnBrk="0" hangingPunct="1">
+      <a:lvl5pPr marL="1280160" indent="-182880" algn="l" defTabSz="914400" rtl="0" eaLnBrk="1" latinLnBrk="0" hangingPunct="1">
         <a:lnSpc>
           <a:spcPct val="90000"/>
         </a:lnSpc>
@@ -3635,21 +3203,19 @@
         <a:buClr>
           <a:schemeClr val="accent1"/>
         </a:buClr>
-        <a:buFont typeface="Calibri" pitchFamily="34" charset="0"/>
-        <a:buChar char="◦"/>
-        <a:defRPr sz="1400" kern="1200">
+        <a:buSzPct val="80000"/>
+        <a:buFont typeface="Corbel" pitchFamily="34" charset="0"/>
+        <a:buChar char="•"/>
+        <a:defRPr sz="1600" kern="1200">
           <a:solidFill>
-            <a:schemeClr val="tx1">
-              <a:lumMod val="75000"/>
-              <a:lumOff val="25000"/>
-            </a:schemeClr>
+            <a:schemeClr val="accent1"/>
           </a:solidFill>
           <a:latin typeface="+mn-lt"/>
           <a:ea typeface="+mn-ea"/>
           <a:cs typeface="+mn-cs"/>
         </a:defRPr>
       </a:lvl5pPr>
-      <a:lvl6pPr marL="1100000" indent="-228600" algn="l" defTabSz="914400" rtl="0" eaLnBrk="1" latinLnBrk="0" hangingPunct="1">
+      <a:lvl6pPr marL="1600000" indent="-228600" algn="l" defTabSz="914400" rtl="0" eaLnBrk="1" latinLnBrk="0" hangingPunct="1">
         <a:lnSpc>
           <a:spcPct val="90000"/>
         </a:lnSpc>
@@ -3662,21 +3228,19 @@
         <a:buClr>
           <a:schemeClr val="accent1"/>
         </a:buClr>
-        <a:buFont typeface="Calibri" pitchFamily="34" charset="0"/>
-        <a:buChar char="◦"/>
-        <a:defRPr sz="1400" kern="1200">
+        <a:buSzPct val="80000"/>
+        <a:buFont typeface="Corbel" pitchFamily="34" charset="0"/>
+        <a:buChar char="•"/>
+        <a:defRPr sz="1600" kern="1200">
           <a:solidFill>
-            <a:schemeClr val="tx1">
-              <a:lumMod val="75000"/>
-              <a:lumOff val="25000"/>
-            </a:schemeClr>
+            <a:schemeClr val="accent1"/>
           </a:solidFill>
           <a:latin typeface="+mn-lt"/>
           <a:ea typeface="+mn-ea"/>
           <a:cs typeface="+mn-cs"/>
         </a:defRPr>
       </a:lvl6pPr>
-      <a:lvl7pPr marL="1300000" indent="-228600" algn="l" defTabSz="914400" rtl="0" eaLnBrk="1" latinLnBrk="0" hangingPunct="1">
+      <a:lvl7pPr marL="1900000" indent="-228600" algn="l" defTabSz="914400" rtl="0" eaLnBrk="1" latinLnBrk="0" hangingPunct="1">
         <a:lnSpc>
           <a:spcPct val="90000"/>
         </a:lnSpc>
@@ -3689,21 +3253,19 @@
         <a:buClr>
           <a:schemeClr val="accent1"/>
         </a:buClr>
-        <a:buFont typeface="Calibri" pitchFamily="34" charset="0"/>
-        <a:buChar char="◦"/>
-        <a:defRPr sz="1400" kern="1200">
+        <a:buSzPct val="80000"/>
+        <a:buFont typeface="Corbel" pitchFamily="34" charset="0"/>
+        <a:buChar char="•"/>
+        <a:defRPr sz="1600" kern="1200">
           <a:solidFill>
-            <a:schemeClr val="tx1">
-              <a:lumMod val="75000"/>
-              <a:lumOff val="25000"/>
-            </a:schemeClr>
+            <a:schemeClr val="accent1"/>
           </a:solidFill>
           <a:latin typeface="+mn-lt"/>
           <a:ea typeface="+mn-ea"/>
           <a:cs typeface="+mn-cs"/>
         </a:defRPr>
       </a:lvl7pPr>
-      <a:lvl8pPr marL="1500000" indent="-228600" algn="l" defTabSz="914400" rtl="0" eaLnBrk="1" latinLnBrk="0" hangingPunct="1">
+      <a:lvl8pPr marL="2200000" indent="-228600" algn="l" defTabSz="914400" rtl="0" eaLnBrk="1" latinLnBrk="0" hangingPunct="1">
         <a:lnSpc>
           <a:spcPct val="90000"/>
         </a:lnSpc>
@@ -3716,21 +3278,19 @@
         <a:buClr>
           <a:schemeClr val="accent1"/>
         </a:buClr>
-        <a:buFont typeface="Calibri" pitchFamily="34" charset="0"/>
-        <a:buChar char="◦"/>
-        <a:defRPr sz="1400" kern="1200">
+        <a:buSzPct val="80000"/>
+        <a:buFont typeface="Corbel" pitchFamily="34" charset="0"/>
+        <a:buChar char="•"/>
+        <a:defRPr sz="1600" kern="1200">
           <a:solidFill>
-            <a:schemeClr val="tx1">
-              <a:lumMod val="75000"/>
-              <a:lumOff val="25000"/>
-            </a:schemeClr>
+            <a:schemeClr val="accent1"/>
           </a:solidFill>
           <a:latin typeface="+mn-lt"/>
           <a:ea typeface="+mn-ea"/>
           <a:cs typeface="+mn-cs"/>
         </a:defRPr>
       </a:lvl8pPr>
-      <a:lvl9pPr marL="1700000" indent="-228600" algn="l" defTabSz="914400" rtl="0" eaLnBrk="1" latinLnBrk="0" hangingPunct="1">
+      <a:lvl9pPr marL="2500000" indent="-228600" algn="l" defTabSz="914400" rtl="0" eaLnBrk="1" latinLnBrk="0" hangingPunct="1">
         <a:lnSpc>
           <a:spcPct val="90000"/>
         </a:lnSpc>
@@ -3743,14 +3303,12 @@
         <a:buClr>
           <a:schemeClr val="accent1"/>
         </a:buClr>
-        <a:buFont typeface="Calibri" pitchFamily="34" charset="0"/>
-        <a:buChar char="◦"/>
-        <a:defRPr sz="1400" kern="1200">
+        <a:buSzPct val="80000"/>
+        <a:buFont typeface="Corbel" pitchFamily="34" charset="0"/>
+        <a:buChar char="•"/>
+        <a:defRPr sz="1600" kern="1200">
           <a:solidFill>
-            <a:schemeClr val="tx1">
-              <a:lumMod val="75000"/>
-              <a:lumOff val="25000"/>
-            </a:schemeClr>
+            <a:schemeClr val="accent1"/>
           </a:solidFill>
           <a:latin typeface="+mn-lt"/>
           <a:ea typeface="+mn-ea"/>
@@ -3886,7 +3444,7 @@
         </p:nvSpPr>
         <p:spPr>
           <a:xfrm>
-            <a:off x="3728508" y="2392977"/>
+            <a:off x="3013337" y="2678309"/>
             <a:ext cx="6297436" cy="1173163"/>
           </a:xfrm>
         </p:spPr>
@@ -3910,7 +3468,7 @@
         </p:nvSpPr>
         <p:spPr>
           <a:xfrm>
-            <a:off x="4148093" y="4250717"/>
+            <a:off x="4083698" y="3756958"/>
             <a:ext cx="3976410" cy="369332"/>
           </a:xfrm>
           <a:prstGeom prst="rect">
@@ -6175,7 +5733,7 @@
         <p:spPr/>
         <p:txBody>
           <a:bodyPr>
-            <a:normAutofit/>
+            <a:normAutofit lnSpcReduction="10000"/>
           </a:bodyPr>
           <a:lstStyle/>
           <a:p>
@@ -7630,7 +7188,7 @@
         <p:spPr/>
         <p:txBody>
           <a:bodyPr>
-            <a:normAutofit/>
+            <a:normAutofit lnSpcReduction="10000"/>
           </a:bodyPr>
           <a:lstStyle/>
           <a:p>
@@ -10463,7 +10021,7 @@
         <p:spPr/>
         <p:txBody>
           <a:bodyPr>
-            <a:normAutofit fontScale="92500" lnSpcReduction="10000"/>
+            <a:normAutofit fontScale="92500" lnSpcReduction="20000"/>
           </a:bodyPr>
           <a:lstStyle/>
           <a:p>
@@ -11236,93 +10794,58 @@
 </file>
 
 <file path=ppt/theme/theme1.xml><?xml version="1.0" encoding="utf-8"?>
-<a:theme xmlns:a="http://schemas.openxmlformats.org/drawingml/2006/main" name="Retrospect">
+<a:theme xmlns:a="http://schemas.openxmlformats.org/drawingml/2006/main" name="Basis">
   <a:themeElements>
-    <a:clrScheme name="Retrospect">
+    <a:clrScheme name="Basis">
       <a:dk1>
         <a:srgbClr val="000000"/>
       </a:dk1>
       <a:lt1>
-        <a:sysClr val="window" lastClr="FFFFFF"/>
+        <a:srgbClr val="FFFFFF"/>
       </a:lt1>
       <a:dk2>
-        <a:srgbClr val="637052"/>
+        <a:srgbClr val="565349"/>
       </a:dk2>
       <a:lt2>
-        <a:srgbClr val="CCDDEA"/>
+        <a:srgbClr val="DDDDDD"/>
       </a:lt2>
       <a:accent1>
-        <a:srgbClr val="E48312"/>
+        <a:srgbClr val="A6B727"/>
       </a:accent1>
       <a:accent2>
-        <a:srgbClr val="BD582C"/>
+        <a:srgbClr val="DF5327"/>
       </a:accent2>
       <a:accent3>
-        <a:srgbClr val="865640"/>
+        <a:srgbClr val="FE9E00"/>
       </a:accent3>
       <a:accent4>
-        <a:srgbClr val="9B8357"/>
+        <a:srgbClr val="418AB3"/>
       </a:accent4>
       <a:accent5>
-        <a:srgbClr val="C2BC80"/>
+        <a:srgbClr val="D7D447"/>
       </a:accent5>
       <a:accent6>
-        <a:srgbClr val="94A088"/>
+        <a:srgbClr val="818183"/>
       </a:accent6>
       <a:hlink>
-        <a:srgbClr val="2998E3"/>
+        <a:srgbClr val="F59E00"/>
       </a:hlink>
       <a:folHlink>
-        <a:srgbClr val="8C8C8C"/>
+        <a:srgbClr val="B2B2B2"/>
       </a:folHlink>
     </a:clrScheme>
-    <a:fontScheme name="Retrospect">
+    <a:fontScheme name="Basis">
       <a:majorFont>
-        <a:latin typeface="Calibri Light" panose="020F0302020204030204"/>
+        <a:latin typeface="Corbel" panose="020B0503020204020204"/>
         <a:ea typeface=""/>
         <a:cs typeface=""/>
-        <a:font script="Jpan" typeface="ＭＳ Ｐゴシック"/>
+        <a:font script="Jpan" typeface="ＭＳ ゴシック"/>
         <a:font script="Hang" typeface="맑은 고딕"/>
         <a:font script="Hans" typeface="宋体"/>
         <a:font script="Hant" typeface="新細明體"/>
-        <a:font script="Arab" typeface="Times New Roman"/>
-        <a:font script="Hebr" typeface="Times New Roman"/>
-        <a:font script="Thai" typeface="Angsana New"/>
-        <a:font script="Ethi" typeface="Nyala"/>
-        <a:font script="Beng" typeface="Vrinda"/>
-        <a:font script="Gujr" typeface="Shruti"/>
-        <a:font script="Khmr" typeface="MoolBoran"/>
-        <a:font script="Knda" typeface="Tunga"/>
-        <a:font script="Guru" typeface="Raavi"/>
-        <a:font script="Cans" typeface="Euphemia"/>
-        <a:font script="Cher" typeface="Plantagenet Cherokee"/>
-        <a:font script="Yiii" typeface="Microsoft Yi Baiti"/>
-        <a:font script="Tibt" typeface="Microsoft Himalaya"/>
-        <a:font script="Thaa" typeface="MV Boli"/>
-        <a:font script="Deva" typeface="Mangal"/>
-        <a:font script="Telu" typeface="Gautami"/>
-        <a:font script="Taml" typeface="Latha"/>
-        <a:font script="Syrc" typeface="Estrangelo Edessa"/>
-        <a:font script="Orya" typeface="Kalinga"/>
-        <a:font script="Mlym" typeface="Kartika"/>
-        <a:font script="Laoo" typeface="DokChampa"/>
-        <a:font script="Sinh" typeface="Iskoola Pota"/>
-        <a:font script="Mong" typeface="Mongolian Baiti"/>
-        <a:font script="Viet" typeface="Times New Roman"/>
-        <a:font script="Uigh" typeface="Microsoft Uighur"/>
-        <a:font script="Geor" typeface="Sylfaen"/>
-      </a:majorFont>
-      <a:minorFont>
-        <a:latin typeface="Calibri" panose="020F0502020204030204"/>
-        <a:ea typeface=""/>
-        <a:cs typeface=""/>
-        <a:font script="Jpan" typeface="ＭＳ Ｐゴシック"/>
-        <a:font script="Hang" typeface="맑은 고딕"/>
-        <a:font script="Hans" typeface="宋体"/>
-        <a:font script="Hant" typeface="新細明體"/>
-        <a:font script="Arab" typeface="Arial"/>
-        <a:font script="Hebr" typeface="Arial"/>
-        <a:font script="Thai" typeface="Cordia New"/>
+        <a:font script="Arab" typeface="Tahoma"/>
+        <a:font script="Hebr" typeface="Gisha"/>
+        <a:font script="Thai" typeface="DilleniaUPC"/>
         <a:font script="Ethi" typeface="Nyala"/>
         <a:font script="Beng" typeface="Vrinda"/>
         <a:font script="Gujr" typeface="Shruti"/>
@@ -11343,69 +10866,72 @@
         <a:font script="Laoo" typeface="DokChampa"/>
         <a:font script="Sinh" typeface="Iskoola Pota"/>
         <a:font script="Mong" typeface="Mongolian Baiti"/>
-        <a:font script="Viet" typeface="Arial"/>
+        <a:font script="Viet" typeface="Tahoma"/>
+        <a:font script="Uigh" typeface="Microsoft Uighur"/>
+        <a:font script="Geor" typeface="Sylfaen"/>
+      </a:majorFont>
+      <a:minorFont>
+        <a:latin typeface="Corbel" panose="020B0503020204020204"/>
+        <a:ea typeface=""/>
+        <a:cs typeface=""/>
+        <a:font script="Jpan" typeface="ＭＳ ゴシック"/>
+        <a:font script="Hang" typeface="맑은 고딕"/>
+        <a:font script="Hans" typeface="宋体"/>
+        <a:font script="Hant" typeface="新細明體"/>
+        <a:font script="Arab" typeface="Tahoma"/>
+        <a:font script="Hebr" typeface="Gisha"/>
+        <a:font script="Thai" typeface="DilleniaUPC"/>
+        <a:font script="Ethi" typeface="Nyala"/>
+        <a:font script="Beng" typeface="Vrinda"/>
+        <a:font script="Gujr" typeface="Shruti"/>
+        <a:font script="Khmr" typeface="DaunPenh"/>
+        <a:font script="Knda" typeface="Tunga"/>
+        <a:font script="Guru" typeface="Raavi"/>
+        <a:font script="Cans" typeface="Euphemia"/>
+        <a:font script="Cher" typeface="Plantagenet Cherokee"/>
+        <a:font script="Yiii" typeface="Microsoft Yi Baiti"/>
+        <a:font script="Tibt" typeface="Microsoft Himalaya"/>
+        <a:font script="Thaa" typeface="MV Boli"/>
+        <a:font script="Deva" typeface="Mangal"/>
+        <a:font script="Telu" typeface="Gautami"/>
+        <a:font script="Taml" typeface="Latha"/>
+        <a:font script="Syrc" typeface="Estrangelo Edessa"/>
+        <a:font script="Orya" typeface="Kalinga"/>
+        <a:font script="Mlym" typeface="Kartika"/>
+        <a:font script="Laoo" typeface="DokChampa"/>
+        <a:font script="Sinh" typeface="Iskoola Pota"/>
+        <a:font script="Mong" typeface="Mongolian Baiti"/>
+        <a:font script="Viet" typeface="Verdana"/>
         <a:font script="Uigh" typeface="Microsoft Uighur"/>
         <a:font script="Geor" typeface="Sylfaen"/>
       </a:minorFont>
     </a:fontScheme>
-    <a:fmtScheme name="Retrospect">
+    <a:fmtScheme name="Basis">
       <a:fillStyleLst>
         <a:solidFill>
           <a:schemeClr val="phClr"/>
         </a:solidFill>
+        <a:solidFill>
+          <a:schemeClr val="phClr">
+            <a:tint val="55000"/>
+            <a:satMod val="130000"/>
+          </a:schemeClr>
+        </a:solidFill>
         <a:gradFill rotWithShape="1">
           <a:gsLst>
             <a:gs pos="0">
+              <a:schemeClr val="phClr"/>
+            </a:gs>
+            <a:gs pos="90000">
               <a:schemeClr val="phClr">
-                <a:tint val="65000"/>
-                <a:shade val="92000"/>
-                <a:satMod val="130000"/>
-              </a:schemeClr>
-            </a:gs>
-            <a:gs pos="45000">
-              <a:schemeClr val="phClr">
-                <a:tint val="60000"/>
-                <a:shade val="99000"/>
-                <a:satMod val="120000"/>
+                <a:shade val="100000"/>
+                <a:satMod val="105000"/>
               </a:schemeClr>
             </a:gs>
             <a:gs pos="100000">
               <a:schemeClr val="phClr">
-                <a:tint val="55000"/>
-                <a:satMod val="140000"/>
-              </a:schemeClr>
-            </a:gs>
-          </a:gsLst>
-          <a:path path="circle">
-            <a:fillToRect l="100000" t="100000" r="100000" b="100000"/>
-          </a:path>
-        </a:gradFill>
-        <a:gradFill rotWithShape="1">
-          <a:gsLst>
-            <a:gs pos="0">
-              <a:schemeClr val="phClr">
-                <a:shade val="85000"/>
-                <a:satMod val="130000"/>
-              </a:schemeClr>
-            </a:gs>
-            <a:gs pos="34000">
-              <a:schemeClr val="phClr">
-                <a:shade val="87000"/>
-                <a:satMod val="125000"/>
-              </a:schemeClr>
-            </a:gs>
-            <a:gs pos="70000">
-              <a:schemeClr val="phClr">
-                <a:tint val="100000"/>
-                <a:shade val="90000"/>
-                <a:satMod val="130000"/>
-              </a:schemeClr>
-            </a:gs>
-            <a:gs pos="100000">
-              <a:schemeClr val="phClr">
-                <a:tint val="100000"/>
-                <a:shade val="100000"/>
-                <a:satMod val="110000"/>
+                <a:shade val="80000"/>
+                <a:satMod val="120000"/>
               </a:schemeClr>
             </a:gs>
           </a:gsLst>
@@ -11415,19 +10941,19 @@
         </a:gradFill>
       </a:fillStyleLst>
       <a:lnStyleLst>
-        <a:ln w="12700" cap="flat" cmpd="sng" algn="ctr">
+        <a:ln w="10000" cap="flat" cmpd="sng" algn="ctr">
           <a:solidFill>
             <a:schemeClr val="phClr"/>
           </a:solidFill>
           <a:prstDash val="solid"/>
         </a:ln>
-        <a:ln w="15875" cap="flat" cmpd="sng" algn="ctr">
+        <a:ln w="19050" cap="flat" cmpd="sng" algn="ctr">
           <a:solidFill>
             <a:schemeClr val="phClr"/>
           </a:solidFill>
           <a:prstDash val="solid"/>
         </a:ln>
-        <a:ln w="25400" cap="flat" cmpd="sng" algn="ctr">
+        <a:ln w="53975" cap="flat" cmpd="dbl" algn="ctr">
           <a:solidFill>
             <a:schemeClr val="phClr"/>
           </a:solidFill>
@@ -11440,18 +10966,18 @@
         </a:effectStyle>
         <a:effectStyle>
           <a:effectLst>
-            <a:outerShdw blurRad="38100" dist="25400" dir="2700000" algn="br" rotWithShape="0">
+            <a:outerShdw blurRad="38100" dist="25400" dir="5400000" rotWithShape="0">
               <a:srgbClr val="000000">
-                <a:alpha val="60000"/>
+                <a:alpha val="45000"/>
               </a:srgbClr>
             </a:outerShdw>
           </a:effectLst>
         </a:effectStyle>
         <a:effectStyle>
           <a:effectLst>
-            <a:outerShdw blurRad="44450" dist="25400" dir="2700000" algn="br" rotWithShape="0">
+            <a:outerShdw blurRad="38100" dist="25400" dir="5400000" rotWithShape="0">
               <a:srgbClr val="000000">
-                <a:alpha val="60000"/>
+                <a:alpha val="45000"/>
               </a:srgbClr>
             </a:outerShdw>
           </a:effectLst>
@@ -11459,12 +10985,16 @@
             <a:camera prst="orthographicFront">
               <a:rot lat="0" lon="0" rev="0"/>
             </a:camera>
-            <a:lightRig rig="threePt" dir="t">
-              <a:rot lat="0" lon="0" rev="19800000"/>
-            </a:lightRig>
+            <a:lightRig rig="brightRoom" dir="t"/>
           </a:scene3d>
-          <a:sp3d prstMaterial="flat">
-            <a:bevelT w="25400" h="31750"/>
+          <a:sp3d extrusionH="12700" contourW="25400" prstMaterial="flat">
+            <a:bevelT w="63500" h="152400" prst="angle"/>
+            <a:contourClr>
+              <a:schemeClr val="phClr">
+                <a:shade val="27000"/>
+                <a:satMod val="120000"/>
+              </a:schemeClr>
+            </a:contourClr>
           </a:sp3d>
         </a:effectStyle>
       </a:effectStyleLst>
@@ -11474,37 +11004,19 @@
         </a:solidFill>
         <a:solidFill>
           <a:schemeClr val="phClr">
-            <a:tint val="90000"/>
-            <a:shade val="97000"/>
-            <a:satMod val="130000"/>
+            <a:tint val="95000"/>
+            <a:shade val="95000"/>
+            <a:satMod val="140000"/>
           </a:schemeClr>
         </a:solidFill>
-        <a:gradFill rotWithShape="1">
-          <a:gsLst>
-            <a:gs pos="0">
-              <a:schemeClr val="phClr">
-                <a:tint val="96000"/>
-                <a:shade val="99000"/>
-                <a:satMod val="140000"/>
-              </a:schemeClr>
-            </a:gs>
-            <a:gs pos="65000">
-              <a:schemeClr val="phClr">
-                <a:tint val="100000"/>
-                <a:shade val="80000"/>
-                <a:satMod val="130000"/>
-              </a:schemeClr>
-            </a:gs>
-            <a:gs pos="100000">
-              <a:schemeClr val="phClr">
-                <a:tint val="100000"/>
-                <a:shade val="48000"/>
-                <a:satMod val="120000"/>
-              </a:schemeClr>
-            </a:gs>
-          </a:gsLst>
-          <a:lin ang="16200000" scaled="0"/>
-        </a:gradFill>
+        <a:solidFill>
+          <a:schemeClr val="phClr">
+            <a:tint val="90000"/>
+            <a:shade val="85000"/>
+            <a:satMod val="160000"/>
+            <a:lumMod val="110000"/>
+          </a:schemeClr>
+        </a:solidFill>
       </a:bgFillStyleLst>
     </a:fmtScheme>
   </a:themeElements>
@@ -11512,7 +11024,7 @@
   <a:extraClrSchemeLst/>
   <a:extLst>
     <a:ext uri="{05A4C25C-085E-4340-85A3-A5531E510DB2}">
-      <thm15:themeFamily xmlns:thm15="http://schemas.microsoft.com/office/thememl/2012/main" name="Retrospect" id="{5F128B03-DCCA-4EEB-AB3B-CF2899314A46}" vid="{3F1AAB62-24C6-49D2-8E01-B56FAC9A3DCD}"/>
+      <thm15:themeFamily xmlns:thm15="http://schemas.microsoft.com/office/thememl/2012/main" name="Basis" id="{5665723A-49BA-4B57-8411-A56F8F207965}" vid="{90E45F77-AEFC-46EF-A7C1-5B338C297B02}"/>
     </a:ext>
   </a:extLst>
 </a:theme>

--- a/course/Spring-Day3.pptx
+++ b/course/Spring-Day3.pptx
@@ -2,7 +2,7 @@
 <file path=ppt/presentation.xml><?xml version="1.0" encoding="utf-8"?>
 <p:presentation xmlns:a="http://schemas.openxmlformats.org/drawingml/2006/main" xmlns:r="http://schemas.openxmlformats.org/officeDocument/2006/relationships" xmlns:p="http://schemas.openxmlformats.org/presentationml/2006/main" saveSubsetFonts="1">
   <p:sldMasterIdLst>
-    <p:sldMasterId id="2147483672" r:id="rId1"/>
+    <p:sldMasterId id="2147483708" r:id="rId1"/>
   </p:sldMasterIdLst>
   <p:sldIdLst>
     <p:sldId id="256" r:id="rId2"/>
@@ -17,60 +17,56 @@
     <p:sldId id="265" r:id="rId11"/>
     <p:sldId id="266" r:id="rId12"/>
     <p:sldId id="267" r:id="rId13"/>
-    <p:sldId id="268" r:id="rId14"/>
-    <p:sldId id="269" r:id="rId15"/>
-    <p:sldId id="270" r:id="rId16"/>
-    <p:sldId id="271" r:id="rId17"/>
-    <p:sldId id="272" r:id="rId18"/>
-    <p:sldId id="273" r:id="rId19"/>
-    <p:sldId id="274" r:id="rId20"/>
-    <p:sldId id="275" r:id="rId21"/>
-    <p:sldId id="276" r:id="rId22"/>
-    <p:sldId id="277" r:id="rId23"/>
-    <p:sldId id="278" r:id="rId24"/>
-    <p:sldId id="279" r:id="rId25"/>
-    <p:sldId id="280" r:id="rId26"/>
-    <p:sldId id="281" r:id="rId27"/>
-    <p:sldId id="282" r:id="rId28"/>
-    <p:sldId id="283" r:id="rId29"/>
-    <p:sldId id="284" r:id="rId30"/>
-    <p:sldId id="285" r:id="rId31"/>
-    <p:sldId id="286" r:id="rId32"/>
-    <p:sldId id="287" r:id="rId33"/>
-    <p:sldId id="288" r:id="rId34"/>
-    <p:sldId id="289" r:id="rId35"/>
-    <p:sldId id="290" r:id="rId36"/>
-    <p:sldId id="291" r:id="rId37"/>
-    <p:sldId id="292" r:id="rId38"/>
-    <p:sldId id="293" r:id="rId39"/>
-    <p:sldId id="294" r:id="rId40"/>
-    <p:sldId id="295" r:id="rId41"/>
-    <p:sldId id="296" r:id="rId42"/>
-    <p:sldId id="297" r:id="rId43"/>
-    <p:sldId id="299" r:id="rId44"/>
-    <p:sldId id="300" r:id="rId45"/>
-    <p:sldId id="301" r:id="rId46"/>
-    <p:sldId id="302" r:id="rId47"/>
-    <p:sldId id="303" r:id="rId48"/>
-    <p:sldId id="304" r:id="rId49"/>
-    <p:sldId id="305" r:id="rId50"/>
-    <p:sldId id="298" r:id="rId51"/>
-    <p:sldId id="306" r:id="rId52"/>
-    <p:sldId id="307" r:id="rId53"/>
-    <p:sldId id="308" r:id="rId54"/>
-    <p:sldId id="309" r:id="rId55"/>
-    <p:sldId id="310" r:id="rId56"/>
-    <p:sldId id="311" r:id="rId57"/>
-    <p:sldId id="312" r:id="rId58"/>
-    <p:sldId id="313" r:id="rId59"/>
-    <p:sldId id="314" r:id="rId60"/>
-    <p:sldId id="315" r:id="rId61"/>
-    <p:sldId id="316" r:id="rId62"/>
-    <p:sldId id="317" r:id="rId63"/>
-    <p:sldId id="318" r:id="rId64"/>
-    <p:sldId id="319" r:id="rId65"/>
-    <p:sldId id="320" r:id="rId66"/>
-    <p:sldId id="321" r:id="rId67"/>
+    <p:sldId id="269" r:id="rId14"/>
+    <p:sldId id="270" r:id="rId15"/>
+    <p:sldId id="271" r:id="rId16"/>
+    <p:sldId id="272" r:id="rId17"/>
+    <p:sldId id="273" r:id="rId18"/>
+    <p:sldId id="274" r:id="rId19"/>
+    <p:sldId id="275" r:id="rId20"/>
+    <p:sldId id="276" r:id="rId21"/>
+    <p:sldId id="277" r:id="rId22"/>
+    <p:sldId id="278" r:id="rId23"/>
+    <p:sldId id="279" r:id="rId24"/>
+    <p:sldId id="280" r:id="rId25"/>
+    <p:sldId id="281" r:id="rId26"/>
+    <p:sldId id="282" r:id="rId27"/>
+    <p:sldId id="283" r:id="rId28"/>
+    <p:sldId id="286" r:id="rId29"/>
+    <p:sldId id="287" r:id="rId30"/>
+    <p:sldId id="288" r:id="rId31"/>
+    <p:sldId id="289" r:id="rId32"/>
+    <p:sldId id="290" r:id="rId33"/>
+    <p:sldId id="291" r:id="rId34"/>
+    <p:sldId id="292" r:id="rId35"/>
+    <p:sldId id="293" r:id="rId36"/>
+    <p:sldId id="295" r:id="rId37"/>
+    <p:sldId id="296" r:id="rId38"/>
+    <p:sldId id="297" r:id="rId39"/>
+    <p:sldId id="299" r:id="rId40"/>
+    <p:sldId id="300" r:id="rId41"/>
+    <p:sldId id="301" r:id="rId42"/>
+    <p:sldId id="302" r:id="rId43"/>
+    <p:sldId id="303" r:id="rId44"/>
+    <p:sldId id="304" r:id="rId45"/>
+    <p:sldId id="305" r:id="rId46"/>
+    <p:sldId id="298" r:id="rId47"/>
+    <p:sldId id="306" r:id="rId48"/>
+    <p:sldId id="307" r:id="rId49"/>
+    <p:sldId id="308" r:id="rId50"/>
+    <p:sldId id="309" r:id="rId51"/>
+    <p:sldId id="310" r:id="rId52"/>
+    <p:sldId id="311" r:id="rId53"/>
+    <p:sldId id="312" r:id="rId54"/>
+    <p:sldId id="313" r:id="rId55"/>
+    <p:sldId id="314" r:id="rId56"/>
+    <p:sldId id="315" r:id="rId57"/>
+    <p:sldId id="316" r:id="rId58"/>
+    <p:sldId id="317" r:id="rId59"/>
+    <p:sldId id="318" r:id="rId60"/>
+    <p:sldId id="319" r:id="rId61"/>
+    <p:sldId id="320" r:id="rId62"/>
+    <p:sldId id="321" r:id="rId63"/>
   </p:sldIdLst>
   <p:sldSz cx="12192000" cy="6858000"/>
   <p:notesSz cx="6858000" cy="9144000"/>
@@ -196,147 +192,90 @@
       </p:grpSpPr>
       <p:sp>
         <p:nvSpPr>
-          <p:cNvPr id="7" name="Rectangle 6"/>
-          <p:cNvSpPr>
-            <a:spLocks noChangeAspect="1"/>
-          </p:cNvSpPr>
-          <p:nvPr/>
+          <p:cNvPr id="2" name="Title 1"/>
+          <p:cNvSpPr>
+            <a:spLocks noGrp="1"/>
+          </p:cNvSpPr>
+          <p:nvPr>
+            <p:ph type="ctrTitle"/>
+          </p:nvPr>
         </p:nvSpPr>
         <p:spPr>
           <a:xfrm>
-            <a:off x="231140" y="243840"/>
-            <a:ext cx="11724640" cy="6377939"/>
+            <a:off x="1524000" y="1122363"/>
+            <a:ext cx="9144000" cy="2387600"/>
           </a:xfrm>
-          <a:prstGeom prst="rect">
-            <a:avLst/>
-          </a:prstGeom>
-          <a:solidFill>
-            <a:schemeClr val="accent1"/>
-          </a:solidFill>
-          <a:ln w="12700">
-            <a:solidFill>
-              <a:srgbClr val="FFFFFF"/>
-            </a:solidFill>
-          </a:ln>
         </p:spPr>
-        <p:style>
-          <a:lnRef idx="2">
-            <a:schemeClr val="accent1">
-              <a:shade val="50000"/>
-            </a:schemeClr>
-          </a:lnRef>
-          <a:fillRef idx="1">
-            <a:schemeClr val="accent1"/>
-          </a:fillRef>
-          <a:effectRef idx="0">
-            <a:schemeClr val="accent1"/>
-          </a:effectRef>
-          <a:fontRef idx="minor">
-            <a:schemeClr val="lt1"/>
-          </a:fontRef>
-        </p:style>
-      </p:sp>
-      <p:sp>
-        <p:nvSpPr>
-          <p:cNvPr id="2" name="Title 1"/>
-          <p:cNvSpPr>
-            <a:spLocks noGrp="1"/>
-          </p:cNvSpPr>
-          <p:nvPr>
-            <p:ph type="ctrTitle"/>
+        <p:txBody>
+          <a:bodyPr anchor="b"/>
+          <a:lstStyle>
+            <a:lvl1pPr algn="ctr">
+              <a:defRPr sz="6000"/>
+            </a:lvl1pPr>
+          </a:lstStyle>
+          <a:p>
+            <a:r>
+              <a:rPr lang="en-US" smtClean="0"/>
+              <a:t>Click to edit Master title style</a:t>
+            </a:r>
+            <a:endParaRPr lang="en-GB"/>
+          </a:p>
+        </p:txBody>
+      </p:sp>
+      <p:sp>
+        <p:nvSpPr>
+          <p:cNvPr id="3" name="Subtitle 2"/>
+          <p:cNvSpPr>
+            <a:spLocks noGrp="1"/>
+          </p:cNvSpPr>
+          <p:nvPr>
+            <p:ph type="subTitle" idx="1"/>
           </p:nvPr>
         </p:nvSpPr>
         <p:spPr>
           <a:xfrm>
-            <a:off x="1109980" y="882376"/>
-            <a:ext cx="9966960" cy="2926080"/>
+            <a:off x="1524000" y="3602038"/>
+            <a:ext cx="9144000" cy="1655762"/>
           </a:xfrm>
         </p:spPr>
         <p:txBody>
-          <a:bodyPr anchor="b">
-            <a:normAutofit/>
-          </a:bodyPr>
-          <a:lstStyle>
-            <a:lvl1pPr algn="ctr">
-              <a:lnSpc>
-                <a:spcPct val="85000"/>
-              </a:lnSpc>
-              <a:defRPr sz="7200" b="1" cap="all" baseline="0">
-                <a:solidFill>
-                  <a:srgbClr val="FFFFFF"/>
-                </a:solidFill>
-              </a:defRPr>
-            </a:lvl1pPr>
-          </a:lstStyle>
-          <a:p>
-            <a:r>
-              <a:rPr lang="en-US" smtClean="0"/>
-              <a:t>Click to edit Master title style</a:t>
-            </a:r>
-            <a:endParaRPr lang="en-US" dirty="0"/>
-          </a:p>
-        </p:txBody>
-      </p:sp>
-      <p:sp>
-        <p:nvSpPr>
-          <p:cNvPr id="3" name="Subtitle 2"/>
-          <p:cNvSpPr>
-            <a:spLocks noGrp="1"/>
-          </p:cNvSpPr>
-          <p:nvPr>
-            <p:ph type="subTitle" idx="1"/>
-          </p:nvPr>
-        </p:nvSpPr>
-        <p:spPr>
-          <a:xfrm>
-            <a:off x="1709530" y="3869634"/>
-            <a:ext cx="8767860" cy="1388165"/>
-          </a:xfrm>
-        </p:spPr>
-        <p:txBody>
-          <a:bodyPr>
-            <a:normAutofit/>
-          </a:bodyPr>
+          <a:bodyPr/>
           <a:lstStyle>
             <a:lvl1pPr marL="0" indent="0" algn="ctr">
               <a:buNone/>
-              <a:defRPr sz="2200">
-                <a:solidFill>
-                  <a:srgbClr val="FFFFFF"/>
-                </a:solidFill>
-              </a:defRPr>
+              <a:defRPr sz="2400"/>
             </a:lvl1pPr>
             <a:lvl2pPr marL="457200" indent="0" algn="ctr">
               <a:buNone/>
-              <a:defRPr sz="2200"/>
+              <a:defRPr sz="2000"/>
             </a:lvl2pPr>
             <a:lvl3pPr marL="914400" indent="0" algn="ctr">
               <a:buNone/>
-              <a:defRPr sz="2200"/>
+              <a:defRPr sz="1800"/>
             </a:lvl3pPr>
             <a:lvl4pPr marL="1371600" indent="0" algn="ctr">
               <a:buNone/>
-              <a:defRPr sz="2000"/>
+              <a:defRPr sz="1600"/>
             </a:lvl4pPr>
             <a:lvl5pPr marL="1828800" indent="0" algn="ctr">
               <a:buNone/>
-              <a:defRPr sz="2000"/>
+              <a:defRPr sz="1600"/>
             </a:lvl5pPr>
             <a:lvl6pPr marL="2286000" indent="0" algn="ctr">
               <a:buNone/>
-              <a:defRPr sz="2000"/>
+              <a:defRPr sz="1600"/>
             </a:lvl6pPr>
             <a:lvl7pPr marL="2743200" indent="0" algn="ctr">
               <a:buNone/>
-              <a:defRPr sz="2000"/>
+              <a:defRPr sz="1600"/>
             </a:lvl7pPr>
             <a:lvl8pPr marL="3200400" indent="0" algn="ctr">
               <a:buNone/>
-              <a:defRPr sz="2000"/>
+              <a:defRPr sz="1600"/>
             </a:lvl8pPr>
             <a:lvl9pPr marL="3657600" indent="0" algn="ctr">
               <a:buNone/>
-              <a:defRPr sz="2000"/>
+              <a:defRPr sz="1600"/>
             </a:lvl9pPr>
           </a:lstStyle>
           <a:p>
@@ -344,7 +283,7 @@
               <a:rPr lang="en-US" smtClean="0"/>
               <a:t>Click to edit Master subtitle style</a:t>
             </a:r>
-            <a:endParaRPr lang="en-US" dirty="0"/>
+            <a:endParaRPr lang="en-GB"/>
           </a:p>
         </p:txBody>
       </p:sp>
@@ -363,19 +302,11 @@
           <a:bodyPr/>
           <a:lstStyle>
             <a:lvl1pPr>
-              <a:defRPr>
-                <a:solidFill>
-                  <a:srgbClr val="FFFFFF"/>
-                </a:solidFill>
-              </a:defRPr>
+              <a:defRPr/>
             </a:lvl1pPr>
           </a:lstStyle>
           <a:p>
-            <a:fld id="{55819C6C-1328-47A7-9531-77311B1A3D98}" type="datetimeFigureOut">
-              <a:rPr lang="en-GB" smtClean="0"/>
-              <a:t>04/08/2016</a:t>
-            </a:fld>
-            <a:endParaRPr lang="en-GB"/>
+            <a:endParaRPr lang="es-ES" altLang="en-US"/>
           </a:p>
         </p:txBody>
       </p:sp>
@@ -394,15 +325,11 @@
           <a:bodyPr/>
           <a:lstStyle>
             <a:lvl1pPr>
-              <a:defRPr>
-                <a:solidFill>
-                  <a:srgbClr val="FFFFFF"/>
-                </a:solidFill>
-              </a:defRPr>
+              <a:defRPr/>
             </a:lvl1pPr>
           </a:lstStyle>
           <a:p>
-            <a:endParaRPr lang="en-GB"/>
+            <a:endParaRPr lang="es-ES" altLang="en-US"/>
           </a:p>
         </p:txBody>
       </p:sp>
@@ -421,61 +348,23 @@
           <a:bodyPr/>
           <a:lstStyle>
             <a:lvl1pPr>
-              <a:defRPr>
-                <a:solidFill>
-                  <a:srgbClr val="FFFFFF"/>
-                </a:solidFill>
-              </a:defRPr>
+              <a:defRPr/>
             </a:lvl1pPr>
           </a:lstStyle>
           <a:p>
-            <a:fld id="{E9BF1494-1497-494E-A8D5-A49C36B4011A}" type="slidenum">
-              <a:rPr lang="en-GB" smtClean="0"/>
+            <a:fld id="{0EBAAC5D-E2E7-4706-B7CD-6930C9CE6BC9}" type="slidenum">
+              <a:rPr lang="es-ES" altLang="en-US"/>
+              <a:pPr/>
               <a:t>‹#›</a:t>
             </a:fld>
-            <a:endParaRPr lang="en-GB"/>
-          </a:p>
-        </p:txBody>
-      </p:sp>
-      <p:cxnSp>
-        <p:nvCxnSpPr>
-          <p:cNvPr id="8" name="Straight Connector 7"/>
-          <p:cNvCxnSpPr/>
-          <p:nvPr/>
-        </p:nvCxnSpPr>
-        <p:spPr>
-          <a:xfrm>
-            <a:off x="1978660" y="3733800"/>
-            <a:ext cx="8229601" cy="0"/>
-          </a:xfrm>
-          <a:prstGeom prst="line">
-            <a:avLst/>
-          </a:prstGeom>
-          <a:ln>
-            <a:solidFill>
-              <a:srgbClr val="FFFFFF"/>
-            </a:solidFill>
-          </a:ln>
-        </p:spPr>
-        <p:style>
-          <a:lnRef idx="1">
-            <a:schemeClr val="accent1"/>
-          </a:lnRef>
-          <a:fillRef idx="0">
-            <a:schemeClr val="accent1"/>
-          </a:fillRef>
-          <a:effectRef idx="0">
-            <a:schemeClr val="accent1"/>
-          </a:effectRef>
-          <a:fontRef idx="minor">
-            <a:schemeClr val="tx1"/>
-          </a:fontRef>
-        </p:style>
-      </p:cxnSp>
+            <a:endParaRPr lang="es-ES" altLang="en-US"/>
+          </a:p>
+        </p:txBody>
+      </p:sp>
     </p:spTree>
     <p:extLst>
       <p:ext uri="{BB962C8B-B14F-4D97-AF65-F5344CB8AC3E}">
-        <p14:creationId xmlns:p14="http://schemas.microsoft.com/office/powerpoint/2010/main" val="3422629809"/>
+        <p14:creationId xmlns:p14="http://schemas.microsoft.com/office/powerpoint/2010/main" val="3847557054"/>
       </p:ext>
     </p:extLst>
   </p:cSld>
@@ -521,7 +410,7 @@
               <a:rPr lang="en-US" smtClean="0"/>
               <a:t>Click to edit Master title style</a:t>
             </a:r>
-            <a:endParaRPr lang="en-US" dirty="0"/>
+            <a:endParaRPr lang="en-GB"/>
           </a:p>
         </p:txBody>
       </p:sp>
@@ -573,7 +462,7 @@
               <a:rPr lang="en-US" smtClean="0"/>
               <a:t>Fifth level</a:t>
             </a:r>
-            <a:endParaRPr lang="en-US" dirty="0"/>
+            <a:endParaRPr lang="en-GB"/>
           </a:p>
         </p:txBody>
       </p:sp>
@@ -590,13 +479,13 @@
         <p:spPr/>
         <p:txBody>
           <a:bodyPr/>
-          <a:lstStyle/>
-          <a:p>
-            <a:fld id="{55819C6C-1328-47A7-9531-77311B1A3D98}" type="datetimeFigureOut">
-              <a:rPr lang="en-GB" smtClean="0"/>
-              <a:t>04/08/2016</a:t>
-            </a:fld>
-            <a:endParaRPr lang="en-GB"/>
+          <a:lstStyle>
+            <a:lvl1pPr>
+              <a:defRPr/>
+            </a:lvl1pPr>
+          </a:lstStyle>
+          <a:p>
+            <a:endParaRPr lang="es-ES" altLang="en-US"/>
           </a:p>
         </p:txBody>
       </p:sp>
@@ -613,9 +502,13 @@
         <p:spPr/>
         <p:txBody>
           <a:bodyPr/>
-          <a:lstStyle/>
-          <a:p>
-            <a:endParaRPr lang="en-GB"/>
+          <a:lstStyle>
+            <a:lvl1pPr>
+              <a:defRPr/>
+            </a:lvl1pPr>
+          </a:lstStyle>
+          <a:p>
+            <a:endParaRPr lang="es-ES" altLang="en-US"/>
           </a:p>
         </p:txBody>
       </p:sp>
@@ -632,20 +525,25 @@
         <p:spPr/>
         <p:txBody>
           <a:bodyPr/>
-          <a:lstStyle/>
-          <a:p>
-            <a:fld id="{E9BF1494-1497-494E-A8D5-A49C36B4011A}" type="slidenum">
-              <a:rPr lang="en-GB" smtClean="0"/>
+          <a:lstStyle>
+            <a:lvl1pPr>
+              <a:defRPr/>
+            </a:lvl1pPr>
+          </a:lstStyle>
+          <a:p>
+            <a:fld id="{69B4BF4D-0CAF-441F-8EC8-3010CAA884DE}" type="slidenum">
+              <a:rPr lang="es-ES" altLang="en-US"/>
+              <a:pPr/>
               <a:t>‹#›</a:t>
             </a:fld>
-            <a:endParaRPr lang="en-GB"/>
+            <a:endParaRPr lang="es-ES" altLang="en-US"/>
           </a:p>
         </p:txBody>
       </p:sp>
     </p:spTree>
     <p:extLst>
       <p:ext uri="{BB962C8B-B14F-4D97-AF65-F5344CB8AC3E}">
-        <p14:creationId xmlns:p14="http://schemas.microsoft.com/office/powerpoint/2010/main" val="3986798239"/>
+        <p14:creationId xmlns:p14="http://schemas.microsoft.com/office/powerpoint/2010/main" val="2887491348"/>
       </p:ext>
     </p:extLst>
   </p:cSld>
@@ -684,8 +582,8 @@
         </p:nvSpPr>
         <p:spPr>
           <a:xfrm>
-            <a:off x="8724900" y="762000"/>
-            <a:ext cx="2324100" cy="5410200"/>
+            <a:off x="8839200" y="274639"/>
+            <a:ext cx="2743200" cy="5851525"/>
           </a:xfrm>
         </p:spPr>
         <p:txBody>
@@ -696,7 +594,7 @@
               <a:rPr lang="en-US" smtClean="0"/>
               <a:t>Click to edit Master title style</a:t>
             </a:r>
-            <a:endParaRPr lang="en-US" dirty="0"/>
+            <a:endParaRPr lang="en-GB"/>
           </a:p>
         </p:txBody>
       </p:sp>
@@ -712,8 +610,8 @@
         </p:nvSpPr>
         <p:spPr>
           <a:xfrm>
-            <a:off x="1143000" y="762000"/>
-            <a:ext cx="7429500" cy="5410200"/>
+            <a:off x="609600" y="274639"/>
+            <a:ext cx="8026400" cy="5851525"/>
           </a:xfrm>
         </p:spPr>
         <p:txBody>
@@ -753,7 +651,7 @@
               <a:rPr lang="en-US" smtClean="0"/>
               <a:t>Fifth level</a:t>
             </a:r>
-            <a:endParaRPr lang="en-US" dirty="0"/>
+            <a:endParaRPr lang="en-GB"/>
           </a:p>
         </p:txBody>
       </p:sp>
@@ -770,13 +668,13 @@
         <p:spPr/>
         <p:txBody>
           <a:bodyPr/>
-          <a:lstStyle/>
-          <a:p>
-            <a:fld id="{55819C6C-1328-47A7-9531-77311B1A3D98}" type="datetimeFigureOut">
-              <a:rPr lang="en-GB" smtClean="0"/>
-              <a:t>04/08/2016</a:t>
-            </a:fld>
-            <a:endParaRPr lang="en-GB"/>
+          <a:lstStyle>
+            <a:lvl1pPr>
+              <a:defRPr/>
+            </a:lvl1pPr>
+          </a:lstStyle>
+          <a:p>
+            <a:endParaRPr lang="es-ES" altLang="en-US"/>
           </a:p>
         </p:txBody>
       </p:sp>
@@ -793,9 +691,13 @@
         <p:spPr/>
         <p:txBody>
           <a:bodyPr/>
-          <a:lstStyle/>
-          <a:p>
-            <a:endParaRPr lang="en-GB"/>
+          <a:lstStyle>
+            <a:lvl1pPr>
+              <a:defRPr/>
+            </a:lvl1pPr>
+          </a:lstStyle>
+          <a:p>
+            <a:endParaRPr lang="es-ES" altLang="en-US"/>
           </a:p>
         </p:txBody>
       </p:sp>
@@ -812,20 +714,25 @@
         <p:spPr/>
         <p:txBody>
           <a:bodyPr/>
-          <a:lstStyle/>
-          <a:p>
-            <a:fld id="{E9BF1494-1497-494E-A8D5-A49C36B4011A}" type="slidenum">
-              <a:rPr lang="en-GB" smtClean="0"/>
+          <a:lstStyle>
+            <a:lvl1pPr>
+              <a:defRPr/>
+            </a:lvl1pPr>
+          </a:lstStyle>
+          <a:p>
+            <a:fld id="{A2CBC72E-D422-4887-89CD-58575756A2A7}" type="slidenum">
+              <a:rPr lang="es-ES" altLang="en-US"/>
+              <a:pPr/>
               <a:t>‹#›</a:t>
             </a:fld>
-            <a:endParaRPr lang="en-GB"/>
+            <a:endParaRPr lang="es-ES" altLang="en-US"/>
           </a:p>
         </p:txBody>
       </p:sp>
     </p:spTree>
     <p:extLst>
       <p:ext uri="{BB962C8B-B14F-4D97-AF65-F5344CB8AC3E}">
-        <p14:creationId xmlns:p14="http://schemas.microsoft.com/office/powerpoint/2010/main" val="1593436016"/>
+        <p14:creationId xmlns:p14="http://schemas.microsoft.com/office/powerpoint/2010/main" val="2345670802"/>
       </p:ext>
     </p:extLst>
   </p:cSld>
@@ -871,7 +778,7 @@
               <a:rPr lang="en-US" smtClean="0"/>
               <a:t>Click to edit Master title style</a:t>
             </a:r>
-            <a:endParaRPr lang="en-US" dirty="0"/>
+            <a:endParaRPr lang="en-GB"/>
           </a:p>
         </p:txBody>
       </p:sp>
@@ -923,7 +830,7 @@
               <a:rPr lang="en-US" smtClean="0"/>
               <a:t>Fifth level</a:t>
             </a:r>
-            <a:endParaRPr lang="en-US" dirty="0"/>
+            <a:endParaRPr lang="en-GB"/>
           </a:p>
         </p:txBody>
       </p:sp>
@@ -940,13 +847,13 @@
         <p:spPr/>
         <p:txBody>
           <a:bodyPr/>
-          <a:lstStyle/>
-          <a:p>
-            <a:fld id="{55819C6C-1328-47A7-9531-77311B1A3D98}" type="datetimeFigureOut">
-              <a:rPr lang="en-GB" smtClean="0"/>
-              <a:t>04/08/2016</a:t>
-            </a:fld>
-            <a:endParaRPr lang="en-GB"/>
+          <a:lstStyle>
+            <a:lvl1pPr>
+              <a:defRPr/>
+            </a:lvl1pPr>
+          </a:lstStyle>
+          <a:p>
+            <a:endParaRPr lang="es-ES" altLang="en-US"/>
           </a:p>
         </p:txBody>
       </p:sp>
@@ -963,9 +870,13 @@
         <p:spPr/>
         <p:txBody>
           <a:bodyPr/>
-          <a:lstStyle/>
-          <a:p>
-            <a:endParaRPr lang="en-GB"/>
+          <a:lstStyle>
+            <a:lvl1pPr>
+              <a:defRPr/>
+            </a:lvl1pPr>
+          </a:lstStyle>
+          <a:p>
+            <a:endParaRPr lang="es-ES" altLang="en-US"/>
           </a:p>
         </p:txBody>
       </p:sp>
@@ -982,20 +893,25 @@
         <p:spPr/>
         <p:txBody>
           <a:bodyPr/>
-          <a:lstStyle/>
-          <a:p>
-            <a:fld id="{E9BF1494-1497-494E-A8D5-A49C36B4011A}" type="slidenum">
-              <a:rPr lang="en-GB" smtClean="0"/>
+          <a:lstStyle>
+            <a:lvl1pPr>
+              <a:defRPr/>
+            </a:lvl1pPr>
+          </a:lstStyle>
+          <a:p>
+            <a:fld id="{EB3978E6-1057-4760-AC77-D49F63E0D8CF}" type="slidenum">
+              <a:rPr lang="es-ES" altLang="en-US"/>
+              <a:pPr/>
               <a:t>‹#›</a:t>
             </a:fld>
-            <a:endParaRPr lang="en-GB"/>
+            <a:endParaRPr lang="es-ES" altLang="en-US"/>
           </a:p>
         </p:txBody>
       </p:sp>
     </p:spTree>
     <p:extLst>
       <p:ext uri="{BB962C8B-B14F-4D97-AF65-F5344CB8AC3E}">
-        <p14:creationId xmlns:p14="http://schemas.microsoft.com/office/powerpoint/2010/main" val="429593746"/>
+        <p14:creationId xmlns:p14="http://schemas.microsoft.com/office/powerpoint/2010/main" val="931235270"/>
       </p:ext>
     </p:extLst>
   </p:cSld>
@@ -1034,20 +950,15 @@
         </p:nvSpPr>
         <p:spPr>
           <a:xfrm>
-            <a:off x="1106424" y="1173575"/>
-            <a:ext cx="9966960" cy="2926080"/>
+            <a:off x="831851" y="1709739"/>
+            <a:ext cx="10515600" cy="2852737"/>
           </a:xfrm>
         </p:spPr>
         <p:txBody>
-          <a:bodyPr anchor="b">
-            <a:noAutofit/>
-          </a:bodyPr>
+          <a:bodyPr anchor="b"/>
           <a:lstStyle>
-            <a:lvl1pPr algn="ctr">
-              <a:lnSpc>
-                <a:spcPct val="85000"/>
-              </a:lnSpc>
-              <a:defRPr sz="7200" b="0" cap="all" baseline="0"/>
+            <a:lvl1pPr>
+              <a:defRPr sz="6000"/>
             </a:lvl1pPr>
           </a:lstStyle>
           <a:p>
@@ -1055,7 +966,7 @@
               <a:rPr lang="en-US" smtClean="0"/>
               <a:t>Click to edit Master title style</a:t>
             </a:r>
-            <a:endParaRPr lang="en-US" dirty="0"/>
+            <a:endParaRPr lang="en-GB"/>
           </a:p>
         </p:txBody>
       </p:sp>
@@ -1071,102 +982,48 @@
         </p:nvSpPr>
         <p:spPr>
           <a:xfrm>
-            <a:off x="1709928" y="4154520"/>
-            <a:ext cx="8769096" cy="1363806"/>
+            <a:off x="831851" y="4589464"/>
+            <a:ext cx="10515600" cy="1500187"/>
           </a:xfrm>
         </p:spPr>
         <p:txBody>
-          <a:bodyPr anchor="t">
-            <a:normAutofit/>
-          </a:bodyPr>
+          <a:bodyPr/>
           <a:lstStyle>
-            <a:lvl1pPr marL="0" indent="0" algn="ctr">
+            <a:lvl1pPr marL="0" indent="0">
               <a:buNone/>
-              <a:defRPr sz="2200">
-                <a:solidFill>
-                  <a:schemeClr val="accent1"/>
-                </a:solidFill>
-              </a:defRPr>
+              <a:defRPr sz="2400"/>
             </a:lvl1pPr>
             <a:lvl2pPr marL="457200" indent="0">
               <a:buNone/>
-              <a:defRPr sz="1800">
-                <a:solidFill>
-                  <a:schemeClr val="tx1">
-                    <a:tint val="75000"/>
-                  </a:schemeClr>
-                </a:solidFill>
-              </a:defRPr>
+              <a:defRPr sz="2000"/>
             </a:lvl2pPr>
             <a:lvl3pPr marL="914400" indent="0">
               <a:buNone/>
-              <a:defRPr sz="1600">
-                <a:solidFill>
-                  <a:schemeClr val="tx1">
-                    <a:tint val="75000"/>
-                  </a:schemeClr>
-                </a:solidFill>
-              </a:defRPr>
+              <a:defRPr sz="1800"/>
             </a:lvl3pPr>
             <a:lvl4pPr marL="1371600" indent="0">
               <a:buNone/>
-              <a:defRPr sz="1400">
-                <a:solidFill>
-                  <a:schemeClr val="tx1">
-                    <a:tint val="75000"/>
-                  </a:schemeClr>
-                </a:solidFill>
-              </a:defRPr>
+              <a:defRPr sz="1600"/>
             </a:lvl4pPr>
             <a:lvl5pPr marL="1828800" indent="0">
               <a:buNone/>
-              <a:defRPr sz="1400">
-                <a:solidFill>
-                  <a:schemeClr val="tx1">
-                    <a:tint val="75000"/>
-                  </a:schemeClr>
-                </a:solidFill>
-              </a:defRPr>
+              <a:defRPr sz="1600"/>
             </a:lvl5pPr>
             <a:lvl6pPr marL="2286000" indent="0">
               <a:buNone/>
-              <a:defRPr sz="1400">
-                <a:solidFill>
-                  <a:schemeClr val="tx1">
-                    <a:tint val="75000"/>
-                  </a:schemeClr>
-                </a:solidFill>
-              </a:defRPr>
+              <a:defRPr sz="1600"/>
             </a:lvl6pPr>
             <a:lvl7pPr marL="2743200" indent="0">
               <a:buNone/>
-              <a:defRPr sz="1400">
-                <a:solidFill>
-                  <a:schemeClr val="tx1">
-                    <a:tint val="75000"/>
-                  </a:schemeClr>
-                </a:solidFill>
-              </a:defRPr>
+              <a:defRPr sz="1600"/>
             </a:lvl7pPr>
             <a:lvl8pPr marL="3200400" indent="0">
               <a:buNone/>
-              <a:defRPr sz="1400">
-                <a:solidFill>
-                  <a:schemeClr val="tx1">
-                    <a:tint val="75000"/>
-                  </a:schemeClr>
-                </a:solidFill>
-              </a:defRPr>
+              <a:defRPr sz="1600"/>
             </a:lvl8pPr>
             <a:lvl9pPr marL="3657600" indent="0">
               <a:buNone/>
-              <a:defRPr sz="1400">
-                <a:solidFill>
-                  <a:schemeClr val="tx1">
-                    <a:tint val="75000"/>
-                  </a:schemeClr>
-                </a:solidFill>
-              </a:defRPr>
+              <a:defRPr sz="1600"/>
             </a:lvl9pPr>
           </a:lstStyle>
           <a:p>
@@ -1191,13 +1048,13 @@
         <p:spPr/>
         <p:txBody>
           <a:bodyPr/>
-          <a:lstStyle/>
-          <a:p>
-            <a:fld id="{55819C6C-1328-47A7-9531-77311B1A3D98}" type="datetimeFigureOut">
-              <a:rPr lang="en-GB" smtClean="0"/>
-              <a:t>04/08/2016</a:t>
-            </a:fld>
-            <a:endParaRPr lang="en-GB"/>
+          <a:lstStyle>
+            <a:lvl1pPr>
+              <a:defRPr/>
+            </a:lvl1pPr>
+          </a:lstStyle>
+          <a:p>
+            <a:endParaRPr lang="es-ES" altLang="en-US"/>
           </a:p>
         </p:txBody>
       </p:sp>
@@ -1214,9 +1071,13 @@
         <p:spPr/>
         <p:txBody>
           <a:bodyPr/>
-          <a:lstStyle/>
-          <a:p>
-            <a:endParaRPr lang="en-GB"/>
+          <a:lstStyle>
+            <a:lvl1pPr>
+              <a:defRPr/>
+            </a:lvl1pPr>
+          </a:lstStyle>
+          <a:p>
+            <a:endParaRPr lang="es-ES" altLang="en-US"/>
           </a:p>
         </p:txBody>
       </p:sp>
@@ -1233,55 +1094,25 @@
         <p:spPr/>
         <p:txBody>
           <a:bodyPr/>
-          <a:lstStyle/>
-          <a:p>
-            <a:fld id="{E9BF1494-1497-494E-A8D5-A49C36B4011A}" type="slidenum">
-              <a:rPr lang="en-GB" smtClean="0"/>
+          <a:lstStyle>
+            <a:lvl1pPr>
+              <a:defRPr/>
+            </a:lvl1pPr>
+          </a:lstStyle>
+          <a:p>
+            <a:fld id="{4261EC55-8308-4E5A-9BC9-5569BDF85A2D}" type="slidenum">
+              <a:rPr lang="es-ES" altLang="en-US"/>
+              <a:pPr/>
               <a:t>‹#›</a:t>
             </a:fld>
-            <a:endParaRPr lang="en-GB"/>
-          </a:p>
-        </p:txBody>
-      </p:sp>
-      <p:cxnSp>
-        <p:nvCxnSpPr>
-          <p:cNvPr id="7" name="Straight Connector 6"/>
-          <p:cNvCxnSpPr/>
-          <p:nvPr/>
-        </p:nvCxnSpPr>
-        <p:spPr>
-          <a:xfrm>
-            <a:off x="1981200" y="4020408"/>
-            <a:ext cx="8229601" cy="0"/>
-          </a:xfrm>
-          <a:prstGeom prst="line">
-            <a:avLst/>
-          </a:prstGeom>
-          <a:ln>
-            <a:solidFill>
-              <a:schemeClr val="accent1"/>
-            </a:solidFill>
-          </a:ln>
-        </p:spPr>
-        <p:style>
-          <a:lnRef idx="1">
-            <a:schemeClr val="accent1"/>
-          </a:lnRef>
-          <a:fillRef idx="0">
-            <a:schemeClr val="accent1"/>
-          </a:fillRef>
-          <a:effectRef idx="0">
-            <a:schemeClr val="accent1"/>
-          </a:effectRef>
-          <a:fontRef idx="minor">
-            <a:schemeClr val="tx1"/>
-          </a:fontRef>
-        </p:style>
-      </p:cxnSp>
+            <a:endParaRPr lang="es-ES" altLang="en-US"/>
+          </a:p>
+        </p:txBody>
+      </p:sp>
     </p:spTree>
     <p:extLst>
       <p:ext uri="{BB962C8B-B14F-4D97-AF65-F5344CB8AC3E}">
-        <p14:creationId xmlns:p14="http://schemas.microsoft.com/office/powerpoint/2010/main" val="3143194382"/>
+        <p14:creationId xmlns:p14="http://schemas.microsoft.com/office/powerpoint/2010/main" val="1886703207"/>
       </p:ext>
     </p:extLst>
   </p:cSld>
@@ -1310,7 +1141,7 @@
       </p:grpSpPr>
       <p:sp>
         <p:nvSpPr>
-          <p:cNvPr id="8" name="Title 7"/>
+          <p:cNvPr id="2" name="Title 1"/>
           <p:cNvSpPr>
             <a:spLocks noGrp="1"/>
           </p:cNvSpPr>
@@ -1327,7 +1158,7 @@
               <a:rPr lang="en-US" smtClean="0"/>
               <a:t>Click to edit Master title style</a:t>
             </a:r>
-            <a:endParaRPr lang="en-US" dirty="0"/>
+            <a:endParaRPr lang="en-GB"/>
           </a:p>
         </p:txBody>
       </p:sp>
@@ -1343,203 +1174,151 @@
         </p:nvSpPr>
         <p:spPr>
           <a:xfrm>
-            <a:off x="1143000" y="2057399"/>
-            <a:ext cx="4754880" cy="4023360"/>
+            <a:off x="609600" y="1600201"/>
+            <a:ext cx="5384800" cy="4525963"/>
           </a:xfrm>
         </p:spPr>
         <p:txBody>
           <a:bodyPr/>
+          <a:lstStyle/>
+          <a:p>
+            <a:pPr lvl="0"/>
+            <a:r>
+              <a:rPr lang="en-US" smtClean="0"/>
+              <a:t>Click to edit Master text styles</a:t>
+            </a:r>
+          </a:p>
+          <a:p>
+            <a:pPr lvl="1"/>
+            <a:r>
+              <a:rPr lang="en-US" smtClean="0"/>
+              <a:t>Second level</a:t>
+            </a:r>
+          </a:p>
+          <a:p>
+            <a:pPr lvl="2"/>
+            <a:r>
+              <a:rPr lang="en-US" smtClean="0"/>
+              <a:t>Third level</a:t>
+            </a:r>
+          </a:p>
+          <a:p>
+            <a:pPr lvl="3"/>
+            <a:r>
+              <a:rPr lang="en-US" smtClean="0"/>
+              <a:t>Fourth level</a:t>
+            </a:r>
+          </a:p>
+          <a:p>
+            <a:pPr lvl="4"/>
+            <a:r>
+              <a:rPr lang="en-US" smtClean="0"/>
+              <a:t>Fifth level</a:t>
+            </a:r>
+            <a:endParaRPr lang="en-GB"/>
+          </a:p>
+        </p:txBody>
+      </p:sp>
+      <p:sp>
+        <p:nvSpPr>
+          <p:cNvPr id="4" name="Content Placeholder 3"/>
+          <p:cNvSpPr>
+            <a:spLocks noGrp="1"/>
+          </p:cNvSpPr>
+          <p:nvPr>
+            <p:ph sz="half" idx="2"/>
+          </p:nvPr>
+        </p:nvSpPr>
+        <p:spPr>
+          <a:xfrm>
+            <a:off x="6197600" y="1600201"/>
+            <a:ext cx="5384800" cy="4525963"/>
+          </a:xfrm>
+        </p:spPr>
+        <p:txBody>
+          <a:bodyPr/>
+          <a:lstStyle/>
+          <a:p>
+            <a:pPr lvl="0"/>
+            <a:r>
+              <a:rPr lang="en-US" smtClean="0"/>
+              <a:t>Click to edit Master text styles</a:t>
+            </a:r>
+          </a:p>
+          <a:p>
+            <a:pPr lvl="1"/>
+            <a:r>
+              <a:rPr lang="en-US" smtClean="0"/>
+              <a:t>Second level</a:t>
+            </a:r>
+          </a:p>
+          <a:p>
+            <a:pPr lvl="2"/>
+            <a:r>
+              <a:rPr lang="en-US" smtClean="0"/>
+              <a:t>Third level</a:t>
+            </a:r>
+          </a:p>
+          <a:p>
+            <a:pPr lvl="3"/>
+            <a:r>
+              <a:rPr lang="en-US" smtClean="0"/>
+              <a:t>Fourth level</a:t>
+            </a:r>
+          </a:p>
+          <a:p>
+            <a:pPr lvl="4"/>
+            <a:r>
+              <a:rPr lang="en-US" smtClean="0"/>
+              <a:t>Fifth level</a:t>
+            </a:r>
+            <a:endParaRPr lang="en-GB"/>
+          </a:p>
+        </p:txBody>
+      </p:sp>
+      <p:sp>
+        <p:nvSpPr>
+          <p:cNvPr id="5" name="Date Placeholder 4"/>
+          <p:cNvSpPr>
+            <a:spLocks noGrp="1"/>
+          </p:cNvSpPr>
+          <p:nvPr>
+            <p:ph type="dt" sz="half" idx="10"/>
+          </p:nvPr>
+        </p:nvSpPr>
+        <p:spPr/>
+        <p:txBody>
+          <a:bodyPr/>
           <a:lstStyle>
             <a:lvl1pPr>
-              <a:defRPr sz="2200"/>
+              <a:defRPr/>
             </a:lvl1pPr>
-            <a:lvl2pPr>
-              <a:defRPr sz="2000"/>
-            </a:lvl2pPr>
-            <a:lvl3pPr>
-              <a:defRPr sz="1800"/>
-            </a:lvl3pPr>
-            <a:lvl4pPr>
-              <a:defRPr sz="1600"/>
-            </a:lvl4pPr>
-            <a:lvl5pPr>
-              <a:defRPr sz="1600"/>
-            </a:lvl5pPr>
-            <a:lvl6pPr>
-              <a:defRPr sz="1600"/>
-            </a:lvl6pPr>
-            <a:lvl7pPr>
-              <a:defRPr sz="1600"/>
-            </a:lvl7pPr>
-            <a:lvl8pPr>
-              <a:defRPr sz="1600"/>
-            </a:lvl8pPr>
-            <a:lvl9pPr>
-              <a:defRPr sz="1600"/>
-            </a:lvl9pPr>
           </a:lstStyle>
           <a:p>
-            <a:pPr lvl="0"/>
-            <a:r>
-              <a:rPr lang="en-US" smtClean="0"/>
-              <a:t>Click to edit Master text styles</a:t>
-            </a:r>
-          </a:p>
-          <a:p>
-            <a:pPr lvl="1"/>
-            <a:r>
-              <a:rPr lang="en-US" smtClean="0"/>
-              <a:t>Second level</a:t>
-            </a:r>
-          </a:p>
-          <a:p>
-            <a:pPr lvl="2"/>
-            <a:r>
-              <a:rPr lang="en-US" smtClean="0"/>
-              <a:t>Third level</a:t>
-            </a:r>
-          </a:p>
-          <a:p>
-            <a:pPr lvl="3"/>
-            <a:r>
-              <a:rPr lang="en-US" smtClean="0"/>
-              <a:t>Fourth level</a:t>
-            </a:r>
-          </a:p>
-          <a:p>
-            <a:pPr lvl="4"/>
-            <a:r>
-              <a:rPr lang="en-US" smtClean="0"/>
-              <a:t>Fifth level</a:t>
-            </a:r>
-            <a:endParaRPr lang="en-US" dirty="0"/>
-          </a:p>
-        </p:txBody>
-      </p:sp>
-      <p:sp>
-        <p:nvSpPr>
-          <p:cNvPr id="4" name="Content Placeholder 3"/>
-          <p:cNvSpPr>
-            <a:spLocks noGrp="1"/>
-          </p:cNvSpPr>
-          <p:nvPr>
-            <p:ph sz="half" idx="2"/>
-          </p:nvPr>
-        </p:nvSpPr>
-        <p:spPr>
-          <a:xfrm>
-            <a:off x="6267612" y="2057400"/>
-            <a:ext cx="4754880" cy="4023360"/>
-          </a:xfrm>
-        </p:spPr>
+            <a:endParaRPr lang="es-ES" altLang="en-US"/>
+          </a:p>
+        </p:txBody>
+      </p:sp>
+      <p:sp>
+        <p:nvSpPr>
+          <p:cNvPr id="6" name="Footer Placeholder 5"/>
+          <p:cNvSpPr>
+            <a:spLocks noGrp="1"/>
+          </p:cNvSpPr>
+          <p:nvPr>
+            <p:ph type="ftr" sz="quarter" idx="11"/>
+          </p:nvPr>
+        </p:nvSpPr>
+        <p:spPr/>
         <p:txBody>
           <a:bodyPr/>
           <a:lstStyle>
             <a:lvl1pPr>
-              <a:defRPr sz="2200"/>
+              <a:defRPr/>
             </a:lvl1pPr>
-            <a:lvl2pPr>
-              <a:defRPr sz="2000"/>
-            </a:lvl2pPr>
-            <a:lvl3pPr>
-              <a:defRPr sz="1800"/>
-            </a:lvl3pPr>
-            <a:lvl4pPr>
-              <a:defRPr sz="1600"/>
-            </a:lvl4pPr>
-            <a:lvl5pPr>
-              <a:defRPr sz="1600"/>
-            </a:lvl5pPr>
-            <a:lvl6pPr>
-              <a:defRPr sz="1600"/>
-            </a:lvl6pPr>
-            <a:lvl7pPr>
-              <a:defRPr sz="1600"/>
-            </a:lvl7pPr>
-            <a:lvl8pPr>
-              <a:defRPr sz="1600"/>
-            </a:lvl8pPr>
-            <a:lvl9pPr>
-              <a:defRPr sz="1600"/>
-            </a:lvl9pPr>
           </a:lstStyle>
           <a:p>
-            <a:pPr lvl="0"/>
-            <a:r>
-              <a:rPr lang="en-US" smtClean="0"/>
-              <a:t>Click to edit Master text styles</a:t>
-            </a:r>
-          </a:p>
-          <a:p>
-            <a:pPr lvl="1"/>
-            <a:r>
-              <a:rPr lang="en-US" smtClean="0"/>
-              <a:t>Second level</a:t>
-            </a:r>
-          </a:p>
-          <a:p>
-            <a:pPr lvl="2"/>
-            <a:r>
-              <a:rPr lang="en-US" smtClean="0"/>
-              <a:t>Third level</a:t>
-            </a:r>
-          </a:p>
-          <a:p>
-            <a:pPr lvl="3"/>
-            <a:r>
-              <a:rPr lang="en-US" smtClean="0"/>
-              <a:t>Fourth level</a:t>
-            </a:r>
-          </a:p>
-          <a:p>
-            <a:pPr lvl="4"/>
-            <a:r>
-              <a:rPr lang="en-US" smtClean="0"/>
-              <a:t>Fifth level</a:t>
-            </a:r>
-            <a:endParaRPr lang="en-US" dirty="0"/>
-          </a:p>
-        </p:txBody>
-      </p:sp>
-      <p:sp>
-        <p:nvSpPr>
-          <p:cNvPr id="5" name="Date Placeholder 4"/>
-          <p:cNvSpPr>
-            <a:spLocks noGrp="1"/>
-          </p:cNvSpPr>
-          <p:nvPr>
-            <p:ph type="dt" sz="half" idx="10"/>
-          </p:nvPr>
-        </p:nvSpPr>
-        <p:spPr/>
-        <p:txBody>
-          <a:bodyPr/>
-          <a:lstStyle/>
-          <a:p>
-            <a:fld id="{55819C6C-1328-47A7-9531-77311B1A3D98}" type="datetimeFigureOut">
-              <a:rPr lang="en-GB" smtClean="0"/>
-              <a:t>04/08/2016</a:t>
-            </a:fld>
-            <a:endParaRPr lang="en-GB"/>
-          </a:p>
-        </p:txBody>
-      </p:sp>
-      <p:sp>
-        <p:nvSpPr>
-          <p:cNvPr id="6" name="Footer Placeholder 5"/>
-          <p:cNvSpPr>
-            <a:spLocks noGrp="1"/>
-          </p:cNvSpPr>
-          <p:nvPr>
-            <p:ph type="ftr" sz="quarter" idx="11"/>
-          </p:nvPr>
-        </p:nvSpPr>
-        <p:spPr/>
-        <p:txBody>
-          <a:bodyPr/>
-          <a:lstStyle/>
-          <a:p>
-            <a:endParaRPr lang="en-GB"/>
+            <a:endParaRPr lang="es-ES" altLang="en-US"/>
           </a:p>
         </p:txBody>
       </p:sp>
@@ -1556,20 +1335,25 @@
         <p:spPr/>
         <p:txBody>
           <a:bodyPr/>
-          <a:lstStyle/>
-          <a:p>
-            <a:fld id="{E9BF1494-1497-494E-A8D5-A49C36B4011A}" type="slidenum">
-              <a:rPr lang="en-GB" smtClean="0"/>
+          <a:lstStyle>
+            <a:lvl1pPr>
+              <a:defRPr/>
+            </a:lvl1pPr>
+          </a:lstStyle>
+          <a:p>
+            <a:fld id="{5B3CEE55-1855-46E4-BD1C-296A5DD09F3A}" type="slidenum">
+              <a:rPr lang="es-ES" altLang="en-US"/>
+              <a:pPr/>
               <a:t>‹#›</a:t>
             </a:fld>
-            <a:endParaRPr lang="en-GB"/>
+            <a:endParaRPr lang="es-ES" altLang="en-US"/>
           </a:p>
         </p:txBody>
       </p:sp>
     </p:spTree>
     <p:extLst>
       <p:ext uri="{BB962C8B-B14F-4D97-AF65-F5344CB8AC3E}">
-        <p14:creationId xmlns:p14="http://schemas.microsoft.com/office/powerpoint/2010/main" val="240413256"/>
+        <p14:creationId xmlns:p14="http://schemas.microsoft.com/office/powerpoint/2010/main" val="1098487924"/>
       </p:ext>
     </p:extLst>
   </p:cSld>
@@ -1598,7 +1382,7 @@
       </p:grpSpPr>
       <p:sp>
         <p:nvSpPr>
-          <p:cNvPr id="10" name="Title 9"/>
+          <p:cNvPr id="2" name="Title 1"/>
           <p:cNvSpPr>
             <a:spLocks noGrp="1"/>
           </p:cNvSpPr>
@@ -1606,7 +1390,12 @@
             <p:ph type="title"/>
           </p:nvPr>
         </p:nvSpPr>
-        <p:spPr/>
+        <p:spPr>
+          <a:xfrm>
+            <a:off x="840317" y="365126"/>
+            <a:ext cx="10515600" cy="1325563"/>
+          </a:xfrm>
+        </p:spPr>
         <p:txBody>
           <a:bodyPr/>
           <a:lstStyle/>
@@ -1615,7 +1404,7 @@
               <a:rPr lang="en-US" smtClean="0"/>
               <a:t>Click to edit Master title style</a:t>
             </a:r>
-            <a:endParaRPr lang="en-US" dirty="0"/>
+            <a:endParaRPr lang="en-GB"/>
           </a:p>
         </p:txBody>
       </p:sp>
@@ -1631,17 +1420,14 @@
         </p:nvSpPr>
         <p:spPr>
           <a:xfrm>
-            <a:off x="1143000" y="2001511"/>
-            <a:ext cx="4754880" cy="777240"/>
+            <a:off x="840318" y="1681163"/>
+            <a:ext cx="5158316" cy="823912"/>
           </a:xfrm>
         </p:spPr>
         <p:txBody>
-          <a:bodyPr anchor="ctr"/>
+          <a:bodyPr anchor="b"/>
           <a:lstStyle>
             <a:lvl1pPr marL="0" indent="0">
-              <a:spcBef>
-                <a:spcPts val="0"/>
-              </a:spcBef>
               <a:buNone/>
               <a:defRPr sz="2400" b="1"/>
             </a:lvl1pPr>
@@ -1699,41 +1485,13 @@
         </p:nvSpPr>
         <p:spPr>
           <a:xfrm>
-            <a:off x="1143000" y="2721483"/>
-            <a:ext cx="4754880" cy="3383280"/>
+            <a:off x="840318" y="2505075"/>
+            <a:ext cx="5158316" cy="3684588"/>
           </a:xfrm>
         </p:spPr>
         <p:txBody>
           <a:bodyPr/>
-          <a:lstStyle>
-            <a:lvl1pPr>
-              <a:defRPr sz="2200"/>
-            </a:lvl1pPr>
-            <a:lvl2pPr>
-              <a:defRPr sz="2000"/>
-            </a:lvl2pPr>
-            <a:lvl3pPr>
-              <a:defRPr sz="1800"/>
-            </a:lvl3pPr>
-            <a:lvl4pPr>
-              <a:defRPr sz="1600"/>
-            </a:lvl4pPr>
-            <a:lvl5pPr>
-              <a:defRPr sz="1600"/>
-            </a:lvl5pPr>
-            <a:lvl6pPr>
-              <a:defRPr sz="1600"/>
-            </a:lvl6pPr>
-            <a:lvl7pPr>
-              <a:defRPr sz="1600"/>
-            </a:lvl7pPr>
-            <a:lvl8pPr>
-              <a:defRPr sz="1600"/>
-            </a:lvl8pPr>
-            <a:lvl9pPr>
-              <a:defRPr sz="1600"/>
-            </a:lvl9pPr>
-          </a:lstStyle>
+          <a:lstStyle/>
           <a:p>
             <a:pPr lvl="0"/>
             <a:r>
@@ -1768,7 +1526,7 @@
               <a:rPr lang="en-US" smtClean="0"/>
               <a:t>Fifth level</a:t>
             </a:r>
-            <a:endParaRPr lang="en-US" dirty="0"/>
+            <a:endParaRPr lang="en-GB"/>
           </a:p>
         </p:txBody>
       </p:sp>
@@ -1784,17 +1542,14 @@
         </p:nvSpPr>
         <p:spPr>
           <a:xfrm>
-            <a:off x="6269173" y="1999032"/>
-            <a:ext cx="4754880" cy="777240"/>
+            <a:off x="6172200" y="1681163"/>
+            <a:ext cx="5183717" cy="823912"/>
           </a:xfrm>
         </p:spPr>
         <p:txBody>
-          <a:bodyPr anchor="ctr"/>
+          <a:bodyPr anchor="b"/>
           <a:lstStyle>
             <a:lvl1pPr marL="0" indent="0">
-              <a:spcBef>
-                <a:spcPts val="0"/>
-              </a:spcBef>
               <a:buNone/>
               <a:defRPr sz="2400" b="1"/>
             </a:lvl1pPr>
@@ -1852,99 +1607,71 @@
         </p:nvSpPr>
         <p:spPr>
           <a:xfrm>
-            <a:off x="6269173" y="2719322"/>
-            <a:ext cx="4754880" cy="3383280"/>
+            <a:off x="6172200" y="2505075"/>
+            <a:ext cx="5183717" cy="3684588"/>
           </a:xfrm>
         </p:spPr>
         <p:txBody>
           <a:bodyPr/>
+          <a:lstStyle/>
+          <a:p>
+            <a:pPr lvl="0"/>
+            <a:r>
+              <a:rPr lang="en-US" smtClean="0"/>
+              <a:t>Click to edit Master text styles</a:t>
+            </a:r>
+          </a:p>
+          <a:p>
+            <a:pPr lvl="1"/>
+            <a:r>
+              <a:rPr lang="en-US" smtClean="0"/>
+              <a:t>Second level</a:t>
+            </a:r>
+          </a:p>
+          <a:p>
+            <a:pPr lvl="2"/>
+            <a:r>
+              <a:rPr lang="en-US" smtClean="0"/>
+              <a:t>Third level</a:t>
+            </a:r>
+          </a:p>
+          <a:p>
+            <a:pPr lvl="3"/>
+            <a:r>
+              <a:rPr lang="en-US" smtClean="0"/>
+              <a:t>Fourth level</a:t>
+            </a:r>
+          </a:p>
+          <a:p>
+            <a:pPr lvl="4"/>
+            <a:r>
+              <a:rPr lang="en-US" smtClean="0"/>
+              <a:t>Fifth level</a:t>
+            </a:r>
+            <a:endParaRPr lang="en-GB"/>
+          </a:p>
+        </p:txBody>
+      </p:sp>
+      <p:sp>
+        <p:nvSpPr>
+          <p:cNvPr id="7" name="Date Placeholder 6"/>
+          <p:cNvSpPr>
+            <a:spLocks noGrp="1"/>
+          </p:cNvSpPr>
+          <p:nvPr>
+            <p:ph type="dt" sz="half" idx="10"/>
+          </p:nvPr>
+        </p:nvSpPr>
+        <p:spPr/>
+        <p:txBody>
+          <a:bodyPr/>
           <a:lstStyle>
             <a:lvl1pPr>
-              <a:defRPr sz="2200"/>
+              <a:defRPr/>
             </a:lvl1pPr>
-            <a:lvl2pPr>
-              <a:defRPr sz="2000"/>
-            </a:lvl2pPr>
-            <a:lvl3pPr>
-              <a:defRPr sz="1800"/>
-            </a:lvl3pPr>
-            <a:lvl4pPr>
-              <a:defRPr sz="1600"/>
-            </a:lvl4pPr>
-            <a:lvl5pPr>
-              <a:defRPr sz="1600"/>
-            </a:lvl5pPr>
-            <a:lvl6pPr>
-              <a:defRPr sz="1600"/>
-            </a:lvl6pPr>
-            <a:lvl7pPr>
-              <a:defRPr sz="1600"/>
-            </a:lvl7pPr>
-            <a:lvl8pPr>
-              <a:defRPr sz="1600"/>
-            </a:lvl8pPr>
-            <a:lvl9pPr>
-              <a:defRPr sz="1600"/>
-            </a:lvl9pPr>
           </a:lstStyle>
           <a:p>
-            <a:pPr lvl="0"/>
-            <a:r>
-              <a:rPr lang="en-US" smtClean="0"/>
-              <a:t>Click to edit Master text styles</a:t>
-            </a:r>
-          </a:p>
-          <a:p>
-            <a:pPr lvl="1"/>
-            <a:r>
-              <a:rPr lang="en-US" smtClean="0"/>
-              <a:t>Second level</a:t>
-            </a:r>
-          </a:p>
-          <a:p>
-            <a:pPr lvl="2"/>
-            <a:r>
-              <a:rPr lang="en-US" smtClean="0"/>
-              <a:t>Third level</a:t>
-            </a:r>
-          </a:p>
-          <a:p>
-            <a:pPr lvl="3"/>
-            <a:r>
-              <a:rPr lang="en-US" smtClean="0"/>
-              <a:t>Fourth level</a:t>
-            </a:r>
-          </a:p>
-          <a:p>
-            <a:pPr lvl="4"/>
-            <a:r>
-              <a:rPr lang="en-US" smtClean="0"/>
-              <a:t>Fifth level</a:t>
-            </a:r>
-            <a:endParaRPr lang="en-US" dirty="0"/>
-          </a:p>
-        </p:txBody>
-      </p:sp>
-      <p:sp>
-        <p:nvSpPr>
-          <p:cNvPr id="7" name="Date Placeholder 6"/>
-          <p:cNvSpPr>
-            <a:spLocks noGrp="1"/>
-          </p:cNvSpPr>
-          <p:nvPr>
-            <p:ph type="dt" sz="half" idx="10"/>
-          </p:nvPr>
-        </p:nvSpPr>
-        <p:spPr/>
-        <p:txBody>
-          <a:bodyPr/>
-          <a:lstStyle/>
-          <a:p>
-            <a:fld id="{55819C6C-1328-47A7-9531-77311B1A3D98}" type="datetimeFigureOut">
-              <a:rPr lang="en-GB" smtClean="0"/>
-              <a:t>04/08/2016</a:t>
-            </a:fld>
-            <a:endParaRPr lang="en-GB"/>
+            <a:endParaRPr lang="es-ES" altLang="en-US"/>
           </a:p>
         </p:txBody>
       </p:sp>
@@ -1961,9 +1688,13 @@
         <p:spPr/>
         <p:txBody>
           <a:bodyPr/>
-          <a:lstStyle/>
-          <a:p>
-            <a:endParaRPr lang="en-GB"/>
+          <a:lstStyle>
+            <a:lvl1pPr>
+              <a:defRPr/>
+            </a:lvl1pPr>
+          </a:lstStyle>
+          <a:p>
+            <a:endParaRPr lang="es-ES" altLang="en-US"/>
           </a:p>
         </p:txBody>
       </p:sp>
@@ -1980,20 +1711,25 @@
         <p:spPr/>
         <p:txBody>
           <a:bodyPr/>
-          <a:lstStyle/>
-          <a:p>
-            <a:fld id="{E9BF1494-1497-494E-A8D5-A49C36B4011A}" type="slidenum">
-              <a:rPr lang="en-GB" smtClean="0"/>
+          <a:lstStyle>
+            <a:lvl1pPr>
+              <a:defRPr/>
+            </a:lvl1pPr>
+          </a:lstStyle>
+          <a:p>
+            <a:fld id="{6D525783-2584-4426-BFFE-950E4A212498}" type="slidenum">
+              <a:rPr lang="es-ES" altLang="en-US"/>
+              <a:pPr/>
               <a:t>‹#›</a:t>
             </a:fld>
-            <a:endParaRPr lang="en-GB"/>
+            <a:endParaRPr lang="es-ES" altLang="en-US"/>
           </a:p>
         </p:txBody>
       </p:sp>
     </p:spTree>
     <p:extLst>
       <p:ext uri="{BB962C8B-B14F-4D97-AF65-F5344CB8AC3E}">
-        <p14:creationId xmlns:p14="http://schemas.microsoft.com/office/powerpoint/2010/main" val="60464271"/>
+        <p14:creationId xmlns:p14="http://schemas.microsoft.com/office/powerpoint/2010/main" val="805566949"/>
       </p:ext>
     </p:extLst>
   </p:cSld>
@@ -2039,7 +1775,7 @@
               <a:rPr lang="en-US" smtClean="0"/>
               <a:t>Click to edit Master title style</a:t>
             </a:r>
-            <a:endParaRPr lang="en-US" dirty="0"/>
+            <a:endParaRPr lang="en-GB"/>
           </a:p>
         </p:txBody>
       </p:sp>
@@ -2056,13 +1792,13 @@
         <p:spPr/>
         <p:txBody>
           <a:bodyPr/>
-          <a:lstStyle/>
-          <a:p>
-            <a:fld id="{55819C6C-1328-47A7-9531-77311B1A3D98}" type="datetimeFigureOut">
-              <a:rPr lang="en-GB" smtClean="0"/>
-              <a:t>04/08/2016</a:t>
-            </a:fld>
-            <a:endParaRPr lang="en-GB"/>
+          <a:lstStyle>
+            <a:lvl1pPr>
+              <a:defRPr/>
+            </a:lvl1pPr>
+          </a:lstStyle>
+          <a:p>
+            <a:endParaRPr lang="es-ES" altLang="en-US"/>
           </a:p>
         </p:txBody>
       </p:sp>
@@ -2079,9 +1815,13 @@
         <p:spPr/>
         <p:txBody>
           <a:bodyPr/>
-          <a:lstStyle/>
-          <a:p>
-            <a:endParaRPr lang="en-GB"/>
+          <a:lstStyle>
+            <a:lvl1pPr>
+              <a:defRPr/>
+            </a:lvl1pPr>
+          </a:lstStyle>
+          <a:p>
+            <a:endParaRPr lang="es-ES" altLang="en-US"/>
           </a:p>
         </p:txBody>
       </p:sp>
@@ -2098,20 +1838,25 @@
         <p:spPr/>
         <p:txBody>
           <a:bodyPr/>
-          <a:lstStyle/>
-          <a:p>
-            <a:fld id="{E9BF1494-1497-494E-A8D5-A49C36B4011A}" type="slidenum">
-              <a:rPr lang="en-GB" smtClean="0"/>
+          <a:lstStyle>
+            <a:lvl1pPr>
+              <a:defRPr/>
+            </a:lvl1pPr>
+          </a:lstStyle>
+          <a:p>
+            <a:fld id="{E8D83381-F5F1-448E-847E-265C7322DB46}" type="slidenum">
+              <a:rPr lang="es-ES" altLang="en-US"/>
+              <a:pPr/>
               <a:t>‹#›</a:t>
             </a:fld>
-            <a:endParaRPr lang="en-GB"/>
+            <a:endParaRPr lang="es-ES" altLang="en-US"/>
           </a:p>
         </p:txBody>
       </p:sp>
     </p:spTree>
     <p:extLst>
       <p:ext uri="{BB962C8B-B14F-4D97-AF65-F5344CB8AC3E}">
-        <p14:creationId xmlns:p14="http://schemas.microsoft.com/office/powerpoint/2010/main" val="945052625"/>
+        <p14:creationId xmlns:p14="http://schemas.microsoft.com/office/powerpoint/2010/main" val="3482148799"/>
       </p:ext>
     </p:extLst>
   </p:cSld>
@@ -2151,13 +1896,13 @@
         <p:spPr/>
         <p:txBody>
           <a:bodyPr/>
-          <a:lstStyle/>
-          <a:p>
-            <a:fld id="{55819C6C-1328-47A7-9531-77311B1A3D98}" type="datetimeFigureOut">
-              <a:rPr lang="en-GB" smtClean="0"/>
-              <a:t>04/08/2016</a:t>
-            </a:fld>
-            <a:endParaRPr lang="en-GB"/>
+          <a:lstStyle>
+            <a:lvl1pPr>
+              <a:defRPr/>
+            </a:lvl1pPr>
+          </a:lstStyle>
+          <a:p>
+            <a:endParaRPr lang="es-ES" altLang="en-US"/>
           </a:p>
         </p:txBody>
       </p:sp>
@@ -2174,9 +1919,13 @@
         <p:spPr/>
         <p:txBody>
           <a:bodyPr/>
-          <a:lstStyle/>
-          <a:p>
-            <a:endParaRPr lang="en-GB"/>
+          <a:lstStyle>
+            <a:lvl1pPr>
+              <a:defRPr/>
+            </a:lvl1pPr>
+          </a:lstStyle>
+          <a:p>
+            <a:endParaRPr lang="es-ES" altLang="en-US"/>
           </a:p>
         </p:txBody>
       </p:sp>
@@ -2193,20 +1942,25 @@
         <p:spPr/>
         <p:txBody>
           <a:bodyPr/>
-          <a:lstStyle/>
-          <a:p>
-            <a:fld id="{E9BF1494-1497-494E-A8D5-A49C36B4011A}" type="slidenum">
-              <a:rPr lang="en-GB" smtClean="0"/>
+          <a:lstStyle>
+            <a:lvl1pPr>
+              <a:defRPr/>
+            </a:lvl1pPr>
+          </a:lstStyle>
+          <a:p>
+            <a:fld id="{6006E2F4-1021-42A5-8638-0893E572C663}" type="slidenum">
+              <a:rPr lang="es-ES" altLang="en-US"/>
+              <a:pPr/>
               <a:t>‹#›</a:t>
             </a:fld>
-            <a:endParaRPr lang="en-GB"/>
+            <a:endParaRPr lang="es-ES" altLang="en-US"/>
           </a:p>
         </p:txBody>
       </p:sp>
     </p:spTree>
     <p:extLst>
       <p:ext uri="{BB962C8B-B14F-4D97-AF65-F5344CB8AC3E}">
-        <p14:creationId xmlns:p14="http://schemas.microsoft.com/office/powerpoint/2010/main" val="2545862162"/>
+        <p14:creationId xmlns:p14="http://schemas.microsoft.com/office/powerpoint/2010/main" val="3932259816"/>
       </p:ext>
     </p:extLst>
   </p:cSld>
@@ -2245,20 +1999,15 @@
         </p:nvSpPr>
         <p:spPr>
           <a:xfrm>
-            <a:off x="1143000" y="1097280"/>
-            <a:ext cx="3931920" cy="1737360"/>
+            <a:off x="840318" y="457200"/>
+            <a:ext cx="3932767" cy="1600200"/>
           </a:xfrm>
         </p:spPr>
         <p:txBody>
-          <a:bodyPr anchor="b">
-            <a:noAutofit/>
-          </a:bodyPr>
+          <a:bodyPr anchor="b"/>
           <a:lstStyle>
             <a:lvl1pPr>
-              <a:lnSpc>
-                <a:spcPct val="90000"/>
-              </a:lnSpc>
-              <a:defRPr sz="4000" b="0"/>
+              <a:defRPr sz="3200"/>
             </a:lvl1pPr>
           </a:lstStyle>
           <a:p>
@@ -2266,7 +2015,7 @@
               <a:rPr lang="en-US" smtClean="0"/>
               <a:t>Click to edit Master title style</a:t>
             </a:r>
-            <a:endParaRPr lang="en-US" dirty="0"/>
+            <a:endParaRPr lang="en-GB"/>
           </a:p>
         </p:txBody>
       </p:sp>
@@ -2282,8 +2031,8 @@
         </p:nvSpPr>
         <p:spPr>
           <a:xfrm>
-            <a:off x="5852159" y="1097280"/>
-            <a:ext cx="5212080" cy="4663440"/>
+            <a:off x="5183717" y="987426"/>
+            <a:ext cx="6172200" cy="4873625"/>
           </a:xfrm>
         </p:spPr>
         <p:txBody>
@@ -2351,7 +2100,7 @@
               <a:rPr lang="en-US" smtClean="0"/>
               <a:t>Fifth level</a:t>
             </a:r>
-            <a:endParaRPr lang="en-US" dirty="0"/>
+            <a:endParaRPr lang="en-GB"/>
           </a:p>
         </p:txBody>
       </p:sp>
@@ -2367,56 +2116,48 @@
         </p:nvSpPr>
         <p:spPr>
           <a:xfrm>
-            <a:off x="1143000" y="2834640"/>
-            <a:ext cx="3931920" cy="3017520"/>
+            <a:off x="840318" y="2057400"/>
+            <a:ext cx="3932767" cy="3811588"/>
           </a:xfrm>
         </p:spPr>
         <p:txBody>
-          <a:bodyPr>
-            <a:normAutofit/>
-          </a:bodyPr>
+          <a:bodyPr/>
           <a:lstStyle>
             <a:lvl1pPr marL="0" indent="0">
-              <a:lnSpc>
-                <a:spcPct val="100000"/>
-              </a:lnSpc>
-              <a:spcBef>
-                <a:spcPts val="1000"/>
-              </a:spcBef>
               <a:buNone/>
-              <a:defRPr sz="1700"/>
+              <a:defRPr sz="1600"/>
             </a:lvl1pPr>
             <a:lvl2pPr marL="457200" indent="0">
               <a:buNone/>
-              <a:defRPr sz="1200"/>
+              <a:defRPr sz="1400"/>
             </a:lvl2pPr>
             <a:lvl3pPr marL="914400" indent="0">
               <a:buNone/>
-              <a:defRPr sz="1000"/>
+              <a:defRPr sz="1200"/>
             </a:lvl3pPr>
             <a:lvl4pPr marL="1371600" indent="0">
               <a:buNone/>
-              <a:defRPr sz="900"/>
+              <a:defRPr sz="1000"/>
             </a:lvl4pPr>
             <a:lvl5pPr marL="1828800" indent="0">
               <a:buNone/>
-              <a:defRPr sz="900"/>
+              <a:defRPr sz="1000"/>
             </a:lvl5pPr>
             <a:lvl6pPr marL="2286000" indent="0">
               <a:buNone/>
-              <a:defRPr sz="900"/>
+              <a:defRPr sz="1000"/>
             </a:lvl6pPr>
             <a:lvl7pPr marL="2743200" indent="0">
               <a:buNone/>
-              <a:defRPr sz="900"/>
+              <a:defRPr sz="1000"/>
             </a:lvl7pPr>
             <a:lvl8pPr marL="3200400" indent="0">
               <a:buNone/>
-              <a:defRPr sz="900"/>
+              <a:defRPr sz="1000"/>
             </a:lvl8pPr>
             <a:lvl9pPr marL="3657600" indent="0">
               <a:buNone/>
-              <a:defRPr sz="900"/>
+              <a:defRPr sz="1000"/>
             </a:lvl9pPr>
           </a:lstStyle>
           <a:p>
@@ -2441,13 +2182,13 @@
         <p:spPr/>
         <p:txBody>
           <a:bodyPr/>
-          <a:lstStyle/>
-          <a:p>
-            <a:fld id="{55819C6C-1328-47A7-9531-77311B1A3D98}" type="datetimeFigureOut">
-              <a:rPr lang="en-GB" smtClean="0"/>
-              <a:t>04/08/2016</a:t>
-            </a:fld>
-            <a:endParaRPr lang="en-GB"/>
+          <a:lstStyle>
+            <a:lvl1pPr>
+              <a:defRPr/>
+            </a:lvl1pPr>
+          </a:lstStyle>
+          <a:p>
+            <a:endParaRPr lang="es-ES" altLang="en-US"/>
           </a:p>
         </p:txBody>
       </p:sp>
@@ -2464,9 +2205,13 @@
         <p:spPr/>
         <p:txBody>
           <a:bodyPr/>
-          <a:lstStyle/>
-          <a:p>
-            <a:endParaRPr lang="en-GB"/>
+          <a:lstStyle>
+            <a:lvl1pPr>
+              <a:defRPr/>
+            </a:lvl1pPr>
+          </a:lstStyle>
+          <a:p>
+            <a:endParaRPr lang="es-ES" altLang="en-US"/>
           </a:p>
         </p:txBody>
       </p:sp>
@@ -2483,20 +2228,25 @@
         <p:spPr/>
         <p:txBody>
           <a:bodyPr/>
-          <a:lstStyle/>
-          <a:p>
-            <a:fld id="{E9BF1494-1497-494E-A8D5-A49C36B4011A}" type="slidenum">
-              <a:rPr lang="en-GB" smtClean="0"/>
+          <a:lstStyle>
+            <a:lvl1pPr>
+              <a:defRPr/>
+            </a:lvl1pPr>
+          </a:lstStyle>
+          <a:p>
+            <a:fld id="{E94BE065-F463-41C4-B4ED-9FB5235622DA}" type="slidenum">
+              <a:rPr lang="es-ES" altLang="en-US"/>
+              <a:pPr/>
               <a:t>‹#›</a:t>
             </a:fld>
-            <a:endParaRPr lang="en-GB"/>
+            <a:endParaRPr lang="es-ES" altLang="en-US"/>
           </a:p>
         </p:txBody>
       </p:sp>
     </p:spTree>
     <p:extLst>
       <p:ext uri="{BB962C8B-B14F-4D97-AF65-F5344CB8AC3E}">
-        <p14:creationId xmlns:p14="http://schemas.microsoft.com/office/powerpoint/2010/main" val="2613690966"/>
+        <p14:creationId xmlns:p14="http://schemas.microsoft.com/office/powerpoint/2010/main" val="2613888802"/>
       </p:ext>
     </p:extLst>
   </p:cSld>
@@ -2535,20 +2285,15 @@
         </p:nvSpPr>
         <p:spPr>
           <a:xfrm>
-            <a:off x="1143000" y="1097280"/>
-            <a:ext cx="3931920" cy="1737360"/>
+            <a:off x="840318" y="457200"/>
+            <a:ext cx="3932767" cy="1600200"/>
           </a:xfrm>
         </p:spPr>
         <p:txBody>
-          <a:bodyPr anchor="b">
-            <a:noAutofit/>
-          </a:bodyPr>
+          <a:bodyPr anchor="b"/>
           <a:lstStyle>
             <a:lvl1pPr>
-              <a:lnSpc>
-                <a:spcPct val="90000"/>
-              </a:lnSpc>
-              <a:defRPr sz="4000" b="0"/>
+              <a:defRPr sz="3200"/>
             </a:lvl1pPr>
           </a:lstStyle>
           <a:p>
@@ -2556,7 +2301,7 @@
               <a:rPr lang="en-US" smtClean="0"/>
               <a:t>Click to edit Master title style</a:t>
             </a:r>
-            <a:endParaRPr lang="en-US" dirty="0"/>
+            <a:endParaRPr lang="en-GB"/>
           </a:p>
         </p:txBody>
       </p:sp>
@@ -2564,7 +2309,7 @@
         <p:nvSpPr>
           <p:cNvPr id="3" name="Picture Placeholder 2"/>
           <p:cNvSpPr>
-            <a:spLocks noGrp="1" noChangeAspect="1"/>
+            <a:spLocks noGrp="1"/>
           </p:cNvSpPr>
           <p:nvPr>
             <p:ph type="pic" idx="1"/>
@@ -2572,18 +2317,16 @@
         </p:nvSpPr>
         <p:spPr>
           <a:xfrm>
-            <a:off x="5413248" y="1069847"/>
-            <a:ext cx="6099048" cy="4800600"/>
+            <a:off x="5183717" y="987426"/>
+            <a:ext cx="6172200" cy="4873625"/>
           </a:xfrm>
         </p:spPr>
         <p:txBody>
-          <a:bodyPr lIns="274320" tIns="182880" anchor="t">
-            <a:normAutofit/>
-          </a:bodyPr>
+          <a:bodyPr/>
           <a:lstStyle>
             <a:lvl1pPr marL="0" indent="0">
               <a:buNone/>
-              <a:defRPr sz="2800"/>
+              <a:defRPr sz="3200"/>
             </a:lvl1pPr>
             <a:lvl2pPr marL="457200" indent="0">
               <a:buNone/>
@@ -2623,7 +2366,7 @@
               <a:rPr lang="en-US" smtClean="0"/>
               <a:t>Click icon to add picture</a:t>
             </a:r>
-            <a:endParaRPr lang="en-US" dirty="0"/>
+            <a:endParaRPr lang="en-GB"/>
           </a:p>
         </p:txBody>
       </p:sp>
@@ -2639,56 +2382,48 @@
         </p:nvSpPr>
         <p:spPr>
           <a:xfrm>
-            <a:off x="1143000" y="2834640"/>
-            <a:ext cx="3931920" cy="2880360"/>
+            <a:off x="840318" y="2057400"/>
+            <a:ext cx="3932767" cy="3811588"/>
           </a:xfrm>
         </p:spPr>
         <p:txBody>
-          <a:bodyPr>
-            <a:normAutofit/>
-          </a:bodyPr>
+          <a:bodyPr/>
           <a:lstStyle>
             <a:lvl1pPr marL="0" indent="0">
-              <a:lnSpc>
-                <a:spcPct val="100000"/>
-              </a:lnSpc>
-              <a:spcBef>
-                <a:spcPts val="1000"/>
-              </a:spcBef>
               <a:buNone/>
-              <a:defRPr sz="1700"/>
+              <a:defRPr sz="1600"/>
             </a:lvl1pPr>
             <a:lvl2pPr marL="457200" indent="0">
               <a:buNone/>
-              <a:defRPr sz="1200"/>
+              <a:defRPr sz="1400"/>
             </a:lvl2pPr>
             <a:lvl3pPr marL="914400" indent="0">
               <a:buNone/>
-              <a:defRPr sz="1000"/>
+              <a:defRPr sz="1200"/>
             </a:lvl3pPr>
             <a:lvl4pPr marL="1371600" indent="0">
               <a:buNone/>
-              <a:defRPr sz="900"/>
+              <a:defRPr sz="1000"/>
             </a:lvl4pPr>
             <a:lvl5pPr marL="1828800" indent="0">
               <a:buNone/>
-              <a:defRPr sz="900"/>
+              <a:defRPr sz="1000"/>
             </a:lvl5pPr>
             <a:lvl6pPr marL="2286000" indent="0">
               <a:buNone/>
-              <a:defRPr sz="900"/>
+              <a:defRPr sz="1000"/>
             </a:lvl6pPr>
             <a:lvl7pPr marL="2743200" indent="0">
               <a:buNone/>
-              <a:defRPr sz="900"/>
+              <a:defRPr sz="1000"/>
             </a:lvl7pPr>
             <a:lvl8pPr marL="3200400" indent="0">
               <a:buNone/>
-              <a:defRPr sz="900"/>
+              <a:defRPr sz="1000"/>
             </a:lvl8pPr>
             <a:lvl9pPr marL="3657600" indent="0">
               <a:buNone/>
-              <a:defRPr sz="900"/>
+              <a:defRPr sz="1000"/>
             </a:lvl9pPr>
           </a:lstStyle>
           <a:p>
@@ -2713,13 +2448,13 @@
         <p:spPr/>
         <p:txBody>
           <a:bodyPr/>
-          <a:lstStyle/>
-          <a:p>
-            <a:fld id="{55819C6C-1328-47A7-9531-77311B1A3D98}" type="datetimeFigureOut">
-              <a:rPr lang="en-GB" smtClean="0"/>
-              <a:t>04/08/2016</a:t>
-            </a:fld>
-            <a:endParaRPr lang="en-GB"/>
+          <a:lstStyle>
+            <a:lvl1pPr>
+              <a:defRPr/>
+            </a:lvl1pPr>
+          </a:lstStyle>
+          <a:p>
+            <a:endParaRPr lang="es-ES" altLang="en-US"/>
           </a:p>
         </p:txBody>
       </p:sp>
@@ -2736,9 +2471,13 @@
         <p:spPr/>
         <p:txBody>
           <a:bodyPr/>
-          <a:lstStyle/>
-          <a:p>
-            <a:endParaRPr lang="en-GB"/>
+          <a:lstStyle>
+            <a:lvl1pPr>
+              <a:defRPr/>
+            </a:lvl1pPr>
+          </a:lstStyle>
+          <a:p>
+            <a:endParaRPr lang="es-ES" altLang="en-US"/>
           </a:p>
         </p:txBody>
       </p:sp>
@@ -2755,20 +2494,25 @@
         <p:spPr/>
         <p:txBody>
           <a:bodyPr/>
-          <a:lstStyle/>
-          <a:p>
-            <a:fld id="{E9BF1494-1497-494E-A8D5-A49C36B4011A}" type="slidenum">
-              <a:rPr lang="en-GB" smtClean="0"/>
+          <a:lstStyle>
+            <a:lvl1pPr>
+              <a:defRPr/>
+            </a:lvl1pPr>
+          </a:lstStyle>
+          <a:p>
+            <a:fld id="{1B6C1948-FDE9-4631-8033-519071E22A83}" type="slidenum">
+              <a:rPr lang="es-ES" altLang="en-US"/>
+              <a:pPr/>
               <a:t>‹#›</a:t>
             </a:fld>
-            <a:endParaRPr lang="en-GB"/>
+            <a:endParaRPr lang="es-ES" altLang="en-US"/>
           </a:p>
         </p:txBody>
       </p:sp>
     </p:spTree>
     <p:extLst>
       <p:ext uri="{BB962C8B-B14F-4D97-AF65-F5344CB8AC3E}">
-        <p14:creationId xmlns:p14="http://schemas.microsoft.com/office/powerpoint/2010/main" val="3664339099"/>
+        <p14:creationId xmlns:p14="http://schemas.microsoft.com/office/powerpoint/2010/main" val="2542578860"/>
       </p:ext>
     </p:extLst>
   </p:cSld>
@@ -2781,11 +2525,15 @@
 <file path=ppt/slideMasters/slideMaster1.xml><?xml version="1.0" encoding="utf-8"?>
 <p:sldMaster xmlns:a="http://schemas.openxmlformats.org/drawingml/2006/main" xmlns:r="http://schemas.openxmlformats.org/officeDocument/2006/relationships" xmlns:p="http://schemas.openxmlformats.org/presentationml/2006/main">
   <p:cSld>
-    <p:bg>
+    <p:bg bwMode="auto">
       <p:bgPr>
-        <a:solidFill>
-          <a:schemeClr val="accent1"/>
-        </a:solidFill>
+        <a:blipFill dpi="0" rotWithShape="0">
+          <a:blip r:embed="rId13"/>
+          <a:srcRect/>
+          <a:stretch>
+            <a:fillRect/>
+          </a:stretch>
+        </a:blipFill>
         <a:effectLst/>
       </p:bgPr>
     </p:bg>
@@ -2805,510 +2553,819 @@
       </p:grpSpPr>
       <p:sp>
         <p:nvSpPr>
-          <p:cNvPr id="7" name="Rectangle 6"/>
-          <p:cNvSpPr>
-            <a:spLocks noChangeAspect="1"/>
-          </p:cNvSpPr>
-          <p:nvPr/>
-        </p:nvSpPr>
-        <p:spPr>
+          <p:cNvPr id="1026" name="Rectangle 2"/>
+          <p:cNvSpPr>
+            <a:spLocks noGrp="1" noChangeArrowheads="1"/>
+          </p:cNvSpPr>
+          <p:nvPr>
+            <p:ph type="title"/>
+          </p:nvPr>
+        </p:nvSpPr>
+        <p:spPr bwMode="auto">
           <a:xfrm>
-            <a:off x="231140" y="243840"/>
-            <a:ext cx="11724640" cy="6377939"/>
+            <a:off x="609600" y="274638"/>
+            <a:ext cx="10972800" cy="1143000"/>
           </a:xfrm>
           <a:prstGeom prst="rect">
             <a:avLst/>
           </a:prstGeom>
-          <a:solidFill>
-            <a:schemeClr val="bg1"/>
-          </a:solidFill>
-          <a:ln w="12700">
+          <a:noFill/>
+          <a:ln>
             <a:noFill/>
           </a:ln>
+          <a:effectLst/>
+          <a:extLst>
+            <a:ext uri="{909E8E84-426E-40DD-AFC4-6F175D3DCCD1}">
+              <a14:hiddenFill xmlns:a14="http://schemas.microsoft.com/office/drawing/2010/main">
+                <a:solidFill>
+                  <a:schemeClr val="accent1"/>
+                </a:solidFill>
+              </a14:hiddenFill>
+            </a:ext>
+            <a:ext uri="{91240B29-F687-4F45-9708-019B960494DF}">
+              <a14:hiddenLine xmlns:a14="http://schemas.microsoft.com/office/drawing/2010/main" w="9525">
+                <a:solidFill>
+                  <a:srgbClr val="000000"/>
+                </a:solidFill>
+                <a:miter lim="800000"/>
+                <a:headEnd/>
+                <a:tailEnd/>
+              </a14:hiddenLine>
+            </a:ext>
+            <a:ext uri="{AF507438-7753-43E0-B8FC-AC1667EBCBE1}">
+              <a14:hiddenEffects xmlns:a14="http://schemas.microsoft.com/office/drawing/2010/main">
+                <a:effectLst>
+                  <a:outerShdw dist="35921" dir="2700000" algn="ctr" rotWithShape="0">
+                    <a:schemeClr val="bg2"/>
+                  </a:outerShdw>
+                </a:effectLst>
+              </a14:hiddenEffects>
+            </a:ext>
+          </a:extLst>
         </p:spPr>
-        <p:style>
-          <a:lnRef idx="2">
-            <a:schemeClr val="accent1">
-              <a:shade val="50000"/>
-            </a:schemeClr>
-          </a:lnRef>
-          <a:fillRef idx="1">
-            <a:schemeClr val="accent1"/>
-          </a:fillRef>
-          <a:effectRef idx="0">
-            <a:schemeClr val="accent1"/>
-          </a:effectRef>
-          <a:fontRef idx="minor">
-            <a:schemeClr val="lt1"/>
-          </a:fontRef>
-        </p:style>
-      </p:sp>
-      <p:sp>
-        <p:nvSpPr>
-          <p:cNvPr id="2" name="Title Placeholder 1"/>
-          <p:cNvSpPr>
-            <a:spLocks noGrp="1"/>
-          </p:cNvSpPr>
-          <p:nvPr>
-            <p:ph type="title"/>
-          </p:nvPr>
-        </p:nvSpPr>
-        <p:spPr>
+        <p:txBody>
+          <a:bodyPr vert="horz" wrap="square" lIns="91440" tIns="45720" rIns="91440" bIns="45720" numCol="1" anchor="ctr" anchorCtr="0" compatLnSpc="1">
+            <a:prstTxWarp prst="textNoShape">
+              <a:avLst/>
+            </a:prstTxWarp>
+          </a:bodyPr>
+          <a:lstStyle/>
+          <a:p>
+            <a:pPr lvl="0"/>
+            <a:r>
+              <a:rPr lang="en-US" altLang="en-US" smtClean="0"/>
+              <a:t>Click to edit Master title style</a:t>
+            </a:r>
+            <a:endParaRPr lang="es-ES" altLang="en-US" smtClean="0"/>
+          </a:p>
+        </p:txBody>
+      </p:sp>
+      <p:sp>
+        <p:nvSpPr>
+          <p:cNvPr id="1027" name="Rectangle 3"/>
+          <p:cNvSpPr>
+            <a:spLocks noGrp="1" noChangeArrowheads="1"/>
+          </p:cNvSpPr>
+          <p:nvPr>
+            <p:ph type="body" idx="1"/>
+          </p:nvPr>
+        </p:nvSpPr>
+        <p:spPr bwMode="auto">
           <a:xfrm>
-            <a:off x="1143000" y="609600"/>
-            <a:ext cx="9875520" cy="1356360"/>
+            <a:off x="609600" y="1600201"/>
+            <a:ext cx="10972800" cy="4525963"/>
           </a:xfrm>
           <a:prstGeom prst="rect">
             <a:avLst/>
           </a:prstGeom>
+          <a:noFill/>
+          <a:ln>
+            <a:noFill/>
+          </a:ln>
+          <a:effectLst/>
+          <a:extLst>
+            <a:ext uri="{909E8E84-426E-40DD-AFC4-6F175D3DCCD1}">
+              <a14:hiddenFill xmlns:a14="http://schemas.microsoft.com/office/drawing/2010/main">
+                <a:solidFill>
+                  <a:schemeClr val="accent1"/>
+                </a:solidFill>
+              </a14:hiddenFill>
+            </a:ext>
+            <a:ext uri="{91240B29-F687-4F45-9708-019B960494DF}">
+              <a14:hiddenLine xmlns:a14="http://schemas.microsoft.com/office/drawing/2010/main" w="9525">
+                <a:solidFill>
+                  <a:srgbClr val="000000"/>
+                </a:solidFill>
+                <a:miter lim="800000"/>
+                <a:headEnd/>
+                <a:tailEnd/>
+              </a14:hiddenLine>
+            </a:ext>
+            <a:ext uri="{AF507438-7753-43E0-B8FC-AC1667EBCBE1}">
+              <a14:hiddenEffects xmlns:a14="http://schemas.microsoft.com/office/drawing/2010/main">
+                <a:effectLst>
+                  <a:outerShdw dist="35921" dir="2700000" algn="ctr" rotWithShape="0">
+                    <a:schemeClr val="bg2"/>
+                  </a:outerShdw>
+                </a:effectLst>
+              </a14:hiddenEffects>
+            </a:ext>
+          </a:extLst>
         </p:spPr>
         <p:txBody>
-          <a:bodyPr vert="horz" lIns="91440" tIns="45720" rIns="91440" bIns="45720" rtlCol="0" anchor="ctr">
-            <a:normAutofit/>
+          <a:bodyPr vert="horz" wrap="square" lIns="91440" tIns="45720" rIns="91440" bIns="45720" numCol="1" anchor="t" anchorCtr="0" compatLnSpc="1">
+            <a:prstTxWarp prst="textNoShape">
+              <a:avLst/>
+            </a:prstTxWarp>
           </a:bodyPr>
           <a:lstStyle/>
           <a:p>
-            <a:r>
-              <a:rPr lang="en-US" smtClean="0"/>
-              <a:t>Click to edit Master title style</a:t>
-            </a:r>
-            <a:endParaRPr lang="en-US" dirty="0"/>
-          </a:p>
-        </p:txBody>
-      </p:sp>
-      <p:sp>
-        <p:nvSpPr>
-          <p:cNvPr id="3" name="Text Placeholder 2"/>
-          <p:cNvSpPr>
-            <a:spLocks noGrp="1"/>
-          </p:cNvSpPr>
-          <p:nvPr>
-            <p:ph type="body" idx="1"/>
-          </p:nvPr>
-        </p:nvSpPr>
-        <p:spPr>
+            <a:pPr lvl="0"/>
+            <a:r>
+              <a:rPr lang="en-US" altLang="en-US" smtClean="0"/>
+              <a:t>Click to edit Master text styles</a:t>
+            </a:r>
+          </a:p>
+          <a:p>
+            <a:pPr lvl="1"/>
+            <a:r>
+              <a:rPr lang="en-US" altLang="en-US" smtClean="0"/>
+              <a:t>Second level</a:t>
+            </a:r>
+          </a:p>
+          <a:p>
+            <a:pPr lvl="2"/>
+            <a:r>
+              <a:rPr lang="en-US" altLang="en-US" smtClean="0"/>
+              <a:t>Third level</a:t>
+            </a:r>
+          </a:p>
+          <a:p>
+            <a:pPr lvl="3"/>
+            <a:r>
+              <a:rPr lang="en-US" altLang="en-US" smtClean="0"/>
+              <a:t>Fourth level</a:t>
+            </a:r>
+          </a:p>
+          <a:p>
+            <a:pPr lvl="4"/>
+            <a:r>
+              <a:rPr lang="en-US" altLang="en-US" smtClean="0"/>
+              <a:t>Fifth level</a:t>
+            </a:r>
+            <a:endParaRPr lang="es-ES" altLang="en-US" smtClean="0"/>
+          </a:p>
+        </p:txBody>
+      </p:sp>
+      <p:sp>
+        <p:nvSpPr>
+          <p:cNvPr id="1028" name="Rectangle 4"/>
+          <p:cNvSpPr>
+            <a:spLocks noGrp="1" noChangeArrowheads="1"/>
+          </p:cNvSpPr>
+          <p:nvPr>
+            <p:ph type="dt" sz="half" idx="2"/>
+          </p:nvPr>
+        </p:nvSpPr>
+        <p:spPr bwMode="auto">
           <a:xfrm>
-            <a:off x="1143000" y="2057400"/>
-            <a:ext cx="9872871" cy="4038600"/>
+            <a:off x="609600" y="6245225"/>
+            <a:ext cx="2844800" cy="476250"/>
           </a:xfrm>
           <a:prstGeom prst="rect">
             <a:avLst/>
           </a:prstGeom>
+          <a:noFill/>
+          <a:ln>
+            <a:noFill/>
+          </a:ln>
+          <a:effectLst/>
+          <a:extLst>
+            <a:ext uri="{909E8E84-426E-40DD-AFC4-6F175D3DCCD1}">
+              <a14:hiddenFill xmlns:a14="http://schemas.microsoft.com/office/drawing/2010/main">
+                <a:solidFill>
+                  <a:schemeClr val="accent1"/>
+                </a:solidFill>
+              </a14:hiddenFill>
+            </a:ext>
+            <a:ext uri="{91240B29-F687-4F45-9708-019B960494DF}">
+              <a14:hiddenLine xmlns:a14="http://schemas.microsoft.com/office/drawing/2010/main" w="9525">
+                <a:solidFill>
+                  <a:srgbClr val="000000"/>
+                </a:solidFill>
+                <a:miter lim="800000"/>
+                <a:headEnd/>
+                <a:tailEnd/>
+              </a14:hiddenLine>
+            </a:ext>
+            <a:ext uri="{AF507438-7753-43E0-B8FC-AC1667EBCBE1}">
+              <a14:hiddenEffects xmlns:a14="http://schemas.microsoft.com/office/drawing/2010/main">
+                <a:effectLst>
+                  <a:outerShdw dist="35921" dir="2700000" algn="ctr" rotWithShape="0">
+                    <a:schemeClr val="bg2"/>
+                  </a:outerShdw>
+                </a:effectLst>
+              </a14:hiddenEffects>
+            </a:ext>
+          </a:extLst>
         </p:spPr>
         <p:txBody>
-          <a:bodyPr vert="horz" lIns="91440" tIns="45720" rIns="91440" bIns="45720" rtlCol="0">
-            <a:normAutofit/>
+          <a:bodyPr vert="horz" wrap="square" lIns="91440" tIns="45720" rIns="91440" bIns="45720" numCol="1" anchor="t" anchorCtr="0" compatLnSpc="1">
+            <a:prstTxWarp prst="textNoShape">
+              <a:avLst/>
+            </a:prstTxWarp>
           </a:bodyPr>
-          <a:lstStyle/>
-          <a:p>
-            <a:pPr lvl="0"/>
-            <a:r>
-              <a:rPr lang="en-US" smtClean="0"/>
-              <a:t>Click to edit Master text styles</a:t>
-            </a:r>
-          </a:p>
-          <a:p>
-            <a:pPr lvl="1"/>
-            <a:r>
-              <a:rPr lang="en-US" smtClean="0"/>
-              <a:t>Second level</a:t>
-            </a:r>
-          </a:p>
-          <a:p>
-            <a:pPr lvl="2"/>
-            <a:r>
-              <a:rPr lang="en-US" smtClean="0"/>
-              <a:t>Third level</a:t>
-            </a:r>
-          </a:p>
-          <a:p>
-            <a:pPr lvl="3"/>
-            <a:r>
-              <a:rPr lang="en-US" smtClean="0"/>
-              <a:t>Fourth level</a:t>
-            </a:r>
-          </a:p>
-          <a:p>
-            <a:pPr lvl="4"/>
-            <a:r>
-              <a:rPr lang="en-US" smtClean="0"/>
-              <a:t>Fifth level</a:t>
-            </a:r>
-            <a:endParaRPr lang="en-US" dirty="0"/>
-          </a:p>
-        </p:txBody>
-      </p:sp>
-      <p:sp>
-        <p:nvSpPr>
-          <p:cNvPr id="4" name="Date Placeholder 3"/>
-          <p:cNvSpPr>
-            <a:spLocks noGrp="1"/>
-          </p:cNvSpPr>
-          <p:nvPr>
-            <p:ph type="dt" sz="half" idx="2"/>
-          </p:nvPr>
-        </p:nvSpPr>
-        <p:spPr>
+          <a:lstStyle>
+            <a:lvl1pPr>
+              <a:defRPr sz="1400"/>
+            </a:lvl1pPr>
+          </a:lstStyle>
+          <a:p>
+            <a:endParaRPr lang="es-ES" altLang="en-US"/>
+          </a:p>
+        </p:txBody>
+      </p:sp>
+      <p:sp>
+        <p:nvSpPr>
+          <p:cNvPr id="1029" name="Rectangle 5"/>
+          <p:cNvSpPr>
+            <a:spLocks noGrp="1" noChangeArrowheads="1"/>
+          </p:cNvSpPr>
+          <p:nvPr>
+            <p:ph type="ftr" sz="quarter" idx="3"/>
+          </p:nvPr>
+        </p:nvSpPr>
+        <p:spPr bwMode="auto">
           <a:xfrm>
-            <a:off x="1142996" y="6223828"/>
-            <a:ext cx="2329074" cy="365125"/>
+            <a:off x="4165600" y="6245225"/>
+            <a:ext cx="3860800" cy="476250"/>
           </a:xfrm>
           <a:prstGeom prst="rect">
             <a:avLst/>
           </a:prstGeom>
-        </p:spPr>
-        <p:txBody>
-          <a:bodyPr vert="horz" lIns="91440" tIns="45720" rIns="91440" bIns="45720" rtlCol="0" anchor="ctr"/>
-          <a:lstStyle>
-            <a:lvl1pPr algn="l">
-              <a:defRPr sz="1200">
+          <a:noFill/>
+          <a:ln>
+            <a:noFill/>
+          </a:ln>
+          <a:effectLst/>
+          <a:extLst>
+            <a:ext uri="{909E8E84-426E-40DD-AFC4-6F175D3DCCD1}">
+              <a14:hiddenFill xmlns:a14="http://schemas.microsoft.com/office/drawing/2010/main">
                 <a:solidFill>
                   <a:schemeClr val="accent1"/>
                 </a:solidFill>
-              </a:defRPr>
+              </a14:hiddenFill>
+            </a:ext>
+            <a:ext uri="{91240B29-F687-4F45-9708-019B960494DF}">
+              <a14:hiddenLine xmlns:a14="http://schemas.microsoft.com/office/drawing/2010/main" w="9525">
+                <a:solidFill>
+                  <a:srgbClr val="000000"/>
+                </a:solidFill>
+                <a:miter lim="800000"/>
+                <a:headEnd/>
+                <a:tailEnd/>
+              </a14:hiddenLine>
+            </a:ext>
+            <a:ext uri="{AF507438-7753-43E0-B8FC-AC1667EBCBE1}">
+              <a14:hiddenEffects xmlns:a14="http://schemas.microsoft.com/office/drawing/2010/main">
+                <a:effectLst>
+                  <a:outerShdw dist="35921" dir="2700000" algn="ctr" rotWithShape="0">
+                    <a:schemeClr val="bg2"/>
+                  </a:outerShdw>
+                </a:effectLst>
+              </a14:hiddenEffects>
+            </a:ext>
+          </a:extLst>
+        </p:spPr>
+        <p:txBody>
+          <a:bodyPr vert="horz" wrap="square" lIns="91440" tIns="45720" rIns="91440" bIns="45720" numCol="1" anchor="t" anchorCtr="0" compatLnSpc="1">
+            <a:prstTxWarp prst="textNoShape">
+              <a:avLst/>
+            </a:prstTxWarp>
+          </a:bodyPr>
+          <a:lstStyle>
+            <a:lvl1pPr algn="ctr">
+              <a:defRPr sz="1400"/>
             </a:lvl1pPr>
           </a:lstStyle>
           <a:p>
-            <a:fld id="{55819C6C-1328-47A7-9531-77311B1A3D98}" type="datetimeFigureOut">
-              <a:rPr lang="en-GB" smtClean="0"/>
-              <a:t>04/08/2016</a:t>
-            </a:fld>
-            <a:endParaRPr lang="en-GB"/>
-          </a:p>
-        </p:txBody>
-      </p:sp>
-      <p:sp>
-        <p:nvSpPr>
-          <p:cNvPr id="5" name="Footer Placeholder 4"/>
-          <p:cNvSpPr>
-            <a:spLocks noGrp="1"/>
-          </p:cNvSpPr>
-          <p:nvPr>
-            <p:ph type="ftr" sz="quarter" idx="3"/>
-          </p:nvPr>
-        </p:nvSpPr>
-        <p:spPr>
+            <a:endParaRPr lang="es-ES" altLang="en-US"/>
+          </a:p>
+        </p:txBody>
+      </p:sp>
+      <p:sp>
+        <p:nvSpPr>
+          <p:cNvPr id="1030" name="Rectangle 6"/>
+          <p:cNvSpPr>
+            <a:spLocks noGrp="1" noChangeArrowheads="1"/>
+          </p:cNvSpPr>
+          <p:nvPr>
+            <p:ph type="sldNum" sz="quarter" idx="4"/>
+          </p:nvPr>
+        </p:nvSpPr>
+        <p:spPr bwMode="auto">
           <a:xfrm>
-            <a:off x="3949148" y="6223828"/>
-            <a:ext cx="4717774" cy="365125"/>
+            <a:off x="8707967" y="6237288"/>
+            <a:ext cx="2844800" cy="476250"/>
           </a:xfrm>
           <a:prstGeom prst="rect">
             <a:avLst/>
           </a:prstGeom>
-        </p:spPr>
-        <p:txBody>
-          <a:bodyPr vert="horz" lIns="91440" tIns="45720" rIns="91440" bIns="45720" rtlCol="0" anchor="ctr"/>
-          <a:lstStyle>
-            <a:lvl1pPr algn="ctr">
-              <a:defRPr sz="1200">
+          <a:noFill/>
+          <a:ln>
+            <a:noFill/>
+          </a:ln>
+          <a:effectLst/>
+          <a:extLst>
+            <a:ext uri="{909E8E84-426E-40DD-AFC4-6F175D3DCCD1}">
+              <a14:hiddenFill xmlns:a14="http://schemas.microsoft.com/office/drawing/2010/main">
                 <a:solidFill>
                   <a:schemeClr val="accent1"/>
                 </a:solidFill>
-              </a:defRPr>
+              </a14:hiddenFill>
+            </a:ext>
+            <a:ext uri="{91240B29-F687-4F45-9708-019B960494DF}">
+              <a14:hiddenLine xmlns:a14="http://schemas.microsoft.com/office/drawing/2010/main" w="9525">
+                <a:solidFill>
+                  <a:srgbClr val="000000"/>
+                </a:solidFill>
+                <a:miter lim="800000"/>
+                <a:headEnd/>
+                <a:tailEnd/>
+              </a14:hiddenLine>
+            </a:ext>
+            <a:ext uri="{AF507438-7753-43E0-B8FC-AC1667EBCBE1}">
+              <a14:hiddenEffects xmlns:a14="http://schemas.microsoft.com/office/drawing/2010/main">
+                <a:effectLst>
+                  <a:outerShdw dist="35921" dir="2700000" algn="ctr" rotWithShape="0">
+                    <a:schemeClr val="bg2"/>
+                  </a:outerShdw>
+                </a:effectLst>
+              </a14:hiddenEffects>
+            </a:ext>
+          </a:extLst>
+        </p:spPr>
+        <p:txBody>
+          <a:bodyPr vert="horz" wrap="square" lIns="91440" tIns="45720" rIns="91440" bIns="45720" numCol="1" anchor="t" anchorCtr="0" compatLnSpc="1">
+            <a:prstTxWarp prst="textNoShape">
+              <a:avLst/>
+            </a:prstTxWarp>
+          </a:bodyPr>
+          <a:lstStyle>
+            <a:lvl1pPr algn="r">
+              <a:defRPr sz="1400"/>
             </a:lvl1pPr>
           </a:lstStyle>
           <a:p>
-            <a:endParaRPr lang="en-GB"/>
-          </a:p>
-        </p:txBody>
-      </p:sp>
-      <p:sp>
-        <p:nvSpPr>
-          <p:cNvPr id="6" name="Slide Number Placeholder 5"/>
-          <p:cNvSpPr>
-            <a:spLocks noGrp="1"/>
-          </p:cNvSpPr>
-          <p:nvPr>
-            <p:ph type="sldNum" sz="quarter" idx="4"/>
-          </p:nvPr>
-        </p:nvSpPr>
-        <p:spPr>
+            <a:fld id="{9815B1B6-0698-4BB8-9592-D0D416DB2C01}" type="slidenum">
+              <a:rPr lang="es-ES" altLang="en-US"/>
+              <a:pPr/>
+              <a:t>‹#›</a:t>
+            </a:fld>
+            <a:endParaRPr lang="es-ES" altLang="en-US"/>
+          </a:p>
+        </p:txBody>
+      </p:sp>
+      <p:pic>
+        <p:nvPicPr>
+          <p:cNvPr id="1031" name="Picture 7"/>
+          <p:cNvPicPr>
+            <a:picLocks noChangeAspect="1" noChangeArrowheads="1"/>
+          </p:cNvPicPr>
+          <p:nvPr/>
+        </p:nvPicPr>
+        <p:blipFill>
+          <a:blip r:embed="rId14">
+            <a:extLst>
+              <a:ext uri="{28A0092B-C50C-407E-A947-70E740481C1C}">
+                <a14:useLocalDpi xmlns:a14="http://schemas.microsoft.com/office/drawing/2010/main" val="0"/>
+              </a:ext>
+            </a:extLst>
+          </a:blip>
+          <a:srcRect/>
+          <a:stretch>
+            <a:fillRect/>
+          </a:stretch>
+        </p:blipFill>
+        <p:spPr bwMode="auto">
           <a:xfrm>
-            <a:off x="9329530" y="6223828"/>
-            <a:ext cx="1706217" cy="365125"/>
+            <a:off x="11184467" y="6702425"/>
+            <a:ext cx="1037167" cy="139700"/>
           </a:xfrm>
           <a:prstGeom prst="rect">
             <a:avLst/>
           </a:prstGeom>
+          <a:noFill/>
+          <a:ln>
+            <a:noFill/>
+          </a:ln>
+          <a:effectLst/>
+          <a:extLst>
+            <a:ext uri="{909E8E84-426E-40DD-AFC4-6F175D3DCCD1}">
+              <a14:hiddenFill xmlns:a14="http://schemas.microsoft.com/office/drawing/2010/main">
+                <a:solidFill>
+                  <a:srgbClr val="FFFFFF"/>
+                </a:solidFill>
+              </a14:hiddenFill>
+            </a:ext>
+            <a:ext uri="{91240B29-F687-4F45-9708-019B960494DF}">
+              <a14:hiddenLine xmlns:a14="http://schemas.microsoft.com/office/drawing/2010/main" w="9525">
+                <a:solidFill>
+                  <a:srgbClr val="000000"/>
+                </a:solidFill>
+                <a:miter lim="800000"/>
+                <a:headEnd/>
+                <a:tailEnd/>
+              </a14:hiddenLine>
+            </a:ext>
+            <a:ext uri="{AF507438-7753-43E0-B8FC-AC1667EBCBE1}">
+              <a14:hiddenEffects xmlns:a14="http://schemas.microsoft.com/office/drawing/2010/main">
+                <a:effectLst>
+                  <a:outerShdw dist="35921" dir="2700000" algn="ctr" rotWithShape="0">
+                    <a:srgbClr val="808080"/>
+                  </a:outerShdw>
+                </a:effectLst>
+              </a14:hiddenEffects>
+            </a:ext>
+          </a:extLst>
         </p:spPr>
-        <p:txBody>
-          <a:bodyPr vert="horz" lIns="91440" tIns="45720" rIns="91440" bIns="45720" rtlCol="0" anchor="ctr"/>
-          <a:lstStyle>
-            <a:lvl1pPr algn="r">
-              <a:defRPr sz="1200">
+      </p:pic>
+      <p:pic>
+        <p:nvPicPr>
+          <p:cNvPr id="1032" name="Picture 8"/>
+          <p:cNvPicPr>
+            <a:picLocks noChangeAspect="1" noChangeArrowheads="1"/>
+          </p:cNvPicPr>
+          <p:nvPr/>
+        </p:nvPicPr>
+        <p:blipFill>
+          <a:blip r:embed="rId15">
+            <a:extLst>
+              <a:ext uri="{28A0092B-C50C-407E-A947-70E740481C1C}">
+                <a14:useLocalDpi xmlns:a14="http://schemas.microsoft.com/office/drawing/2010/main" val="0"/>
+              </a:ext>
+            </a:extLst>
+          </a:blip>
+          <a:srcRect/>
+          <a:stretch>
+            <a:fillRect/>
+          </a:stretch>
+        </p:blipFill>
+        <p:spPr bwMode="auto">
+          <a:xfrm flipV="1">
+            <a:off x="11184468" y="6669088"/>
+            <a:ext cx="385233" cy="182562"/>
+          </a:xfrm>
+          <a:prstGeom prst="rect">
+            <a:avLst/>
+          </a:prstGeom>
+          <a:noFill/>
+          <a:ln>
+            <a:noFill/>
+          </a:ln>
+          <a:effectLst/>
+          <a:extLst>
+            <a:ext uri="{909E8E84-426E-40DD-AFC4-6F175D3DCCD1}">
+              <a14:hiddenFill xmlns:a14="http://schemas.microsoft.com/office/drawing/2010/main">
                 <a:solidFill>
-                  <a:schemeClr val="accent1"/>
+                  <a:srgbClr val="FFFFFF"/>
                 </a:solidFill>
-              </a:defRPr>
-            </a:lvl1pPr>
-          </a:lstStyle>
-          <a:p>
-            <a:fld id="{E9BF1494-1497-494E-A8D5-A49C36B4011A}" type="slidenum">
-              <a:rPr lang="en-GB" smtClean="0"/>
-              <a:t>‹#›</a:t>
-            </a:fld>
-            <a:endParaRPr lang="en-GB"/>
-          </a:p>
-        </p:txBody>
-      </p:sp>
+              </a14:hiddenFill>
+            </a:ext>
+            <a:ext uri="{91240B29-F687-4F45-9708-019B960494DF}">
+              <a14:hiddenLine xmlns:a14="http://schemas.microsoft.com/office/drawing/2010/main" w="9525">
+                <a:solidFill>
+                  <a:srgbClr val="000000"/>
+                </a:solidFill>
+                <a:miter lim="800000"/>
+                <a:headEnd/>
+                <a:tailEnd/>
+              </a14:hiddenLine>
+            </a:ext>
+            <a:ext uri="{AF507438-7753-43E0-B8FC-AC1667EBCBE1}">
+              <a14:hiddenEffects xmlns:a14="http://schemas.microsoft.com/office/drawing/2010/main">
+                <a:effectLst>
+                  <a:outerShdw dist="35921" dir="2700000" algn="ctr" rotWithShape="0">
+                    <a:srgbClr val="808080"/>
+                  </a:outerShdw>
+                </a:effectLst>
+              </a14:hiddenEffects>
+            </a:ext>
+          </a:extLst>
+        </p:spPr>
+      </p:pic>
     </p:spTree>
     <p:extLst>
       <p:ext uri="{BB962C8B-B14F-4D97-AF65-F5344CB8AC3E}">
-        <p14:creationId xmlns:p14="http://schemas.microsoft.com/office/powerpoint/2010/main" val="2232912861"/>
+        <p14:creationId xmlns:p14="http://schemas.microsoft.com/office/powerpoint/2010/main" val="1939957878"/>
       </p:ext>
     </p:extLst>
   </p:cSld>
   <p:clrMap bg1="lt1" tx1="dk1" bg2="lt2" tx2="dk2" accent1="accent1" accent2="accent2" accent3="accent3" accent4="accent4" accent5="accent5" accent6="accent6" hlink="hlink" folHlink="folHlink"/>
   <p:sldLayoutIdLst>
-    <p:sldLayoutId id="2147483673" r:id="rId1"/>
-    <p:sldLayoutId id="2147483674" r:id="rId2"/>
-    <p:sldLayoutId id="2147483675" r:id="rId3"/>
-    <p:sldLayoutId id="2147483676" r:id="rId4"/>
-    <p:sldLayoutId id="2147483677" r:id="rId5"/>
-    <p:sldLayoutId id="2147483678" r:id="rId6"/>
-    <p:sldLayoutId id="2147483679" r:id="rId7"/>
-    <p:sldLayoutId id="2147483680" r:id="rId8"/>
-    <p:sldLayoutId id="2147483681" r:id="rId9"/>
-    <p:sldLayoutId id="2147483682" r:id="rId10"/>
-    <p:sldLayoutId id="2147483683" r:id="rId11"/>
+    <p:sldLayoutId id="2147483709" r:id="rId1"/>
+    <p:sldLayoutId id="2147483710" r:id="rId2"/>
+    <p:sldLayoutId id="2147483711" r:id="rId3"/>
+    <p:sldLayoutId id="2147483712" r:id="rId4"/>
+    <p:sldLayoutId id="2147483713" r:id="rId5"/>
+    <p:sldLayoutId id="2147483714" r:id="rId6"/>
+    <p:sldLayoutId id="2147483715" r:id="rId7"/>
+    <p:sldLayoutId id="2147483716" r:id="rId8"/>
+    <p:sldLayoutId id="2147483717" r:id="rId9"/>
+    <p:sldLayoutId id="2147483718" r:id="rId10"/>
+    <p:sldLayoutId id="2147483719" r:id="rId11"/>
   </p:sldLayoutIdLst>
   <p:txStyles>
     <p:titleStyle>
-      <a:lvl1pPr algn="l" defTabSz="914400" rtl="0" eaLnBrk="1" latinLnBrk="0" hangingPunct="1">
-        <a:lnSpc>
-          <a:spcPct val="90000"/>
-        </a:lnSpc>
+      <a:lvl1pPr algn="ctr" rtl="0" eaLnBrk="1" fontAlgn="base" hangingPunct="1">
         <a:spcBef>
           <a:spcPct val="0"/>
         </a:spcBef>
-        <a:buNone/>
+        <a:spcAft>
+          <a:spcPct val="0"/>
+        </a:spcAft>
         <a:defRPr sz="4400" kern="1200">
           <a:solidFill>
-            <a:schemeClr val="accent1"/>
+            <a:schemeClr val="tx2"/>
           </a:solidFill>
           <a:latin typeface="+mj-lt"/>
           <a:ea typeface="+mj-ea"/>
           <a:cs typeface="+mj-cs"/>
         </a:defRPr>
       </a:lvl1pPr>
+      <a:lvl2pPr algn="ctr" rtl="0" eaLnBrk="1" fontAlgn="base" hangingPunct="1">
+        <a:spcBef>
+          <a:spcPct val="0"/>
+        </a:spcBef>
+        <a:spcAft>
+          <a:spcPct val="0"/>
+        </a:spcAft>
+        <a:defRPr sz="4400">
+          <a:solidFill>
+            <a:schemeClr val="tx2"/>
+          </a:solidFill>
+          <a:latin typeface="Arial" panose="020B0604020202020204" pitchFamily="34" charset="0"/>
+          <a:cs typeface="Arial" panose="020B0604020202020204" pitchFamily="34" charset="0"/>
+        </a:defRPr>
+      </a:lvl2pPr>
+      <a:lvl3pPr algn="ctr" rtl="0" eaLnBrk="1" fontAlgn="base" hangingPunct="1">
+        <a:spcBef>
+          <a:spcPct val="0"/>
+        </a:spcBef>
+        <a:spcAft>
+          <a:spcPct val="0"/>
+        </a:spcAft>
+        <a:defRPr sz="4400">
+          <a:solidFill>
+            <a:schemeClr val="tx2"/>
+          </a:solidFill>
+          <a:latin typeface="Arial" panose="020B0604020202020204" pitchFamily="34" charset="0"/>
+          <a:cs typeface="Arial" panose="020B0604020202020204" pitchFamily="34" charset="0"/>
+        </a:defRPr>
+      </a:lvl3pPr>
+      <a:lvl4pPr algn="ctr" rtl="0" eaLnBrk="1" fontAlgn="base" hangingPunct="1">
+        <a:spcBef>
+          <a:spcPct val="0"/>
+        </a:spcBef>
+        <a:spcAft>
+          <a:spcPct val="0"/>
+        </a:spcAft>
+        <a:defRPr sz="4400">
+          <a:solidFill>
+            <a:schemeClr val="tx2"/>
+          </a:solidFill>
+          <a:latin typeface="Arial" panose="020B0604020202020204" pitchFamily="34" charset="0"/>
+          <a:cs typeface="Arial" panose="020B0604020202020204" pitchFamily="34" charset="0"/>
+        </a:defRPr>
+      </a:lvl4pPr>
+      <a:lvl5pPr algn="ctr" rtl="0" eaLnBrk="1" fontAlgn="base" hangingPunct="1">
+        <a:spcBef>
+          <a:spcPct val="0"/>
+        </a:spcBef>
+        <a:spcAft>
+          <a:spcPct val="0"/>
+        </a:spcAft>
+        <a:defRPr sz="4400">
+          <a:solidFill>
+            <a:schemeClr val="tx2"/>
+          </a:solidFill>
+          <a:latin typeface="Arial" panose="020B0604020202020204" pitchFamily="34" charset="0"/>
+          <a:cs typeface="Arial" panose="020B0604020202020204" pitchFamily="34" charset="0"/>
+        </a:defRPr>
+      </a:lvl5pPr>
+      <a:lvl6pPr marL="457200" algn="ctr" rtl="0" eaLnBrk="1" fontAlgn="base" hangingPunct="1">
+        <a:spcBef>
+          <a:spcPct val="0"/>
+        </a:spcBef>
+        <a:spcAft>
+          <a:spcPct val="0"/>
+        </a:spcAft>
+        <a:defRPr sz="4400">
+          <a:solidFill>
+            <a:schemeClr val="tx2"/>
+          </a:solidFill>
+          <a:latin typeface="Arial" panose="020B0604020202020204" pitchFamily="34" charset="0"/>
+          <a:cs typeface="Arial" panose="020B0604020202020204" pitchFamily="34" charset="0"/>
+        </a:defRPr>
+      </a:lvl6pPr>
+      <a:lvl7pPr marL="914400" algn="ctr" rtl="0" eaLnBrk="1" fontAlgn="base" hangingPunct="1">
+        <a:spcBef>
+          <a:spcPct val="0"/>
+        </a:spcBef>
+        <a:spcAft>
+          <a:spcPct val="0"/>
+        </a:spcAft>
+        <a:defRPr sz="4400">
+          <a:solidFill>
+            <a:schemeClr val="tx2"/>
+          </a:solidFill>
+          <a:latin typeface="Arial" panose="020B0604020202020204" pitchFamily="34" charset="0"/>
+          <a:cs typeface="Arial" panose="020B0604020202020204" pitchFamily="34" charset="0"/>
+        </a:defRPr>
+      </a:lvl7pPr>
+      <a:lvl8pPr marL="1371600" algn="ctr" rtl="0" eaLnBrk="1" fontAlgn="base" hangingPunct="1">
+        <a:spcBef>
+          <a:spcPct val="0"/>
+        </a:spcBef>
+        <a:spcAft>
+          <a:spcPct val="0"/>
+        </a:spcAft>
+        <a:defRPr sz="4400">
+          <a:solidFill>
+            <a:schemeClr val="tx2"/>
+          </a:solidFill>
+          <a:latin typeface="Arial" panose="020B0604020202020204" pitchFamily="34" charset="0"/>
+          <a:cs typeface="Arial" panose="020B0604020202020204" pitchFamily="34" charset="0"/>
+        </a:defRPr>
+      </a:lvl8pPr>
+      <a:lvl9pPr marL="1828800" algn="ctr" rtl="0" eaLnBrk="1" fontAlgn="base" hangingPunct="1">
+        <a:spcBef>
+          <a:spcPct val="0"/>
+        </a:spcBef>
+        <a:spcAft>
+          <a:spcPct val="0"/>
+        </a:spcAft>
+        <a:defRPr sz="4400">
+          <a:solidFill>
+            <a:schemeClr val="tx2"/>
+          </a:solidFill>
+          <a:latin typeface="Arial" panose="020B0604020202020204" pitchFamily="34" charset="0"/>
+          <a:cs typeface="Arial" panose="020B0604020202020204" pitchFamily="34" charset="0"/>
+        </a:defRPr>
+      </a:lvl9pPr>
     </p:titleStyle>
     <p:bodyStyle>
-      <a:lvl1pPr marL="228600" indent="-182880" algn="l" defTabSz="914400" rtl="0" eaLnBrk="1" latinLnBrk="0" hangingPunct="1">
-        <a:lnSpc>
-          <a:spcPct val="90000"/>
-        </a:lnSpc>
+      <a:lvl1pPr marL="342900" indent="-342900" algn="l" rtl="0" eaLnBrk="1" fontAlgn="base" hangingPunct="1">
         <a:spcBef>
-          <a:spcPts val="1400"/>
+          <a:spcPct val="20000"/>
         </a:spcBef>
-        <a:buClr>
-          <a:schemeClr val="accent1"/>
-        </a:buClr>
-        <a:buSzPct val="80000"/>
-        <a:buFont typeface="Corbel" pitchFamily="34" charset="0"/>
+        <a:spcAft>
+          <a:spcPct val="0"/>
+        </a:spcAft>
         <a:buChar char="•"/>
-        <a:defRPr sz="2200" kern="1200">
+        <a:defRPr sz="3200" kern="1200">
           <a:solidFill>
-            <a:schemeClr val="accent1"/>
+            <a:schemeClr val="tx1"/>
           </a:solidFill>
           <a:latin typeface="+mn-lt"/>
           <a:ea typeface="+mn-ea"/>
           <a:cs typeface="+mn-cs"/>
         </a:defRPr>
       </a:lvl1pPr>
-      <a:lvl2pPr marL="457200" indent="-182880" algn="l" defTabSz="914400" rtl="0" eaLnBrk="1" latinLnBrk="0" hangingPunct="1">
-        <a:lnSpc>
-          <a:spcPct val="90000"/>
-        </a:lnSpc>
+      <a:lvl2pPr marL="742950" indent="-285750" algn="l" rtl="0" eaLnBrk="1" fontAlgn="base" hangingPunct="1">
         <a:spcBef>
-          <a:spcPts val="200"/>
+          <a:spcPct val="20000"/>
         </a:spcBef>
         <a:spcAft>
-          <a:spcPts val="400"/>
+          <a:spcPct val="0"/>
         </a:spcAft>
-        <a:buClr>
-          <a:schemeClr val="accent1"/>
-        </a:buClr>
-        <a:buSzPct val="80000"/>
-        <a:buFont typeface="Corbel" pitchFamily="34" charset="0"/>
-        <a:buChar char="•"/>
-        <a:defRPr sz="2000" kern="1200">
+        <a:buChar char="–"/>
+        <a:defRPr sz="3200" kern="1200">
           <a:solidFill>
-            <a:schemeClr val="accent1"/>
+            <a:schemeClr val="tx1"/>
           </a:solidFill>
           <a:latin typeface="+mn-lt"/>
           <a:ea typeface="+mn-ea"/>
           <a:cs typeface="+mn-cs"/>
         </a:defRPr>
       </a:lvl2pPr>
-      <a:lvl3pPr marL="731520" indent="-182880" algn="l" defTabSz="914400" rtl="0" eaLnBrk="1" latinLnBrk="0" hangingPunct="1">
-        <a:lnSpc>
-          <a:spcPct val="90000"/>
-        </a:lnSpc>
+      <a:lvl3pPr marL="1143000" indent="-228600" algn="l" rtl="0" eaLnBrk="1" fontAlgn="base" hangingPunct="1">
         <a:spcBef>
-          <a:spcPts val="200"/>
+          <a:spcPct val="20000"/>
         </a:spcBef>
         <a:spcAft>
-          <a:spcPts val="400"/>
+          <a:spcPct val="0"/>
         </a:spcAft>
-        <a:buClr>
-          <a:schemeClr val="accent1"/>
-        </a:buClr>
-        <a:buSzPct val="80000"/>
-        <a:buFont typeface="Corbel" pitchFamily="34" charset="0"/>
         <a:buChar char="•"/>
-        <a:defRPr sz="1800" kern="1200">
+        <a:defRPr sz="3200" kern="1200">
           <a:solidFill>
-            <a:schemeClr val="accent1"/>
+            <a:schemeClr val="tx1"/>
           </a:solidFill>
           <a:latin typeface="+mn-lt"/>
           <a:ea typeface="+mn-ea"/>
           <a:cs typeface="+mn-cs"/>
         </a:defRPr>
       </a:lvl3pPr>
-      <a:lvl4pPr marL="1005840" indent="-182880" algn="l" defTabSz="914400" rtl="0" eaLnBrk="1" latinLnBrk="0" hangingPunct="1">
-        <a:lnSpc>
-          <a:spcPct val="90000"/>
-        </a:lnSpc>
+      <a:lvl4pPr marL="1600200" indent="-228600" algn="l" rtl="0" eaLnBrk="1" fontAlgn="base" hangingPunct="1">
         <a:spcBef>
-          <a:spcPts val="200"/>
+          <a:spcPct val="20000"/>
         </a:spcBef>
         <a:spcAft>
-          <a:spcPts val="400"/>
+          <a:spcPct val="0"/>
         </a:spcAft>
-        <a:buClr>
-          <a:schemeClr val="accent1"/>
-        </a:buClr>
-        <a:buSzPct val="80000"/>
-        <a:buFont typeface="Corbel" pitchFamily="34" charset="0"/>
-        <a:buChar char="•"/>
-        <a:defRPr sz="1600" kern="1200">
+        <a:buChar char="–"/>
+        <a:defRPr sz="3200" kern="1200">
           <a:solidFill>
-            <a:schemeClr val="accent1"/>
+            <a:schemeClr val="tx1"/>
           </a:solidFill>
           <a:latin typeface="+mn-lt"/>
           <a:ea typeface="+mn-ea"/>
           <a:cs typeface="+mn-cs"/>
         </a:defRPr>
       </a:lvl4pPr>
-      <a:lvl5pPr marL="1280160" indent="-182880" algn="l" defTabSz="914400" rtl="0" eaLnBrk="1" latinLnBrk="0" hangingPunct="1">
-        <a:lnSpc>
-          <a:spcPct val="90000"/>
-        </a:lnSpc>
+      <a:lvl5pPr marL="2057400" indent="-228600" algn="l" rtl="0" eaLnBrk="1" fontAlgn="base" hangingPunct="1">
         <a:spcBef>
-          <a:spcPts val="200"/>
+          <a:spcPct val="20000"/>
         </a:spcBef>
         <a:spcAft>
-          <a:spcPts val="400"/>
+          <a:spcPct val="0"/>
         </a:spcAft>
-        <a:buClr>
-          <a:schemeClr val="accent1"/>
-        </a:buClr>
-        <a:buSzPct val="80000"/>
-        <a:buFont typeface="Corbel" pitchFamily="34" charset="0"/>
-        <a:buChar char="•"/>
-        <a:defRPr sz="1600" kern="1200">
+        <a:buChar char="»"/>
+        <a:defRPr sz="3200" kern="1200">
           <a:solidFill>
-            <a:schemeClr val="accent1"/>
+            <a:schemeClr val="tx1"/>
           </a:solidFill>
           <a:latin typeface="+mn-lt"/>
           <a:ea typeface="+mn-ea"/>
           <a:cs typeface="+mn-cs"/>
         </a:defRPr>
       </a:lvl5pPr>
-      <a:lvl6pPr marL="1600000" indent="-228600" algn="l" defTabSz="914400" rtl="0" eaLnBrk="1" latinLnBrk="0" hangingPunct="1">
+      <a:lvl6pPr marL="2514600" indent="-228600" algn="l" defTabSz="914400" rtl="0" eaLnBrk="1" latinLnBrk="0" hangingPunct="1">
         <a:lnSpc>
           <a:spcPct val="90000"/>
         </a:lnSpc>
         <a:spcBef>
-          <a:spcPts val="200"/>
+          <a:spcPts val="500"/>
         </a:spcBef>
-        <a:spcAft>
-          <a:spcPts val="400"/>
-        </a:spcAft>
-        <a:buClr>
-          <a:schemeClr val="accent1"/>
-        </a:buClr>
-        <a:buSzPct val="80000"/>
-        <a:buFont typeface="Corbel" pitchFamily="34" charset="0"/>
+        <a:buFont typeface="Arial" panose="020B0604020202020204" pitchFamily="34" charset="0"/>
         <a:buChar char="•"/>
-        <a:defRPr sz="1600" kern="1200">
+        <a:defRPr sz="1800" kern="1200">
           <a:solidFill>
-            <a:schemeClr val="accent1"/>
+            <a:schemeClr val="tx1"/>
           </a:solidFill>
           <a:latin typeface="+mn-lt"/>
           <a:ea typeface="+mn-ea"/>
           <a:cs typeface="+mn-cs"/>
         </a:defRPr>
       </a:lvl6pPr>
-      <a:lvl7pPr marL="1900000" indent="-228600" algn="l" defTabSz="914400" rtl="0" eaLnBrk="1" latinLnBrk="0" hangingPunct="1">
+      <a:lvl7pPr marL="2971800" indent="-228600" algn="l" defTabSz="914400" rtl="0" eaLnBrk="1" latinLnBrk="0" hangingPunct="1">
         <a:lnSpc>
           <a:spcPct val="90000"/>
         </a:lnSpc>
         <a:spcBef>
-          <a:spcPts val="200"/>
+          <a:spcPts val="500"/>
         </a:spcBef>
-        <a:spcAft>
-          <a:spcPts val="400"/>
-        </a:spcAft>
-        <a:buClr>
-          <a:schemeClr val="accent1"/>
-        </a:buClr>
-        <a:buSzPct val="80000"/>
-        <a:buFont typeface="Corbel" pitchFamily="34" charset="0"/>
+        <a:buFont typeface="Arial" panose="020B0604020202020204" pitchFamily="34" charset="0"/>
         <a:buChar char="•"/>
-        <a:defRPr sz="1600" kern="1200">
+        <a:defRPr sz="1800" kern="1200">
           <a:solidFill>
-            <a:schemeClr val="accent1"/>
+            <a:schemeClr val="tx1"/>
           </a:solidFill>
           <a:latin typeface="+mn-lt"/>
           <a:ea typeface="+mn-ea"/>
           <a:cs typeface="+mn-cs"/>
         </a:defRPr>
       </a:lvl7pPr>
-      <a:lvl8pPr marL="2200000" indent="-228600" algn="l" defTabSz="914400" rtl="0" eaLnBrk="1" latinLnBrk="0" hangingPunct="1">
+      <a:lvl8pPr marL="3429000" indent="-228600" algn="l" defTabSz="914400" rtl="0" eaLnBrk="1" latinLnBrk="0" hangingPunct="1">
         <a:lnSpc>
           <a:spcPct val="90000"/>
         </a:lnSpc>
         <a:spcBef>
-          <a:spcPts val="200"/>
+          <a:spcPts val="500"/>
         </a:spcBef>
-        <a:spcAft>
-          <a:spcPts val="400"/>
-        </a:spcAft>
-        <a:buClr>
-          <a:schemeClr val="accent1"/>
-        </a:buClr>
-        <a:buSzPct val="80000"/>
-        <a:buFont typeface="Corbel" pitchFamily="34" charset="0"/>
+        <a:buFont typeface="Arial" panose="020B0604020202020204" pitchFamily="34" charset="0"/>
         <a:buChar char="•"/>
-        <a:defRPr sz="1600" kern="1200">
+        <a:defRPr sz="1800" kern="1200">
           <a:solidFill>
-            <a:schemeClr val="accent1"/>
+            <a:schemeClr val="tx1"/>
           </a:solidFill>
           <a:latin typeface="+mn-lt"/>
           <a:ea typeface="+mn-ea"/>
           <a:cs typeface="+mn-cs"/>
         </a:defRPr>
       </a:lvl8pPr>
-      <a:lvl9pPr marL="2500000" indent="-228600" algn="l" defTabSz="914400" rtl="0" eaLnBrk="1" latinLnBrk="0" hangingPunct="1">
+      <a:lvl9pPr marL="3886200" indent="-228600" algn="l" defTabSz="914400" rtl="0" eaLnBrk="1" latinLnBrk="0" hangingPunct="1">
         <a:lnSpc>
           <a:spcPct val="90000"/>
         </a:lnSpc>
         <a:spcBef>
-          <a:spcPts val="200"/>
+          <a:spcPts val="500"/>
         </a:spcBef>
-        <a:spcAft>
-          <a:spcPts val="400"/>
-        </a:spcAft>
-        <a:buClr>
-          <a:schemeClr val="accent1"/>
-        </a:buClr>
-        <a:buSzPct val="80000"/>
-        <a:buFont typeface="Corbel" pitchFamily="34" charset="0"/>
+        <a:buFont typeface="Arial" panose="020B0604020202020204" pitchFamily="34" charset="0"/>
         <a:buChar char="•"/>
-        <a:defRPr sz="1600" kern="1200">
+        <a:defRPr sz="1800" kern="1200">
           <a:solidFill>
-            <a:schemeClr val="accent1"/>
+            <a:schemeClr val="tx1"/>
           </a:solidFill>
           <a:latin typeface="+mn-lt"/>
           <a:ea typeface="+mn-ea"/>
@@ -3444,8 +3501,8 @@
         </p:nvSpPr>
         <p:spPr>
           <a:xfrm>
-            <a:off x="3013337" y="2678309"/>
-            <a:ext cx="6297436" cy="1173163"/>
+            <a:off x="3690670" y="2444082"/>
+            <a:ext cx="5013063" cy="1173163"/>
           </a:xfrm>
         </p:spPr>
         <p:txBody>
@@ -3468,7 +3525,7 @@
         </p:nvSpPr>
         <p:spPr>
           <a:xfrm>
-            <a:off x="4083698" y="3756958"/>
+            <a:off x="4161079" y="4295461"/>
             <a:ext cx="3976410" cy="369332"/>
           </a:xfrm>
           <a:prstGeom prst="rect">
@@ -3493,6 +3550,36 @@
           </a:p>
         </p:txBody>
       </p:sp>
+      <p:pic>
+        <p:nvPicPr>
+          <p:cNvPr id="4" name="Picture 3"/>
+          <p:cNvPicPr>
+            <a:picLocks noChangeAspect="1"/>
+          </p:cNvPicPr>
+          <p:nvPr/>
+        </p:nvPicPr>
+        <p:blipFill>
+          <a:blip r:embed="rId2" cstate="print">
+            <a:extLst>
+              <a:ext uri="{28A0092B-C50C-407E-A947-70E740481C1C}">
+                <a14:useLocalDpi xmlns:a14="http://schemas.microsoft.com/office/drawing/2010/main" val="0"/>
+              </a:ext>
+            </a:extLst>
+          </a:blip>
+          <a:stretch>
+            <a:fillRect/>
+          </a:stretch>
+        </p:blipFill>
+        <p:spPr>
+          <a:xfrm>
+            <a:off x="5104491" y="392195"/>
+            <a:ext cx="2185420" cy="1627635"/>
+          </a:xfrm>
+          <a:prstGeom prst="rect">
+            <a:avLst/>
+          </a:prstGeom>
+        </p:spPr>
+      </p:pic>
     </p:spTree>
     <p:extLst>
       <p:ext uri="{BB962C8B-B14F-4D97-AF65-F5344CB8AC3E}">
@@ -3569,7 +3656,7 @@
         </p:blipFill>
         <p:spPr>
           <a:xfrm>
-            <a:off x="1758773" y="2029353"/>
+            <a:off x="1747484" y="1690687"/>
             <a:ext cx="8894518" cy="3852158"/>
           </a:xfrm>
           <a:prstGeom prst="rect">
@@ -3683,7 +3770,7 @@
         </p:blipFill>
         <p:spPr>
           <a:xfrm>
-            <a:off x="2490787" y="2759338"/>
+            <a:off x="2310165" y="2962538"/>
             <a:ext cx="7905395" cy="3308174"/>
           </a:xfrm>
           <a:prstGeom prst="rect">
@@ -3795,7 +3882,7 @@
         </p:blipFill>
         <p:spPr>
           <a:xfrm>
-            <a:off x="2380015" y="2753959"/>
+            <a:off x="2380015" y="2957161"/>
             <a:ext cx="7431969" cy="3440318"/>
           </a:xfrm>
           <a:prstGeom prst="rect">
@@ -3876,7 +3963,7 @@
         <p:spPr>
           <a:xfrm>
             <a:off x="1097280" y="1825625"/>
-            <a:ext cx="10515600" cy="748242"/>
+            <a:ext cx="10515600" cy="1414286"/>
           </a:xfrm>
         </p:spPr>
         <p:txBody>
@@ -3885,8 +3972,25 @@
           <a:p>
             <a:r>
               <a:rPr lang="en-US" dirty="0" smtClean="0"/>
-              <a:t>Convention coordinates naming across separate bean definition files</a:t>
-            </a:r>
+              <a:t>Coordinating across contexts </a:t>
+            </a:r>
+          </a:p>
+          <a:p>
+            <a:pPr lvl="1"/>
+            <a:r>
+              <a:rPr lang="en-US" dirty="0" smtClean="0"/>
+              <a:t>Test</a:t>
+            </a:r>
+          </a:p>
+          <a:p>
+            <a:pPr lvl="1"/>
+            <a:r>
+              <a:rPr lang="en-US" dirty="0" smtClean="0"/>
+              <a:t>Production</a:t>
+            </a:r>
+          </a:p>
+          <a:p>
+            <a:pPr lvl="1"/>
             <a:endParaRPr lang="en-GB" dirty="0"/>
           </a:p>
         </p:txBody>
@@ -3907,8 +4011,8 @@
         </p:blipFill>
         <p:spPr>
           <a:xfrm>
-            <a:off x="2569598" y="2120723"/>
-            <a:ext cx="7113763" cy="4175029"/>
+            <a:off x="4019891" y="2532768"/>
+            <a:ext cx="7562509" cy="3974642"/>
           </a:xfrm>
           <a:prstGeom prst="rect">
             <a:avLst/>
@@ -3918,7 +4022,7 @@
     </p:spTree>
     <p:extLst>
       <p:ext uri="{BB962C8B-B14F-4D97-AF65-F5344CB8AC3E}">
-        <p14:creationId xmlns:p14="http://schemas.microsoft.com/office/powerpoint/2010/main" val="2467390460"/>
+        <p14:creationId xmlns:p14="http://schemas.microsoft.com/office/powerpoint/2010/main" val="1267722090"/>
       </p:ext>
     </p:extLst>
   </p:cSld>
@@ -3969,7 +4073,7 @@
           <a:p>
             <a:r>
               <a:rPr lang="en-US" dirty="0" smtClean="0"/>
-              <a:t>Naming convention example</a:t>
+              <a:t>Bean naming summary</a:t>
             </a:r>
             <a:endParaRPr lang="en-GB" dirty="0"/>
           </a:p>
@@ -3985,69 +4089,61 @@
             <p:ph idx="1"/>
           </p:nvPr>
         </p:nvSpPr>
-        <p:spPr>
-          <a:xfrm>
-            <a:off x="1097280" y="1825625"/>
-            <a:ext cx="10515600" cy="1414286"/>
-          </a:xfrm>
-        </p:spPr>
-        <p:txBody>
-          <a:bodyPr/>
-          <a:lstStyle/>
-          <a:p>
-            <a:r>
-              <a:rPr lang="en-US" dirty="0" smtClean="0"/>
-              <a:t>Coordinating across contexts </a:t>
+        <p:spPr/>
+        <p:txBody>
+          <a:bodyPr/>
+          <a:lstStyle/>
+          <a:p>
+            <a:r>
+              <a:rPr lang="en-US" dirty="0" smtClean="0"/>
+              <a:t>Establish naming convention</a:t>
             </a:r>
           </a:p>
           <a:p>
             <a:pPr lvl="1"/>
             <a:r>
               <a:rPr lang="en-US" dirty="0" smtClean="0"/>
-              <a:t>Test</a:t>
+              <a:t>Unqualified class name </a:t>
             </a:r>
           </a:p>
           <a:p>
             <a:pPr lvl="1"/>
             <a:r>
               <a:rPr lang="en-US" dirty="0" smtClean="0"/>
-              <a:t>Production</a:t>
+              <a:t>Name starting with a lower-case letter</a:t>
             </a:r>
           </a:p>
           <a:p>
             <a:pPr lvl="1"/>
-            <a:endParaRPr lang="en-GB" dirty="0"/>
-          </a:p>
-        </p:txBody>
-      </p:sp>
-      <p:pic>
-        <p:nvPicPr>
-          <p:cNvPr id="4" name="Picture 3"/>
-          <p:cNvPicPr>
-            <a:picLocks noChangeAspect="1"/>
-          </p:cNvPicPr>
-          <p:nvPr/>
-        </p:nvPicPr>
-        <p:blipFill>
-          <a:blip r:embed="rId2"/>
-          <a:stretch>
-            <a:fillRect/>
-          </a:stretch>
-        </p:blipFill>
-        <p:spPr>
-          <a:xfrm>
-            <a:off x="2505568" y="2866424"/>
-            <a:ext cx="7510902" cy="3286020"/>
-          </a:xfrm>
-          <a:prstGeom prst="rect">
-            <a:avLst/>
-          </a:prstGeom>
-        </p:spPr>
-      </p:pic>
+            <a:r>
+              <a:rPr lang="en-US" dirty="0" smtClean="0"/>
+              <a:t>Name is based on the interface type</a:t>
+            </a:r>
+          </a:p>
+          <a:p>
+            <a:r>
+              <a:rPr lang="en-US" dirty="0" smtClean="0"/>
+              <a:t>Use the convention to predict names across contexts </a:t>
+            </a:r>
+          </a:p>
+          <a:p>
+            <a:r>
+              <a:rPr lang="en-US" dirty="0" smtClean="0"/>
+              <a:t>Use the xml bean id attribute for declaring the bean name</a:t>
+            </a:r>
+          </a:p>
+          <a:p>
+            <a:r>
+              <a:rPr lang="en-US" dirty="0" smtClean="0"/>
+              <a:t>Rely on the same conventions for referencing other beans</a:t>
+            </a:r>
+          </a:p>
+        </p:txBody>
+      </p:sp>
     </p:spTree>
     <p:extLst>
       <p:ext uri="{BB962C8B-B14F-4D97-AF65-F5344CB8AC3E}">
-        <p14:creationId xmlns:p14="http://schemas.microsoft.com/office/powerpoint/2010/main" val="1267722090"/>
+        <p14:creationId xmlns:p14="http://schemas.microsoft.com/office/powerpoint/2010/main" val="2762290222"/>
       </p:ext>
     </p:extLst>
   </p:cSld>
@@ -4098,7 +4194,7 @@
           <a:p>
             <a:r>
               <a:rPr lang="en-US" dirty="0" smtClean="0"/>
-              <a:t>Bean naming summary</a:t>
+              <a:t>General approach review</a:t>
             </a:r>
             <a:endParaRPr lang="en-GB" dirty="0"/>
           </a:p>
@@ -4121,54 +4217,63 @@
           <a:p>
             <a:r>
               <a:rPr lang="en-US" dirty="0" smtClean="0"/>
-              <a:t>Establish naming convention</a:t>
+              <a:t>Define and create service interfaces</a:t>
+            </a:r>
+          </a:p>
+          <a:p>
+            <a:r>
+              <a:rPr lang="en-US" dirty="0" smtClean="0"/>
+              <a:t>Implement services interfaces</a:t>
+            </a:r>
+          </a:p>
+          <a:p>
+            <a:r>
+              <a:rPr lang="en-US" dirty="0" smtClean="0"/>
+              <a:t>Add the bean definitions</a:t>
             </a:r>
           </a:p>
           <a:p>
             <a:pPr lvl="1"/>
             <a:r>
-              <a:rPr lang="en-US" dirty="0" smtClean="0"/>
-              <a:t>Unqualified class name </a:t>
+              <a:rPr lang="en-US" dirty="0" smtClean="0">
+                <a:solidFill>
+                  <a:srgbClr val="FF0000"/>
+                </a:solidFill>
+              </a:rPr>
+              <a:t>Establish bean identifiers using the id attribute </a:t>
             </a:r>
           </a:p>
           <a:p>
             <a:pPr lvl="1"/>
             <a:r>
-              <a:rPr lang="en-US" dirty="0" smtClean="0"/>
-              <a:t>Name starting with a lower-case letter</a:t>
+              <a:rPr lang="en-US" dirty="0" smtClean="0">
+                <a:solidFill>
+                  <a:srgbClr val="FF0000"/>
+                </a:solidFill>
+              </a:rPr>
+              <a:t>Alias can be established using name attribute or alias element </a:t>
             </a:r>
           </a:p>
           <a:p>
             <a:pPr lvl="1"/>
             <a:r>
-              <a:rPr lang="en-US" dirty="0" smtClean="0"/>
-              <a:t>Name is based on the interface type</a:t>
-            </a:r>
-          </a:p>
-          <a:p>
-            <a:r>
-              <a:rPr lang="en-US" dirty="0" smtClean="0"/>
-              <a:t>Use the convention to predict names across contexts </a:t>
-            </a:r>
-          </a:p>
-          <a:p>
-            <a:r>
-              <a:rPr lang="en-US" dirty="0" smtClean="0"/>
-              <a:t>Use the xml bean id attribute for declaring the bean name</a:t>
-            </a:r>
-          </a:p>
-          <a:p>
-            <a:r>
-              <a:rPr lang="en-US" dirty="0" smtClean="0"/>
-              <a:t>Rely on the same conventions for referencing other beans</a:t>
-            </a:r>
+              <a:rPr lang="en-US" dirty="0" smtClean="0">
+                <a:solidFill>
+                  <a:srgbClr val="FF0000"/>
+                </a:solidFill>
+              </a:rPr>
+              <a:t>Develop bean names consistently using a convention</a:t>
+            </a:r>
+          </a:p>
+          <a:p>
+            <a:endParaRPr lang="en-GB" dirty="0"/>
           </a:p>
         </p:txBody>
       </p:sp>
     </p:spTree>
     <p:extLst>
       <p:ext uri="{BB962C8B-B14F-4D97-AF65-F5344CB8AC3E}">
-        <p14:creationId xmlns:p14="http://schemas.microsoft.com/office/powerpoint/2010/main" val="2762290222"/>
+        <p14:creationId xmlns:p14="http://schemas.microsoft.com/office/powerpoint/2010/main" val="1149497545"/>
       </p:ext>
     </p:extLst>
   </p:cSld>
@@ -4212,95 +4317,20 @@
             <p:ph type="title"/>
           </p:nvPr>
         </p:nvSpPr>
-        <p:spPr/>
-        <p:txBody>
-          <a:bodyPr/>
-          <a:lstStyle/>
-          <a:p>
-            <a:r>
-              <a:rPr lang="en-US" dirty="0" smtClean="0"/>
-              <a:t>General approach review</a:t>
-            </a:r>
-            <a:endParaRPr lang="en-GB" dirty="0"/>
-          </a:p>
-        </p:txBody>
-      </p:sp>
-      <p:sp>
-        <p:nvSpPr>
-          <p:cNvPr id="3" name="Content Placeholder 2"/>
-          <p:cNvSpPr>
-            <a:spLocks noGrp="1"/>
-          </p:cNvSpPr>
-          <p:nvPr>
-            <p:ph idx="1"/>
-          </p:nvPr>
-        </p:nvSpPr>
-        <p:spPr/>
-        <p:txBody>
-          <a:bodyPr/>
-          <a:lstStyle/>
-          <a:p>
-            <a:r>
-              <a:rPr lang="en-US" dirty="0" smtClean="0"/>
-              <a:t>Define and create service interfaces</a:t>
-            </a:r>
-          </a:p>
-          <a:p>
-            <a:r>
-              <a:rPr lang="en-US" dirty="0" smtClean="0"/>
-              <a:t>Implement services interfaces</a:t>
-            </a:r>
-          </a:p>
-          <a:p>
-            <a:r>
-              <a:rPr lang="en-US" dirty="0" smtClean="0"/>
-              <a:t>Add the bean definitions</a:t>
-            </a:r>
-          </a:p>
-          <a:p>
-            <a:pPr lvl="1"/>
-            <a:r>
-              <a:rPr lang="en-US" dirty="0" smtClean="0">
-                <a:solidFill>
-                  <a:srgbClr val="FF0000"/>
-                </a:solidFill>
-              </a:rPr>
-              <a:t>Establish bean identifiers using the id attribute </a:t>
-            </a:r>
-          </a:p>
-          <a:p>
-            <a:pPr lvl="1"/>
-            <a:r>
-              <a:rPr lang="en-US" dirty="0" smtClean="0">
-                <a:solidFill>
-                  <a:srgbClr val="FF0000"/>
-                </a:solidFill>
-              </a:rPr>
-              <a:t>Alias can be established using name attribute or alias element </a:t>
-            </a:r>
-          </a:p>
-          <a:p>
-            <a:pPr lvl="1"/>
-            <a:r>
-              <a:rPr lang="en-US" dirty="0" smtClean="0">
-                <a:solidFill>
-                  <a:srgbClr val="FF0000"/>
-                </a:solidFill>
-              </a:rPr>
-              <a:t>Develop bean names consistently using a convention</a:t>
-            </a:r>
-          </a:p>
-          <a:p>
-            <a:r>
-              <a:rPr lang="en-US" dirty="0" smtClean="0"/>
-              <a:t>Access and use container-managed beans</a:t>
-            </a:r>
-          </a:p>
-          <a:p>
-            <a:pPr lvl="1"/>
-            <a:r>
-              <a:rPr lang="en-US" dirty="0" smtClean="0"/>
-              <a:t>The access and integration method is context -dependent</a:t>
+        <p:spPr>
+          <a:xfrm>
+            <a:off x="962378" y="2442281"/>
+            <a:ext cx="10515600" cy="1325563"/>
+          </a:xfrm>
+        </p:spPr>
+        <p:txBody>
+          <a:bodyPr/>
+          <a:lstStyle/>
+          <a:p>
+            <a:pPr algn="ctr"/>
+            <a:r>
+              <a:rPr lang="en-US" dirty="0" smtClean="0"/>
+              <a:t>Bean scope</a:t>
             </a:r>
             <a:endParaRPr lang="en-GB" dirty="0"/>
           </a:p>
@@ -4309,7 +4339,7 @@
     </p:spTree>
     <p:extLst>
       <p:ext uri="{BB962C8B-B14F-4D97-AF65-F5344CB8AC3E}">
-        <p14:creationId xmlns:p14="http://schemas.microsoft.com/office/powerpoint/2010/main" val="1149497545"/>
+        <p14:creationId xmlns:p14="http://schemas.microsoft.com/office/powerpoint/2010/main" val="3102100755"/>
       </p:ext>
     </p:extLst>
   </p:cSld>
@@ -4353,29 +4383,110 @@
             <p:ph type="title"/>
           </p:nvPr>
         </p:nvSpPr>
-        <p:spPr>
-          <a:xfrm>
-            <a:off x="962378" y="2442281"/>
-            <a:ext cx="10515600" cy="1325563"/>
-          </a:xfrm>
-        </p:spPr>
-        <p:txBody>
-          <a:bodyPr/>
-          <a:lstStyle/>
-          <a:p>
-            <a:pPr algn="ctr"/>
-            <a:r>
-              <a:rPr lang="en-US" dirty="0" smtClean="0"/>
-              <a:t>Bean scope</a:t>
+        <p:spPr/>
+        <p:txBody>
+          <a:bodyPr/>
+          <a:lstStyle/>
+          <a:p>
+            <a:r>
+              <a:rPr lang="en-US" dirty="0" smtClean="0"/>
+              <a:t>Bean scope </a:t>
             </a:r>
             <a:endParaRPr lang="en-GB" dirty="0"/>
+          </a:p>
+        </p:txBody>
+      </p:sp>
+      <p:sp>
+        <p:nvSpPr>
+          <p:cNvPr id="3" name="Content Placeholder 2"/>
+          <p:cNvSpPr>
+            <a:spLocks noGrp="1"/>
+          </p:cNvSpPr>
+          <p:nvPr>
+            <p:ph idx="1"/>
+          </p:nvPr>
+        </p:nvSpPr>
+        <p:spPr/>
+        <p:txBody>
+          <a:bodyPr/>
+          <a:lstStyle/>
+          <a:p>
+            <a:r>
+              <a:rPr lang="en-US" dirty="0" smtClean="0"/>
+              <a:t>Bean scopes control bean creation and storage </a:t>
+            </a:r>
+          </a:p>
+          <a:p>
+            <a:r>
+              <a:rPr lang="en-US" dirty="0" smtClean="0"/>
+              <a:t>The spring </a:t>
+            </a:r>
+            <a:r>
+              <a:rPr lang="en-US" dirty="0" err="1" smtClean="0"/>
+              <a:t>ioc</a:t>
+            </a:r>
+            <a:r>
+              <a:rPr lang="en-US" dirty="0" smtClean="0"/>
+              <a:t> container defines five bean scopes</a:t>
+            </a:r>
+          </a:p>
+          <a:p>
+            <a:pPr lvl="1"/>
+            <a:r>
+              <a:rPr lang="en-US" dirty="0" smtClean="0"/>
+              <a:t>Singleton (default)</a:t>
+            </a:r>
+          </a:p>
+          <a:p>
+            <a:pPr lvl="1"/>
+            <a:r>
+              <a:rPr lang="en-US" dirty="0" smtClean="0"/>
+              <a:t>Prototype</a:t>
+            </a:r>
+          </a:p>
+          <a:p>
+            <a:pPr lvl="1"/>
+            <a:r>
+              <a:rPr lang="en-US" dirty="0" smtClean="0"/>
+              <a:t>Request*</a:t>
+            </a:r>
+          </a:p>
+          <a:p>
+            <a:pPr lvl="1"/>
+            <a:r>
+              <a:rPr lang="en-US" dirty="0" smtClean="0"/>
+              <a:t>Session*</a:t>
+            </a:r>
+          </a:p>
+          <a:p>
+            <a:pPr lvl="1"/>
+            <a:r>
+              <a:rPr lang="en-US" dirty="0" err="1" smtClean="0"/>
+              <a:t>globalSesion</a:t>
+            </a:r>
+            <a:r>
+              <a:rPr lang="en-US" dirty="0" smtClean="0"/>
+              <a:t>*</a:t>
+            </a:r>
+          </a:p>
+          <a:p>
+            <a:pPr lvl="2"/>
+            <a:r>
+              <a:rPr lang="en-US" dirty="0" smtClean="0"/>
+              <a:t>Only available in web application </a:t>
+            </a:r>
+            <a:r>
+              <a:rPr lang="en-US" dirty="0" smtClean="0"/>
+              <a:t>environments </a:t>
+            </a:r>
+            <a:endParaRPr lang="en-US" dirty="0" smtClean="0"/>
           </a:p>
         </p:txBody>
       </p:sp>
     </p:spTree>
     <p:extLst>
       <p:ext uri="{BB962C8B-B14F-4D97-AF65-F5344CB8AC3E}">
-        <p14:creationId xmlns:p14="http://schemas.microsoft.com/office/powerpoint/2010/main" val="3102100755"/>
+        <p14:creationId xmlns:p14="http://schemas.microsoft.com/office/powerpoint/2010/main" val="4104453327"/>
       </p:ext>
     </p:extLst>
   </p:cSld>
@@ -4426,163 +4537,6 @@
           <a:p>
             <a:r>
               <a:rPr lang="en-US" dirty="0" smtClean="0"/>
-              <a:t>Bean scope </a:t>
-            </a:r>
-            <a:endParaRPr lang="en-GB" dirty="0"/>
-          </a:p>
-        </p:txBody>
-      </p:sp>
-      <p:sp>
-        <p:nvSpPr>
-          <p:cNvPr id="3" name="Content Placeholder 2"/>
-          <p:cNvSpPr>
-            <a:spLocks noGrp="1"/>
-          </p:cNvSpPr>
-          <p:nvPr>
-            <p:ph idx="1"/>
-          </p:nvPr>
-        </p:nvSpPr>
-        <p:spPr/>
-        <p:txBody>
-          <a:bodyPr/>
-          <a:lstStyle/>
-          <a:p>
-            <a:r>
-              <a:rPr lang="en-US" dirty="0" smtClean="0"/>
-              <a:t>Bean scopes control bean creation and storage </a:t>
-            </a:r>
-          </a:p>
-          <a:p>
-            <a:r>
-              <a:rPr lang="en-US" dirty="0" smtClean="0"/>
-              <a:t>The spring </a:t>
-            </a:r>
-            <a:r>
-              <a:rPr lang="en-US" dirty="0" err="1" smtClean="0"/>
-              <a:t>ioc</a:t>
-            </a:r>
-            <a:r>
-              <a:rPr lang="en-US" dirty="0" smtClean="0"/>
-              <a:t> container defines five bean scopes</a:t>
-            </a:r>
-          </a:p>
-          <a:p>
-            <a:pPr lvl="1"/>
-            <a:r>
-              <a:rPr lang="en-US" dirty="0" smtClean="0"/>
-              <a:t>Singleton (default)</a:t>
-            </a:r>
-          </a:p>
-          <a:p>
-            <a:pPr lvl="1"/>
-            <a:r>
-              <a:rPr lang="en-US" dirty="0" smtClean="0"/>
-              <a:t>Prototype</a:t>
-            </a:r>
-          </a:p>
-          <a:p>
-            <a:pPr lvl="1"/>
-            <a:r>
-              <a:rPr lang="en-US" dirty="0" smtClean="0"/>
-              <a:t>Request*</a:t>
-            </a:r>
-          </a:p>
-          <a:p>
-            <a:pPr lvl="1"/>
-            <a:r>
-              <a:rPr lang="en-US" dirty="0" smtClean="0"/>
-              <a:t>Session*</a:t>
-            </a:r>
-          </a:p>
-          <a:p>
-            <a:pPr lvl="1"/>
-            <a:r>
-              <a:rPr lang="en-US" dirty="0" err="1" smtClean="0"/>
-              <a:t>globalSesion</a:t>
-            </a:r>
-            <a:r>
-              <a:rPr lang="en-US" dirty="0" smtClean="0"/>
-              <a:t>*</a:t>
-            </a:r>
-          </a:p>
-          <a:p>
-            <a:pPr lvl="2"/>
-            <a:r>
-              <a:rPr lang="en-US" dirty="0" smtClean="0"/>
-              <a:t>Only available in web application </a:t>
-            </a:r>
-            <a:r>
-              <a:rPr lang="en-US" dirty="0" err="1" smtClean="0"/>
-              <a:t>enviroments</a:t>
-            </a:r>
-            <a:r>
-              <a:rPr lang="en-US" dirty="0" smtClean="0"/>
-              <a:t> </a:t>
-            </a:r>
-          </a:p>
-          <a:p>
-            <a:r>
-              <a:rPr lang="en-US" dirty="0" smtClean="0"/>
-              <a:t>Bean scope configuration is exposed through the xml bean attribute scope</a:t>
-            </a:r>
-            <a:endParaRPr lang="en-GB" dirty="0"/>
-          </a:p>
-        </p:txBody>
-      </p:sp>
-    </p:spTree>
-    <p:extLst>
-      <p:ext uri="{BB962C8B-B14F-4D97-AF65-F5344CB8AC3E}">
-        <p14:creationId xmlns:p14="http://schemas.microsoft.com/office/powerpoint/2010/main" val="4104453327"/>
-      </p:ext>
-    </p:extLst>
-  </p:cSld>
-  <p:clrMapOvr>
-    <a:masterClrMapping/>
-  </p:clrMapOvr>
-  <p:timing>
-    <p:tnLst>
-      <p:par>
-        <p:cTn id="1" dur="indefinite" restart="never" nodeType="tmRoot"/>
-      </p:par>
-    </p:tnLst>
-  </p:timing>
-</p:sld>
-</file>
-
-<file path=ppt/slides/slide19.xml><?xml version="1.0" encoding="utf-8"?>
-<p:sld xmlns:a="http://schemas.openxmlformats.org/drawingml/2006/main" xmlns:r="http://schemas.openxmlformats.org/officeDocument/2006/relationships" xmlns:p="http://schemas.openxmlformats.org/presentationml/2006/main">
-  <p:cSld>
-    <p:spTree>
-      <p:nvGrpSpPr>
-        <p:cNvPr id="1" name=""/>
-        <p:cNvGrpSpPr/>
-        <p:nvPr/>
-      </p:nvGrpSpPr>
-      <p:grpSpPr>
-        <a:xfrm>
-          <a:off x="0" y="0"/>
-          <a:ext cx="0" cy="0"/>
-          <a:chOff x="0" y="0"/>
-          <a:chExt cx="0" cy="0"/>
-        </a:xfrm>
-      </p:grpSpPr>
-      <p:sp>
-        <p:nvSpPr>
-          <p:cNvPr id="2" name="Title 1"/>
-          <p:cNvSpPr>
-            <a:spLocks noGrp="1"/>
-          </p:cNvSpPr>
-          <p:nvPr>
-            <p:ph type="title"/>
-          </p:nvPr>
-        </p:nvSpPr>
-        <p:spPr/>
-        <p:txBody>
-          <a:bodyPr/>
-          <a:lstStyle/>
-          <a:p>
-            <a:r>
-              <a:rPr lang="en-US" dirty="0" smtClean="0"/>
               <a:t>Singleton scope</a:t>
             </a:r>
             <a:endParaRPr lang="en-GB" dirty="0"/>
@@ -4607,7 +4561,7 @@
         </p:spPr>
         <p:txBody>
           <a:bodyPr>
-            <a:normAutofit/>
+            <a:normAutofit fontScale="92500"/>
           </a:bodyPr>
           <a:lstStyle/>
           <a:p>
@@ -4641,12 +4595,6 @@
             <a:r>
               <a:rPr lang="en-US" dirty="0" smtClean="0"/>
               <a:t>Bean factory bean access requests</a:t>
-            </a:r>
-          </a:p>
-          <a:p>
-            <a:r>
-              <a:rPr lang="en-US" dirty="0" smtClean="0"/>
-              <a:t>Replaces singleton implementations</a:t>
             </a:r>
           </a:p>
           <a:p>
@@ -4657,7 +4605,7 @@
       </p:sp>
       <p:pic>
         <p:nvPicPr>
-          <p:cNvPr id="4" name="Picture 3"/>
+          <p:cNvPr id="5" name="Picture 4"/>
           <p:cNvPicPr>
             <a:picLocks noChangeAspect="1"/>
           </p:cNvPicPr>
@@ -4671,8 +4619,8 @@
         </p:blipFill>
         <p:spPr>
           <a:xfrm>
-            <a:off x="4985507" y="3429527"/>
-            <a:ext cx="7043360" cy="2510724"/>
+            <a:off x="7939829" y="4278489"/>
+            <a:ext cx="3597416" cy="2208212"/>
           </a:xfrm>
           <a:prstGeom prst="rect">
             <a:avLst/>
@@ -4699,104 +4647,7 @@
 </p:sld>
 </file>
 
-<file path=ppt/slides/slide2.xml><?xml version="1.0" encoding="utf-8"?>
-<p:sld xmlns:a="http://schemas.openxmlformats.org/drawingml/2006/main" xmlns:r="http://schemas.openxmlformats.org/officeDocument/2006/relationships" xmlns:p="http://schemas.openxmlformats.org/presentationml/2006/main">
-  <p:cSld>
-    <p:spTree>
-      <p:nvGrpSpPr>
-        <p:cNvPr id="1" name=""/>
-        <p:cNvGrpSpPr/>
-        <p:nvPr/>
-      </p:nvGrpSpPr>
-      <p:grpSpPr>
-        <a:xfrm>
-          <a:off x="0" y="0"/>
-          <a:ext cx="0" cy="0"/>
-          <a:chOff x="0" y="0"/>
-          <a:chExt cx="0" cy="0"/>
-        </a:xfrm>
-      </p:grpSpPr>
-      <p:sp>
-        <p:nvSpPr>
-          <p:cNvPr id="2" name="Title 1"/>
-          <p:cNvSpPr>
-            <a:spLocks noGrp="1"/>
-          </p:cNvSpPr>
-          <p:nvPr>
-            <p:ph type="title"/>
-          </p:nvPr>
-        </p:nvSpPr>
-        <p:spPr/>
-        <p:txBody>
-          <a:bodyPr/>
-          <a:lstStyle/>
-          <a:p>
-            <a:r>
-              <a:rPr lang="en-US" dirty="0" smtClean="0"/>
-              <a:t>Outline </a:t>
-            </a:r>
-            <a:endParaRPr lang="en-GB" dirty="0"/>
-          </a:p>
-        </p:txBody>
-      </p:sp>
-      <p:sp>
-        <p:nvSpPr>
-          <p:cNvPr id="3" name="Content Placeholder 2"/>
-          <p:cNvSpPr>
-            <a:spLocks noGrp="1"/>
-          </p:cNvSpPr>
-          <p:nvPr>
-            <p:ph idx="1"/>
-          </p:nvPr>
-        </p:nvSpPr>
-        <p:spPr/>
-        <p:txBody>
-          <a:bodyPr/>
-          <a:lstStyle/>
-          <a:p>
-            <a:r>
-              <a:rPr lang="en-US" dirty="0" smtClean="0"/>
-              <a:t>Bean naming</a:t>
-            </a:r>
-          </a:p>
-          <a:p>
-            <a:r>
-              <a:rPr lang="en-US" dirty="0" smtClean="0"/>
-              <a:t>Bean scoping</a:t>
-            </a:r>
-          </a:p>
-          <a:p>
-            <a:r>
-              <a:rPr lang="en-US" dirty="0" smtClean="0"/>
-              <a:t>Dependency injection</a:t>
-            </a:r>
-          </a:p>
-          <a:p>
-            <a:endParaRPr lang="en-GB" dirty="0"/>
-          </a:p>
-        </p:txBody>
-      </p:sp>
-    </p:spTree>
-    <p:extLst>
-      <p:ext uri="{BB962C8B-B14F-4D97-AF65-F5344CB8AC3E}">
-        <p14:creationId xmlns:p14="http://schemas.microsoft.com/office/powerpoint/2010/main" val="4134437605"/>
-      </p:ext>
-    </p:extLst>
-  </p:cSld>
-  <p:clrMapOvr>
-    <a:masterClrMapping/>
-  </p:clrMapOvr>
-  <p:timing>
-    <p:tnLst>
-      <p:par>
-        <p:cTn id="1" dur="indefinite" restart="never" nodeType="tmRoot"/>
-      </p:par>
-    </p:tnLst>
-  </p:timing>
-</p:sld>
-</file>
-
-<file path=ppt/slides/slide20.xml><?xml version="1.0" encoding="utf-8"?>
+<file path=ppt/slides/slide19.xml><?xml version="1.0" encoding="utf-8"?>
 <p:sld xmlns:a="http://schemas.openxmlformats.org/drawingml/2006/main" xmlns:r="http://schemas.openxmlformats.org/officeDocument/2006/relationships" xmlns:p="http://schemas.openxmlformats.org/presentationml/2006/main">
   <p:cSld>
     <p:spTree>
@@ -4880,6 +4731,236 @@
 </p:sld>
 </file>
 
+<file path=ppt/slides/slide2.xml><?xml version="1.0" encoding="utf-8"?>
+<p:sld xmlns:a="http://schemas.openxmlformats.org/drawingml/2006/main" xmlns:r="http://schemas.openxmlformats.org/officeDocument/2006/relationships" xmlns:p="http://schemas.openxmlformats.org/presentationml/2006/main">
+  <p:cSld>
+    <p:spTree>
+      <p:nvGrpSpPr>
+        <p:cNvPr id="1" name=""/>
+        <p:cNvGrpSpPr/>
+        <p:nvPr/>
+      </p:nvGrpSpPr>
+      <p:grpSpPr>
+        <a:xfrm>
+          <a:off x="0" y="0"/>
+          <a:ext cx="0" cy="0"/>
+          <a:chOff x="0" y="0"/>
+          <a:chExt cx="0" cy="0"/>
+        </a:xfrm>
+      </p:grpSpPr>
+      <p:sp>
+        <p:nvSpPr>
+          <p:cNvPr id="2" name="Title 1"/>
+          <p:cNvSpPr>
+            <a:spLocks noGrp="1"/>
+          </p:cNvSpPr>
+          <p:nvPr>
+            <p:ph type="title"/>
+          </p:nvPr>
+        </p:nvSpPr>
+        <p:spPr/>
+        <p:txBody>
+          <a:bodyPr/>
+          <a:lstStyle/>
+          <a:p>
+            <a:r>
+              <a:rPr lang="en-US" dirty="0" smtClean="0"/>
+              <a:t>Outline </a:t>
+            </a:r>
+            <a:endParaRPr lang="en-GB" dirty="0"/>
+          </a:p>
+        </p:txBody>
+      </p:sp>
+      <p:sp>
+        <p:nvSpPr>
+          <p:cNvPr id="3" name="Content Placeholder 2"/>
+          <p:cNvSpPr>
+            <a:spLocks noGrp="1"/>
+          </p:cNvSpPr>
+          <p:nvPr>
+            <p:ph idx="1"/>
+          </p:nvPr>
+        </p:nvSpPr>
+        <p:spPr/>
+        <p:txBody>
+          <a:bodyPr/>
+          <a:lstStyle/>
+          <a:p>
+            <a:r>
+              <a:rPr lang="en-US" dirty="0" smtClean="0"/>
+              <a:t>Bean naming</a:t>
+            </a:r>
+          </a:p>
+          <a:p>
+            <a:r>
+              <a:rPr lang="en-US" dirty="0" smtClean="0"/>
+              <a:t>Bean scoping</a:t>
+            </a:r>
+          </a:p>
+          <a:p>
+            <a:r>
+              <a:rPr lang="en-US" dirty="0" smtClean="0"/>
+              <a:t>Dependency injection</a:t>
+            </a:r>
+          </a:p>
+          <a:p>
+            <a:endParaRPr lang="en-GB" dirty="0"/>
+          </a:p>
+        </p:txBody>
+      </p:sp>
+    </p:spTree>
+    <p:extLst>
+      <p:ext uri="{BB962C8B-B14F-4D97-AF65-F5344CB8AC3E}">
+        <p14:creationId xmlns:p14="http://schemas.microsoft.com/office/powerpoint/2010/main" val="4134437605"/>
+      </p:ext>
+    </p:extLst>
+  </p:cSld>
+  <p:clrMapOvr>
+    <a:masterClrMapping/>
+  </p:clrMapOvr>
+  <p:timing>
+    <p:tnLst>
+      <p:par>
+        <p:cTn id="1" dur="indefinite" restart="never" nodeType="tmRoot"/>
+      </p:par>
+    </p:tnLst>
+  </p:timing>
+</p:sld>
+</file>
+
+<file path=ppt/slides/slide20.xml><?xml version="1.0" encoding="utf-8"?>
+<p:sld xmlns:a="http://schemas.openxmlformats.org/drawingml/2006/main" xmlns:r="http://schemas.openxmlformats.org/officeDocument/2006/relationships" xmlns:p="http://schemas.openxmlformats.org/presentationml/2006/main">
+  <p:cSld>
+    <p:spTree>
+      <p:nvGrpSpPr>
+        <p:cNvPr id="1" name=""/>
+        <p:cNvGrpSpPr/>
+        <p:nvPr/>
+      </p:nvGrpSpPr>
+      <p:grpSpPr>
+        <a:xfrm>
+          <a:off x="0" y="0"/>
+          <a:ext cx="0" cy="0"/>
+          <a:chOff x="0" y="0"/>
+          <a:chExt cx="0" cy="0"/>
+        </a:xfrm>
+      </p:grpSpPr>
+      <p:sp>
+        <p:nvSpPr>
+          <p:cNvPr id="2" name="Title 1"/>
+          <p:cNvSpPr>
+            <a:spLocks noGrp="1"/>
+          </p:cNvSpPr>
+          <p:nvPr>
+            <p:ph type="title"/>
+          </p:nvPr>
+        </p:nvSpPr>
+        <p:spPr/>
+        <p:txBody>
+          <a:bodyPr/>
+          <a:lstStyle/>
+          <a:p>
+            <a:r>
+              <a:rPr lang="en-US" dirty="0" smtClean="0"/>
+              <a:t>Prototype scope</a:t>
+            </a:r>
+            <a:endParaRPr lang="en-GB" dirty="0"/>
+          </a:p>
+        </p:txBody>
+      </p:sp>
+      <p:sp>
+        <p:nvSpPr>
+          <p:cNvPr id="3" name="Content Placeholder 2"/>
+          <p:cNvSpPr>
+            <a:spLocks noGrp="1"/>
+          </p:cNvSpPr>
+          <p:nvPr>
+            <p:ph idx="1"/>
+          </p:nvPr>
+        </p:nvSpPr>
+        <p:spPr>
+          <a:xfrm>
+            <a:off x="1097280" y="1848203"/>
+            <a:ext cx="10515600" cy="1899708"/>
+          </a:xfrm>
+        </p:spPr>
+        <p:txBody>
+          <a:bodyPr/>
+          <a:lstStyle/>
+          <a:p>
+            <a:r>
+              <a:rPr lang="en-US" dirty="0" smtClean="0"/>
+              <a:t>Prototype scope caches and distributes a new bean instance for various types of bean requests</a:t>
+            </a:r>
+          </a:p>
+          <a:p>
+            <a:pPr lvl="1"/>
+            <a:r>
+              <a:rPr lang="en-US" dirty="0" smtClean="0"/>
+              <a:t>Collaborative references</a:t>
+            </a:r>
+          </a:p>
+          <a:p>
+            <a:pPr lvl="1"/>
+            <a:r>
+              <a:rPr lang="en-US" dirty="0" err="1" smtClean="0"/>
+              <a:t>BeanFactory</a:t>
+            </a:r>
+            <a:r>
+              <a:rPr lang="en-US" dirty="0" smtClean="0"/>
+              <a:t> bean access requests</a:t>
+            </a:r>
+          </a:p>
+          <a:p>
+            <a:pPr lvl="1"/>
+            <a:endParaRPr lang="en-GB" dirty="0"/>
+          </a:p>
+        </p:txBody>
+      </p:sp>
+      <p:pic>
+        <p:nvPicPr>
+          <p:cNvPr id="5" name="Picture 4"/>
+          <p:cNvPicPr>
+            <a:picLocks noChangeAspect="1"/>
+          </p:cNvPicPr>
+          <p:nvPr/>
+        </p:nvPicPr>
+        <p:blipFill>
+          <a:blip r:embed="rId2"/>
+          <a:stretch>
+            <a:fillRect/>
+          </a:stretch>
+        </p:blipFill>
+        <p:spPr>
+          <a:xfrm>
+            <a:off x="2416623" y="4046313"/>
+            <a:ext cx="7346428" cy="2456087"/>
+          </a:xfrm>
+          <a:prstGeom prst="rect">
+            <a:avLst/>
+          </a:prstGeom>
+        </p:spPr>
+      </p:pic>
+    </p:spTree>
+    <p:extLst>
+      <p:ext uri="{BB962C8B-B14F-4D97-AF65-F5344CB8AC3E}">
+        <p14:creationId xmlns:p14="http://schemas.microsoft.com/office/powerpoint/2010/main" val="2341716247"/>
+      </p:ext>
+    </p:extLst>
+  </p:cSld>
+  <p:clrMapOvr>
+    <a:masterClrMapping/>
+  </p:clrMapOvr>
+  <p:timing>
+    <p:tnLst>
+      <p:par>
+        <p:cTn id="1" dur="indefinite" restart="never" nodeType="tmRoot"/>
+      </p:par>
+    </p:tnLst>
+  </p:timing>
+</p:sld>
+</file>
+
 <file path=ppt/slides/slide21.xml><?xml version="1.0" encoding="utf-8"?>
 <p:sld xmlns:a="http://schemas.openxmlformats.org/drawingml/2006/main" xmlns:r="http://schemas.openxmlformats.org/officeDocument/2006/relationships" xmlns:p="http://schemas.openxmlformats.org/presentationml/2006/main">
   <p:cSld>
@@ -4914,64 +4995,15 @@
           <a:p>
             <a:r>
               <a:rPr lang="en-US" dirty="0" smtClean="0"/>
-              <a:t>Prototype scope</a:t>
-            </a:r>
-            <a:endParaRPr lang="en-GB" dirty="0"/>
-          </a:p>
-        </p:txBody>
-      </p:sp>
-      <p:sp>
-        <p:nvSpPr>
-          <p:cNvPr id="3" name="Content Placeholder 2"/>
-          <p:cNvSpPr>
-            <a:spLocks noGrp="1"/>
-          </p:cNvSpPr>
-          <p:nvPr>
-            <p:ph idx="1"/>
-          </p:nvPr>
-        </p:nvSpPr>
-        <p:spPr>
-          <a:xfrm>
-            <a:off x="1097280" y="1848203"/>
-            <a:ext cx="10515600" cy="1899708"/>
-          </a:xfrm>
-        </p:spPr>
-        <p:txBody>
-          <a:bodyPr/>
-          <a:lstStyle/>
-          <a:p>
-            <a:r>
-              <a:rPr lang="en-US" dirty="0" smtClean="0"/>
-              <a:t>Prototype scope caches and distributes a new bean instance for various types of bean requests</a:t>
-            </a:r>
-          </a:p>
-          <a:p>
-            <a:pPr lvl="1"/>
-            <a:r>
-              <a:rPr lang="en-US" dirty="0" smtClean="0"/>
-              <a:t>Collaborative references</a:t>
-            </a:r>
-          </a:p>
-          <a:p>
-            <a:pPr lvl="1"/>
-            <a:r>
-              <a:rPr lang="en-US" dirty="0" err="1" smtClean="0"/>
-              <a:t>BeanFactory</a:t>
-            </a:r>
-            <a:r>
-              <a:rPr lang="en-US" dirty="0" smtClean="0"/>
-              <a:t> bean access requests</a:t>
-            </a:r>
-          </a:p>
-          <a:p>
-            <a:pPr lvl="1"/>
+              <a:t>Prototype scope example</a:t>
+            </a:r>
             <a:endParaRPr lang="en-GB" dirty="0"/>
           </a:p>
         </p:txBody>
       </p:sp>
       <p:pic>
         <p:nvPicPr>
-          <p:cNvPr id="5" name="Picture 4"/>
+          <p:cNvPr id="3" name="Picture 2"/>
           <p:cNvPicPr>
             <a:picLocks noChangeAspect="1"/>
           </p:cNvPicPr>
@@ -4985,8 +5017,8 @@
         </p:blipFill>
         <p:spPr>
           <a:xfrm>
-            <a:off x="1804774" y="3080722"/>
-            <a:ext cx="8582452" cy="2869319"/>
+            <a:off x="2654124" y="1766358"/>
+            <a:ext cx="7267575" cy="4476750"/>
           </a:xfrm>
           <a:prstGeom prst="rect">
             <a:avLst/>
@@ -4996,7 +5028,7 @@
     </p:spTree>
     <p:extLst>
       <p:ext uri="{BB962C8B-B14F-4D97-AF65-F5344CB8AC3E}">
-        <p14:creationId xmlns:p14="http://schemas.microsoft.com/office/powerpoint/2010/main" val="2341716247"/>
+        <p14:creationId xmlns:p14="http://schemas.microsoft.com/office/powerpoint/2010/main" val="1407182237"/>
       </p:ext>
     </p:extLst>
   </p:cSld>
@@ -5047,15 +5079,45 @@
           <a:p>
             <a:r>
               <a:rPr lang="en-US" dirty="0" smtClean="0"/>
-              <a:t>Prototype scope example</a:t>
-            </a:r>
+              <a:t>Externally-stored bean scopes</a:t>
+            </a:r>
+            <a:endParaRPr lang="en-GB" dirty="0"/>
+          </a:p>
+        </p:txBody>
+      </p:sp>
+      <p:sp>
+        <p:nvSpPr>
+          <p:cNvPr id="3" name="Content Placeholder 2"/>
+          <p:cNvSpPr>
+            <a:spLocks noGrp="1"/>
+          </p:cNvSpPr>
+          <p:nvPr>
+            <p:ph idx="1"/>
+          </p:nvPr>
+        </p:nvSpPr>
+        <p:spPr>
+          <a:xfrm>
+            <a:off x="1097280" y="1848961"/>
+            <a:ext cx="10515600" cy="748242"/>
+          </a:xfrm>
+        </p:spPr>
+        <p:txBody>
+          <a:bodyPr/>
+          <a:lstStyle/>
+          <a:p>
+            <a:r>
+              <a:rPr lang="en-US" dirty="0" smtClean="0"/>
+              <a:t>Java servlet scope support</a:t>
+            </a:r>
+          </a:p>
+          <a:p>
             <a:endParaRPr lang="en-GB" dirty="0"/>
           </a:p>
         </p:txBody>
       </p:sp>
       <p:pic>
         <p:nvPicPr>
-          <p:cNvPr id="3" name="Picture 2"/>
+          <p:cNvPr id="5" name="Picture 4"/>
           <p:cNvPicPr>
             <a:picLocks noChangeAspect="1"/>
           </p:cNvPicPr>
@@ -5069,8 +5131,8 @@
         </p:blipFill>
         <p:spPr>
           <a:xfrm>
-            <a:off x="1209146" y="1845380"/>
-            <a:ext cx="7267575" cy="4476750"/>
+            <a:off x="1007916" y="3028526"/>
+            <a:ext cx="10176167" cy="3315830"/>
           </a:xfrm>
           <a:prstGeom prst="rect">
             <a:avLst/>
@@ -5080,7 +5142,7 @@
     </p:spTree>
     <p:extLst>
       <p:ext uri="{BB962C8B-B14F-4D97-AF65-F5344CB8AC3E}">
-        <p14:creationId xmlns:p14="http://schemas.microsoft.com/office/powerpoint/2010/main" val="1407182237"/>
+        <p14:creationId xmlns:p14="http://schemas.microsoft.com/office/powerpoint/2010/main" val="2238913739"/>
       </p:ext>
     </p:extLst>
   </p:cSld>
@@ -5131,7 +5193,7 @@
           <a:p>
             <a:r>
               <a:rPr lang="en-US" dirty="0" smtClean="0"/>
-              <a:t>Externally-stored bean scopes</a:t>
+              <a:t>General approach review</a:t>
             </a:r>
             <a:endParaRPr lang="en-GB" dirty="0"/>
           </a:p>
@@ -5147,54 +5209,95 @@
             <p:ph idx="1"/>
           </p:nvPr>
         </p:nvSpPr>
-        <p:spPr>
-          <a:xfrm>
-            <a:off x="1097280" y="1848961"/>
-            <a:ext cx="10515600" cy="748242"/>
-          </a:xfrm>
-        </p:spPr>
-        <p:txBody>
-          <a:bodyPr/>
-          <a:lstStyle/>
-          <a:p>
-            <a:r>
-              <a:rPr lang="en-US" dirty="0" smtClean="0"/>
-              <a:t>Java servlet scope support</a:t>
-            </a:r>
-          </a:p>
-          <a:p>
-            <a:endParaRPr lang="en-GB" dirty="0"/>
-          </a:p>
-        </p:txBody>
-      </p:sp>
-      <p:pic>
-        <p:nvPicPr>
-          <p:cNvPr id="5" name="Picture 4"/>
-          <p:cNvPicPr>
-            <a:picLocks noChangeAspect="1"/>
-          </p:cNvPicPr>
-          <p:nvPr/>
-        </p:nvPicPr>
-        <p:blipFill>
-          <a:blip r:embed="rId2"/>
-          <a:stretch>
-            <a:fillRect/>
-          </a:stretch>
-        </p:blipFill>
-        <p:spPr>
-          <a:xfrm>
-            <a:off x="2200307" y="2708804"/>
-            <a:ext cx="7791385" cy="2538766"/>
-          </a:xfrm>
-          <a:prstGeom prst="rect">
-            <a:avLst/>
-          </a:prstGeom>
-        </p:spPr>
-      </p:pic>
+        <p:spPr/>
+        <p:txBody>
+          <a:bodyPr/>
+          <a:lstStyle/>
+          <a:p>
+            <a:r>
+              <a:rPr lang="en-US" sz="2400" dirty="0" smtClean="0"/>
+              <a:t>Define and create service interfaces</a:t>
+            </a:r>
+          </a:p>
+          <a:p>
+            <a:r>
+              <a:rPr lang="en-US" sz="2400" dirty="0" smtClean="0"/>
+              <a:t>Implement service interfaces</a:t>
+            </a:r>
+          </a:p>
+          <a:p>
+            <a:r>
+              <a:rPr lang="en-US" sz="2400" dirty="0" smtClean="0"/>
+              <a:t>Add the bean definitions</a:t>
+            </a:r>
+          </a:p>
+          <a:p>
+            <a:pPr lvl="1"/>
+            <a:r>
+              <a:rPr lang="en-US" sz="2400" dirty="0" smtClean="0"/>
+              <a:t>Establish identifiers using the id attribute</a:t>
+            </a:r>
+          </a:p>
+          <a:p>
+            <a:pPr lvl="2"/>
+            <a:r>
+              <a:rPr lang="en-US" sz="2400" dirty="0" smtClean="0"/>
+              <a:t>Alias can be established using name attribute or alias element</a:t>
+            </a:r>
+          </a:p>
+          <a:p>
+            <a:pPr lvl="1"/>
+            <a:r>
+              <a:rPr lang="en-US" sz="2400" dirty="0" smtClean="0"/>
+              <a:t>Develop bean names consistently using a convention </a:t>
+            </a:r>
+          </a:p>
+          <a:p>
+            <a:pPr lvl="1"/>
+            <a:r>
+              <a:rPr lang="en-US" sz="2400" dirty="0" smtClean="0"/>
+              <a:t>Default </a:t>
+            </a:r>
+            <a:r>
+              <a:rPr lang="en-US" sz="2400" dirty="0" smtClean="0"/>
+              <a:t>to singleton beans</a:t>
+            </a:r>
+          </a:p>
+          <a:p>
+            <a:pPr lvl="2"/>
+            <a:r>
+              <a:rPr lang="en-US" sz="2400" dirty="0" smtClean="0"/>
+              <a:t>Override bean creation and caching using scope attribute</a:t>
+            </a:r>
+          </a:p>
+          <a:p>
+            <a:r>
+              <a:rPr lang="en-US" sz="2400" dirty="0" smtClean="0"/>
+              <a:t>Access and use container-managed beans</a:t>
+            </a:r>
+          </a:p>
+          <a:p>
+            <a:pPr lvl="1"/>
+            <a:r>
+              <a:rPr lang="en-US" sz="2400" dirty="0" smtClean="0"/>
+              <a:t>The access and integration method is </a:t>
+            </a:r>
+            <a:r>
+              <a:rPr lang="en-US" sz="2400" dirty="0" err="1" smtClean="0"/>
+              <a:t>contex</a:t>
+            </a:r>
+            <a:r>
+              <a:rPr lang="en-US" sz="2400" dirty="0" smtClean="0"/>
+              <a:t>-dependent</a:t>
+            </a:r>
+            <a:endParaRPr lang="en-GB" sz="2400" dirty="0"/>
+          </a:p>
+        </p:txBody>
+      </p:sp>
     </p:spTree>
     <p:extLst>
       <p:ext uri="{BB962C8B-B14F-4D97-AF65-F5344CB8AC3E}">
-        <p14:creationId xmlns:p14="http://schemas.microsoft.com/office/powerpoint/2010/main" val="2238913739"/>
+        <p14:creationId xmlns:p14="http://schemas.microsoft.com/office/powerpoint/2010/main" val="4244755449"/>
       </p:ext>
     </p:extLst>
   </p:cSld>
@@ -5238,157 +5341,6 @@
             <p:ph type="title"/>
           </p:nvPr>
         </p:nvSpPr>
-        <p:spPr/>
-        <p:txBody>
-          <a:bodyPr/>
-          <a:lstStyle/>
-          <a:p>
-            <a:r>
-              <a:rPr lang="en-US" dirty="0" smtClean="0"/>
-              <a:t>General approach review</a:t>
-            </a:r>
-            <a:endParaRPr lang="en-GB" dirty="0"/>
-          </a:p>
-        </p:txBody>
-      </p:sp>
-      <p:sp>
-        <p:nvSpPr>
-          <p:cNvPr id="3" name="Content Placeholder 2"/>
-          <p:cNvSpPr>
-            <a:spLocks noGrp="1"/>
-          </p:cNvSpPr>
-          <p:nvPr>
-            <p:ph idx="1"/>
-          </p:nvPr>
-        </p:nvSpPr>
-        <p:spPr/>
-        <p:txBody>
-          <a:bodyPr/>
-          <a:lstStyle/>
-          <a:p>
-            <a:r>
-              <a:rPr lang="en-US" dirty="0" smtClean="0"/>
-              <a:t>Define and create service interfaces</a:t>
-            </a:r>
-          </a:p>
-          <a:p>
-            <a:r>
-              <a:rPr lang="en-US" dirty="0" smtClean="0"/>
-              <a:t>Implement service interfaces</a:t>
-            </a:r>
-          </a:p>
-          <a:p>
-            <a:r>
-              <a:rPr lang="en-US" dirty="0" smtClean="0"/>
-              <a:t>Add the bean definitions</a:t>
-            </a:r>
-          </a:p>
-          <a:p>
-            <a:pPr lvl="1"/>
-            <a:r>
-              <a:rPr lang="en-US" dirty="0" smtClean="0"/>
-              <a:t>Establish identifiers using the id attribute</a:t>
-            </a:r>
-          </a:p>
-          <a:p>
-            <a:pPr lvl="2"/>
-            <a:r>
-              <a:rPr lang="en-US" dirty="0" smtClean="0"/>
-              <a:t>Alias can be established using name attribute or alias element</a:t>
-            </a:r>
-          </a:p>
-          <a:p>
-            <a:pPr lvl="1"/>
-            <a:r>
-              <a:rPr lang="en-US" dirty="0" smtClean="0"/>
-              <a:t>Develop bean names consistently using a convention </a:t>
-            </a:r>
-          </a:p>
-          <a:p>
-            <a:pPr lvl="1"/>
-            <a:r>
-              <a:rPr lang="en-US" dirty="0" smtClean="0"/>
-              <a:t>Default to singleton beans</a:t>
-            </a:r>
-          </a:p>
-          <a:p>
-            <a:pPr lvl="2"/>
-            <a:r>
-              <a:rPr lang="en-US" dirty="0" smtClean="0"/>
-              <a:t>Override bean creation and caching using scope attribute</a:t>
-            </a:r>
-          </a:p>
-          <a:p>
-            <a:r>
-              <a:rPr lang="en-US" dirty="0" smtClean="0"/>
-              <a:t>Access and use container-managed beans</a:t>
-            </a:r>
-          </a:p>
-          <a:p>
-            <a:pPr lvl="1"/>
-            <a:r>
-              <a:rPr lang="en-US" dirty="0" smtClean="0"/>
-              <a:t>The access and integration method is </a:t>
-            </a:r>
-            <a:r>
-              <a:rPr lang="en-US" dirty="0" err="1" smtClean="0"/>
-              <a:t>contex</a:t>
-            </a:r>
-            <a:r>
-              <a:rPr lang="en-US" dirty="0" smtClean="0"/>
-              <a:t>-dependent</a:t>
-            </a:r>
-            <a:endParaRPr lang="en-GB" dirty="0"/>
-          </a:p>
-        </p:txBody>
-      </p:sp>
-    </p:spTree>
-    <p:extLst>
-      <p:ext uri="{BB962C8B-B14F-4D97-AF65-F5344CB8AC3E}">
-        <p14:creationId xmlns:p14="http://schemas.microsoft.com/office/powerpoint/2010/main" val="4244755449"/>
-      </p:ext>
-    </p:extLst>
-  </p:cSld>
-  <p:clrMapOvr>
-    <a:masterClrMapping/>
-  </p:clrMapOvr>
-  <p:timing>
-    <p:tnLst>
-      <p:par>
-        <p:cTn id="1" dur="indefinite" restart="never" nodeType="tmRoot"/>
-      </p:par>
-    </p:tnLst>
-  </p:timing>
-</p:sld>
-</file>
-
-<file path=ppt/slides/slide25.xml><?xml version="1.0" encoding="utf-8"?>
-<p:sld xmlns:a="http://schemas.openxmlformats.org/drawingml/2006/main" xmlns:r="http://schemas.openxmlformats.org/officeDocument/2006/relationships" xmlns:p="http://schemas.openxmlformats.org/presentationml/2006/main">
-  <p:cSld>
-    <p:spTree>
-      <p:nvGrpSpPr>
-        <p:cNvPr id="1" name=""/>
-        <p:cNvGrpSpPr/>
-        <p:nvPr/>
-      </p:nvGrpSpPr>
-      <p:grpSpPr>
-        <a:xfrm>
-          <a:off x="0" y="0"/>
-          <a:ext cx="0" cy="0"/>
-          <a:chOff x="0" y="0"/>
-          <a:chExt cx="0" cy="0"/>
-        </a:xfrm>
-      </p:grpSpPr>
-      <p:sp>
-        <p:nvSpPr>
-          <p:cNvPr id="2" name="Title 1"/>
-          <p:cNvSpPr>
-            <a:spLocks noGrp="1"/>
-          </p:cNvSpPr>
-          <p:nvPr>
-            <p:ph type="title"/>
-          </p:nvPr>
-        </p:nvSpPr>
         <p:spPr>
           <a:xfrm>
             <a:off x="951089" y="2611614"/>
@@ -5428,7 +5380,7 @@
 </p:sld>
 </file>
 
-<file path=ppt/slides/slide26.xml><?xml version="1.0" encoding="utf-8"?>
+<file path=ppt/slides/slide25.xml><?xml version="1.0" encoding="utf-8"?>
 <p:sld xmlns:a="http://schemas.openxmlformats.org/drawingml/2006/main" xmlns:r="http://schemas.openxmlformats.org/officeDocument/2006/relationships" xmlns:p="http://schemas.openxmlformats.org/presentationml/2006/main">
   <p:cSld>
     <p:spTree>
@@ -5512,7 +5464,7 @@
 </p:sld>
 </file>
 
-<file path=ppt/slides/slide27.xml><?xml version="1.0" encoding="utf-8"?>
+<file path=ppt/slides/slide26.xml><?xml version="1.0" encoding="utf-8"?>
 <p:sld xmlns:a="http://schemas.openxmlformats.org/drawingml/2006/main" xmlns:r="http://schemas.openxmlformats.org/officeDocument/2006/relationships" xmlns:p="http://schemas.openxmlformats.org/presentationml/2006/main">
   <p:cSld>
     <p:spTree>
@@ -5596,7 +5548,7 @@
 </p:sld>
 </file>
 
-<file path=ppt/slides/slide28.xml><?xml version="1.0" encoding="utf-8"?>
+<file path=ppt/slides/slide27.xml><?xml version="1.0" encoding="utf-8"?>
 <p:sld xmlns:a="http://schemas.openxmlformats.org/drawingml/2006/main" xmlns:r="http://schemas.openxmlformats.org/officeDocument/2006/relationships" xmlns:p="http://schemas.openxmlformats.org/presentationml/2006/main">
   <p:cSld>
     <p:spTree>
@@ -5680,6 +5632,140 @@
 </p:sld>
 </file>
 
+<file path=ppt/slides/slide28.xml><?xml version="1.0" encoding="utf-8"?>
+<p:sld xmlns:a="http://schemas.openxmlformats.org/drawingml/2006/main" xmlns:r="http://schemas.openxmlformats.org/officeDocument/2006/relationships" xmlns:p="http://schemas.openxmlformats.org/presentationml/2006/main">
+  <p:cSld>
+    <p:spTree>
+      <p:nvGrpSpPr>
+        <p:cNvPr id="1" name=""/>
+        <p:cNvGrpSpPr/>
+        <p:nvPr/>
+      </p:nvGrpSpPr>
+      <p:grpSpPr>
+        <a:xfrm>
+          <a:off x="0" y="0"/>
+          <a:ext cx="0" cy="0"/>
+          <a:chOff x="0" y="0"/>
+          <a:chExt cx="0" cy="0"/>
+        </a:xfrm>
+      </p:grpSpPr>
+      <p:sp>
+        <p:nvSpPr>
+          <p:cNvPr id="2" name="Title 1"/>
+          <p:cNvSpPr>
+            <a:spLocks noGrp="1"/>
+          </p:cNvSpPr>
+          <p:nvPr>
+            <p:ph type="title"/>
+          </p:nvPr>
+        </p:nvSpPr>
+        <p:spPr/>
+        <p:txBody>
+          <a:bodyPr/>
+          <a:lstStyle/>
+          <a:p>
+            <a:r>
+              <a:rPr lang="en-US" dirty="0" smtClean="0"/>
+              <a:t>Property setter DI bean definition</a:t>
+            </a:r>
+            <a:endParaRPr lang="en-GB" dirty="0"/>
+          </a:p>
+        </p:txBody>
+      </p:sp>
+      <p:sp>
+        <p:nvSpPr>
+          <p:cNvPr id="3" name="Content Placeholder 2"/>
+          <p:cNvSpPr>
+            <a:spLocks noGrp="1"/>
+          </p:cNvSpPr>
+          <p:nvPr>
+            <p:ph idx="1"/>
+          </p:nvPr>
+        </p:nvSpPr>
+        <p:spPr/>
+        <p:txBody>
+          <a:bodyPr/>
+          <a:lstStyle/>
+          <a:p>
+            <a:r>
+              <a:rPr lang="en-US" sz="2800" dirty="0" smtClean="0"/>
+              <a:t>Configuration is exposed by the xml element type property</a:t>
+            </a:r>
+          </a:p>
+          <a:p>
+            <a:pPr lvl="1"/>
+            <a:r>
+              <a:rPr lang="en-US" sz="2800" dirty="0" smtClean="0"/>
+              <a:t>Child to the xml element </a:t>
+            </a:r>
+            <a:r>
+              <a:rPr lang="en-US" sz="2800" b="1" dirty="0" smtClean="0"/>
+              <a:t>bean</a:t>
+            </a:r>
+          </a:p>
+          <a:p>
+            <a:pPr lvl="1"/>
+            <a:r>
+              <a:rPr lang="en-US" sz="2800" dirty="0" smtClean="0"/>
+              <a:t>Requires a value for the xml element attribute names</a:t>
+            </a:r>
+          </a:p>
+          <a:p>
+            <a:r>
+              <a:rPr lang="en-US" sz="2800" dirty="0" smtClean="0"/>
+              <a:t>Support shorthand configuration</a:t>
+            </a:r>
+          </a:p>
+          <a:p>
+            <a:pPr lvl="1"/>
+            <a:r>
+              <a:rPr lang="en-US" sz="2800" dirty="0" smtClean="0"/>
+              <a:t>Value attribute for directly specifying a value</a:t>
+            </a:r>
+          </a:p>
+          <a:p>
+            <a:pPr lvl="1"/>
+            <a:r>
+              <a:rPr lang="en-US" sz="2800" dirty="0" smtClean="0"/>
+              <a:t>Ref attribute for referring to beans defined elsewhere</a:t>
+            </a:r>
+          </a:p>
+          <a:p>
+            <a:r>
+              <a:rPr lang="en-US" sz="2800" dirty="0" smtClean="0"/>
+              <a:t>Support child references</a:t>
+            </a:r>
+          </a:p>
+          <a:p>
+            <a:pPr lvl="1"/>
+            <a:r>
+              <a:rPr lang="en-US" sz="2800" dirty="0" smtClean="0"/>
+              <a:t>Collaborators , inner bean, collections , and values</a:t>
+            </a:r>
+            <a:endParaRPr lang="en-GB" sz="2800" dirty="0"/>
+          </a:p>
+        </p:txBody>
+      </p:sp>
+    </p:spTree>
+    <p:extLst>
+      <p:ext uri="{BB962C8B-B14F-4D97-AF65-F5344CB8AC3E}">
+        <p14:creationId xmlns:p14="http://schemas.microsoft.com/office/powerpoint/2010/main" val="1731212380"/>
+      </p:ext>
+    </p:extLst>
+  </p:cSld>
+  <p:clrMapOvr>
+    <a:masterClrMapping/>
+  </p:clrMapOvr>
+  <p:timing>
+    <p:tnLst>
+      <p:par>
+        <p:cTn id="1" dur="indefinite" restart="never" nodeType="tmRoot"/>
+      </p:par>
+    </p:tnLst>
+  </p:timing>
+</p:sld>
+</file>
+
 <file path=ppt/slides/slide29.xml><?xml version="1.0" encoding="utf-8"?>
 <p:sld xmlns:a="http://schemas.openxmlformats.org/drawingml/2006/main" xmlns:r="http://schemas.openxmlformats.org/officeDocument/2006/relationships" xmlns:p="http://schemas.openxmlformats.org/presentationml/2006/main">
   <p:cSld>
@@ -5714,7 +5800,7 @@
           <a:p>
             <a:r>
               <a:rPr lang="en-US" dirty="0" smtClean="0"/>
-              <a:t>Property setter DI details</a:t>
+              <a:t>Property setter DI process</a:t>
             </a:r>
             <a:endParaRPr lang="en-GB" dirty="0"/>
           </a:p>
@@ -5732,142 +5818,83 @@
         </p:nvSpPr>
         <p:spPr/>
         <p:txBody>
-          <a:bodyPr>
-            <a:normAutofit lnSpcReduction="10000"/>
-          </a:bodyPr>
-          <a:lstStyle/>
-          <a:p>
-            <a:r>
-              <a:rPr lang="en-US" dirty="0" smtClean="0"/>
-              <a:t>Match on qualified setter methods by name </a:t>
-            </a:r>
-          </a:p>
-          <a:p>
-            <a:r>
-              <a:rPr lang="en-US" dirty="0" smtClean="0"/>
-              <a:t>Based on </a:t>
-            </a:r>
-            <a:r>
-              <a:rPr lang="en-US" dirty="0" err="1" smtClean="0"/>
-              <a:t>JavaBEan</a:t>
-            </a:r>
-            <a:r>
-              <a:rPr lang="en-US" dirty="0" smtClean="0"/>
-              <a:t> conventions </a:t>
+          <a:bodyPr/>
+          <a:lstStyle/>
+          <a:p>
+            <a:r>
+              <a:rPr lang="en-US" sz="2800" dirty="0" smtClean="0"/>
+              <a:t>Verify the presence of a no-</a:t>
+            </a:r>
+            <a:r>
+              <a:rPr lang="en-US" sz="2800" dirty="0" err="1" smtClean="0"/>
+              <a:t>arges</a:t>
+            </a:r>
+            <a:r>
+              <a:rPr lang="en-US" sz="2800" dirty="0" smtClean="0"/>
+              <a:t> constructor </a:t>
+            </a:r>
+          </a:p>
+          <a:p>
+            <a:r>
+              <a:rPr lang="en-US" sz="2800" dirty="0" smtClean="0"/>
+              <a:t>Verify the method signature</a:t>
             </a:r>
           </a:p>
           <a:p>
             <a:pPr lvl="1"/>
             <a:r>
-              <a:rPr lang="en-US" dirty="0" smtClean="0"/>
-              <a:t>The property setter has no relationship to a class field </a:t>
+              <a:rPr lang="en-US" sz="2800" dirty="0" smtClean="0"/>
+              <a:t>Public access modifier</a:t>
             </a:r>
           </a:p>
           <a:p>
             <a:pPr lvl="1"/>
             <a:r>
-              <a:rPr lang="en-US" dirty="0" smtClean="0"/>
-              <a:t>Must conform to the capitalized property name prefixed with </a:t>
-            </a:r>
-            <a:r>
-              <a:rPr lang="en-GB" dirty="0" smtClean="0"/>
-              <a:t>set</a:t>
-            </a:r>
-          </a:p>
-          <a:p>
-            <a:pPr lvl="2"/>
-            <a:r>
-              <a:rPr lang="en-US" dirty="0" smtClean="0"/>
-              <a:t>E.g. property foo as the setter method </a:t>
-            </a:r>
-            <a:r>
-              <a:rPr lang="en-US" b="1" dirty="0" err="1" smtClean="0"/>
-              <a:t>setFoo</a:t>
-            </a:r>
-            <a:r>
-              <a:rPr lang="en-US" b="1" dirty="0" smtClean="0"/>
-              <a:t>,</a:t>
+              <a:rPr lang="en-US" sz="2800" dirty="0" smtClean="0"/>
+              <a:t>Void return type</a:t>
             </a:r>
           </a:p>
           <a:p>
             <a:pPr lvl="1"/>
             <a:r>
-              <a:rPr lang="en-US" dirty="0" smtClean="0"/>
-              <a:t>Must be </a:t>
-            </a:r>
-            <a:r>
-              <a:rPr lang="en-US" b="1" dirty="0" smtClean="0"/>
-              <a:t>public</a:t>
-            </a:r>
-          </a:p>
-          <a:p>
-            <a:pPr lvl="2"/>
-            <a:r>
-              <a:rPr lang="en-US" dirty="0" smtClean="0"/>
-              <a:t>Configuration fails with private, protected , or package –private modifiers</a:t>
+              <a:rPr lang="en-US" sz="2800" dirty="0" smtClean="0"/>
+              <a:t>Bean oriented name</a:t>
+            </a:r>
+          </a:p>
+          <a:p>
+            <a:r>
+              <a:rPr lang="en-US" sz="2800" dirty="0" smtClean="0"/>
+              <a:t>Map the property into the bean definition</a:t>
             </a:r>
           </a:p>
           <a:p>
             <a:pPr lvl="1"/>
             <a:r>
-              <a:rPr lang="en-US" dirty="0" smtClean="0"/>
-              <a:t>Must specify the return type </a:t>
-            </a:r>
-            <a:r>
-              <a:rPr lang="en-US" b="1" dirty="0" smtClean="0"/>
-              <a:t>void</a:t>
-            </a:r>
-          </a:p>
-          <a:p>
-            <a:pPr lvl="2"/>
-            <a:r>
-              <a:rPr lang="en-US" dirty="0" err="1" smtClean="0"/>
-              <a:t>Imcompatible</a:t>
-            </a:r>
-            <a:r>
-              <a:rPr lang="en-US" dirty="0" smtClean="0"/>
-              <a:t> with chaining setter methods</a:t>
+              <a:rPr lang="en-US" sz="2800" dirty="0" smtClean="0"/>
+              <a:t>Create the nested xml property elements</a:t>
             </a:r>
           </a:p>
           <a:p>
             <a:pPr lvl="1"/>
             <a:r>
-              <a:rPr lang="en-US" dirty="0" smtClean="0"/>
-              <a:t>Must accept exactly one parameter</a:t>
+              <a:rPr lang="en-US" sz="2800" dirty="0" smtClean="0"/>
+              <a:t>Identify the property using the name attribute</a:t>
             </a:r>
           </a:p>
           <a:p>
             <a:pPr lvl="1"/>
             <a:r>
-              <a:rPr lang="en-US" dirty="0" smtClean="0"/>
-              <a:t>Must be enclosed by a class the has  a no-</a:t>
-            </a:r>
-            <a:r>
-              <a:rPr lang="en-US" dirty="0" err="1" smtClean="0"/>
-              <a:t>arges</a:t>
-            </a:r>
-            <a:r>
-              <a:rPr lang="en-US" dirty="0" smtClean="0"/>
-              <a:t> constructor </a:t>
-            </a:r>
-          </a:p>
-          <a:p>
-            <a:pPr lvl="2"/>
-            <a:r>
-              <a:rPr lang="en-US" dirty="0" smtClean="0"/>
-              <a:t>No requirements on access modifier</a:t>
-            </a:r>
-            <a:endParaRPr lang="en-GB" dirty="0" smtClean="0"/>
-          </a:p>
-          <a:p>
-            <a:endParaRPr lang="en-US" b="1" dirty="0" smtClean="0"/>
+              <a:rPr lang="en-US" sz="2800" dirty="0" smtClean="0"/>
+              <a:t>Identify the value to be passed into the setter method as a parameter value</a:t>
+            </a:r>
+            <a:endParaRPr lang="en-GB" sz="2800" dirty="0"/>
           </a:p>
         </p:txBody>
       </p:sp>
     </p:spTree>
     <p:extLst>
       <p:ext uri="{BB962C8B-B14F-4D97-AF65-F5344CB8AC3E}">
-        <p14:creationId xmlns:p14="http://schemas.microsoft.com/office/powerpoint/2010/main" val="1099527133"/>
+        <p14:creationId xmlns:p14="http://schemas.microsoft.com/office/powerpoint/2010/main" val="3090459422"/>
       </p:ext>
     </p:extLst>
   </p:cSld>
@@ -6021,383 +6048,6 @@
           <a:p>
             <a:r>
               <a:rPr lang="en-US" dirty="0" smtClean="0"/>
-              <a:t>Property setter DI implications</a:t>
-            </a:r>
-            <a:endParaRPr lang="en-GB" dirty="0"/>
-          </a:p>
-        </p:txBody>
-      </p:sp>
-      <p:sp>
-        <p:nvSpPr>
-          <p:cNvPr id="3" name="Content Placeholder 2"/>
-          <p:cNvSpPr>
-            <a:spLocks noGrp="1"/>
-          </p:cNvSpPr>
-          <p:nvPr>
-            <p:ph idx="1"/>
-          </p:nvPr>
-        </p:nvSpPr>
-        <p:spPr/>
-        <p:txBody>
-          <a:bodyPr/>
-          <a:lstStyle/>
-          <a:p>
-            <a:r>
-              <a:rPr lang="en-US" dirty="0" smtClean="0"/>
-              <a:t>Forces the class to be mutable </a:t>
-            </a:r>
-          </a:p>
-          <a:p>
-            <a:r>
-              <a:rPr lang="en-US" dirty="0" smtClean="0"/>
-              <a:t>Includes the property name in the DI</a:t>
-            </a:r>
-            <a:r>
-              <a:rPr lang="en-GB" dirty="0" smtClean="0"/>
-              <a:t> declaration</a:t>
-            </a:r>
-          </a:p>
-          <a:p>
-            <a:r>
-              <a:rPr lang="en-US" dirty="0" smtClean="0"/>
-              <a:t>Supports inheritance</a:t>
-            </a:r>
-          </a:p>
-        </p:txBody>
-      </p:sp>
-    </p:spTree>
-    <p:extLst>
-      <p:ext uri="{BB962C8B-B14F-4D97-AF65-F5344CB8AC3E}">
-        <p14:creationId xmlns:p14="http://schemas.microsoft.com/office/powerpoint/2010/main" val="2072803906"/>
-      </p:ext>
-    </p:extLst>
-  </p:cSld>
-  <p:clrMapOvr>
-    <a:masterClrMapping/>
-  </p:clrMapOvr>
-  <p:timing>
-    <p:tnLst>
-      <p:par>
-        <p:cTn id="1" dur="indefinite" restart="never" nodeType="tmRoot"/>
-      </p:par>
-    </p:tnLst>
-  </p:timing>
-</p:sld>
-</file>
-
-<file path=ppt/slides/slide31.xml><?xml version="1.0" encoding="utf-8"?>
-<p:sld xmlns:a="http://schemas.openxmlformats.org/drawingml/2006/main" xmlns:r="http://schemas.openxmlformats.org/officeDocument/2006/relationships" xmlns:p="http://schemas.openxmlformats.org/presentationml/2006/main">
-  <p:cSld>
-    <p:spTree>
-      <p:nvGrpSpPr>
-        <p:cNvPr id="1" name=""/>
-        <p:cNvGrpSpPr/>
-        <p:nvPr/>
-      </p:nvGrpSpPr>
-      <p:grpSpPr>
-        <a:xfrm>
-          <a:off x="0" y="0"/>
-          <a:ext cx="0" cy="0"/>
-          <a:chOff x="0" y="0"/>
-          <a:chExt cx="0" cy="0"/>
-        </a:xfrm>
-      </p:grpSpPr>
-      <p:sp>
-        <p:nvSpPr>
-          <p:cNvPr id="2" name="Title 1"/>
-          <p:cNvSpPr>
-            <a:spLocks noGrp="1"/>
-          </p:cNvSpPr>
-          <p:nvPr>
-            <p:ph type="title"/>
-          </p:nvPr>
-        </p:nvSpPr>
-        <p:spPr/>
-        <p:txBody>
-          <a:bodyPr/>
-          <a:lstStyle/>
-          <a:p>
-            <a:r>
-              <a:rPr lang="en-US" dirty="0" smtClean="0"/>
-              <a:t>Property setter DI bean definition</a:t>
-            </a:r>
-            <a:endParaRPr lang="en-GB" dirty="0"/>
-          </a:p>
-        </p:txBody>
-      </p:sp>
-      <p:sp>
-        <p:nvSpPr>
-          <p:cNvPr id="3" name="Content Placeholder 2"/>
-          <p:cNvSpPr>
-            <a:spLocks noGrp="1"/>
-          </p:cNvSpPr>
-          <p:nvPr>
-            <p:ph idx="1"/>
-          </p:nvPr>
-        </p:nvSpPr>
-        <p:spPr/>
-        <p:txBody>
-          <a:bodyPr/>
-          <a:lstStyle/>
-          <a:p>
-            <a:r>
-              <a:rPr lang="en-US" dirty="0" smtClean="0"/>
-              <a:t>Configuration is exposed by the xml element type property</a:t>
-            </a:r>
-          </a:p>
-          <a:p>
-            <a:pPr lvl="1"/>
-            <a:r>
-              <a:rPr lang="en-US" dirty="0" smtClean="0"/>
-              <a:t>Child to the xml element </a:t>
-            </a:r>
-            <a:r>
-              <a:rPr lang="en-US" b="1" dirty="0" smtClean="0"/>
-              <a:t>bean</a:t>
-            </a:r>
-          </a:p>
-          <a:p>
-            <a:pPr lvl="1"/>
-            <a:r>
-              <a:rPr lang="en-US" dirty="0" smtClean="0"/>
-              <a:t>Requires a value for the xml element attribute names</a:t>
-            </a:r>
-          </a:p>
-          <a:p>
-            <a:r>
-              <a:rPr lang="en-US" dirty="0" smtClean="0"/>
-              <a:t>Support shorthand configuration</a:t>
-            </a:r>
-          </a:p>
-          <a:p>
-            <a:pPr lvl="1"/>
-            <a:r>
-              <a:rPr lang="en-US" dirty="0" smtClean="0"/>
-              <a:t>Value attribute for directly specifying a value</a:t>
-            </a:r>
-          </a:p>
-          <a:p>
-            <a:pPr lvl="1"/>
-            <a:r>
-              <a:rPr lang="en-US" dirty="0" smtClean="0"/>
-              <a:t>Ref attribute for referring to beans defined elsewhere</a:t>
-            </a:r>
-          </a:p>
-          <a:p>
-            <a:r>
-              <a:rPr lang="en-US" dirty="0" smtClean="0"/>
-              <a:t>Support child references</a:t>
-            </a:r>
-          </a:p>
-          <a:p>
-            <a:pPr lvl="1"/>
-            <a:r>
-              <a:rPr lang="en-US" dirty="0" smtClean="0"/>
-              <a:t>Collaborators , inner bean, collections , and values</a:t>
-            </a:r>
-            <a:endParaRPr lang="en-GB" dirty="0"/>
-          </a:p>
-        </p:txBody>
-      </p:sp>
-    </p:spTree>
-    <p:extLst>
-      <p:ext uri="{BB962C8B-B14F-4D97-AF65-F5344CB8AC3E}">
-        <p14:creationId xmlns:p14="http://schemas.microsoft.com/office/powerpoint/2010/main" val="1731212380"/>
-      </p:ext>
-    </p:extLst>
-  </p:cSld>
-  <p:clrMapOvr>
-    <a:masterClrMapping/>
-  </p:clrMapOvr>
-  <p:timing>
-    <p:tnLst>
-      <p:par>
-        <p:cTn id="1" dur="indefinite" restart="never" nodeType="tmRoot"/>
-      </p:par>
-    </p:tnLst>
-  </p:timing>
-</p:sld>
-</file>
-
-<file path=ppt/slides/slide32.xml><?xml version="1.0" encoding="utf-8"?>
-<p:sld xmlns:a="http://schemas.openxmlformats.org/drawingml/2006/main" xmlns:r="http://schemas.openxmlformats.org/officeDocument/2006/relationships" xmlns:p="http://schemas.openxmlformats.org/presentationml/2006/main">
-  <p:cSld>
-    <p:spTree>
-      <p:nvGrpSpPr>
-        <p:cNvPr id="1" name=""/>
-        <p:cNvGrpSpPr/>
-        <p:nvPr/>
-      </p:nvGrpSpPr>
-      <p:grpSpPr>
-        <a:xfrm>
-          <a:off x="0" y="0"/>
-          <a:ext cx="0" cy="0"/>
-          <a:chOff x="0" y="0"/>
-          <a:chExt cx="0" cy="0"/>
-        </a:xfrm>
-      </p:grpSpPr>
-      <p:sp>
-        <p:nvSpPr>
-          <p:cNvPr id="2" name="Title 1"/>
-          <p:cNvSpPr>
-            <a:spLocks noGrp="1"/>
-          </p:cNvSpPr>
-          <p:nvPr>
-            <p:ph type="title"/>
-          </p:nvPr>
-        </p:nvSpPr>
-        <p:spPr/>
-        <p:txBody>
-          <a:bodyPr/>
-          <a:lstStyle/>
-          <a:p>
-            <a:r>
-              <a:rPr lang="en-US" dirty="0" smtClean="0"/>
-              <a:t>Property setter DI process</a:t>
-            </a:r>
-            <a:endParaRPr lang="en-GB" dirty="0"/>
-          </a:p>
-        </p:txBody>
-      </p:sp>
-      <p:sp>
-        <p:nvSpPr>
-          <p:cNvPr id="3" name="Content Placeholder 2"/>
-          <p:cNvSpPr>
-            <a:spLocks noGrp="1"/>
-          </p:cNvSpPr>
-          <p:nvPr>
-            <p:ph idx="1"/>
-          </p:nvPr>
-        </p:nvSpPr>
-        <p:spPr/>
-        <p:txBody>
-          <a:bodyPr/>
-          <a:lstStyle/>
-          <a:p>
-            <a:r>
-              <a:rPr lang="en-US" dirty="0" smtClean="0"/>
-              <a:t>Verify the presence of a no-</a:t>
-            </a:r>
-            <a:r>
-              <a:rPr lang="en-US" dirty="0" err="1" smtClean="0"/>
-              <a:t>arges</a:t>
-            </a:r>
-            <a:r>
-              <a:rPr lang="en-US" dirty="0" smtClean="0"/>
-              <a:t> constructor </a:t>
-            </a:r>
-          </a:p>
-          <a:p>
-            <a:r>
-              <a:rPr lang="en-US" dirty="0" smtClean="0"/>
-              <a:t>Verify the method signature</a:t>
-            </a:r>
-          </a:p>
-          <a:p>
-            <a:pPr lvl="1"/>
-            <a:r>
-              <a:rPr lang="en-US" dirty="0" smtClean="0"/>
-              <a:t>Public access modifier</a:t>
-            </a:r>
-          </a:p>
-          <a:p>
-            <a:pPr lvl="1"/>
-            <a:r>
-              <a:rPr lang="en-US" dirty="0" smtClean="0"/>
-              <a:t>Void return type</a:t>
-            </a:r>
-          </a:p>
-          <a:p>
-            <a:pPr lvl="1"/>
-            <a:r>
-              <a:rPr lang="en-US" dirty="0" smtClean="0"/>
-              <a:t>Bean oriented name</a:t>
-            </a:r>
-          </a:p>
-          <a:p>
-            <a:r>
-              <a:rPr lang="en-US" dirty="0" smtClean="0"/>
-              <a:t>Map the property into the bean definition</a:t>
-            </a:r>
-          </a:p>
-          <a:p>
-            <a:pPr lvl="1"/>
-            <a:r>
-              <a:rPr lang="en-US" dirty="0" smtClean="0"/>
-              <a:t>Create the nested xml property elements</a:t>
-            </a:r>
-          </a:p>
-          <a:p>
-            <a:pPr lvl="1"/>
-            <a:r>
-              <a:rPr lang="en-US" dirty="0" smtClean="0"/>
-              <a:t>Identify the property using the name attribute</a:t>
-            </a:r>
-          </a:p>
-          <a:p>
-            <a:pPr lvl="1"/>
-            <a:r>
-              <a:rPr lang="en-US" dirty="0" smtClean="0"/>
-              <a:t>Identify the value to be passed into the setter method as a parameter value</a:t>
-            </a:r>
-            <a:endParaRPr lang="en-GB" dirty="0"/>
-          </a:p>
-        </p:txBody>
-      </p:sp>
-    </p:spTree>
-    <p:extLst>
-      <p:ext uri="{BB962C8B-B14F-4D97-AF65-F5344CB8AC3E}">
-        <p14:creationId xmlns:p14="http://schemas.microsoft.com/office/powerpoint/2010/main" val="3090459422"/>
-      </p:ext>
-    </p:extLst>
-  </p:cSld>
-  <p:clrMapOvr>
-    <a:masterClrMapping/>
-  </p:clrMapOvr>
-  <p:timing>
-    <p:tnLst>
-      <p:par>
-        <p:cTn id="1" dur="indefinite" restart="never" nodeType="tmRoot"/>
-      </p:par>
-    </p:tnLst>
-  </p:timing>
-</p:sld>
-</file>
-
-<file path=ppt/slides/slide33.xml><?xml version="1.0" encoding="utf-8"?>
-<p:sld xmlns:a="http://schemas.openxmlformats.org/drawingml/2006/main" xmlns:r="http://schemas.openxmlformats.org/officeDocument/2006/relationships" xmlns:p="http://schemas.openxmlformats.org/presentationml/2006/main">
-  <p:cSld>
-    <p:spTree>
-      <p:nvGrpSpPr>
-        <p:cNvPr id="1" name=""/>
-        <p:cNvGrpSpPr/>
-        <p:nvPr/>
-      </p:nvGrpSpPr>
-      <p:grpSpPr>
-        <a:xfrm>
-          <a:off x="0" y="0"/>
-          <a:ext cx="0" cy="0"/>
-          <a:chOff x="0" y="0"/>
-          <a:chExt cx="0" cy="0"/>
-        </a:xfrm>
-      </p:grpSpPr>
-      <p:sp>
-        <p:nvSpPr>
-          <p:cNvPr id="2" name="Title 1"/>
-          <p:cNvSpPr>
-            <a:spLocks noGrp="1"/>
-          </p:cNvSpPr>
-          <p:nvPr>
-            <p:ph type="title"/>
-          </p:nvPr>
-        </p:nvSpPr>
-        <p:spPr/>
-        <p:txBody>
-          <a:bodyPr/>
-          <a:lstStyle/>
-          <a:p>
-            <a:r>
-              <a:rPr lang="en-US" dirty="0" smtClean="0"/>
               <a:t>Property setter DI example</a:t>
             </a:r>
             <a:endParaRPr lang="en-GB" dirty="0"/>
@@ -6486,7 +6136,7 @@
 </p:sld>
 </file>
 
-<file path=ppt/slides/slide34.xml><?xml version="1.0" encoding="utf-8"?>
+<file path=ppt/slides/slide31.xml><?xml version="1.0" encoding="utf-8"?>
 <p:sld xmlns:a="http://schemas.openxmlformats.org/drawingml/2006/main" xmlns:r="http://schemas.openxmlformats.org/officeDocument/2006/relationships" xmlns:p="http://schemas.openxmlformats.org/presentationml/2006/main">
   <p:cSld>
     <p:spTree>
@@ -6570,7 +6220,7 @@
 </p:sld>
 </file>
 
-<file path=ppt/slides/slide35.xml><?xml version="1.0" encoding="utf-8"?>
+<file path=ppt/slides/slide32.xml><?xml version="1.0" encoding="utf-8"?>
 <p:sld xmlns:a="http://schemas.openxmlformats.org/drawingml/2006/main" xmlns:r="http://schemas.openxmlformats.org/officeDocument/2006/relationships" xmlns:p="http://schemas.openxmlformats.org/presentationml/2006/main">
   <p:cSld>
     <p:spTree>
@@ -6654,7 +6304,7 @@
 </p:sld>
 </file>
 
-<file path=ppt/slides/slide36.xml><?xml version="1.0" encoding="utf-8"?>
+<file path=ppt/slides/slide33.xml><?xml version="1.0" encoding="utf-8"?>
 <p:sld xmlns:a="http://schemas.openxmlformats.org/drawingml/2006/main" xmlns:r="http://schemas.openxmlformats.org/officeDocument/2006/relationships" xmlns:p="http://schemas.openxmlformats.org/presentationml/2006/main">
   <p:cSld>
     <p:spTree>
@@ -6738,7 +6388,7 @@
 </p:sld>
 </file>
 
-<file path=ppt/slides/slide37.xml><?xml version="1.0" encoding="utf-8"?>
+<file path=ppt/slides/slide34.xml><?xml version="1.0" encoding="utf-8"?>
 <p:sld xmlns:a="http://schemas.openxmlformats.org/drawingml/2006/main" xmlns:r="http://schemas.openxmlformats.org/officeDocument/2006/relationships" xmlns:p="http://schemas.openxmlformats.org/presentationml/2006/main">
   <p:cSld>
     <p:spTree>
@@ -6822,7 +6472,7 @@
 </p:sld>
 </file>
 
-<file path=ppt/slides/slide38.xml><?xml version="1.0" encoding="utf-8"?>
+<file path=ppt/slides/slide35.xml><?xml version="1.0" encoding="utf-8"?>
 <p:sld xmlns:a="http://schemas.openxmlformats.org/drawingml/2006/main" xmlns:r="http://schemas.openxmlformats.org/officeDocument/2006/relationships" xmlns:p="http://schemas.openxmlformats.org/presentationml/2006/main">
   <p:cSld>
     <p:spTree>
@@ -6950,7 +6600,7 @@
 </p:sld>
 </file>
 
-<file path=ppt/slides/slide39.xml><?xml version="1.0" encoding="utf-8"?>
+<file path=ppt/slides/slide36.xml><?xml version="1.0" encoding="utf-8"?>
 <p:sld xmlns:a="http://schemas.openxmlformats.org/drawingml/2006/main" xmlns:r="http://schemas.openxmlformats.org/officeDocument/2006/relationships" xmlns:p="http://schemas.openxmlformats.org/presentationml/2006/main">
   <p:cSld>
     <p:spTree>
@@ -6984,7 +6634,7 @@
           <a:p>
             <a:r>
               <a:rPr lang="en-US" dirty="0" smtClean="0"/>
-              <a:t>Constructor DI implications</a:t>
+              <a:t>Constructor bean definition </a:t>
             </a:r>
             <a:endParaRPr lang="en-GB" dirty="0"/>
           </a:p>
@@ -7002,193 +6652,8 @@
         </p:nvSpPr>
         <p:spPr/>
         <p:txBody>
-          <a:bodyPr/>
-          <a:lstStyle/>
-          <a:p>
-            <a:r>
-              <a:rPr lang="en-US" dirty="0" smtClean="0"/>
-              <a:t>Support an immutable class design</a:t>
-            </a:r>
-          </a:p>
-          <a:p>
-            <a:r>
-              <a:rPr lang="en-US" dirty="0" smtClean="0"/>
-              <a:t>Does not support parameter naming</a:t>
-            </a:r>
-          </a:p>
-          <a:p>
-            <a:r>
-              <a:rPr lang="en-US" dirty="0" smtClean="0"/>
-              <a:t>Requires multiple constructor for each parameter </a:t>
-            </a:r>
-            <a:r>
-              <a:rPr lang="en-US" dirty="0" err="1" smtClean="0"/>
-              <a:t>parameter</a:t>
-            </a:r>
-            <a:r>
-              <a:rPr lang="en-US" dirty="0" smtClean="0"/>
-              <a:t> </a:t>
-            </a:r>
-            <a:r>
-              <a:rPr lang="en-US" dirty="0" err="1"/>
-              <a:t>parameter</a:t>
-            </a:r>
-            <a:r>
-              <a:rPr lang="en-US" dirty="0" smtClean="0"/>
-              <a:t> combination</a:t>
-            </a:r>
-          </a:p>
-          <a:p>
-            <a:endParaRPr lang="en-US" dirty="0" smtClean="0"/>
-          </a:p>
-          <a:p>
-            <a:endParaRPr lang="en-US" dirty="0" smtClean="0"/>
-          </a:p>
-          <a:p>
-            <a:endParaRPr lang="en-GB" dirty="0"/>
-          </a:p>
-        </p:txBody>
-      </p:sp>
-    </p:spTree>
-    <p:extLst>
-      <p:ext uri="{BB962C8B-B14F-4D97-AF65-F5344CB8AC3E}">
-        <p14:creationId xmlns:p14="http://schemas.microsoft.com/office/powerpoint/2010/main" val="332655831"/>
-      </p:ext>
-    </p:extLst>
-  </p:cSld>
-  <p:clrMapOvr>
-    <a:masterClrMapping/>
-  </p:clrMapOvr>
-  <p:timing>
-    <p:tnLst>
-      <p:par>
-        <p:cTn id="1" dur="indefinite" restart="never" nodeType="tmRoot"/>
-      </p:par>
-    </p:tnLst>
-  </p:timing>
-</p:sld>
-</file>
-
-<file path=ppt/slides/slide4.xml><?xml version="1.0" encoding="utf-8"?>
-<p:sld xmlns:a="http://schemas.openxmlformats.org/drawingml/2006/main" xmlns:r="http://schemas.openxmlformats.org/officeDocument/2006/relationships" xmlns:p="http://schemas.openxmlformats.org/presentationml/2006/main">
-  <p:cSld>
-    <p:spTree>
-      <p:nvGrpSpPr>
-        <p:cNvPr id="1" name=""/>
-        <p:cNvGrpSpPr/>
-        <p:nvPr/>
-      </p:nvGrpSpPr>
-      <p:grpSpPr>
-        <a:xfrm>
-          <a:off x="0" y="0"/>
-          <a:ext cx="0" cy="0"/>
-          <a:chOff x="0" y="0"/>
-          <a:chExt cx="0" cy="0"/>
-        </a:xfrm>
-      </p:grpSpPr>
-      <p:sp>
-        <p:nvSpPr>
-          <p:cNvPr id="2" name="Title 1"/>
-          <p:cNvSpPr>
-            <a:spLocks noGrp="1"/>
-          </p:cNvSpPr>
-          <p:nvPr>
-            <p:ph type="title"/>
-          </p:nvPr>
-        </p:nvSpPr>
-        <p:spPr>
-          <a:xfrm>
-            <a:off x="860778" y="2363258"/>
-            <a:ext cx="10515600" cy="1325563"/>
-          </a:xfrm>
-        </p:spPr>
-        <p:txBody>
-          <a:bodyPr/>
-          <a:lstStyle/>
-          <a:p>
-            <a:pPr algn="ctr"/>
-            <a:r>
-              <a:rPr lang="en-US" dirty="0" smtClean="0"/>
-              <a:t>Choosing a Bean name</a:t>
-            </a:r>
-            <a:endParaRPr lang="en-GB" dirty="0"/>
-          </a:p>
-        </p:txBody>
-      </p:sp>
-    </p:spTree>
-    <p:extLst>
-      <p:ext uri="{BB962C8B-B14F-4D97-AF65-F5344CB8AC3E}">
-        <p14:creationId xmlns:p14="http://schemas.microsoft.com/office/powerpoint/2010/main" val="3849777999"/>
-      </p:ext>
-    </p:extLst>
-  </p:cSld>
-  <p:clrMapOvr>
-    <a:masterClrMapping/>
-  </p:clrMapOvr>
-  <p:timing>
-    <p:tnLst>
-      <p:par>
-        <p:cTn id="1" dur="indefinite" restart="never" nodeType="tmRoot"/>
-      </p:par>
-    </p:tnLst>
-  </p:timing>
-</p:sld>
-</file>
-
-<file path=ppt/slides/slide40.xml><?xml version="1.0" encoding="utf-8"?>
-<p:sld xmlns:a="http://schemas.openxmlformats.org/drawingml/2006/main" xmlns:r="http://schemas.openxmlformats.org/officeDocument/2006/relationships" xmlns:p="http://schemas.openxmlformats.org/presentationml/2006/main">
-  <p:cSld>
-    <p:spTree>
-      <p:nvGrpSpPr>
-        <p:cNvPr id="1" name=""/>
-        <p:cNvGrpSpPr/>
-        <p:nvPr/>
-      </p:nvGrpSpPr>
-      <p:grpSpPr>
-        <a:xfrm>
-          <a:off x="0" y="0"/>
-          <a:ext cx="0" cy="0"/>
-          <a:chOff x="0" y="0"/>
-          <a:chExt cx="0" cy="0"/>
-        </a:xfrm>
-      </p:grpSpPr>
-      <p:sp>
-        <p:nvSpPr>
-          <p:cNvPr id="2" name="Title 1"/>
-          <p:cNvSpPr>
-            <a:spLocks noGrp="1"/>
-          </p:cNvSpPr>
-          <p:nvPr>
-            <p:ph type="title"/>
-          </p:nvPr>
-        </p:nvSpPr>
-        <p:spPr/>
-        <p:txBody>
-          <a:bodyPr/>
-          <a:lstStyle/>
-          <a:p>
-            <a:r>
-              <a:rPr lang="en-US" dirty="0" smtClean="0"/>
-              <a:t>Constructor bean definition </a:t>
-            </a:r>
-            <a:endParaRPr lang="en-GB" dirty="0"/>
-          </a:p>
-        </p:txBody>
-      </p:sp>
-      <p:sp>
-        <p:nvSpPr>
-          <p:cNvPr id="3" name="Content Placeholder 2"/>
-          <p:cNvSpPr>
-            <a:spLocks noGrp="1"/>
-          </p:cNvSpPr>
-          <p:nvPr>
-            <p:ph idx="1"/>
-          </p:nvPr>
-        </p:nvSpPr>
-        <p:spPr/>
-        <p:txBody>
           <a:bodyPr>
-            <a:normAutofit lnSpcReduction="10000"/>
+            <a:normAutofit fontScale="77500" lnSpcReduction="20000"/>
           </a:bodyPr>
           <a:lstStyle/>
           <a:p>
@@ -7296,7 +6761,7 @@
 </p:sld>
 </file>
 
-<file path=ppt/slides/slide41.xml><?xml version="1.0" encoding="utf-8"?>
+<file path=ppt/slides/slide37.xml><?xml version="1.0" encoding="utf-8"?>
 <p:sld xmlns:a="http://schemas.openxmlformats.org/drawingml/2006/main" xmlns:r="http://schemas.openxmlformats.org/officeDocument/2006/relationships" xmlns:p="http://schemas.openxmlformats.org/presentationml/2006/main">
   <p:cSld>
     <p:spTree>
@@ -7380,7 +6845,7 @@
 </p:sld>
 </file>
 
-<file path=ppt/slides/slide42.xml><?xml version="1.0" encoding="utf-8"?>
+<file path=ppt/slides/slide38.xml><?xml version="1.0" encoding="utf-8"?>
 <p:sld xmlns:a="http://schemas.openxmlformats.org/drawingml/2006/main" xmlns:r="http://schemas.openxmlformats.org/officeDocument/2006/relationships" xmlns:p="http://schemas.openxmlformats.org/presentationml/2006/main">
   <p:cSld>
     <p:spTree>
@@ -7494,7 +6959,7 @@
 </p:sld>
 </file>
 
-<file path=ppt/slides/slide43.xml><?xml version="1.0" encoding="utf-8"?>
+<file path=ppt/slides/slide39.xml><?xml version="1.0" encoding="utf-8"?>
 <p:sld xmlns:a="http://schemas.openxmlformats.org/drawingml/2006/main" xmlns:r="http://schemas.openxmlformats.org/officeDocument/2006/relationships" xmlns:p="http://schemas.openxmlformats.org/presentationml/2006/main">
   <p:cSld>
     <p:spTree>
@@ -7580,7 +7045,7 @@
         </p:blipFill>
         <p:spPr>
           <a:xfrm>
-            <a:off x="1180590" y="2154590"/>
+            <a:off x="1541835" y="2483556"/>
             <a:ext cx="8269641" cy="3910612"/>
           </a:xfrm>
           <a:prstGeom prst="rect">
@@ -7608,7 +7073,7 @@
 </p:sld>
 </file>
 
-<file path=ppt/slides/slide44.xml><?xml version="1.0" encoding="utf-8"?>
+<file path=ppt/slides/slide4.xml><?xml version="1.0" encoding="utf-8"?>
 <p:sld xmlns:a="http://schemas.openxmlformats.org/drawingml/2006/main" xmlns:r="http://schemas.openxmlformats.org/officeDocument/2006/relationships" xmlns:p="http://schemas.openxmlformats.org/presentationml/2006/main">
   <p:cSld>
     <p:spTree>
@@ -7635,6 +7100,72 @@
             <p:ph type="title"/>
           </p:nvPr>
         </p:nvSpPr>
+        <p:spPr>
+          <a:xfrm>
+            <a:off x="849489" y="2510014"/>
+            <a:ext cx="10515600" cy="1325563"/>
+          </a:xfrm>
+        </p:spPr>
+        <p:txBody>
+          <a:bodyPr/>
+          <a:lstStyle/>
+          <a:p>
+            <a:pPr algn="ctr"/>
+            <a:r>
+              <a:rPr lang="en-US" dirty="0" smtClean="0"/>
+              <a:t>Choosing a Bean name</a:t>
+            </a:r>
+            <a:endParaRPr lang="en-GB" dirty="0"/>
+          </a:p>
+        </p:txBody>
+      </p:sp>
+    </p:spTree>
+    <p:extLst>
+      <p:ext uri="{BB962C8B-B14F-4D97-AF65-F5344CB8AC3E}">
+        <p14:creationId xmlns:p14="http://schemas.microsoft.com/office/powerpoint/2010/main" val="3849777999"/>
+      </p:ext>
+    </p:extLst>
+  </p:cSld>
+  <p:clrMapOvr>
+    <a:masterClrMapping/>
+  </p:clrMapOvr>
+  <p:timing>
+    <p:tnLst>
+      <p:par>
+        <p:cTn id="1" dur="indefinite" restart="never" nodeType="tmRoot"/>
+      </p:par>
+    </p:tnLst>
+  </p:timing>
+</p:sld>
+</file>
+
+<file path=ppt/slides/slide40.xml><?xml version="1.0" encoding="utf-8"?>
+<p:sld xmlns:a="http://schemas.openxmlformats.org/drawingml/2006/main" xmlns:r="http://schemas.openxmlformats.org/officeDocument/2006/relationships" xmlns:p="http://schemas.openxmlformats.org/presentationml/2006/main">
+  <p:cSld>
+    <p:spTree>
+      <p:nvGrpSpPr>
+        <p:cNvPr id="1" name=""/>
+        <p:cNvGrpSpPr/>
+        <p:nvPr/>
+      </p:nvGrpSpPr>
+      <p:grpSpPr>
+        <a:xfrm>
+          <a:off x="0" y="0"/>
+          <a:ext cx="0" cy="0"/>
+          <a:chOff x="0" y="0"/>
+          <a:chExt cx="0" cy="0"/>
+        </a:xfrm>
+      </p:grpSpPr>
+      <p:sp>
+        <p:nvSpPr>
+          <p:cNvPr id="2" name="Title 1"/>
+          <p:cNvSpPr>
+            <a:spLocks noGrp="1"/>
+          </p:cNvSpPr>
+          <p:nvPr>
+            <p:ph type="title"/>
+          </p:nvPr>
+        </p:nvSpPr>
         <p:spPr/>
         <p:txBody>
           <a:bodyPr/>
@@ -7694,7 +7225,7 @@
         </p:blipFill>
         <p:spPr>
           <a:xfrm>
-            <a:off x="1188508" y="2211033"/>
+            <a:off x="1549752" y="2391655"/>
             <a:ext cx="7105650" cy="4067175"/>
           </a:xfrm>
           <a:prstGeom prst="rect">
@@ -7722,7 +7253,7 @@
 </p:sld>
 </file>
 
-<file path=ppt/slides/slide45.xml><?xml version="1.0" encoding="utf-8"?>
+<file path=ppt/slides/slide41.xml><?xml version="1.0" encoding="utf-8"?>
 <p:sld xmlns:a="http://schemas.openxmlformats.org/drawingml/2006/main" xmlns:r="http://schemas.openxmlformats.org/officeDocument/2006/relationships" xmlns:p="http://schemas.openxmlformats.org/presentationml/2006/main">
   <p:cSld>
     <p:spTree>
@@ -7806,7 +7337,7 @@
         </p:blipFill>
         <p:spPr>
           <a:xfrm>
-            <a:off x="1183216" y="2244900"/>
+            <a:off x="1375127" y="2527123"/>
             <a:ext cx="7048500" cy="3905250"/>
           </a:xfrm>
           <a:prstGeom prst="rect">
@@ -7834,7 +7365,7 @@
 </p:sld>
 </file>
 
-<file path=ppt/slides/slide46.xml><?xml version="1.0" encoding="utf-8"?>
+<file path=ppt/slides/slide42.xml><?xml version="1.0" encoding="utf-8"?>
 <p:sld xmlns:a="http://schemas.openxmlformats.org/drawingml/2006/main" xmlns:r="http://schemas.openxmlformats.org/officeDocument/2006/relationships" xmlns:p="http://schemas.openxmlformats.org/presentationml/2006/main">
   <p:cSld>
     <p:spTree>
@@ -7918,7 +7449,7 @@
         </p:blipFill>
         <p:spPr>
           <a:xfrm>
-            <a:off x="2273617" y="2132012"/>
+            <a:off x="2356026" y="2278768"/>
             <a:ext cx="7705725" cy="4210050"/>
           </a:xfrm>
           <a:prstGeom prst="rect">
@@ -7946,7 +7477,7 @@
 </p:sld>
 </file>
 
-<file path=ppt/slides/slide47.xml><?xml version="1.0" encoding="utf-8"?>
+<file path=ppt/slides/slide43.xml><?xml version="1.0" encoding="utf-8"?>
 <p:sld xmlns:a="http://schemas.openxmlformats.org/drawingml/2006/main" xmlns:r="http://schemas.openxmlformats.org/officeDocument/2006/relationships" xmlns:p="http://schemas.openxmlformats.org/presentationml/2006/main">
   <p:cSld>
     <p:spTree>
@@ -8060,7 +7591,7 @@
 </p:sld>
 </file>
 
-<file path=ppt/slides/slide48.xml><?xml version="1.0" encoding="utf-8"?>
+<file path=ppt/slides/slide44.xml><?xml version="1.0" encoding="utf-8"?>
 <p:sld xmlns:a="http://schemas.openxmlformats.org/drawingml/2006/main" xmlns:r="http://schemas.openxmlformats.org/officeDocument/2006/relationships" xmlns:p="http://schemas.openxmlformats.org/presentationml/2006/main">
   <p:cSld>
     <p:spTree>
@@ -8161,7 +7692,7 @@
 </p:sld>
 </file>
 
-<file path=ppt/slides/slide49.xml><?xml version="1.0" encoding="utf-8"?>
+<file path=ppt/slides/slide45.xml><?xml version="1.0" encoding="utf-8"?>
 <p:sld xmlns:a="http://schemas.openxmlformats.org/drawingml/2006/main" xmlns:r="http://schemas.openxmlformats.org/officeDocument/2006/relationships" xmlns:p="http://schemas.openxmlformats.org/presentationml/2006/main">
   <p:cSld>
     <p:spTree>
@@ -8245,189 +7776,7 @@
 </p:sld>
 </file>
 
-<file path=ppt/slides/slide5.xml><?xml version="1.0" encoding="utf-8"?>
-<p:sld xmlns:a="http://schemas.openxmlformats.org/drawingml/2006/main" xmlns:r="http://schemas.openxmlformats.org/officeDocument/2006/relationships" xmlns:p="http://schemas.openxmlformats.org/presentationml/2006/main">
-  <p:cSld>
-    <p:spTree>
-      <p:nvGrpSpPr>
-        <p:cNvPr id="1" name=""/>
-        <p:cNvGrpSpPr/>
-        <p:nvPr/>
-      </p:nvGrpSpPr>
-      <p:grpSpPr>
-        <a:xfrm>
-          <a:off x="0" y="0"/>
-          <a:ext cx="0" cy="0"/>
-          <a:chOff x="0" y="0"/>
-          <a:chExt cx="0" cy="0"/>
-        </a:xfrm>
-      </p:grpSpPr>
-      <p:sp>
-        <p:nvSpPr>
-          <p:cNvPr id="2" name="Title 1"/>
-          <p:cNvSpPr>
-            <a:spLocks noGrp="1"/>
-          </p:cNvSpPr>
-          <p:nvPr>
-            <p:ph type="title"/>
-          </p:nvPr>
-        </p:nvSpPr>
-        <p:spPr/>
-        <p:txBody>
-          <a:bodyPr/>
-          <a:lstStyle/>
-          <a:p>
-            <a:r>
-              <a:rPr lang="en-US" dirty="0" smtClean="0"/>
-              <a:t>Bean name</a:t>
-            </a:r>
-            <a:endParaRPr lang="en-GB" dirty="0"/>
-          </a:p>
-        </p:txBody>
-      </p:sp>
-      <p:sp>
-        <p:nvSpPr>
-          <p:cNvPr id="3" name="Content Placeholder 2"/>
-          <p:cNvSpPr>
-            <a:spLocks noGrp="1"/>
-          </p:cNvSpPr>
-          <p:nvPr>
-            <p:ph idx="1"/>
-          </p:nvPr>
-        </p:nvSpPr>
-        <p:spPr/>
-        <p:txBody>
-          <a:bodyPr>
-            <a:normAutofit/>
-          </a:bodyPr>
-          <a:lstStyle/>
-          <a:p>
-            <a:r>
-              <a:rPr lang="en-US" dirty="0" smtClean="0"/>
-              <a:t>Uses </a:t>
-            </a:r>
-          </a:p>
-          <a:p>
-            <a:pPr lvl="1"/>
-            <a:r>
-              <a:rPr lang="en-US" dirty="0" smtClean="0"/>
-              <a:t>Identify bean</a:t>
-            </a:r>
-            <a:r>
-              <a:rPr lang="en-GB" dirty="0" smtClean="0"/>
-              <a:t> collaborators when defining spring beans</a:t>
-            </a:r>
-          </a:p>
-          <a:p>
-            <a:pPr lvl="1"/>
-            <a:r>
-              <a:rPr lang="en-US" dirty="0" smtClean="0"/>
-              <a:t>Identify beans to be accessed automatics from the spring </a:t>
-            </a:r>
-            <a:r>
-              <a:rPr lang="en-US" dirty="0" err="1" smtClean="0"/>
-              <a:t>IoC</a:t>
-            </a:r>
-            <a:r>
-              <a:rPr lang="en-US" dirty="0" smtClean="0"/>
-              <a:t> container using the bean factory API.</a:t>
-            </a:r>
-          </a:p>
-          <a:p>
-            <a:r>
-              <a:rPr lang="en-US" dirty="0" smtClean="0"/>
-              <a:t>Configuration</a:t>
-            </a:r>
-          </a:p>
-          <a:p>
-            <a:pPr lvl="1"/>
-            <a:r>
-              <a:rPr lang="en-US" dirty="0" smtClean="0"/>
-              <a:t>Xml bean attribute id</a:t>
-            </a:r>
-          </a:p>
-          <a:p>
-            <a:pPr lvl="1"/>
-            <a:r>
-              <a:rPr lang="en-US" dirty="0" smtClean="0"/>
-              <a:t>W3C xml schema datatype </a:t>
-            </a:r>
-          </a:p>
-          <a:p>
-            <a:pPr lvl="1"/>
-            <a:r>
-              <a:rPr lang="en-US" dirty="0" smtClean="0"/>
-              <a:t>Accepts a single value</a:t>
-            </a:r>
-          </a:p>
-          <a:p>
-            <a:pPr lvl="1"/>
-            <a:r>
-              <a:rPr lang="en-US" dirty="0" smtClean="0"/>
-              <a:t>Xml bean attribute name</a:t>
-            </a:r>
-          </a:p>
-          <a:p>
-            <a:pPr lvl="2"/>
-            <a:r>
-              <a:rPr lang="en-US" dirty="0" smtClean="0"/>
-              <a:t>One more values delimited by comma or space</a:t>
-            </a:r>
-          </a:p>
-          <a:p>
-            <a:pPr lvl="1"/>
-            <a:r>
-              <a:rPr lang="en-US" dirty="0" smtClean="0"/>
-              <a:t>Separate xml elements alias</a:t>
-            </a:r>
-          </a:p>
-        </p:txBody>
-      </p:sp>
-      <p:pic>
-        <p:nvPicPr>
-          <p:cNvPr id="4" name="Picture 3"/>
-          <p:cNvPicPr>
-            <a:picLocks noChangeAspect="1"/>
-          </p:cNvPicPr>
-          <p:nvPr/>
-        </p:nvPicPr>
-        <p:blipFill>
-          <a:blip r:embed="rId2"/>
-          <a:stretch>
-            <a:fillRect/>
-          </a:stretch>
-        </p:blipFill>
-        <p:spPr>
-          <a:xfrm>
-            <a:off x="5400257" y="3248607"/>
-            <a:ext cx="6715755" cy="2044609"/>
-          </a:xfrm>
-          <a:prstGeom prst="rect">
-            <a:avLst/>
-          </a:prstGeom>
-        </p:spPr>
-      </p:pic>
-    </p:spTree>
-    <p:extLst>
-      <p:ext uri="{BB962C8B-B14F-4D97-AF65-F5344CB8AC3E}">
-        <p14:creationId xmlns:p14="http://schemas.microsoft.com/office/powerpoint/2010/main" val="3154028223"/>
-      </p:ext>
-    </p:extLst>
-  </p:cSld>
-  <p:clrMapOvr>
-    <a:masterClrMapping/>
-  </p:clrMapOvr>
-  <p:timing>
-    <p:tnLst>
-      <p:par>
-        <p:cTn id="1" dur="indefinite" restart="never" nodeType="tmRoot"/>
-      </p:par>
-    </p:tnLst>
-  </p:timing>
-</p:sld>
-</file>
-
-<file path=ppt/slides/slide50.xml><?xml version="1.0" encoding="utf-8"?>
+<file path=ppt/slides/slide46.xml><?xml version="1.0" encoding="utf-8"?>
 <p:sld xmlns:a="http://schemas.openxmlformats.org/drawingml/2006/main" xmlns:r="http://schemas.openxmlformats.org/officeDocument/2006/relationships" xmlns:p="http://schemas.openxmlformats.org/presentationml/2006/main">
   <p:cSld>
     <p:spTree>
@@ -8511,7 +7860,7 @@
 </p:sld>
 </file>
 
-<file path=ppt/slides/slide51.xml><?xml version="1.0" encoding="utf-8"?>
+<file path=ppt/slides/slide47.xml><?xml version="1.0" encoding="utf-8"?>
 <p:sld xmlns:a="http://schemas.openxmlformats.org/drawingml/2006/main" xmlns:r="http://schemas.openxmlformats.org/officeDocument/2006/relationships" xmlns:p="http://schemas.openxmlformats.org/presentationml/2006/main">
   <p:cSld>
     <p:spTree>
@@ -8614,7 +7963,7 @@
 </p:sld>
 </file>
 
-<file path=ppt/slides/slide52.xml><?xml version="1.0" encoding="utf-8"?>
+<file path=ppt/slides/slide48.xml><?xml version="1.0" encoding="utf-8"?>
 <p:sld xmlns:a="http://schemas.openxmlformats.org/drawingml/2006/main" xmlns:r="http://schemas.openxmlformats.org/officeDocument/2006/relationships" xmlns:p="http://schemas.openxmlformats.org/presentationml/2006/main">
   <p:cSld>
     <p:spTree>
@@ -8648,7 +7997,11 @@
           <a:p>
             <a:r>
               <a:rPr lang="en-US" dirty="0" smtClean="0"/>
-              <a:t>Lookup method DI</a:t>
+              <a:t>Lookup </a:t>
+            </a:r>
+            <a:r>
+              <a:rPr lang="en-US" dirty="0" smtClean="0"/>
+              <a:t>in DI</a:t>
             </a:r>
             <a:endParaRPr lang="en-GB" dirty="0"/>
           </a:p>
@@ -8670,65 +8023,73 @@
           <a:lstStyle/>
           <a:p>
             <a:r>
-              <a:rPr lang="en-US" dirty="0" smtClean="0"/>
+              <a:rPr lang="en-US" sz="3000" dirty="0" smtClean="0"/>
               <a:t>Overrides or implements a factory method</a:t>
             </a:r>
           </a:p>
           <a:p>
             <a:pPr lvl="1"/>
             <a:r>
-              <a:rPr lang="en-US" dirty="0" smtClean="0"/>
+              <a:rPr lang="en-US" sz="3000" dirty="0" smtClean="0"/>
               <a:t>Abstract keyword is optional</a:t>
             </a:r>
           </a:p>
           <a:p>
             <a:pPr lvl="1"/>
             <a:r>
-              <a:rPr lang="en-US" dirty="0" smtClean="0"/>
+              <a:rPr lang="en-US" sz="3000" dirty="0" smtClean="0"/>
               <a:t>Public modifier required</a:t>
             </a:r>
           </a:p>
           <a:p>
             <a:pPr lvl="1"/>
             <a:r>
-              <a:rPr lang="en-US" dirty="0" smtClean="0"/>
+              <a:rPr lang="en-US" sz="3000" dirty="0" smtClean="0"/>
               <a:t>Final classes are not supported</a:t>
             </a:r>
           </a:p>
           <a:p>
             <a:r>
-              <a:rPr lang="en-US" dirty="0" smtClean="0"/>
+              <a:rPr lang="en-US" sz="3000" dirty="0" smtClean="0"/>
               <a:t>Accommodates special use cases</a:t>
             </a:r>
           </a:p>
           <a:p>
             <a:pPr lvl="1"/>
             <a:r>
-              <a:rPr lang="en-US" dirty="0" smtClean="0"/>
+              <a:rPr lang="en-US" sz="3000" dirty="0" smtClean="0"/>
               <a:t>Scope loss between bean and collaborators if the dependency specifies a more transient scope</a:t>
             </a:r>
           </a:p>
           <a:p>
             <a:pPr lvl="1"/>
             <a:r>
-              <a:rPr lang="en-US" dirty="0" smtClean="0"/>
-              <a:t>Version of the abstract template pattern</a:t>
-            </a:r>
-          </a:p>
-          <a:p>
-            <a:r>
-              <a:rPr lang="en-US" dirty="0" smtClean="0"/>
+              <a:rPr lang="en-US" sz="3000" dirty="0" smtClean="0"/>
+              <a:t>Version of the abstract template </a:t>
+            </a:r>
+            <a:r>
+              <a:rPr lang="en-US" sz="3000" dirty="0" smtClean="0"/>
+              <a:t>pattern</a:t>
+            </a:r>
+          </a:p>
+          <a:p>
+            <a:r>
+              <a:rPr lang="en-US" sz="3000" dirty="0" smtClean="0"/>
               <a:t>Requires </a:t>
             </a:r>
             <a:r>
-              <a:rPr lang="en-US" dirty="0" err="1" smtClean="0"/>
+              <a:rPr lang="en-US" sz="3000" dirty="0" err="1" smtClean="0"/>
               <a:t>cglib</a:t>
             </a:r>
             <a:r>
-              <a:rPr lang="en-US" dirty="0" smtClean="0"/>
-              <a:t> library</a:t>
-            </a:r>
-            <a:endParaRPr lang="en-GB" dirty="0"/>
+              <a:rPr lang="en-US" sz="3000" dirty="0" smtClean="0"/>
+              <a:t> </a:t>
+            </a:r>
+            <a:r>
+              <a:rPr lang="en-US" sz="3000" dirty="0" smtClean="0"/>
+              <a:t>library</a:t>
+            </a:r>
+            <a:endParaRPr lang="en-GB" sz="3000" dirty="0"/>
           </a:p>
         </p:txBody>
       </p:sp>
@@ -8752,7 +8113,7 @@
 </p:sld>
 </file>
 
-<file path=ppt/slides/slide53.xml><?xml version="1.0" encoding="utf-8"?>
+<file path=ppt/slides/slide49.xml><?xml version="1.0" encoding="utf-8"?>
 <p:sld xmlns:a="http://schemas.openxmlformats.org/drawingml/2006/main" xmlns:r="http://schemas.openxmlformats.org/officeDocument/2006/relationships" xmlns:p="http://schemas.openxmlformats.org/presentationml/2006/main">
   <p:cSld>
     <p:spTree>
@@ -8786,7 +8147,11 @@
           <a:p>
             <a:r>
               <a:rPr lang="en-US" dirty="0" smtClean="0"/>
-              <a:t>Lookup method DI</a:t>
+              <a:t>Lookup </a:t>
+            </a:r>
+            <a:r>
+              <a:rPr lang="en-US" dirty="0" smtClean="0"/>
+              <a:t>in DI</a:t>
             </a:r>
             <a:endParaRPr lang="en-GB" dirty="0"/>
           </a:p>
@@ -8836,7 +8201,7 @@
 </p:sld>
 </file>
 
-<file path=ppt/slides/slide54.xml><?xml version="1.0" encoding="utf-8"?>
+<file path=ppt/slides/slide5.xml><?xml version="1.0" encoding="utf-8"?>
 <p:sld xmlns:a="http://schemas.openxmlformats.org/drawingml/2006/main" xmlns:r="http://schemas.openxmlformats.org/officeDocument/2006/relationships" xmlns:p="http://schemas.openxmlformats.org/presentationml/2006/main">
   <p:cSld>
     <p:spTree>
@@ -8870,7 +8235,193 @@
           <a:p>
             <a:r>
               <a:rPr lang="en-US" dirty="0" smtClean="0"/>
-              <a:t>Lookup method DI</a:t>
+              <a:t>Bean name</a:t>
+            </a:r>
+            <a:endParaRPr lang="en-GB" dirty="0"/>
+          </a:p>
+        </p:txBody>
+      </p:sp>
+      <p:sp>
+        <p:nvSpPr>
+          <p:cNvPr id="3" name="Content Placeholder 2"/>
+          <p:cNvSpPr>
+            <a:spLocks noGrp="1"/>
+          </p:cNvSpPr>
+          <p:nvPr>
+            <p:ph idx="1"/>
+          </p:nvPr>
+        </p:nvSpPr>
+        <p:spPr/>
+        <p:txBody>
+          <a:bodyPr>
+            <a:normAutofit fontScale="85000" lnSpcReduction="20000"/>
+          </a:bodyPr>
+          <a:lstStyle/>
+          <a:p>
+            <a:r>
+              <a:rPr lang="en-US" dirty="0" smtClean="0"/>
+              <a:t>Uses </a:t>
+            </a:r>
+          </a:p>
+          <a:p>
+            <a:pPr lvl="1"/>
+            <a:r>
+              <a:rPr lang="en-US" dirty="0" smtClean="0"/>
+              <a:t>Identify bean</a:t>
+            </a:r>
+            <a:r>
+              <a:rPr lang="en-GB" dirty="0" smtClean="0"/>
+              <a:t> collaborators when defining spring beans</a:t>
+            </a:r>
+          </a:p>
+          <a:p>
+            <a:pPr lvl="1"/>
+            <a:r>
+              <a:rPr lang="en-US" dirty="0" smtClean="0"/>
+              <a:t>Identify beans to be accessed automatics from the spring </a:t>
+            </a:r>
+            <a:r>
+              <a:rPr lang="en-US" dirty="0" err="1" smtClean="0"/>
+              <a:t>IoC</a:t>
+            </a:r>
+            <a:r>
+              <a:rPr lang="en-US" dirty="0" smtClean="0"/>
+              <a:t> container using the bean factory API.</a:t>
+            </a:r>
+          </a:p>
+          <a:p>
+            <a:r>
+              <a:rPr lang="en-US" dirty="0" smtClean="0"/>
+              <a:t>Configuration</a:t>
+            </a:r>
+          </a:p>
+          <a:p>
+            <a:pPr lvl="1"/>
+            <a:r>
+              <a:rPr lang="en-US" dirty="0" smtClean="0"/>
+              <a:t>Xml bean attribute id</a:t>
+            </a:r>
+          </a:p>
+          <a:p>
+            <a:pPr lvl="1"/>
+            <a:r>
+              <a:rPr lang="en-US" dirty="0" smtClean="0"/>
+              <a:t>W3C xml schema datatype </a:t>
+            </a:r>
+          </a:p>
+          <a:p>
+            <a:pPr lvl="1"/>
+            <a:r>
+              <a:rPr lang="en-US" dirty="0" smtClean="0"/>
+              <a:t>Accepts a single value</a:t>
+            </a:r>
+          </a:p>
+          <a:p>
+            <a:pPr lvl="1"/>
+            <a:r>
+              <a:rPr lang="en-US" dirty="0" smtClean="0"/>
+              <a:t>Xml bean attribute name</a:t>
+            </a:r>
+          </a:p>
+          <a:p>
+            <a:pPr lvl="2"/>
+            <a:r>
+              <a:rPr lang="en-US" dirty="0" smtClean="0"/>
+              <a:t>One more values delimited by comma or space</a:t>
+            </a:r>
+          </a:p>
+          <a:p>
+            <a:pPr lvl="1"/>
+            <a:r>
+              <a:rPr lang="en-US" dirty="0" smtClean="0"/>
+              <a:t>Separate xml elements alias</a:t>
+            </a:r>
+          </a:p>
+        </p:txBody>
+      </p:sp>
+      <p:pic>
+        <p:nvPicPr>
+          <p:cNvPr id="4" name="Picture 3"/>
+          <p:cNvPicPr>
+            <a:picLocks noChangeAspect="1"/>
+          </p:cNvPicPr>
+          <p:nvPr/>
+        </p:nvPicPr>
+        <p:blipFill>
+          <a:blip r:embed="rId2"/>
+          <a:stretch>
+            <a:fillRect/>
+          </a:stretch>
+        </p:blipFill>
+        <p:spPr>
+          <a:xfrm>
+            <a:off x="5554134" y="3313616"/>
+            <a:ext cx="5983111" cy="1821556"/>
+          </a:xfrm>
+          <a:prstGeom prst="rect">
+            <a:avLst/>
+          </a:prstGeom>
+        </p:spPr>
+      </p:pic>
+    </p:spTree>
+    <p:extLst>
+      <p:ext uri="{BB962C8B-B14F-4D97-AF65-F5344CB8AC3E}">
+        <p14:creationId xmlns:p14="http://schemas.microsoft.com/office/powerpoint/2010/main" val="3154028223"/>
+      </p:ext>
+    </p:extLst>
+  </p:cSld>
+  <p:clrMapOvr>
+    <a:masterClrMapping/>
+  </p:clrMapOvr>
+  <p:timing>
+    <p:tnLst>
+      <p:par>
+        <p:cTn id="1" dur="indefinite" restart="never" nodeType="tmRoot"/>
+      </p:par>
+    </p:tnLst>
+  </p:timing>
+</p:sld>
+</file>
+
+<file path=ppt/slides/slide50.xml><?xml version="1.0" encoding="utf-8"?>
+<p:sld xmlns:a="http://schemas.openxmlformats.org/drawingml/2006/main" xmlns:r="http://schemas.openxmlformats.org/officeDocument/2006/relationships" xmlns:p="http://schemas.openxmlformats.org/presentationml/2006/main">
+  <p:cSld>
+    <p:spTree>
+      <p:nvGrpSpPr>
+        <p:cNvPr id="1" name=""/>
+        <p:cNvGrpSpPr/>
+        <p:nvPr/>
+      </p:nvGrpSpPr>
+      <p:grpSpPr>
+        <a:xfrm>
+          <a:off x="0" y="0"/>
+          <a:ext cx="0" cy="0"/>
+          <a:chOff x="0" y="0"/>
+          <a:chExt cx="0" cy="0"/>
+        </a:xfrm>
+      </p:grpSpPr>
+      <p:sp>
+        <p:nvSpPr>
+          <p:cNvPr id="2" name="Title 1"/>
+          <p:cNvSpPr>
+            <a:spLocks noGrp="1"/>
+          </p:cNvSpPr>
+          <p:nvPr>
+            <p:ph type="title"/>
+          </p:nvPr>
+        </p:nvSpPr>
+        <p:spPr/>
+        <p:txBody>
+          <a:bodyPr/>
+          <a:lstStyle/>
+          <a:p>
+            <a:r>
+              <a:rPr lang="en-US" dirty="0" smtClean="0"/>
+              <a:t>Lookup </a:t>
+            </a:r>
+            <a:r>
+              <a:rPr lang="en-US" dirty="0" smtClean="0"/>
+              <a:t>in DI</a:t>
             </a:r>
             <a:endParaRPr lang="en-GB" dirty="0"/>
           </a:p>
@@ -8920,7 +8471,7 @@
 </p:sld>
 </file>
 
-<file path=ppt/slides/slide55.xml><?xml version="1.0" encoding="utf-8"?>
+<file path=ppt/slides/slide51.xml><?xml version="1.0" encoding="utf-8"?>
 <p:sld xmlns:a="http://schemas.openxmlformats.org/drawingml/2006/main" xmlns:r="http://schemas.openxmlformats.org/officeDocument/2006/relationships" xmlns:p="http://schemas.openxmlformats.org/presentationml/2006/main">
   <p:cSld>
     <p:spTree>
@@ -9041,7 +8592,7 @@
 </p:sld>
 </file>
 
-<file path=ppt/slides/slide56.xml><?xml version="1.0" encoding="utf-8"?>
+<file path=ppt/slides/slide52.xml><?xml version="1.0" encoding="utf-8"?>
 <p:sld xmlns:a="http://schemas.openxmlformats.org/drawingml/2006/main" xmlns:r="http://schemas.openxmlformats.org/officeDocument/2006/relationships" xmlns:p="http://schemas.openxmlformats.org/presentationml/2006/main">
   <p:cSld>
     <p:spTree>
@@ -9129,6 +8680,455 @@
 </p:sld>
 </file>
 
+<file path=ppt/slides/slide53.xml><?xml version="1.0" encoding="utf-8"?>
+<p:sld xmlns:a="http://schemas.openxmlformats.org/drawingml/2006/main" xmlns:r="http://schemas.openxmlformats.org/officeDocument/2006/relationships" xmlns:p="http://schemas.openxmlformats.org/presentationml/2006/main">
+  <p:cSld>
+    <p:spTree>
+      <p:nvGrpSpPr>
+        <p:cNvPr id="1" name=""/>
+        <p:cNvGrpSpPr/>
+        <p:nvPr/>
+      </p:nvGrpSpPr>
+      <p:grpSpPr>
+        <a:xfrm>
+          <a:off x="0" y="0"/>
+          <a:ext cx="0" cy="0"/>
+          <a:chOff x="0" y="0"/>
+          <a:chExt cx="0" cy="0"/>
+        </a:xfrm>
+      </p:grpSpPr>
+      <p:sp>
+        <p:nvSpPr>
+          <p:cNvPr id="2" name="Title 1"/>
+          <p:cNvSpPr>
+            <a:spLocks noGrp="1"/>
+          </p:cNvSpPr>
+          <p:nvPr>
+            <p:ph type="title"/>
+          </p:nvPr>
+        </p:nvSpPr>
+        <p:spPr/>
+        <p:txBody>
+          <a:bodyPr/>
+          <a:lstStyle/>
+          <a:p>
+            <a:r>
+              <a:rPr lang="en-US" dirty="0" smtClean="0"/>
+              <a:t>Annotation –driven </a:t>
+            </a:r>
+            <a:r>
+              <a:rPr lang="en-US" dirty="0" err="1" smtClean="0"/>
+              <a:t>autowiring</a:t>
+            </a:r>
+            <a:endParaRPr lang="en-GB" dirty="0"/>
+          </a:p>
+        </p:txBody>
+      </p:sp>
+      <p:sp>
+        <p:nvSpPr>
+          <p:cNvPr id="3" name="Content Placeholder 2"/>
+          <p:cNvSpPr>
+            <a:spLocks noGrp="1"/>
+          </p:cNvSpPr>
+          <p:nvPr>
+            <p:ph idx="1"/>
+          </p:nvPr>
+        </p:nvSpPr>
+        <p:spPr/>
+        <p:txBody>
+          <a:bodyPr/>
+          <a:lstStyle/>
+          <a:p>
+            <a:r>
+              <a:rPr lang="en-US" dirty="0" smtClean="0"/>
+              <a:t>Uses annotations for specifying dependencies</a:t>
+            </a:r>
+          </a:p>
+          <a:p>
+            <a:r>
+              <a:rPr lang="en-US" dirty="0" smtClean="0"/>
+              <a:t>Reduce xml configuration</a:t>
+            </a:r>
+          </a:p>
+          <a:p>
+            <a:r>
+              <a:rPr lang="en-US" dirty="0" smtClean="0"/>
+              <a:t>Introduces spring class imports into source code</a:t>
+            </a:r>
+          </a:p>
+          <a:p>
+            <a:pPr lvl="1"/>
+            <a:r>
+              <a:rPr lang="en-US" dirty="0" smtClean="0"/>
+              <a:t>Violates POJO design principles </a:t>
+            </a:r>
+          </a:p>
+          <a:p>
+            <a:r>
+              <a:rPr lang="en-US" dirty="0" smtClean="0"/>
+              <a:t>Decentralizes application configuration</a:t>
+            </a:r>
+          </a:p>
+          <a:p>
+            <a:pPr lvl="1"/>
+            <a:r>
+              <a:rPr lang="en-US" dirty="0" smtClean="0"/>
+              <a:t>Mitigates the benefits of  a central blueprint</a:t>
+            </a:r>
+          </a:p>
+          <a:p>
+            <a:r>
+              <a:rPr lang="en-US" dirty="0" smtClean="0"/>
+              <a:t>Implies dependencies</a:t>
+            </a:r>
+          </a:p>
+        </p:txBody>
+      </p:sp>
+    </p:spTree>
+    <p:extLst>
+      <p:ext uri="{BB962C8B-B14F-4D97-AF65-F5344CB8AC3E}">
+        <p14:creationId xmlns:p14="http://schemas.microsoft.com/office/powerpoint/2010/main" val="3892975339"/>
+      </p:ext>
+    </p:extLst>
+  </p:cSld>
+  <p:clrMapOvr>
+    <a:masterClrMapping/>
+  </p:clrMapOvr>
+  <p:timing>
+    <p:tnLst>
+      <p:par>
+        <p:cTn id="1" dur="indefinite" restart="never" nodeType="tmRoot"/>
+      </p:par>
+    </p:tnLst>
+  </p:timing>
+</p:sld>
+</file>
+
+<file path=ppt/slides/slide54.xml><?xml version="1.0" encoding="utf-8"?>
+<p:sld xmlns:a="http://schemas.openxmlformats.org/drawingml/2006/main" xmlns:r="http://schemas.openxmlformats.org/officeDocument/2006/relationships" xmlns:p="http://schemas.openxmlformats.org/presentationml/2006/main">
+  <p:cSld>
+    <p:spTree>
+      <p:nvGrpSpPr>
+        <p:cNvPr id="1" name=""/>
+        <p:cNvGrpSpPr/>
+        <p:nvPr/>
+      </p:nvGrpSpPr>
+      <p:grpSpPr>
+        <a:xfrm>
+          <a:off x="0" y="0"/>
+          <a:ext cx="0" cy="0"/>
+          <a:chOff x="0" y="0"/>
+          <a:chExt cx="0" cy="0"/>
+        </a:xfrm>
+      </p:grpSpPr>
+      <p:sp>
+        <p:nvSpPr>
+          <p:cNvPr id="2" name="Title 1"/>
+          <p:cNvSpPr>
+            <a:spLocks noGrp="1"/>
+          </p:cNvSpPr>
+          <p:nvPr>
+            <p:ph type="title"/>
+          </p:nvPr>
+        </p:nvSpPr>
+        <p:spPr/>
+        <p:txBody>
+          <a:bodyPr/>
+          <a:lstStyle/>
+          <a:p>
+            <a:r>
+              <a:rPr lang="en-US" dirty="0" smtClean="0"/>
+              <a:t>Annotation –driven </a:t>
+            </a:r>
+            <a:r>
+              <a:rPr lang="en-US" dirty="0" err="1" smtClean="0"/>
+              <a:t>autowiring</a:t>
+            </a:r>
+            <a:r>
+              <a:rPr lang="en-US" dirty="0" smtClean="0"/>
+              <a:t> process</a:t>
+            </a:r>
+            <a:endParaRPr lang="en-GB" dirty="0"/>
+          </a:p>
+        </p:txBody>
+      </p:sp>
+      <p:sp>
+        <p:nvSpPr>
+          <p:cNvPr id="3" name="Content Placeholder 2"/>
+          <p:cNvSpPr>
+            <a:spLocks noGrp="1"/>
+          </p:cNvSpPr>
+          <p:nvPr>
+            <p:ph idx="1"/>
+          </p:nvPr>
+        </p:nvSpPr>
+        <p:spPr/>
+        <p:txBody>
+          <a:bodyPr/>
+          <a:lstStyle/>
+          <a:p>
+            <a:r>
+              <a:rPr lang="en-US" dirty="0" smtClean="0"/>
+              <a:t>Declare an empty xml element, context : annotation-</a:t>
+            </a:r>
+            <a:r>
+              <a:rPr lang="en-US" dirty="0" err="1" smtClean="0"/>
+              <a:t>config</a:t>
+            </a:r>
+            <a:endParaRPr lang="en-US" dirty="0" smtClean="0"/>
+          </a:p>
+          <a:p>
+            <a:pPr lvl="1"/>
+            <a:r>
+              <a:rPr lang="en-US" dirty="0" smtClean="0"/>
+              <a:t>Requirement depends on </a:t>
+            </a:r>
+            <a:r>
+              <a:rPr lang="en-US" dirty="0" err="1" smtClean="0"/>
+              <a:t>beanfactory</a:t>
+            </a:r>
+            <a:r>
+              <a:rPr lang="en-US" dirty="0" smtClean="0"/>
+              <a:t> implementation</a:t>
+            </a:r>
+          </a:p>
+          <a:p>
+            <a:r>
+              <a:rPr lang="en-US" dirty="0" smtClean="0"/>
+              <a:t>Annotate dependency target</a:t>
+            </a:r>
+          </a:p>
+          <a:p>
+            <a:pPr lvl="1"/>
+            <a:r>
+              <a:rPr lang="en-US" dirty="0" smtClean="0"/>
+              <a:t>Field</a:t>
+            </a:r>
+          </a:p>
+          <a:p>
+            <a:pPr lvl="1"/>
+            <a:r>
+              <a:rPr lang="en-US" dirty="0" smtClean="0"/>
+              <a:t>Method</a:t>
+            </a:r>
+          </a:p>
+          <a:p>
+            <a:pPr lvl="1"/>
+            <a:r>
+              <a:rPr lang="en-US" dirty="0" smtClean="0"/>
+              <a:t>Constructor</a:t>
+            </a:r>
+          </a:p>
+          <a:p>
+            <a:pPr lvl="1"/>
+            <a:endParaRPr lang="en-US" dirty="0" smtClean="0"/>
+          </a:p>
+          <a:p>
+            <a:pPr lvl="1"/>
+            <a:endParaRPr lang="en-GB" dirty="0"/>
+          </a:p>
+        </p:txBody>
+      </p:sp>
+    </p:spTree>
+    <p:extLst>
+      <p:ext uri="{BB962C8B-B14F-4D97-AF65-F5344CB8AC3E}">
+        <p14:creationId xmlns:p14="http://schemas.microsoft.com/office/powerpoint/2010/main" val="4011943763"/>
+      </p:ext>
+    </p:extLst>
+  </p:cSld>
+  <p:clrMapOvr>
+    <a:masterClrMapping/>
+  </p:clrMapOvr>
+  <p:timing>
+    <p:tnLst>
+      <p:par>
+        <p:cTn id="1" dur="indefinite" restart="never" nodeType="tmRoot"/>
+      </p:par>
+    </p:tnLst>
+  </p:timing>
+</p:sld>
+</file>
+
+<file path=ppt/slides/slide55.xml><?xml version="1.0" encoding="utf-8"?>
+<p:sld xmlns:a="http://schemas.openxmlformats.org/drawingml/2006/main" xmlns:r="http://schemas.openxmlformats.org/officeDocument/2006/relationships" xmlns:p="http://schemas.openxmlformats.org/presentationml/2006/main">
+  <p:cSld>
+    <p:spTree>
+      <p:nvGrpSpPr>
+        <p:cNvPr id="1" name=""/>
+        <p:cNvGrpSpPr/>
+        <p:nvPr/>
+      </p:nvGrpSpPr>
+      <p:grpSpPr>
+        <a:xfrm>
+          <a:off x="0" y="0"/>
+          <a:ext cx="0" cy="0"/>
+          <a:chOff x="0" y="0"/>
+          <a:chExt cx="0" cy="0"/>
+        </a:xfrm>
+      </p:grpSpPr>
+      <p:sp>
+        <p:nvSpPr>
+          <p:cNvPr id="2" name="Title 1"/>
+          <p:cNvSpPr>
+            <a:spLocks noGrp="1"/>
+          </p:cNvSpPr>
+          <p:nvPr>
+            <p:ph type="title"/>
+          </p:nvPr>
+        </p:nvSpPr>
+        <p:spPr/>
+        <p:txBody>
+          <a:bodyPr/>
+          <a:lstStyle/>
+          <a:p>
+            <a:r>
+              <a:rPr lang="en-US" dirty="0" smtClean="0"/>
+              <a:t>Annotation driven </a:t>
+            </a:r>
+            <a:r>
+              <a:rPr lang="en-US" dirty="0" err="1" smtClean="0"/>
+              <a:t>autowiring</a:t>
+            </a:r>
+            <a:endParaRPr lang="en-GB" dirty="0"/>
+          </a:p>
+        </p:txBody>
+      </p:sp>
+      <p:pic>
+        <p:nvPicPr>
+          <p:cNvPr id="4" name="Picture 3"/>
+          <p:cNvPicPr>
+            <a:picLocks noChangeAspect="1"/>
+          </p:cNvPicPr>
+          <p:nvPr/>
+        </p:nvPicPr>
+        <p:blipFill>
+          <a:blip r:embed="rId2"/>
+          <a:stretch>
+            <a:fillRect/>
+          </a:stretch>
+        </p:blipFill>
+        <p:spPr>
+          <a:xfrm>
+            <a:off x="1191692" y="1848140"/>
+            <a:ext cx="7109519" cy="4448901"/>
+          </a:xfrm>
+          <a:prstGeom prst="rect">
+            <a:avLst/>
+          </a:prstGeom>
+        </p:spPr>
+      </p:pic>
+    </p:spTree>
+    <p:extLst>
+      <p:ext uri="{BB962C8B-B14F-4D97-AF65-F5344CB8AC3E}">
+        <p14:creationId xmlns:p14="http://schemas.microsoft.com/office/powerpoint/2010/main" val="243713440"/>
+      </p:ext>
+    </p:extLst>
+  </p:cSld>
+  <p:clrMapOvr>
+    <a:masterClrMapping/>
+  </p:clrMapOvr>
+  <p:timing>
+    <p:tnLst>
+      <p:par>
+        <p:cTn id="1" dur="indefinite" restart="never" nodeType="tmRoot"/>
+      </p:par>
+    </p:tnLst>
+  </p:timing>
+</p:sld>
+</file>
+
+<file path=ppt/slides/slide56.xml><?xml version="1.0" encoding="utf-8"?>
+<p:sld xmlns:a="http://schemas.openxmlformats.org/drawingml/2006/main" xmlns:r="http://schemas.openxmlformats.org/officeDocument/2006/relationships" xmlns:p="http://schemas.openxmlformats.org/presentationml/2006/main">
+  <p:cSld>
+    <p:spTree>
+      <p:nvGrpSpPr>
+        <p:cNvPr id="1" name=""/>
+        <p:cNvGrpSpPr/>
+        <p:nvPr/>
+      </p:nvGrpSpPr>
+      <p:grpSpPr>
+        <a:xfrm>
+          <a:off x="0" y="0"/>
+          <a:ext cx="0" cy="0"/>
+          <a:chOff x="0" y="0"/>
+          <a:chExt cx="0" cy="0"/>
+        </a:xfrm>
+      </p:grpSpPr>
+      <p:sp>
+        <p:nvSpPr>
+          <p:cNvPr id="2" name="Title 1"/>
+          <p:cNvSpPr>
+            <a:spLocks noGrp="1"/>
+          </p:cNvSpPr>
+          <p:nvPr>
+            <p:ph type="title"/>
+          </p:nvPr>
+        </p:nvSpPr>
+        <p:spPr/>
+        <p:txBody>
+          <a:bodyPr/>
+          <a:lstStyle/>
+          <a:p>
+            <a:r>
+              <a:rPr lang="en-US" dirty="0" smtClean="0"/>
+              <a:t>Annotation driven </a:t>
+            </a:r>
+            <a:r>
+              <a:rPr lang="en-US" dirty="0" err="1" smtClean="0"/>
+              <a:t>autowiring</a:t>
+            </a:r>
+            <a:r>
+              <a:rPr lang="en-US" dirty="0" smtClean="0"/>
+              <a:t> </a:t>
+            </a:r>
+            <a:endParaRPr lang="en-GB" dirty="0"/>
+          </a:p>
+        </p:txBody>
+      </p:sp>
+      <p:pic>
+        <p:nvPicPr>
+          <p:cNvPr id="5" name="Picture 4"/>
+          <p:cNvPicPr>
+            <a:picLocks noChangeAspect="1"/>
+          </p:cNvPicPr>
+          <p:nvPr/>
+        </p:nvPicPr>
+        <p:blipFill>
+          <a:blip r:embed="rId2"/>
+          <a:stretch>
+            <a:fillRect/>
+          </a:stretch>
+        </p:blipFill>
+        <p:spPr>
+          <a:xfrm>
+            <a:off x="1699506" y="2379133"/>
+            <a:ext cx="7686675" cy="2438400"/>
+          </a:xfrm>
+          <a:prstGeom prst="rect">
+            <a:avLst/>
+          </a:prstGeom>
+        </p:spPr>
+      </p:pic>
+    </p:spTree>
+    <p:extLst>
+      <p:ext uri="{BB962C8B-B14F-4D97-AF65-F5344CB8AC3E}">
+        <p14:creationId xmlns:p14="http://schemas.microsoft.com/office/powerpoint/2010/main" val="272518480"/>
+      </p:ext>
+    </p:extLst>
+  </p:cSld>
+  <p:clrMapOvr>
+    <a:masterClrMapping/>
+  </p:clrMapOvr>
+  <p:timing>
+    <p:tnLst>
+      <p:par>
+        <p:cTn id="1" dur="indefinite" restart="never" nodeType="tmRoot"/>
+      </p:par>
+    </p:tnLst>
+  </p:timing>
+</p:sld>
+</file>
+
 <file path=ppt/slides/slide57.xml><?xml version="1.0" encoding="utf-8"?>
 <p:sld xmlns:a="http://schemas.openxmlformats.org/drawingml/2006/main" xmlns:r="http://schemas.openxmlformats.org/officeDocument/2006/relationships" xmlns:p="http://schemas.openxmlformats.org/presentationml/2006/main">
   <p:cSld>
@@ -9163,80 +9163,48 @@
           <a:p>
             <a:r>
               <a:rPr lang="en-US" dirty="0" smtClean="0"/>
-              <a:t>Annotation –driven </a:t>
+              <a:t>Annotation-driven </a:t>
             </a:r>
             <a:r>
               <a:rPr lang="en-US" dirty="0" err="1" smtClean="0"/>
               <a:t>autowiring</a:t>
             </a:r>
+            <a:r>
+              <a:rPr lang="en-US" dirty="0" smtClean="0"/>
+              <a:t> constructor</a:t>
+            </a:r>
             <a:endParaRPr lang="en-GB" dirty="0"/>
           </a:p>
         </p:txBody>
       </p:sp>
-      <p:sp>
-        <p:nvSpPr>
-          <p:cNvPr id="3" name="Content Placeholder 2"/>
-          <p:cNvSpPr>
-            <a:spLocks noGrp="1"/>
-          </p:cNvSpPr>
-          <p:nvPr>
-            <p:ph idx="1"/>
-          </p:nvPr>
-        </p:nvSpPr>
-        <p:spPr/>
-        <p:txBody>
-          <a:bodyPr/>
-          <a:lstStyle/>
-          <a:p>
-            <a:r>
-              <a:rPr lang="en-US" dirty="0" smtClean="0"/>
-              <a:t>Uses annotations for specifying dependencies</a:t>
-            </a:r>
-          </a:p>
-          <a:p>
-            <a:r>
-              <a:rPr lang="en-US" dirty="0" smtClean="0"/>
-              <a:t>Reduce xml configuration</a:t>
-            </a:r>
-          </a:p>
-          <a:p>
-            <a:r>
-              <a:rPr lang="en-US" dirty="0" smtClean="0"/>
-              <a:t>Introduces spring class imports into source code</a:t>
-            </a:r>
-          </a:p>
-          <a:p>
-            <a:pPr lvl="1"/>
-            <a:r>
-              <a:rPr lang="en-US" dirty="0" smtClean="0"/>
-              <a:t>Violates POJO design principles </a:t>
-            </a:r>
-          </a:p>
-          <a:p>
-            <a:r>
-              <a:rPr lang="en-US" dirty="0" smtClean="0"/>
-              <a:t>Decentralizes application configuration</a:t>
-            </a:r>
-          </a:p>
-          <a:p>
-            <a:pPr lvl="1"/>
-            <a:r>
-              <a:rPr lang="en-US" dirty="0" smtClean="0"/>
-              <a:t>Mitigates the benefits of  a central blueprint</a:t>
-            </a:r>
-          </a:p>
-          <a:p>
-            <a:r>
-              <a:rPr lang="en-US" dirty="0" smtClean="0"/>
-              <a:t>Implies dependencies</a:t>
-            </a:r>
-          </a:p>
-        </p:txBody>
-      </p:sp>
+      <p:pic>
+        <p:nvPicPr>
+          <p:cNvPr id="4" name="Picture 3"/>
+          <p:cNvPicPr>
+            <a:picLocks noChangeAspect="1"/>
+          </p:cNvPicPr>
+          <p:nvPr/>
+        </p:nvPicPr>
+        <p:blipFill>
+          <a:blip r:embed="rId2"/>
+          <a:stretch>
+            <a:fillRect/>
+          </a:stretch>
+        </p:blipFill>
+        <p:spPr>
+          <a:xfrm>
+            <a:off x="1271587" y="1934279"/>
+            <a:ext cx="9284797" cy="4139142"/>
+          </a:xfrm>
+          <a:prstGeom prst="rect">
+            <a:avLst/>
+          </a:prstGeom>
+        </p:spPr>
+      </p:pic>
     </p:spTree>
     <p:extLst>
       <p:ext uri="{BB962C8B-B14F-4D97-AF65-F5344CB8AC3E}">
-        <p14:creationId xmlns:p14="http://schemas.microsoft.com/office/powerpoint/2010/main" val="3892975339"/>
+        <p14:creationId xmlns:p14="http://schemas.microsoft.com/office/powerpoint/2010/main" val="4028018455"/>
       </p:ext>
     </p:extLst>
   </p:cSld>
@@ -9280,14 +9248,19 @@
             <p:ph type="title"/>
           </p:nvPr>
         </p:nvSpPr>
-        <p:spPr/>
-        <p:txBody>
-          <a:bodyPr/>
-          <a:lstStyle/>
-          <a:p>
-            <a:r>
-              <a:rPr lang="en-US" dirty="0" smtClean="0"/>
-              <a:t>Annotation –driven </a:t>
+        <p:spPr>
+          <a:xfrm>
+            <a:off x="609600" y="522993"/>
+            <a:ext cx="10972800" cy="1143000"/>
+          </a:xfrm>
+        </p:spPr>
+        <p:txBody>
+          <a:bodyPr/>
+          <a:lstStyle/>
+          <a:p>
+            <a:r>
+              <a:rPr lang="en-US" dirty="0" smtClean="0"/>
+              <a:t>Annotation-driven </a:t>
             </a:r>
             <a:r>
               <a:rPr lang="en-US" dirty="0" err="1" smtClean="0"/>
@@ -9295,93 +9268,44 @@
             </a:r>
             <a:r>
               <a:rPr lang="en-US" dirty="0" smtClean="0"/>
-              <a:t> process</a:t>
+              <a:t> property sette</a:t>
+            </a:r>
+            <a:r>
+              <a:rPr lang="en-US" dirty="0"/>
+              <a:t>r</a:t>
             </a:r>
             <a:endParaRPr lang="en-GB" dirty="0"/>
           </a:p>
         </p:txBody>
       </p:sp>
-      <p:sp>
-        <p:nvSpPr>
-          <p:cNvPr id="3" name="Content Placeholder 2"/>
-          <p:cNvSpPr>
-            <a:spLocks noGrp="1"/>
-          </p:cNvSpPr>
-          <p:nvPr>
-            <p:ph idx="1"/>
-          </p:nvPr>
-        </p:nvSpPr>
-        <p:spPr/>
-        <p:txBody>
-          <a:bodyPr/>
-          <a:lstStyle/>
-          <a:p>
-            <a:r>
-              <a:rPr lang="en-US" dirty="0" smtClean="0"/>
-              <a:t>Declare an empty xml element, context : annotation-</a:t>
-            </a:r>
-            <a:r>
-              <a:rPr lang="en-US" dirty="0" err="1" smtClean="0"/>
-              <a:t>config</a:t>
-            </a:r>
-            <a:endParaRPr lang="en-US" dirty="0" smtClean="0"/>
-          </a:p>
-          <a:p>
-            <a:pPr lvl="1"/>
-            <a:r>
-              <a:rPr lang="en-US" dirty="0" smtClean="0"/>
-              <a:t>Requirement depends on </a:t>
-            </a:r>
-            <a:r>
-              <a:rPr lang="en-US" dirty="0" err="1" smtClean="0"/>
-              <a:t>beanfactory</a:t>
-            </a:r>
-            <a:r>
-              <a:rPr lang="en-US" dirty="0" smtClean="0"/>
-              <a:t> implementation</a:t>
-            </a:r>
-          </a:p>
-          <a:p>
-            <a:r>
-              <a:rPr lang="en-US" dirty="0" smtClean="0"/>
-              <a:t>Annotate dependency target</a:t>
-            </a:r>
-          </a:p>
-          <a:p>
-            <a:pPr lvl="1"/>
-            <a:r>
-              <a:rPr lang="en-US" dirty="0" smtClean="0"/>
-              <a:t>Field</a:t>
-            </a:r>
-          </a:p>
-          <a:p>
-            <a:pPr lvl="1"/>
-            <a:r>
-              <a:rPr lang="en-US" dirty="0" smtClean="0"/>
-              <a:t>Method</a:t>
-            </a:r>
-          </a:p>
-          <a:p>
-            <a:pPr lvl="1"/>
-            <a:r>
-              <a:rPr lang="en-US" dirty="0" smtClean="0"/>
-              <a:t>Constructor</a:t>
-            </a:r>
-          </a:p>
-          <a:p>
-            <a:pPr lvl="1"/>
-            <a:endParaRPr lang="en-US" dirty="0" smtClean="0"/>
-          </a:p>
-          <a:p>
-            <a:pPr lvl="1"/>
-            <a:endParaRPr lang="en-GB" dirty="0"/>
-          </a:p>
-        </p:txBody>
-      </p:sp>
+      <p:pic>
+        <p:nvPicPr>
+          <p:cNvPr id="5" name="Picture 4"/>
+          <p:cNvPicPr>
+            <a:picLocks noChangeAspect="1"/>
+          </p:cNvPicPr>
+          <p:nvPr/>
+        </p:nvPicPr>
+        <p:blipFill>
+          <a:blip r:embed="rId2"/>
+          <a:stretch>
+            <a:fillRect/>
+          </a:stretch>
+        </p:blipFill>
+        <p:spPr>
+          <a:xfrm>
+            <a:off x="1182472" y="1843264"/>
+            <a:ext cx="9014255" cy="4196291"/>
+          </a:xfrm>
+          <a:prstGeom prst="rect">
+            <a:avLst/>
+          </a:prstGeom>
+        </p:spPr>
+      </p:pic>
     </p:spTree>
     <p:extLst>
       <p:ext uri="{BB962C8B-B14F-4D97-AF65-F5344CB8AC3E}">
-        <p14:creationId xmlns:p14="http://schemas.microsoft.com/office/powerpoint/2010/main" val="4011943763"/>
+        <p14:creationId xmlns:p14="http://schemas.microsoft.com/office/powerpoint/2010/main" val="56920744"/>
       </p:ext>
     </p:extLst>
   </p:cSld>
@@ -9432,11 +9356,7 @@
           <a:p>
             <a:r>
               <a:rPr lang="en-US" dirty="0" smtClean="0"/>
-              <a:t>Annotation driven </a:t>
-            </a:r>
-            <a:r>
-              <a:rPr lang="en-US" dirty="0" err="1" smtClean="0"/>
-              <a:t>autowiring</a:t>
+              <a:t>Auto wired test contexts</a:t>
             </a:r>
             <a:endParaRPr lang="en-GB" dirty="0"/>
           </a:p>
@@ -9458,8 +9378,8 @@
         </p:blipFill>
         <p:spPr>
           <a:xfrm>
-            <a:off x="1191692" y="1848140"/>
-            <a:ext cx="7109519" cy="4448901"/>
+            <a:off x="1228371" y="1893180"/>
+            <a:ext cx="9276017" cy="4349575"/>
           </a:xfrm>
           <a:prstGeom prst="rect">
             <a:avLst/>
@@ -9469,7 +9389,7 @@
     </p:spTree>
     <p:extLst>
       <p:ext uri="{BB962C8B-B14F-4D97-AF65-F5344CB8AC3E}">
-        <p14:creationId xmlns:p14="http://schemas.microsoft.com/office/powerpoint/2010/main" val="243713440"/>
+        <p14:creationId xmlns:p14="http://schemas.microsoft.com/office/powerpoint/2010/main" val="1182692458"/>
       </p:ext>
     </p:extLst>
   </p:cSld>
@@ -9638,48 +9558,135 @@
           <a:p>
             <a:r>
               <a:rPr lang="en-US" dirty="0" smtClean="0"/>
-              <a:t>Annotation driven </a:t>
+              <a:t>General approach review</a:t>
+            </a:r>
+            <a:endParaRPr lang="en-GB" dirty="0"/>
+          </a:p>
+        </p:txBody>
+      </p:sp>
+      <p:sp>
+        <p:nvSpPr>
+          <p:cNvPr id="3" name="Content Placeholder 2"/>
+          <p:cNvSpPr>
+            <a:spLocks noGrp="1"/>
+          </p:cNvSpPr>
+          <p:nvPr>
+            <p:ph idx="1"/>
+          </p:nvPr>
+        </p:nvSpPr>
+        <p:spPr/>
+        <p:txBody>
+          <a:bodyPr>
+            <a:normAutofit fontScale="70000" lnSpcReduction="20000"/>
+          </a:bodyPr>
+          <a:lstStyle/>
+          <a:p>
+            <a:r>
+              <a:rPr lang="en-US" dirty="0" smtClean="0"/>
+              <a:t>Define and create service interfaces</a:t>
+            </a:r>
+          </a:p>
+          <a:p>
+            <a:r>
+              <a:rPr lang="en-US" dirty="0" smtClean="0"/>
+              <a:t>Implement services interfaces</a:t>
+            </a:r>
+          </a:p>
+          <a:p>
+            <a:r>
+              <a:rPr lang="en-US" dirty="0" smtClean="0"/>
+              <a:t>Add the bean definitions</a:t>
+            </a:r>
+          </a:p>
+          <a:p>
+            <a:pPr lvl="1"/>
+            <a:r>
+              <a:rPr lang="en-US" dirty="0" smtClean="0"/>
+              <a:t>Establish identifiers using the id attribute</a:t>
+            </a:r>
+          </a:p>
+          <a:p>
+            <a:pPr lvl="2"/>
+            <a:r>
+              <a:rPr lang="en-US" dirty="0" smtClean="0"/>
+              <a:t>Alias can be published using name attribute or alias element</a:t>
+            </a:r>
+          </a:p>
+          <a:p>
+            <a:pPr lvl="1"/>
+            <a:r>
+              <a:rPr lang="en-US" dirty="0" smtClean="0"/>
+              <a:t>Develop bean names consistently using name attribute or alias</a:t>
+            </a:r>
+            <a:r>
+              <a:rPr lang="en-GB" dirty="0" smtClean="0"/>
+              <a:t> element</a:t>
+            </a:r>
+          </a:p>
+          <a:p>
+            <a:pPr lvl="1"/>
+            <a:r>
+              <a:rPr lang="en-US" dirty="0" smtClean="0"/>
+              <a:t>Develop bean names consistently using a convention </a:t>
+            </a:r>
+          </a:p>
+          <a:p>
+            <a:pPr lvl="1"/>
+            <a:r>
+              <a:rPr lang="en-US" dirty="0" smtClean="0"/>
+              <a:t>Default to singleton beans</a:t>
+            </a:r>
+          </a:p>
+          <a:p>
+            <a:pPr lvl="2"/>
+            <a:r>
+              <a:rPr lang="en-US" dirty="0" smtClean="0"/>
+              <a:t>Override bean creation and caching using scope attribute</a:t>
+            </a:r>
+          </a:p>
+          <a:p>
+            <a:pPr lvl="1"/>
+            <a:r>
+              <a:rPr lang="en-US" dirty="0" smtClean="0"/>
+              <a:t>Specify bean inter-dependencies using DI mechanism </a:t>
+            </a:r>
+          </a:p>
+          <a:p>
+            <a:pPr lvl="2"/>
+            <a:r>
+              <a:rPr lang="en-US" dirty="0" smtClean="0"/>
+              <a:t>Property setter , constructor , lookup –method , </a:t>
             </a:r>
             <a:r>
               <a:rPr lang="en-US" dirty="0" err="1" smtClean="0"/>
               <a:t>autowiring</a:t>
             </a:r>
-            <a:r>
-              <a:rPr lang="en-US" dirty="0" smtClean="0"/>
-              <a:t> </a:t>
-            </a:r>
-            <a:endParaRPr lang="en-GB" dirty="0"/>
-          </a:p>
-        </p:txBody>
-      </p:sp>
-      <p:pic>
-        <p:nvPicPr>
-          <p:cNvPr id="5" name="Picture 4"/>
-          <p:cNvPicPr>
-            <a:picLocks noChangeAspect="1"/>
-          </p:cNvPicPr>
-          <p:nvPr/>
-        </p:nvPicPr>
-        <p:blipFill>
-          <a:blip r:embed="rId2"/>
-          <a:stretch>
-            <a:fillRect/>
-          </a:stretch>
-        </p:blipFill>
-        <p:spPr>
-          <a:xfrm>
-            <a:off x="1699506" y="2379133"/>
-            <a:ext cx="7686675" cy="2438400"/>
-          </a:xfrm>
-          <a:prstGeom prst="rect">
-            <a:avLst/>
-          </a:prstGeom>
-        </p:spPr>
-      </p:pic>
+            <a:endParaRPr lang="en-US" dirty="0" smtClean="0"/>
+          </a:p>
+          <a:p>
+            <a:r>
+              <a:rPr lang="en-US" dirty="0" smtClean="0"/>
+              <a:t>Access and use container –managed beans</a:t>
+            </a:r>
+          </a:p>
+          <a:p>
+            <a:pPr lvl="1"/>
+            <a:r>
+              <a:rPr lang="en-US" dirty="0" smtClean="0"/>
+              <a:t>The access and integration method is context-</a:t>
+            </a:r>
+            <a:r>
+              <a:rPr lang="en-US" dirty="0" err="1" smtClean="0"/>
+              <a:t>indenpendent</a:t>
+            </a:r>
+            <a:endParaRPr lang="en-US" dirty="0" smtClean="0"/>
+          </a:p>
+        </p:txBody>
+      </p:sp>
     </p:spTree>
     <p:extLst>
       <p:ext uri="{BB962C8B-B14F-4D97-AF65-F5344CB8AC3E}">
-        <p14:creationId xmlns:p14="http://schemas.microsoft.com/office/powerpoint/2010/main" val="272518480"/>
+        <p14:creationId xmlns:p14="http://schemas.microsoft.com/office/powerpoint/2010/main" val="3581871479"/>
       </p:ext>
     </p:extLst>
   </p:cSld>
@@ -9730,284 +9737,12 @@
           <a:p>
             <a:r>
               <a:rPr lang="en-US" dirty="0" smtClean="0"/>
-              <a:t>Annotation-driven </a:t>
-            </a:r>
-            <a:r>
-              <a:rPr lang="en-US" dirty="0" err="1" smtClean="0"/>
-              <a:t>autowiring</a:t>
-            </a:r>
-            <a:r>
-              <a:rPr lang="en-US" dirty="0" smtClean="0"/>
-              <a:t> constructor</a:t>
+              <a:t>Summary</a:t>
             </a:r>
             <a:endParaRPr lang="en-GB" dirty="0"/>
           </a:p>
         </p:txBody>
       </p:sp>
-      <p:pic>
-        <p:nvPicPr>
-          <p:cNvPr id="4" name="Picture 3"/>
-          <p:cNvPicPr>
-            <a:picLocks noChangeAspect="1"/>
-          </p:cNvPicPr>
-          <p:nvPr/>
-        </p:nvPicPr>
-        <p:blipFill>
-          <a:blip r:embed="rId2"/>
-          <a:stretch>
-            <a:fillRect/>
-          </a:stretch>
-        </p:blipFill>
-        <p:spPr>
-          <a:xfrm>
-            <a:off x="1271587" y="1934279"/>
-            <a:ext cx="9284797" cy="4139142"/>
-          </a:xfrm>
-          <a:prstGeom prst="rect">
-            <a:avLst/>
-          </a:prstGeom>
-        </p:spPr>
-      </p:pic>
-    </p:spTree>
-    <p:extLst>
-      <p:ext uri="{BB962C8B-B14F-4D97-AF65-F5344CB8AC3E}">
-        <p14:creationId xmlns:p14="http://schemas.microsoft.com/office/powerpoint/2010/main" val="4028018455"/>
-      </p:ext>
-    </p:extLst>
-  </p:cSld>
-  <p:clrMapOvr>
-    <a:masterClrMapping/>
-  </p:clrMapOvr>
-  <p:timing>
-    <p:tnLst>
-      <p:par>
-        <p:cTn id="1" dur="indefinite" restart="never" nodeType="tmRoot"/>
-      </p:par>
-    </p:tnLst>
-  </p:timing>
-</p:sld>
-</file>
-
-<file path=ppt/slides/slide62.xml><?xml version="1.0" encoding="utf-8"?>
-<p:sld xmlns:a="http://schemas.openxmlformats.org/drawingml/2006/main" xmlns:r="http://schemas.openxmlformats.org/officeDocument/2006/relationships" xmlns:p="http://schemas.openxmlformats.org/presentationml/2006/main">
-  <p:cSld>
-    <p:spTree>
-      <p:nvGrpSpPr>
-        <p:cNvPr id="1" name=""/>
-        <p:cNvGrpSpPr/>
-        <p:nvPr/>
-      </p:nvGrpSpPr>
-      <p:grpSpPr>
-        <a:xfrm>
-          <a:off x="0" y="0"/>
-          <a:ext cx="0" cy="0"/>
-          <a:chOff x="0" y="0"/>
-          <a:chExt cx="0" cy="0"/>
-        </a:xfrm>
-      </p:grpSpPr>
-      <p:sp>
-        <p:nvSpPr>
-          <p:cNvPr id="2" name="Title 1"/>
-          <p:cNvSpPr>
-            <a:spLocks noGrp="1"/>
-          </p:cNvSpPr>
-          <p:nvPr>
-            <p:ph type="title"/>
-          </p:nvPr>
-        </p:nvSpPr>
-        <p:spPr/>
-        <p:txBody>
-          <a:bodyPr/>
-          <a:lstStyle/>
-          <a:p>
-            <a:r>
-              <a:rPr lang="en-US" dirty="0" smtClean="0"/>
-              <a:t>Annotation-driven </a:t>
-            </a:r>
-            <a:r>
-              <a:rPr lang="en-US" dirty="0" err="1" smtClean="0"/>
-              <a:t>autowiring</a:t>
-            </a:r>
-            <a:r>
-              <a:rPr lang="en-US" dirty="0" smtClean="0"/>
-              <a:t> property sette</a:t>
-            </a:r>
-            <a:r>
-              <a:rPr lang="en-US" dirty="0"/>
-              <a:t>r</a:t>
-            </a:r>
-            <a:endParaRPr lang="en-GB" dirty="0"/>
-          </a:p>
-        </p:txBody>
-      </p:sp>
-      <p:pic>
-        <p:nvPicPr>
-          <p:cNvPr id="5" name="Picture 4"/>
-          <p:cNvPicPr>
-            <a:picLocks noChangeAspect="1"/>
-          </p:cNvPicPr>
-          <p:nvPr/>
-        </p:nvPicPr>
-        <p:blipFill>
-          <a:blip r:embed="rId2"/>
-          <a:stretch>
-            <a:fillRect/>
-          </a:stretch>
-        </p:blipFill>
-        <p:spPr>
-          <a:xfrm>
-            <a:off x="1182472" y="1843264"/>
-            <a:ext cx="9014255" cy="4196291"/>
-          </a:xfrm>
-          <a:prstGeom prst="rect">
-            <a:avLst/>
-          </a:prstGeom>
-        </p:spPr>
-      </p:pic>
-    </p:spTree>
-    <p:extLst>
-      <p:ext uri="{BB962C8B-B14F-4D97-AF65-F5344CB8AC3E}">
-        <p14:creationId xmlns:p14="http://schemas.microsoft.com/office/powerpoint/2010/main" val="56920744"/>
-      </p:ext>
-    </p:extLst>
-  </p:cSld>
-  <p:clrMapOvr>
-    <a:masterClrMapping/>
-  </p:clrMapOvr>
-  <p:timing>
-    <p:tnLst>
-      <p:par>
-        <p:cTn id="1" dur="indefinite" restart="never" nodeType="tmRoot"/>
-      </p:par>
-    </p:tnLst>
-  </p:timing>
-</p:sld>
-</file>
-
-<file path=ppt/slides/slide63.xml><?xml version="1.0" encoding="utf-8"?>
-<p:sld xmlns:a="http://schemas.openxmlformats.org/drawingml/2006/main" xmlns:r="http://schemas.openxmlformats.org/officeDocument/2006/relationships" xmlns:p="http://schemas.openxmlformats.org/presentationml/2006/main">
-  <p:cSld>
-    <p:spTree>
-      <p:nvGrpSpPr>
-        <p:cNvPr id="1" name=""/>
-        <p:cNvGrpSpPr/>
-        <p:nvPr/>
-      </p:nvGrpSpPr>
-      <p:grpSpPr>
-        <a:xfrm>
-          <a:off x="0" y="0"/>
-          <a:ext cx="0" cy="0"/>
-          <a:chOff x="0" y="0"/>
-          <a:chExt cx="0" cy="0"/>
-        </a:xfrm>
-      </p:grpSpPr>
-      <p:sp>
-        <p:nvSpPr>
-          <p:cNvPr id="2" name="Title 1"/>
-          <p:cNvSpPr>
-            <a:spLocks noGrp="1"/>
-          </p:cNvSpPr>
-          <p:nvPr>
-            <p:ph type="title"/>
-          </p:nvPr>
-        </p:nvSpPr>
-        <p:spPr/>
-        <p:txBody>
-          <a:bodyPr/>
-          <a:lstStyle/>
-          <a:p>
-            <a:r>
-              <a:rPr lang="en-US" dirty="0" smtClean="0"/>
-              <a:t>Auto wired test contexts</a:t>
-            </a:r>
-            <a:endParaRPr lang="en-GB" dirty="0"/>
-          </a:p>
-        </p:txBody>
-      </p:sp>
-      <p:pic>
-        <p:nvPicPr>
-          <p:cNvPr id="4" name="Picture 3"/>
-          <p:cNvPicPr>
-            <a:picLocks noChangeAspect="1"/>
-          </p:cNvPicPr>
-          <p:nvPr/>
-        </p:nvPicPr>
-        <p:blipFill>
-          <a:blip r:embed="rId2"/>
-          <a:stretch>
-            <a:fillRect/>
-          </a:stretch>
-        </p:blipFill>
-        <p:spPr>
-          <a:xfrm>
-            <a:off x="1228371" y="1893180"/>
-            <a:ext cx="9276017" cy="4349575"/>
-          </a:xfrm>
-          <a:prstGeom prst="rect">
-            <a:avLst/>
-          </a:prstGeom>
-        </p:spPr>
-      </p:pic>
-    </p:spTree>
-    <p:extLst>
-      <p:ext uri="{BB962C8B-B14F-4D97-AF65-F5344CB8AC3E}">
-        <p14:creationId xmlns:p14="http://schemas.microsoft.com/office/powerpoint/2010/main" val="1182692458"/>
-      </p:ext>
-    </p:extLst>
-  </p:cSld>
-  <p:clrMapOvr>
-    <a:masterClrMapping/>
-  </p:clrMapOvr>
-  <p:timing>
-    <p:tnLst>
-      <p:par>
-        <p:cTn id="1" dur="indefinite" restart="never" nodeType="tmRoot"/>
-      </p:par>
-    </p:tnLst>
-  </p:timing>
-</p:sld>
-</file>
-
-<file path=ppt/slides/slide64.xml><?xml version="1.0" encoding="utf-8"?>
-<p:sld xmlns:a="http://schemas.openxmlformats.org/drawingml/2006/main" xmlns:r="http://schemas.openxmlformats.org/officeDocument/2006/relationships" xmlns:p="http://schemas.openxmlformats.org/presentationml/2006/main">
-  <p:cSld>
-    <p:spTree>
-      <p:nvGrpSpPr>
-        <p:cNvPr id="1" name=""/>
-        <p:cNvGrpSpPr/>
-        <p:nvPr/>
-      </p:nvGrpSpPr>
-      <p:grpSpPr>
-        <a:xfrm>
-          <a:off x="0" y="0"/>
-          <a:ext cx="0" cy="0"/>
-          <a:chOff x="0" y="0"/>
-          <a:chExt cx="0" cy="0"/>
-        </a:xfrm>
-      </p:grpSpPr>
-      <p:sp>
-        <p:nvSpPr>
-          <p:cNvPr id="2" name="Title 1"/>
-          <p:cNvSpPr>
-            <a:spLocks noGrp="1"/>
-          </p:cNvSpPr>
-          <p:nvPr>
-            <p:ph type="title"/>
-          </p:nvPr>
-        </p:nvSpPr>
-        <p:spPr/>
-        <p:txBody>
-          <a:bodyPr/>
-          <a:lstStyle/>
-          <a:p>
-            <a:r>
-              <a:rPr lang="en-US" dirty="0" smtClean="0"/>
-              <a:t>General approach review</a:t>
-            </a:r>
-            <a:endParaRPr lang="en-GB" dirty="0"/>
-          </a:p>
-        </p:txBody>
-      </p:sp>
       <p:sp>
         <p:nvSpPr>
           <p:cNvPr id="3" name="Content Placeholder 2"/>
@@ -10021,186 +9756,7 @@
         <p:spPr/>
         <p:txBody>
           <a:bodyPr>
-            <a:normAutofit fontScale="92500" lnSpcReduction="20000"/>
-          </a:bodyPr>
-          <a:lstStyle/>
-          <a:p>
-            <a:r>
-              <a:rPr lang="en-US" dirty="0" smtClean="0"/>
-              <a:t>Define and create service interfaces</a:t>
-            </a:r>
-          </a:p>
-          <a:p>
-            <a:r>
-              <a:rPr lang="en-US" dirty="0" smtClean="0"/>
-              <a:t>Implement services interfaces</a:t>
-            </a:r>
-          </a:p>
-          <a:p>
-            <a:r>
-              <a:rPr lang="en-US" dirty="0" smtClean="0"/>
-              <a:t>Add the bean definitions</a:t>
-            </a:r>
-          </a:p>
-          <a:p>
-            <a:pPr lvl="1"/>
-            <a:r>
-              <a:rPr lang="en-US" dirty="0" smtClean="0"/>
-              <a:t>Establish identifiers using the id attribute</a:t>
-            </a:r>
-          </a:p>
-          <a:p>
-            <a:pPr lvl="2"/>
-            <a:r>
-              <a:rPr lang="en-US" dirty="0" smtClean="0"/>
-              <a:t>Alias can be published using name attribute or alias element</a:t>
-            </a:r>
-          </a:p>
-          <a:p>
-            <a:pPr lvl="1"/>
-            <a:r>
-              <a:rPr lang="en-US" dirty="0" smtClean="0"/>
-              <a:t>Develop bean names consistently using name attribute or alias</a:t>
-            </a:r>
-            <a:r>
-              <a:rPr lang="en-GB" dirty="0" smtClean="0"/>
-              <a:t> element</a:t>
-            </a:r>
-          </a:p>
-          <a:p>
-            <a:pPr lvl="1"/>
-            <a:r>
-              <a:rPr lang="en-US" dirty="0" smtClean="0"/>
-              <a:t>Develop bean names consistently using a convention </a:t>
-            </a:r>
-          </a:p>
-          <a:p>
-            <a:pPr lvl="1"/>
-            <a:r>
-              <a:rPr lang="en-US" dirty="0" smtClean="0"/>
-              <a:t>Default to singleton beans</a:t>
-            </a:r>
-          </a:p>
-          <a:p>
-            <a:pPr lvl="2"/>
-            <a:r>
-              <a:rPr lang="en-US" dirty="0" smtClean="0"/>
-              <a:t>Override bean creation and caching using scope attribute</a:t>
-            </a:r>
-          </a:p>
-          <a:p>
-            <a:pPr lvl="1"/>
-            <a:r>
-              <a:rPr lang="en-US" dirty="0" smtClean="0"/>
-              <a:t>Specify bean inter-dependencies using DI mechanism </a:t>
-            </a:r>
-          </a:p>
-          <a:p>
-            <a:pPr lvl="2"/>
-            <a:r>
-              <a:rPr lang="en-US" dirty="0" smtClean="0"/>
-              <a:t>Property setter , constructor , lookup –method , </a:t>
-            </a:r>
-            <a:r>
-              <a:rPr lang="en-US" dirty="0" err="1" smtClean="0"/>
-              <a:t>autowiring</a:t>
-            </a:r>
-            <a:endParaRPr lang="en-US" dirty="0" smtClean="0"/>
-          </a:p>
-          <a:p>
-            <a:r>
-              <a:rPr lang="en-US" dirty="0" smtClean="0"/>
-              <a:t>Access and use container –managed beans</a:t>
-            </a:r>
-          </a:p>
-          <a:p>
-            <a:pPr lvl="1"/>
-            <a:r>
-              <a:rPr lang="en-US" dirty="0" smtClean="0"/>
-              <a:t>The access and integration method is context-</a:t>
-            </a:r>
-            <a:r>
-              <a:rPr lang="en-US" dirty="0" err="1" smtClean="0"/>
-              <a:t>indenpendent</a:t>
-            </a:r>
-            <a:endParaRPr lang="en-US" dirty="0" smtClean="0"/>
-          </a:p>
-        </p:txBody>
-      </p:sp>
-    </p:spTree>
-    <p:extLst>
-      <p:ext uri="{BB962C8B-B14F-4D97-AF65-F5344CB8AC3E}">
-        <p14:creationId xmlns:p14="http://schemas.microsoft.com/office/powerpoint/2010/main" val="3581871479"/>
-      </p:ext>
-    </p:extLst>
-  </p:cSld>
-  <p:clrMapOvr>
-    <a:masterClrMapping/>
-  </p:clrMapOvr>
-  <p:timing>
-    <p:tnLst>
-      <p:par>
-        <p:cTn id="1" dur="indefinite" restart="never" nodeType="tmRoot"/>
-      </p:par>
-    </p:tnLst>
-  </p:timing>
-</p:sld>
-</file>
-
-<file path=ppt/slides/slide65.xml><?xml version="1.0" encoding="utf-8"?>
-<p:sld xmlns:a="http://schemas.openxmlformats.org/drawingml/2006/main" xmlns:r="http://schemas.openxmlformats.org/officeDocument/2006/relationships" xmlns:p="http://schemas.openxmlformats.org/presentationml/2006/main">
-  <p:cSld>
-    <p:spTree>
-      <p:nvGrpSpPr>
-        <p:cNvPr id="1" name=""/>
-        <p:cNvGrpSpPr/>
-        <p:nvPr/>
-      </p:nvGrpSpPr>
-      <p:grpSpPr>
-        <a:xfrm>
-          <a:off x="0" y="0"/>
-          <a:ext cx="0" cy="0"/>
-          <a:chOff x="0" y="0"/>
-          <a:chExt cx="0" cy="0"/>
-        </a:xfrm>
-      </p:grpSpPr>
-      <p:sp>
-        <p:nvSpPr>
-          <p:cNvPr id="2" name="Title 1"/>
-          <p:cNvSpPr>
-            <a:spLocks noGrp="1"/>
-          </p:cNvSpPr>
-          <p:nvPr>
-            <p:ph type="title"/>
-          </p:nvPr>
-        </p:nvSpPr>
-        <p:spPr/>
-        <p:txBody>
-          <a:bodyPr/>
-          <a:lstStyle/>
-          <a:p>
-            <a:r>
-              <a:rPr lang="en-US" dirty="0" smtClean="0"/>
-              <a:t>Summary</a:t>
-            </a:r>
-            <a:endParaRPr lang="en-GB" dirty="0"/>
-          </a:p>
-        </p:txBody>
-      </p:sp>
-      <p:sp>
-        <p:nvSpPr>
-          <p:cNvPr id="3" name="Content Placeholder 2"/>
-          <p:cNvSpPr>
-            <a:spLocks noGrp="1"/>
-          </p:cNvSpPr>
-          <p:nvPr>
-            <p:ph idx="1"/>
-          </p:nvPr>
-        </p:nvSpPr>
-        <p:spPr/>
-        <p:txBody>
-          <a:bodyPr>
-            <a:normAutofit/>
+            <a:normAutofit fontScale="77500" lnSpcReduction="20000"/>
           </a:bodyPr>
           <a:lstStyle/>
           <a:p>
@@ -10309,7 +9865,7 @@
 </p:sld>
 </file>
 
-<file path=ppt/slides/slide66.xml><?xml version="1.0" encoding="utf-8"?>
+<file path=ppt/slides/slide62.xml><?xml version="1.0" encoding="utf-8"?>
 <p:sld xmlns:a="http://schemas.openxmlformats.org/drawingml/2006/main" xmlns:r="http://schemas.openxmlformats.org/officeDocument/2006/relationships" xmlns:p="http://schemas.openxmlformats.org/presentationml/2006/main">
   <p:cSld>
     <p:spTree>
@@ -10658,8 +10214,8 @@
         </p:blipFill>
         <p:spPr>
           <a:xfrm>
-            <a:off x="2193747" y="3668889"/>
-            <a:ext cx="7813725" cy="2472267"/>
+            <a:off x="2201334" y="4086578"/>
+            <a:ext cx="7599650" cy="2404533"/>
           </a:xfrm>
           <a:prstGeom prst="rect">
             <a:avLst/>
@@ -10794,9 +10350,9 @@
 </file>
 
 <file path=ppt/theme/theme1.xml><?xml version="1.0" encoding="utf-8"?>
-<a:theme xmlns:a="http://schemas.openxmlformats.org/drawingml/2006/main" name="Basis">
+<a:theme xmlns:a="http://schemas.openxmlformats.org/drawingml/2006/main" name="Template">
   <a:themeElements>
-    <a:clrScheme name="Basis">
+    <a:clrScheme name="Template 1">
       <a:dk1>
         <a:srgbClr val="000000"/>
       </a:dk1>
@@ -10804,160 +10360,127 @@
         <a:srgbClr val="FFFFFF"/>
       </a:lt1>
       <a:dk2>
-        <a:srgbClr val="565349"/>
+        <a:srgbClr val="000000"/>
       </a:dk2>
       <a:lt2>
-        <a:srgbClr val="DDDDDD"/>
+        <a:srgbClr val="808080"/>
       </a:lt2>
       <a:accent1>
-        <a:srgbClr val="A6B727"/>
+        <a:srgbClr val="BBE0E3"/>
       </a:accent1>
       <a:accent2>
-        <a:srgbClr val="DF5327"/>
+        <a:srgbClr val="333399"/>
       </a:accent2>
       <a:accent3>
-        <a:srgbClr val="FE9E00"/>
+        <a:srgbClr val="FFFFFF"/>
       </a:accent3>
       <a:accent4>
-        <a:srgbClr val="418AB3"/>
+        <a:srgbClr val="000000"/>
       </a:accent4>
       <a:accent5>
-        <a:srgbClr val="D7D447"/>
+        <a:srgbClr val="DAEDEF"/>
       </a:accent5>
       <a:accent6>
-        <a:srgbClr val="818183"/>
+        <a:srgbClr val="2D2D8A"/>
       </a:accent6>
       <a:hlink>
-        <a:srgbClr val="F59E00"/>
+        <a:srgbClr val="009999"/>
       </a:hlink>
       <a:folHlink>
-        <a:srgbClr val="B2B2B2"/>
+        <a:srgbClr val="99CC00"/>
       </a:folHlink>
     </a:clrScheme>
-    <a:fontScheme name="Basis">
+    <a:fontScheme name="Template">
       <a:majorFont>
-        <a:latin typeface="Corbel" panose="020B0503020204020204"/>
+        <a:latin typeface="Arial"/>
         <a:ea typeface=""/>
-        <a:cs typeface=""/>
-        <a:font script="Jpan" typeface="ＭＳ ゴシック"/>
-        <a:font script="Hang" typeface="맑은 고딕"/>
-        <a:font script="Hans" typeface="宋体"/>
-        <a:font script="Hant" typeface="新細明體"/>
-        <a:font script="Arab" typeface="Tahoma"/>
-        <a:font script="Hebr" typeface="Gisha"/>
-        <a:font script="Thai" typeface="DilleniaUPC"/>
-        <a:font script="Ethi" typeface="Nyala"/>
-        <a:font script="Beng" typeface="Vrinda"/>
-        <a:font script="Gujr" typeface="Shruti"/>
-        <a:font script="Khmr" typeface="DaunPenh"/>
-        <a:font script="Knda" typeface="Tunga"/>
-        <a:font script="Guru" typeface="Raavi"/>
-        <a:font script="Cans" typeface="Euphemia"/>
-        <a:font script="Cher" typeface="Plantagenet Cherokee"/>
-        <a:font script="Yiii" typeface="Microsoft Yi Baiti"/>
-        <a:font script="Tibt" typeface="Microsoft Himalaya"/>
-        <a:font script="Thaa" typeface="MV Boli"/>
-        <a:font script="Deva" typeface="Mangal"/>
-        <a:font script="Telu" typeface="Gautami"/>
-        <a:font script="Taml" typeface="Latha"/>
-        <a:font script="Syrc" typeface="Estrangelo Edessa"/>
-        <a:font script="Orya" typeface="Kalinga"/>
-        <a:font script="Mlym" typeface="Kartika"/>
-        <a:font script="Laoo" typeface="DokChampa"/>
-        <a:font script="Sinh" typeface="Iskoola Pota"/>
-        <a:font script="Mong" typeface="Mongolian Baiti"/>
-        <a:font script="Viet" typeface="Tahoma"/>
-        <a:font script="Uigh" typeface="Microsoft Uighur"/>
-        <a:font script="Geor" typeface="Sylfaen"/>
+        <a:cs typeface="Arial"/>
       </a:majorFont>
       <a:minorFont>
-        <a:latin typeface="Corbel" panose="020B0503020204020204"/>
+        <a:latin typeface="Arial"/>
         <a:ea typeface=""/>
-        <a:cs typeface=""/>
-        <a:font script="Jpan" typeface="ＭＳ ゴシック"/>
-        <a:font script="Hang" typeface="맑은 고딕"/>
-        <a:font script="Hans" typeface="宋体"/>
-        <a:font script="Hant" typeface="新細明體"/>
-        <a:font script="Arab" typeface="Tahoma"/>
-        <a:font script="Hebr" typeface="Gisha"/>
-        <a:font script="Thai" typeface="DilleniaUPC"/>
-        <a:font script="Ethi" typeface="Nyala"/>
-        <a:font script="Beng" typeface="Vrinda"/>
-        <a:font script="Gujr" typeface="Shruti"/>
-        <a:font script="Khmr" typeface="DaunPenh"/>
-        <a:font script="Knda" typeface="Tunga"/>
-        <a:font script="Guru" typeface="Raavi"/>
-        <a:font script="Cans" typeface="Euphemia"/>
-        <a:font script="Cher" typeface="Plantagenet Cherokee"/>
-        <a:font script="Yiii" typeface="Microsoft Yi Baiti"/>
-        <a:font script="Tibt" typeface="Microsoft Himalaya"/>
-        <a:font script="Thaa" typeface="MV Boli"/>
-        <a:font script="Deva" typeface="Mangal"/>
-        <a:font script="Telu" typeface="Gautami"/>
-        <a:font script="Taml" typeface="Latha"/>
-        <a:font script="Syrc" typeface="Estrangelo Edessa"/>
-        <a:font script="Orya" typeface="Kalinga"/>
-        <a:font script="Mlym" typeface="Kartika"/>
-        <a:font script="Laoo" typeface="DokChampa"/>
-        <a:font script="Sinh" typeface="Iskoola Pota"/>
-        <a:font script="Mong" typeface="Mongolian Baiti"/>
-        <a:font script="Viet" typeface="Verdana"/>
-        <a:font script="Uigh" typeface="Microsoft Uighur"/>
-        <a:font script="Geor" typeface="Sylfaen"/>
+        <a:cs typeface="Arial"/>
       </a:minorFont>
     </a:fontScheme>
-    <a:fmtScheme name="Basis">
+    <a:fmtScheme name="Office">
       <a:fillStyleLst>
         <a:solidFill>
           <a:schemeClr val="phClr"/>
         </a:solidFill>
-        <a:solidFill>
-          <a:schemeClr val="phClr">
-            <a:tint val="55000"/>
-            <a:satMod val="130000"/>
-          </a:schemeClr>
-        </a:solidFill>
         <a:gradFill rotWithShape="1">
           <a:gsLst>
             <a:gs pos="0">
-              <a:schemeClr val="phClr"/>
+              <a:schemeClr val="phClr">
+                <a:lumMod val="110000"/>
+                <a:satMod val="105000"/>
+                <a:tint val="67000"/>
+              </a:schemeClr>
             </a:gs>
-            <a:gs pos="90000">
+            <a:gs pos="50000">
               <a:schemeClr val="phClr">
-                <a:shade val="100000"/>
-                <a:satMod val="105000"/>
+                <a:lumMod val="105000"/>
+                <a:satMod val="103000"/>
+                <a:tint val="73000"/>
               </a:schemeClr>
             </a:gs>
             <a:gs pos="100000">
               <a:schemeClr val="phClr">
-                <a:shade val="80000"/>
-                <a:satMod val="120000"/>
+                <a:lumMod val="105000"/>
+                <a:satMod val="109000"/>
+                <a:tint val="81000"/>
               </a:schemeClr>
             </a:gs>
           </a:gsLst>
-          <a:path path="circle">
-            <a:fillToRect l="100000" t="100000" r="100000" b="100000"/>
-          </a:path>
+          <a:lin ang="5400000" scaled="0"/>
+        </a:gradFill>
+        <a:gradFill rotWithShape="1">
+          <a:gsLst>
+            <a:gs pos="0">
+              <a:schemeClr val="phClr">
+                <a:satMod val="103000"/>
+                <a:lumMod val="102000"/>
+                <a:tint val="94000"/>
+              </a:schemeClr>
+            </a:gs>
+            <a:gs pos="50000">
+              <a:schemeClr val="phClr">
+                <a:satMod val="110000"/>
+                <a:lumMod val="100000"/>
+                <a:shade val="100000"/>
+              </a:schemeClr>
+            </a:gs>
+            <a:gs pos="100000">
+              <a:schemeClr val="phClr">
+                <a:lumMod val="99000"/>
+                <a:satMod val="120000"/>
+                <a:shade val="78000"/>
+              </a:schemeClr>
+            </a:gs>
+          </a:gsLst>
+          <a:lin ang="5400000" scaled="0"/>
         </a:gradFill>
       </a:fillStyleLst>
       <a:lnStyleLst>
-        <a:ln w="10000" cap="flat" cmpd="sng" algn="ctr">
+        <a:ln w="6350" cap="flat" cmpd="sng" algn="ctr">
           <a:solidFill>
             <a:schemeClr val="phClr"/>
           </a:solidFill>
           <a:prstDash val="solid"/>
+          <a:miter lim="800000"/>
+        </a:ln>
+        <a:ln w="12700" cap="flat" cmpd="sng" algn="ctr">
+          <a:solidFill>
+            <a:schemeClr val="phClr"/>
+          </a:solidFill>
+          <a:prstDash val="solid"/>
+          <a:miter lim="800000"/>
         </a:ln>
         <a:ln w="19050" cap="flat" cmpd="sng" algn="ctr">
           <a:solidFill>
             <a:schemeClr val="phClr"/>
           </a:solidFill>
           <a:prstDash val="solid"/>
-        </a:ln>
-        <a:ln w="53975" cap="flat" cmpd="dbl" algn="ctr">
-          <a:solidFill>
-            <a:schemeClr val="phClr"/>
-          </a:solidFill>
-          <a:prstDash val="solid"/>
+          <a:miter lim="800000"/>
         </a:ln>
       </a:lnStyleLst>
       <a:effectStyleLst>
@@ -10965,37 +10488,16 @@
           <a:effectLst/>
         </a:effectStyle>
         <a:effectStyle>
+          <a:effectLst/>
+        </a:effectStyle>
+        <a:effectStyle>
           <a:effectLst>
-            <a:outerShdw blurRad="38100" dist="25400" dir="5400000" rotWithShape="0">
+            <a:outerShdw blurRad="57150" dist="19050" dir="5400000" algn="ctr" rotWithShape="0">
               <a:srgbClr val="000000">
-                <a:alpha val="45000"/>
+                <a:alpha val="63000"/>
               </a:srgbClr>
             </a:outerShdw>
           </a:effectLst>
-        </a:effectStyle>
-        <a:effectStyle>
-          <a:effectLst>
-            <a:outerShdw blurRad="38100" dist="25400" dir="5400000" rotWithShape="0">
-              <a:srgbClr val="000000">
-                <a:alpha val="45000"/>
-              </a:srgbClr>
-            </a:outerShdw>
-          </a:effectLst>
-          <a:scene3d>
-            <a:camera prst="orthographicFront">
-              <a:rot lat="0" lon="0" rev="0"/>
-            </a:camera>
-            <a:lightRig rig="brightRoom" dir="t"/>
-          </a:scene3d>
-          <a:sp3d extrusionH="12700" contourW="25400" prstMaterial="flat">
-            <a:bevelT w="63500" h="152400" prst="angle"/>
-            <a:contourClr>
-              <a:schemeClr val="phClr">
-                <a:shade val="27000"/>
-                <a:satMod val="120000"/>
-              </a:schemeClr>
-            </a:contourClr>
-          </a:sp3d>
         </a:effectStyle>
       </a:effectStyleLst>
       <a:bgFillStyleLst>
@@ -11005,26 +10507,686 @@
         <a:solidFill>
           <a:schemeClr val="phClr">
             <a:tint val="95000"/>
-            <a:shade val="95000"/>
-            <a:satMod val="140000"/>
+            <a:satMod val="170000"/>
           </a:schemeClr>
         </a:solidFill>
-        <a:solidFill>
-          <a:schemeClr val="phClr">
-            <a:tint val="90000"/>
-            <a:shade val="85000"/>
-            <a:satMod val="160000"/>
-            <a:lumMod val="110000"/>
-          </a:schemeClr>
-        </a:solidFill>
+        <a:gradFill rotWithShape="1">
+          <a:gsLst>
+            <a:gs pos="0">
+              <a:schemeClr val="phClr">
+                <a:tint val="93000"/>
+                <a:satMod val="150000"/>
+                <a:shade val="98000"/>
+                <a:lumMod val="102000"/>
+              </a:schemeClr>
+            </a:gs>
+            <a:gs pos="50000">
+              <a:schemeClr val="phClr">
+                <a:tint val="98000"/>
+                <a:satMod val="130000"/>
+                <a:shade val="90000"/>
+                <a:lumMod val="103000"/>
+              </a:schemeClr>
+            </a:gs>
+            <a:gs pos="100000">
+              <a:schemeClr val="phClr">
+                <a:shade val="63000"/>
+                <a:satMod val="120000"/>
+              </a:schemeClr>
+            </a:gs>
+          </a:gsLst>
+          <a:lin ang="5400000" scaled="0"/>
+        </a:gradFill>
       </a:bgFillStyleLst>
     </a:fmtScheme>
   </a:themeElements>
-  <a:objectDefaults/>
-  <a:extraClrSchemeLst/>
+  <a:objectDefaults>
+    <a:spDef>
+      <a:spPr bwMode="auto">
+        <a:xfrm>
+          <a:off x="0" y="0"/>
+          <a:ext cx="1" cy="1"/>
+        </a:xfrm>
+        <a:custGeom>
+          <a:avLst/>
+          <a:gdLst/>
+          <a:ahLst/>
+          <a:cxnLst/>
+          <a:rect l="0" t="0" r="0" b="0"/>
+          <a:pathLst/>
+        </a:custGeom>
+        <a:solidFill>
+          <a:schemeClr val="accent1"/>
+        </a:solidFill>
+        <a:ln w="9525" cap="flat" cmpd="sng" algn="ctr">
+          <a:solidFill>
+            <a:schemeClr val="tx1"/>
+          </a:solidFill>
+          <a:prstDash val="solid"/>
+          <a:round/>
+          <a:headEnd type="none" w="med" len="med"/>
+          <a:tailEnd type="none" w="med" len="med"/>
+        </a:ln>
+        <a:effectLst/>
+        <a:extLst>
+          <a:ext uri="{AF507438-7753-43E0-B8FC-AC1667EBCBE1}">
+            <a14:hiddenEffects xmlns:a14="http://schemas.microsoft.com/office/drawing/2010/main">
+              <a:effectLst>
+                <a:outerShdw dist="35921" dir="2700000" algn="ctr" rotWithShape="0">
+                  <a:schemeClr val="bg2"/>
+                </a:outerShdw>
+              </a:effectLst>
+            </a14:hiddenEffects>
+          </a:ext>
+        </a:extLst>
+      </a:spPr>
+      <a:bodyPr vert="horz" wrap="square" lIns="91440" tIns="45720" rIns="91440" bIns="45720" numCol="1" anchor="t" anchorCtr="0" compatLnSpc="1">
+        <a:prstTxWarp prst="textNoShape">
+          <a:avLst/>
+        </a:prstTxWarp>
+      </a:bodyPr>
+      <a:lstStyle>
+        <a:defPPr marL="0" marR="0" indent="0" algn="l" defTabSz="914400" rtl="0" eaLnBrk="1" fontAlgn="base" latinLnBrk="0" hangingPunct="1">
+          <a:lnSpc>
+            <a:spcPct val="100000"/>
+          </a:lnSpc>
+          <a:spcBef>
+            <a:spcPct val="0"/>
+          </a:spcBef>
+          <a:spcAft>
+            <a:spcPct val="0"/>
+          </a:spcAft>
+          <a:buClrTx/>
+          <a:buSzTx/>
+          <a:buFont typeface="Arial" panose="020B0604020202020204" pitchFamily="34" charset="0"/>
+          <a:buNone/>
+          <a:tabLst/>
+          <a:defRPr kumimoji="0" lang="es-ES" altLang="en-US" sz="1800" b="0" i="0" u="none" strike="noStrike" cap="none" normalizeH="0" baseline="0" smtClean="0">
+            <a:ln>
+              <a:noFill/>
+            </a:ln>
+            <a:solidFill>
+              <a:schemeClr val="tx1"/>
+            </a:solidFill>
+            <a:effectLst/>
+            <a:latin typeface="Arial" panose="020B0604020202020204" pitchFamily="34" charset="0"/>
+            <a:cs typeface="Arial" panose="020B0604020202020204" pitchFamily="34" charset="0"/>
+          </a:defRPr>
+        </a:defPPr>
+      </a:lstStyle>
+    </a:spDef>
+    <a:lnDef>
+      <a:spPr bwMode="auto">
+        <a:xfrm>
+          <a:off x="0" y="0"/>
+          <a:ext cx="1" cy="1"/>
+        </a:xfrm>
+        <a:custGeom>
+          <a:avLst/>
+          <a:gdLst/>
+          <a:ahLst/>
+          <a:cxnLst/>
+          <a:rect l="0" t="0" r="0" b="0"/>
+          <a:pathLst/>
+        </a:custGeom>
+        <a:solidFill>
+          <a:schemeClr val="accent1"/>
+        </a:solidFill>
+        <a:ln w="9525" cap="flat" cmpd="sng" algn="ctr">
+          <a:solidFill>
+            <a:schemeClr val="tx1"/>
+          </a:solidFill>
+          <a:prstDash val="solid"/>
+          <a:round/>
+          <a:headEnd type="none" w="med" len="med"/>
+          <a:tailEnd type="none" w="med" len="med"/>
+        </a:ln>
+        <a:effectLst/>
+        <a:extLst>
+          <a:ext uri="{AF507438-7753-43E0-B8FC-AC1667EBCBE1}">
+            <a14:hiddenEffects xmlns:a14="http://schemas.microsoft.com/office/drawing/2010/main">
+              <a:effectLst>
+                <a:outerShdw dist="35921" dir="2700000" algn="ctr" rotWithShape="0">
+                  <a:schemeClr val="bg2"/>
+                </a:outerShdw>
+              </a:effectLst>
+            </a14:hiddenEffects>
+          </a:ext>
+        </a:extLst>
+      </a:spPr>
+      <a:bodyPr vert="horz" wrap="square" lIns="91440" tIns="45720" rIns="91440" bIns="45720" numCol="1" anchor="t" anchorCtr="0" compatLnSpc="1">
+        <a:prstTxWarp prst="textNoShape">
+          <a:avLst/>
+        </a:prstTxWarp>
+      </a:bodyPr>
+      <a:lstStyle>
+        <a:defPPr marL="0" marR="0" indent="0" algn="l" defTabSz="914400" rtl="0" eaLnBrk="1" fontAlgn="base" latinLnBrk="0" hangingPunct="1">
+          <a:lnSpc>
+            <a:spcPct val="100000"/>
+          </a:lnSpc>
+          <a:spcBef>
+            <a:spcPct val="0"/>
+          </a:spcBef>
+          <a:spcAft>
+            <a:spcPct val="0"/>
+          </a:spcAft>
+          <a:buClrTx/>
+          <a:buSzTx/>
+          <a:buFont typeface="Arial" panose="020B0604020202020204" pitchFamily="34" charset="0"/>
+          <a:buNone/>
+          <a:tabLst/>
+          <a:defRPr kumimoji="0" lang="es-ES" altLang="en-US" sz="1800" b="0" i="0" u="none" strike="noStrike" cap="none" normalizeH="0" baseline="0" smtClean="0">
+            <a:ln>
+              <a:noFill/>
+            </a:ln>
+            <a:solidFill>
+              <a:schemeClr val="tx1"/>
+            </a:solidFill>
+            <a:effectLst/>
+            <a:latin typeface="Arial" panose="020B0604020202020204" pitchFamily="34" charset="0"/>
+            <a:cs typeface="Arial" panose="020B0604020202020204" pitchFamily="34" charset="0"/>
+          </a:defRPr>
+        </a:defPPr>
+      </a:lstStyle>
+    </a:lnDef>
+  </a:objectDefaults>
+  <a:extraClrSchemeLst>
+    <a:extraClrScheme>
+      <a:clrScheme name="Template 1">
+        <a:dk1>
+          <a:srgbClr val="000000"/>
+        </a:dk1>
+        <a:lt1>
+          <a:srgbClr val="FFFFFF"/>
+        </a:lt1>
+        <a:dk2>
+          <a:srgbClr val="000000"/>
+        </a:dk2>
+        <a:lt2>
+          <a:srgbClr val="808080"/>
+        </a:lt2>
+        <a:accent1>
+          <a:srgbClr val="BBE0E3"/>
+        </a:accent1>
+        <a:accent2>
+          <a:srgbClr val="333399"/>
+        </a:accent2>
+        <a:accent3>
+          <a:srgbClr val="FFFFFF"/>
+        </a:accent3>
+        <a:accent4>
+          <a:srgbClr val="000000"/>
+        </a:accent4>
+        <a:accent5>
+          <a:srgbClr val="DAEDEF"/>
+        </a:accent5>
+        <a:accent6>
+          <a:srgbClr val="2D2D8A"/>
+        </a:accent6>
+        <a:hlink>
+          <a:srgbClr val="009999"/>
+        </a:hlink>
+        <a:folHlink>
+          <a:srgbClr val="99CC00"/>
+        </a:folHlink>
+      </a:clrScheme>
+      <a:clrMap bg1="lt1" tx1="dk1" bg2="lt2" tx2="dk2" accent1="accent1" accent2="accent2" accent3="accent3" accent4="accent4" accent5="accent5" accent6="accent6" hlink="hlink" folHlink="folHlink"/>
+    </a:extraClrScheme>
+    <a:extraClrScheme>
+      <a:clrScheme name="Template 2">
+        <a:dk1>
+          <a:srgbClr val="000000"/>
+        </a:dk1>
+        <a:lt1>
+          <a:srgbClr val="FFFFFF"/>
+        </a:lt1>
+        <a:dk2>
+          <a:srgbClr val="000000"/>
+        </a:dk2>
+        <a:lt2>
+          <a:srgbClr val="969696"/>
+        </a:lt2>
+        <a:accent1>
+          <a:srgbClr val="FBDF53"/>
+        </a:accent1>
+        <a:accent2>
+          <a:srgbClr val="FF9966"/>
+        </a:accent2>
+        <a:accent3>
+          <a:srgbClr val="FFFFFF"/>
+        </a:accent3>
+        <a:accent4>
+          <a:srgbClr val="000000"/>
+        </a:accent4>
+        <a:accent5>
+          <a:srgbClr val="FDECB3"/>
+        </a:accent5>
+        <a:accent6>
+          <a:srgbClr val="E78A5C"/>
+        </a:accent6>
+        <a:hlink>
+          <a:srgbClr val="CC3300"/>
+        </a:hlink>
+        <a:folHlink>
+          <a:srgbClr val="996600"/>
+        </a:folHlink>
+      </a:clrScheme>
+      <a:clrMap bg1="lt1" tx1="dk1" bg2="lt2" tx2="dk2" accent1="accent1" accent2="accent2" accent3="accent3" accent4="accent4" accent5="accent5" accent6="accent6" hlink="hlink" folHlink="folHlink"/>
+    </a:extraClrScheme>
+    <a:extraClrScheme>
+      <a:clrScheme name="Template 3">
+        <a:dk1>
+          <a:srgbClr val="000000"/>
+        </a:dk1>
+        <a:lt1>
+          <a:srgbClr val="FFFFFF"/>
+        </a:lt1>
+        <a:dk2>
+          <a:srgbClr val="000000"/>
+        </a:dk2>
+        <a:lt2>
+          <a:srgbClr val="808080"/>
+        </a:lt2>
+        <a:accent1>
+          <a:srgbClr val="99CCFF"/>
+        </a:accent1>
+        <a:accent2>
+          <a:srgbClr val="CCCCFF"/>
+        </a:accent2>
+        <a:accent3>
+          <a:srgbClr val="FFFFFF"/>
+        </a:accent3>
+        <a:accent4>
+          <a:srgbClr val="000000"/>
+        </a:accent4>
+        <a:accent5>
+          <a:srgbClr val="CAE2FF"/>
+        </a:accent5>
+        <a:accent6>
+          <a:srgbClr val="B9B9E7"/>
+        </a:accent6>
+        <a:hlink>
+          <a:srgbClr val="3333CC"/>
+        </a:hlink>
+        <a:folHlink>
+          <a:srgbClr val="AF67FF"/>
+        </a:folHlink>
+      </a:clrScheme>
+      <a:clrMap bg1="lt1" tx1="dk1" bg2="lt2" tx2="dk2" accent1="accent1" accent2="accent2" accent3="accent3" accent4="accent4" accent5="accent5" accent6="accent6" hlink="hlink" folHlink="folHlink"/>
+    </a:extraClrScheme>
+    <a:extraClrScheme>
+      <a:clrScheme name="Template 4">
+        <a:dk1>
+          <a:srgbClr val="000000"/>
+        </a:dk1>
+        <a:lt1>
+          <a:srgbClr val="DEF6F1"/>
+        </a:lt1>
+        <a:dk2>
+          <a:srgbClr val="000000"/>
+        </a:dk2>
+        <a:lt2>
+          <a:srgbClr val="969696"/>
+        </a:lt2>
+        <a:accent1>
+          <a:srgbClr val="FFFFFF"/>
+        </a:accent1>
+        <a:accent2>
+          <a:srgbClr val="8DC6FF"/>
+        </a:accent2>
+        <a:accent3>
+          <a:srgbClr val="ECFAF7"/>
+        </a:accent3>
+        <a:accent4>
+          <a:srgbClr val="000000"/>
+        </a:accent4>
+        <a:accent5>
+          <a:srgbClr val="FFFFFF"/>
+        </a:accent5>
+        <a:accent6>
+          <a:srgbClr val="7FB3E7"/>
+        </a:accent6>
+        <a:hlink>
+          <a:srgbClr val="0066CC"/>
+        </a:hlink>
+        <a:folHlink>
+          <a:srgbClr val="00A800"/>
+        </a:folHlink>
+      </a:clrScheme>
+      <a:clrMap bg1="lt1" tx1="dk1" bg2="lt2" tx2="dk2" accent1="accent1" accent2="accent2" accent3="accent3" accent4="accent4" accent5="accent5" accent6="accent6" hlink="hlink" folHlink="folHlink"/>
+    </a:extraClrScheme>
+    <a:extraClrScheme>
+      <a:clrScheme name="Template 5">
+        <a:dk1>
+          <a:srgbClr val="000000"/>
+        </a:dk1>
+        <a:lt1>
+          <a:srgbClr val="FFFFD9"/>
+        </a:lt1>
+        <a:dk2>
+          <a:srgbClr val="000000"/>
+        </a:dk2>
+        <a:lt2>
+          <a:srgbClr val="777777"/>
+        </a:lt2>
+        <a:accent1>
+          <a:srgbClr val="FFFFF7"/>
+        </a:accent1>
+        <a:accent2>
+          <a:srgbClr val="33CCCC"/>
+        </a:accent2>
+        <a:accent3>
+          <a:srgbClr val="FFFFE9"/>
+        </a:accent3>
+        <a:accent4>
+          <a:srgbClr val="000000"/>
+        </a:accent4>
+        <a:accent5>
+          <a:srgbClr val="FFFFFA"/>
+        </a:accent5>
+        <a:accent6>
+          <a:srgbClr val="2DB9B9"/>
+        </a:accent6>
+        <a:hlink>
+          <a:srgbClr val="FF5050"/>
+        </a:hlink>
+        <a:folHlink>
+          <a:srgbClr val="FF9900"/>
+        </a:folHlink>
+      </a:clrScheme>
+      <a:clrMap bg1="lt1" tx1="dk1" bg2="lt2" tx2="dk2" accent1="accent1" accent2="accent2" accent3="accent3" accent4="accent4" accent5="accent5" accent6="accent6" hlink="hlink" folHlink="folHlink"/>
+    </a:extraClrScheme>
+    <a:extraClrScheme>
+      <a:clrScheme name="Template 6">
+        <a:dk1>
+          <a:srgbClr val="005A58"/>
+        </a:dk1>
+        <a:lt1>
+          <a:srgbClr val="FFFFFF"/>
+        </a:lt1>
+        <a:dk2>
+          <a:srgbClr val="008080"/>
+        </a:dk2>
+        <a:lt2>
+          <a:srgbClr val="FFFF99"/>
+        </a:lt2>
+        <a:accent1>
+          <a:srgbClr val="006462"/>
+        </a:accent1>
+        <a:accent2>
+          <a:srgbClr val="6D6FC7"/>
+        </a:accent2>
+        <a:accent3>
+          <a:srgbClr val="AAC0C0"/>
+        </a:accent3>
+        <a:accent4>
+          <a:srgbClr val="DADADA"/>
+        </a:accent4>
+        <a:accent5>
+          <a:srgbClr val="AAB8B7"/>
+        </a:accent5>
+        <a:accent6>
+          <a:srgbClr val="6264B4"/>
+        </a:accent6>
+        <a:hlink>
+          <a:srgbClr val="00FFFF"/>
+        </a:hlink>
+        <a:folHlink>
+          <a:srgbClr val="00FF00"/>
+        </a:folHlink>
+      </a:clrScheme>
+      <a:clrMap bg1="dk2" tx1="lt1" bg2="dk1" tx2="lt2" accent1="accent1" accent2="accent2" accent3="accent3" accent4="accent4" accent5="accent5" accent6="accent6" hlink="hlink" folHlink="folHlink"/>
+    </a:extraClrScheme>
+    <a:extraClrScheme>
+      <a:clrScheme name="Template 7">
+        <a:dk1>
+          <a:srgbClr val="5C1F00"/>
+        </a:dk1>
+        <a:lt1>
+          <a:srgbClr val="FFFFFF"/>
+        </a:lt1>
+        <a:dk2>
+          <a:srgbClr val="800000"/>
+        </a:dk2>
+        <a:lt2>
+          <a:srgbClr val="DFD293"/>
+        </a:lt2>
+        <a:accent1>
+          <a:srgbClr val="CC3300"/>
+        </a:accent1>
+        <a:accent2>
+          <a:srgbClr val="BE7960"/>
+        </a:accent2>
+        <a:accent3>
+          <a:srgbClr val="C0AAAA"/>
+        </a:accent3>
+        <a:accent4>
+          <a:srgbClr val="DADADA"/>
+        </a:accent4>
+        <a:accent5>
+          <a:srgbClr val="E2ADAA"/>
+        </a:accent5>
+        <a:accent6>
+          <a:srgbClr val="AC6D56"/>
+        </a:accent6>
+        <a:hlink>
+          <a:srgbClr val="FFFF99"/>
+        </a:hlink>
+        <a:folHlink>
+          <a:srgbClr val="D3A219"/>
+        </a:folHlink>
+      </a:clrScheme>
+      <a:clrMap bg1="dk2" tx1="lt1" bg2="dk1" tx2="lt2" accent1="accent1" accent2="accent2" accent3="accent3" accent4="accent4" accent5="accent5" accent6="accent6" hlink="hlink" folHlink="folHlink"/>
+    </a:extraClrScheme>
+    <a:extraClrScheme>
+      <a:clrScheme name="Template 8">
+        <a:dk1>
+          <a:srgbClr val="003366"/>
+        </a:dk1>
+        <a:lt1>
+          <a:srgbClr val="FFFFFF"/>
+        </a:lt1>
+        <a:dk2>
+          <a:srgbClr val="000099"/>
+        </a:dk2>
+        <a:lt2>
+          <a:srgbClr val="CCFFFF"/>
+        </a:lt2>
+        <a:accent1>
+          <a:srgbClr val="3366CC"/>
+        </a:accent1>
+        <a:accent2>
+          <a:srgbClr val="00B000"/>
+        </a:accent2>
+        <a:accent3>
+          <a:srgbClr val="AAAACA"/>
+        </a:accent3>
+        <a:accent4>
+          <a:srgbClr val="DADADA"/>
+        </a:accent4>
+        <a:accent5>
+          <a:srgbClr val="ADB8E2"/>
+        </a:accent5>
+        <a:accent6>
+          <a:srgbClr val="009F00"/>
+        </a:accent6>
+        <a:hlink>
+          <a:srgbClr val="66CCFF"/>
+        </a:hlink>
+        <a:folHlink>
+          <a:srgbClr val="FFE701"/>
+        </a:folHlink>
+      </a:clrScheme>
+      <a:clrMap bg1="dk2" tx1="lt1" bg2="dk1" tx2="lt2" accent1="accent1" accent2="accent2" accent3="accent3" accent4="accent4" accent5="accent5" accent6="accent6" hlink="hlink" folHlink="folHlink"/>
+    </a:extraClrScheme>
+    <a:extraClrScheme>
+      <a:clrScheme name="Template 9">
+        <a:dk1>
+          <a:srgbClr val="336699"/>
+        </a:dk1>
+        <a:lt1>
+          <a:srgbClr val="FFFFFF"/>
+        </a:lt1>
+        <a:dk2>
+          <a:srgbClr val="000000"/>
+        </a:dk2>
+        <a:lt2>
+          <a:srgbClr val="E3EBF1"/>
+        </a:lt2>
+        <a:accent1>
+          <a:srgbClr val="003399"/>
+        </a:accent1>
+        <a:accent2>
+          <a:srgbClr val="468A4B"/>
+        </a:accent2>
+        <a:accent3>
+          <a:srgbClr val="AAAAAA"/>
+        </a:accent3>
+        <a:accent4>
+          <a:srgbClr val="DADADA"/>
+        </a:accent4>
+        <a:accent5>
+          <a:srgbClr val="AAADCA"/>
+        </a:accent5>
+        <a:accent6>
+          <a:srgbClr val="3F7D43"/>
+        </a:accent6>
+        <a:hlink>
+          <a:srgbClr val="66CCFF"/>
+        </a:hlink>
+        <a:folHlink>
+          <a:srgbClr val="F0E500"/>
+        </a:folHlink>
+      </a:clrScheme>
+      <a:clrMap bg1="dk2" tx1="lt1" bg2="dk1" tx2="lt2" accent1="accent1" accent2="accent2" accent3="accent3" accent4="accent4" accent5="accent5" accent6="accent6" hlink="hlink" folHlink="folHlink"/>
+    </a:extraClrScheme>
+    <a:extraClrScheme>
+      <a:clrScheme name="Template 10">
+        <a:dk1>
+          <a:srgbClr val="777777"/>
+        </a:dk1>
+        <a:lt1>
+          <a:srgbClr val="FFFFFF"/>
+        </a:lt1>
+        <a:dk2>
+          <a:srgbClr val="686B5D"/>
+        </a:dk2>
+        <a:lt2>
+          <a:srgbClr val="D1D1CB"/>
+        </a:lt2>
+        <a:accent1>
+          <a:srgbClr val="909082"/>
+        </a:accent1>
+        <a:accent2>
+          <a:srgbClr val="809EA8"/>
+        </a:accent2>
+        <a:accent3>
+          <a:srgbClr val="B9BAB6"/>
+        </a:accent3>
+        <a:accent4>
+          <a:srgbClr val="DADADA"/>
+        </a:accent4>
+        <a:accent5>
+          <a:srgbClr val="C6C6C1"/>
+        </a:accent5>
+        <a:accent6>
+          <a:srgbClr val="738F98"/>
+        </a:accent6>
+        <a:hlink>
+          <a:srgbClr val="FFCC66"/>
+        </a:hlink>
+        <a:folHlink>
+          <a:srgbClr val="E9DCB9"/>
+        </a:folHlink>
+      </a:clrScheme>
+      <a:clrMap bg1="dk2" tx1="lt1" bg2="dk1" tx2="lt2" accent1="accent1" accent2="accent2" accent3="accent3" accent4="accent4" accent5="accent5" accent6="accent6" hlink="hlink" folHlink="folHlink"/>
+    </a:extraClrScheme>
+    <a:extraClrScheme>
+      <a:clrScheme name="Template 11">
+        <a:dk1>
+          <a:srgbClr val="3E3E5C"/>
+        </a:dk1>
+        <a:lt1>
+          <a:srgbClr val="FFFFFF"/>
+        </a:lt1>
+        <a:dk2>
+          <a:srgbClr val="666699"/>
+        </a:dk2>
+        <a:lt2>
+          <a:srgbClr val="FFFFFF"/>
+        </a:lt2>
+        <a:accent1>
+          <a:srgbClr val="60597B"/>
+        </a:accent1>
+        <a:accent2>
+          <a:srgbClr val="6666FF"/>
+        </a:accent2>
+        <a:accent3>
+          <a:srgbClr val="B8B8CA"/>
+        </a:accent3>
+        <a:accent4>
+          <a:srgbClr val="DADADA"/>
+        </a:accent4>
+        <a:accent5>
+          <a:srgbClr val="B6B5BF"/>
+        </a:accent5>
+        <a:accent6>
+          <a:srgbClr val="5C5CE7"/>
+        </a:accent6>
+        <a:hlink>
+          <a:srgbClr val="99CCFF"/>
+        </a:hlink>
+        <a:folHlink>
+          <a:srgbClr val="FFFF99"/>
+        </a:folHlink>
+      </a:clrScheme>
+      <a:clrMap bg1="dk2" tx1="lt1" bg2="dk1" tx2="lt2" accent1="accent1" accent2="accent2" accent3="accent3" accent4="accent4" accent5="accent5" accent6="accent6" hlink="hlink" folHlink="folHlink"/>
+    </a:extraClrScheme>
+    <a:extraClrScheme>
+      <a:clrScheme name="Template 12">
+        <a:dk1>
+          <a:srgbClr val="2D2015"/>
+        </a:dk1>
+        <a:lt1>
+          <a:srgbClr val="FFFFFF"/>
+        </a:lt1>
+        <a:dk2>
+          <a:srgbClr val="523E26"/>
+        </a:dk2>
+        <a:lt2>
+          <a:srgbClr val="DFC08D"/>
+        </a:lt2>
+        <a:accent1>
+          <a:srgbClr val="8C7B70"/>
+        </a:accent1>
+        <a:accent2>
+          <a:srgbClr val="8F5F2F"/>
+        </a:accent2>
+        <a:accent3>
+          <a:srgbClr val="B3AFAC"/>
+        </a:accent3>
+        <a:accent4>
+          <a:srgbClr val="DADADA"/>
+        </a:accent4>
+        <a:accent5>
+          <a:srgbClr val="C5BFBB"/>
+        </a:accent5>
+        <a:accent6>
+          <a:srgbClr val="81552A"/>
+        </a:accent6>
+        <a:hlink>
+          <a:srgbClr val="CCB400"/>
+        </a:hlink>
+        <a:folHlink>
+          <a:srgbClr val="8C9EA0"/>
+        </a:folHlink>
+      </a:clrScheme>
+      <a:clrMap bg1="dk2" tx1="lt1" bg2="dk1" tx2="lt2" accent1="accent1" accent2="accent2" accent3="accent3" accent4="accent4" accent5="accent5" accent6="accent6" hlink="hlink" folHlink="folHlink"/>
+    </a:extraClrScheme>
+  </a:extraClrSchemeLst>
   <a:extLst>
     <a:ext uri="{05A4C25C-085E-4340-85A3-A5531E510DB2}">
-      <thm15:themeFamily xmlns:thm15="http://schemas.microsoft.com/office/thememl/2012/main" name="Basis" id="{5665723A-49BA-4B57-8411-A56F8F207965}" vid="{90E45F77-AEFC-46EF-A7C1-5B338C297B02}"/>
+      <thm15:themeFamily xmlns:thm15="http://schemas.microsoft.com/office/thememl/2012/main" name="Office Theme" id="{62F939B6-93AF-4DB8-9C6B-D6C7DFDC589F}" vid="{4A3C46E8-61CC-4603-A589-7422A47A8E4A}"/>
     </a:ext>
   </a:extLst>
 </a:theme>
